--- a/Slides/05_WebAPI_TrainingPlan.pptx
+++ b/Slides/05_WebAPI_TrainingPlan.pptx
@@ -5,7 +5,7 @@
     <p:sldMasterId id="2147483672" r:id="rId1"/>
   </p:sldMasterIdLst>
   <p:notesMasterIdLst>
-    <p:notesMasterId r:id="rId18"/>
+    <p:notesMasterId r:id="rId20"/>
   </p:notesMasterIdLst>
   <p:sldIdLst>
     <p:sldId id="256" r:id="rId2"/>
@@ -14,16 +14,18 @@
     <p:sldId id="300" r:id="rId5"/>
     <p:sldId id="321" r:id="rId6"/>
     <p:sldId id="305" r:id="rId7"/>
-    <p:sldId id="320" r:id="rId8"/>
-    <p:sldId id="318" r:id="rId9"/>
-    <p:sldId id="328" r:id="rId10"/>
-    <p:sldId id="323" r:id="rId11"/>
-    <p:sldId id="311" r:id="rId12"/>
-    <p:sldId id="325" r:id="rId13"/>
-    <p:sldId id="327" r:id="rId14"/>
-    <p:sldId id="324" r:id="rId15"/>
-    <p:sldId id="326" r:id="rId16"/>
-    <p:sldId id="329" r:id="rId17"/>
+    <p:sldId id="330" r:id="rId8"/>
+    <p:sldId id="320" r:id="rId9"/>
+    <p:sldId id="331" r:id="rId10"/>
+    <p:sldId id="318" r:id="rId11"/>
+    <p:sldId id="328" r:id="rId12"/>
+    <p:sldId id="323" r:id="rId13"/>
+    <p:sldId id="311" r:id="rId14"/>
+    <p:sldId id="325" r:id="rId15"/>
+    <p:sldId id="327" r:id="rId16"/>
+    <p:sldId id="324" r:id="rId17"/>
+    <p:sldId id="326" r:id="rId18"/>
+    <p:sldId id="329" r:id="rId19"/>
   </p:sldIdLst>
   <p:sldSz cx="12192000" cy="6858000"/>
   <p:notesSz cx="6858000" cy="9144000"/>
@@ -212,7 +214,7 @@
           <a:p>
             <a:fld id="{4BF743CC-1DEF-4052-93D3-94FD6541D9A8}" type="datetimeFigureOut">
               <a:rPr lang="en-US" smtClean="0"/>
-              <a:t>2/24/2018</a:t>
+              <a:t>6/4/2018</a:t>
             </a:fld>
             <a:endParaRPr lang="en-US"/>
           </a:p>
@@ -276,38 +278,37 @@
           <a:p>
             <a:pPr lvl="0"/>
             <a:r>
-              <a:rPr lang="en-US" smtClean="0"/>
+              <a:rPr lang="en-US"/>
               <a:t>Click to edit Master text styles</a:t>
             </a:r>
           </a:p>
           <a:p>
             <a:pPr lvl="1"/>
             <a:r>
-              <a:rPr lang="en-US" smtClean="0"/>
+              <a:rPr lang="en-US"/>
               <a:t>Second level</a:t>
             </a:r>
           </a:p>
           <a:p>
             <a:pPr lvl="2"/>
             <a:r>
-              <a:rPr lang="en-US" smtClean="0"/>
+              <a:rPr lang="en-US"/>
               <a:t>Third level</a:t>
             </a:r>
           </a:p>
           <a:p>
             <a:pPr lvl="3"/>
             <a:r>
-              <a:rPr lang="en-US" smtClean="0"/>
+              <a:rPr lang="en-US"/>
               <a:t>Fourth level</a:t>
             </a:r>
           </a:p>
           <a:p>
             <a:pPr lvl="4"/>
             <a:r>
-              <a:rPr lang="en-US" smtClean="0"/>
+              <a:rPr lang="en-US"/>
               <a:t>Fifth level</a:t>
             </a:r>
-            <a:endParaRPr lang="en-US"/>
           </a:p>
         </p:txBody>
       </p:sp>
@@ -529,7 +530,7 @@
               <a:buChar char="•"/>
             </a:pPr>
             <a:r>
-              <a:rPr lang="en-US" baseline="0" dirty="0" smtClean="0"/>
+              <a:rPr lang="en-US" baseline="0" dirty="0"/>
               <a:t>REST is an architectural style that is protocol independent.</a:t>
             </a:r>
           </a:p>
@@ -539,7 +540,7 @@
               <a:buChar char="•"/>
             </a:pPr>
             <a:r>
-              <a:rPr lang="en-US" baseline="0" dirty="0" smtClean="0"/>
+              <a:rPr lang="en-US" baseline="0" dirty="0"/>
               <a:t>It requires client server communication similar to how a browser interacts with a server.</a:t>
             </a:r>
           </a:p>
@@ -549,7 +550,7 @@
               <a:buChar char="•"/>
             </a:pPr>
             <a:r>
-              <a:rPr lang="en-US" baseline="0" dirty="0" smtClean="0"/>
+              <a:rPr lang="en-US" baseline="0" dirty="0"/>
               <a:t>It is stateless, meaning that one request doesn’t know anything about another.</a:t>
             </a:r>
           </a:p>
@@ -559,7 +560,7 @@
               <a:buChar char="•"/>
             </a:pPr>
             <a:r>
-              <a:rPr lang="en-US" baseline="0" dirty="0" smtClean="0"/>
+              <a:rPr lang="en-US" baseline="0" dirty="0"/>
               <a:t>It needs to be cacheable meaning the client could cache results if they wanted to.</a:t>
             </a:r>
           </a:p>
@@ -569,7 +570,7 @@
               <a:buChar char="•"/>
             </a:pPr>
             <a:r>
-              <a:rPr lang="en-US" baseline="0" dirty="0" smtClean="0"/>
+              <a:rPr lang="en-US" baseline="0" dirty="0"/>
               <a:t>And it needs to have a uniform interface.  </a:t>
             </a:r>
           </a:p>
@@ -592,12 +593,12 @@
               <a:defRPr/>
             </a:pPr>
             <a:r>
-              <a:rPr lang="en-US" dirty="0" smtClean="0">
+              <a:rPr lang="en-US" dirty="0">
                 <a:hlinkClick r:id="rId3"/>
               </a:rPr>
               <a:t>http://carminedimascio.com/2013/09/restful-design-principles/</a:t>
             </a:r>
-            <a:endParaRPr lang="en-US" dirty="0" smtClean="0"/>
+            <a:endParaRPr lang="en-US" dirty="0"/>
           </a:p>
         </p:txBody>
       </p:sp>
@@ -681,6 +682,168 @@
           <a:bodyPr/>
           <a:lstStyle/>
           <a:p>
+            <a:pPr marL="171450" indent="-171450">
+              <a:buFont typeface="Arial" panose="020B0604020202020204" pitchFamily="34" charset="0"/>
+              <a:buChar char="•"/>
+            </a:pPr>
+            <a:r>
+              <a:rPr lang="en-US" dirty="0"/>
+              <a:t>In order to make projects for our main components we will need to use CLI commands.</a:t>
+            </a:r>
+          </a:p>
+          <a:p>
+            <a:pPr marL="171450" indent="-171450">
+              <a:buFont typeface="Arial" panose="020B0604020202020204" pitchFamily="34" charset="0"/>
+              <a:buChar char="•"/>
+            </a:pPr>
+            <a:r>
+              <a:rPr lang="en-US" dirty="0" err="1"/>
+              <a:t>mkdir</a:t>
+            </a:r>
+            <a:r>
+              <a:rPr lang="en-US" baseline="0" dirty="0"/>
+              <a:t> creates a new directory on your computer.</a:t>
+            </a:r>
+          </a:p>
+          <a:p>
+            <a:pPr marL="171450" indent="-171450">
+              <a:buFont typeface="Arial" panose="020B0604020202020204" pitchFamily="34" charset="0"/>
+              <a:buChar char="•"/>
+            </a:pPr>
+            <a:r>
+              <a:rPr lang="en-US" baseline="0" dirty="0"/>
+              <a:t>cd changes the directory that you are currently in.</a:t>
+            </a:r>
+          </a:p>
+          <a:p>
+            <a:pPr marL="171450" indent="-171450">
+              <a:buFont typeface="Arial" panose="020B0604020202020204" pitchFamily="34" charset="0"/>
+              <a:buChar char="•"/>
+            </a:pPr>
+            <a:r>
+              <a:rPr lang="en-US" baseline="0" dirty="0" err="1"/>
+              <a:t>dotnet</a:t>
+            </a:r>
+            <a:r>
+              <a:rPr lang="en-US" baseline="0" dirty="0"/>
+              <a:t> new </a:t>
+            </a:r>
+            <a:r>
+              <a:rPr lang="en-US" baseline="0" dirty="0" err="1"/>
+              <a:t>classlib</a:t>
+            </a:r>
+            <a:r>
+              <a:rPr lang="en-US" baseline="0" dirty="0"/>
+              <a:t> – creates a new class library project.  This is what we use to create a new </a:t>
+            </a:r>
+            <a:r>
+              <a:rPr lang="en-US" baseline="0" dirty="0" err="1"/>
+              <a:t>.Net</a:t>
+            </a:r>
+            <a:r>
+              <a:rPr lang="en-US" baseline="0" dirty="0"/>
+              <a:t> project that is code only.</a:t>
+            </a:r>
+          </a:p>
+          <a:p>
+            <a:pPr marL="171450" indent="-171450">
+              <a:buFont typeface="Arial" panose="020B0604020202020204" pitchFamily="34" charset="0"/>
+              <a:buChar char="•"/>
+            </a:pPr>
+            <a:r>
+              <a:rPr lang="en-US" baseline="0" dirty="0" err="1"/>
+              <a:t>dotnet</a:t>
+            </a:r>
+            <a:r>
+              <a:rPr lang="en-US" baseline="0" dirty="0"/>
+              <a:t> new </a:t>
+            </a:r>
+            <a:r>
+              <a:rPr lang="en-US" baseline="0" dirty="0" err="1"/>
+              <a:t>webapi</a:t>
+            </a:r>
+            <a:r>
+              <a:rPr lang="en-US" baseline="0" dirty="0"/>
+              <a:t> – creates a new web </a:t>
+            </a:r>
+            <a:r>
+              <a:rPr lang="en-US" baseline="0" dirty="0" err="1"/>
+              <a:t>api</a:t>
+            </a:r>
+            <a:r>
+              <a:rPr lang="en-US" baseline="0" dirty="0"/>
+              <a:t> project.  This is what we use to create a new </a:t>
+            </a:r>
+            <a:r>
+              <a:rPr lang="en-US" baseline="0" dirty="0" err="1"/>
+              <a:t>.Net</a:t>
+            </a:r>
+            <a:r>
+              <a:rPr lang="en-US" baseline="0" dirty="0"/>
+              <a:t> project that will contain our web </a:t>
+            </a:r>
+            <a:r>
+              <a:rPr lang="en-US" baseline="0" dirty="0" err="1"/>
+              <a:t>api</a:t>
+            </a:r>
+            <a:r>
+              <a:rPr lang="en-US" baseline="0" dirty="0"/>
+              <a:t>.</a:t>
+            </a:r>
+          </a:p>
+          <a:p>
+            <a:pPr marL="171450" indent="-171450">
+              <a:buFont typeface="Arial" panose="020B0604020202020204" pitchFamily="34" charset="0"/>
+              <a:buChar char="•"/>
+            </a:pPr>
+            <a:r>
+              <a:rPr lang="en-US" baseline="0" dirty="0" err="1"/>
+              <a:t>dotnet</a:t>
+            </a:r>
+            <a:r>
+              <a:rPr lang="en-US" baseline="0" dirty="0"/>
+              <a:t> add reference – allows us to reference code from another project.  One project does not know about the other until a reference is added.</a:t>
+            </a:r>
+          </a:p>
+          <a:p>
+            <a:pPr marL="171450" indent="-171450">
+              <a:buFont typeface="Arial" panose="020B0604020202020204" pitchFamily="34" charset="0"/>
+              <a:buChar char="•"/>
+            </a:pPr>
+            <a:r>
+              <a:rPr lang="en-US" baseline="0" dirty="0" err="1"/>
+              <a:t>dotnet</a:t>
+            </a:r>
+            <a:r>
+              <a:rPr lang="en-US" baseline="0" dirty="0"/>
+              <a:t> add package – allows us to add a package to our code.  A package is created by someone and can be downloaded over the internet for use in your project.</a:t>
+            </a:r>
+          </a:p>
+          <a:p>
+            <a:pPr marL="171450" indent="-171450">
+              <a:buFont typeface="Arial" panose="020B0604020202020204" pitchFamily="34" charset="0"/>
+              <a:buChar char="•"/>
+            </a:pPr>
+            <a:r>
+              <a:rPr lang="en-US" baseline="0" dirty="0"/>
+              <a:t>We will be using two packages from the </a:t>
+            </a:r>
+            <a:r>
+              <a:rPr lang="en-US" baseline="0" dirty="0" err="1"/>
+              <a:t>Nuget</a:t>
+            </a:r>
+            <a:r>
+              <a:rPr lang="en-US" baseline="0" dirty="0"/>
+              <a:t> package manager which are Dapper and </a:t>
+            </a:r>
+            <a:r>
+              <a:rPr lang="en-US" baseline="0" dirty="0" err="1"/>
+              <a:t>MySql.Data</a:t>
+            </a:r>
+            <a:r>
+              <a:rPr lang="en-US" baseline="0" dirty="0"/>
+              <a:t>.</a:t>
+            </a:r>
             <a:endParaRPr lang="en-US" dirty="0"/>
           </a:p>
         </p:txBody>
@@ -700,7 +863,7 @@
           <a:bodyPr/>
           <a:lstStyle/>
           <a:p>
-            <a:fld id="{EED6686D-D35D-4EA2-9559-30F79C98CD9A}" type="slidenum">
+            <a:fld id="{8BFE51C4-C5AF-4BE3-9C14-3D5DA10766E2}" type="slidenum">
               <a:rPr lang="en-US" smtClean="0"/>
               <a:t>11</a:t>
             </a:fld>
@@ -711,7 +874,7 @@
     </p:spTree>
     <p:extLst>
       <p:ext uri="{BB962C8B-B14F-4D97-AF65-F5344CB8AC3E}">
-        <p14:creationId xmlns:p14="http://schemas.microsoft.com/office/powerpoint/2010/main" val="4279590434"/>
+        <p14:creationId xmlns:p14="http://schemas.microsoft.com/office/powerpoint/2010/main" val="3098559630"/>
       </p:ext>
     </p:extLst>
   </p:cSld>
@@ -765,101 +928,65 @@
           <a:bodyPr/>
           <a:lstStyle/>
           <a:p>
-            <a:pPr marL="171450" lvl="0" indent="-171450">
+            <a:pPr marL="171450" indent="-171450">
               <a:buFont typeface="Arial" panose="020B0604020202020204" pitchFamily="34" charset="0"/>
               <a:buChar char="•"/>
             </a:pPr>
             <a:r>
-              <a:rPr lang="en-US" sz="1200" kern="1200" dirty="0" smtClean="0">
-                <a:solidFill>
-                  <a:schemeClr val="tx1"/>
-                </a:solidFill>
-                <a:effectLst/>
-                <a:latin typeface="+mn-lt"/>
-                <a:ea typeface="+mn-ea"/>
-                <a:cs typeface="+mn-cs"/>
-              </a:rPr>
-              <a:t>Name four http request types.</a:t>
-            </a:r>
-          </a:p>
-          <a:p>
-            <a:pPr marL="171450" lvl="0" indent="-171450">
+              <a:rPr lang="en-US" dirty="0"/>
+              <a:t>Let’s take a tour of Postman</a:t>
+            </a:r>
+            <a:endParaRPr lang="en-US" baseline="0" dirty="0"/>
+          </a:p>
+          <a:p>
+            <a:pPr marL="628650" lvl="1" indent="-171450">
               <a:buFont typeface="Arial" panose="020B0604020202020204" pitchFamily="34" charset="0"/>
               <a:buChar char="•"/>
             </a:pPr>
             <a:r>
-              <a:rPr lang="en-US" sz="1200" kern="1200" dirty="0" smtClean="0">
-                <a:solidFill>
-                  <a:schemeClr val="tx1"/>
-                </a:solidFill>
-                <a:effectLst/>
-                <a:latin typeface="+mn-lt"/>
-                <a:ea typeface="+mn-ea"/>
-                <a:cs typeface="+mn-cs"/>
-              </a:rPr>
-              <a:t>Write on the board JSON for a pet object specifying name and pet type.</a:t>
-            </a:r>
-          </a:p>
-          <a:p>
-            <a:pPr marL="171450" lvl="0" indent="-171450">
+              <a:rPr lang="en-US" baseline="0" dirty="0"/>
+              <a:t>Open Postman</a:t>
+            </a:r>
+          </a:p>
+          <a:p>
+            <a:pPr marL="628650" lvl="1" indent="-171450">
               <a:buFont typeface="Arial" panose="020B0604020202020204" pitchFamily="34" charset="0"/>
               <a:buChar char="•"/>
             </a:pPr>
             <a:r>
-              <a:rPr lang="en-US" sz="1200" kern="1200" dirty="0" smtClean="0">
-                <a:solidFill>
-                  <a:schemeClr val="tx1"/>
-                </a:solidFill>
-                <a:effectLst/>
-                <a:latin typeface="+mn-lt"/>
-                <a:ea typeface="+mn-ea"/>
-                <a:cs typeface="+mn-cs"/>
-              </a:rPr>
-              <a:t>Write on the board a controller action definition for a post to insert a pet using the JSON definition.</a:t>
-            </a:r>
-          </a:p>
-          <a:p>
-            <a:pPr marL="171450" lvl="0" indent="-171450">
+              <a:rPr lang="en-US" baseline="0" dirty="0"/>
+              <a:t>Using the correct URL, make a get request to the API to get data back.</a:t>
+            </a:r>
+          </a:p>
+          <a:p>
+            <a:pPr marL="628650" lvl="1" indent="-171450">
               <a:buFont typeface="Arial" panose="020B0604020202020204" pitchFamily="34" charset="0"/>
               <a:buChar char="•"/>
             </a:pPr>
             <a:r>
-              <a:rPr lang="en-US" sz="1200" kern="1200" dirty="0" smtClean="0">
-                <a:solidFill>
-                  <a:schemeClr val="tx1"/>
-                </a:solidFill>
-                <a:effectLst/>
-                <a:latin typeface="+mn-lt"/>
-                <a:ea typeface="+mn-ea"/>
-                <a:cs typeface="+mn-cs"/>
-              </a:rPr>
-              <a:t>Write on the board a controller action definition for a post to update a pet using the JSON definition.</a:t>
-            </a:r>
-          </a:p>
-          <a:p>
-            <a:pPr marL="171450" lvl="0" indent="-171450">
+              <a:rPr lang="en-US" baseline="0" dirty="0"/>
+              <a:t>Using the correct URL and request body, make a post request to post data.</a:t>
+            </a:r>
+          </a:p>
+          <a:p>
+            <a:pPr marL="628650" lvl="1" indent="-171450">
               <a:buFont typeface="Arial" panose="020B0604020202020204" pitchFamily="34" charset="0"/>
               <a:buChar char="•"/>
             </a:pPr>
             <a:r>
-              <a:rPr lang="en-US" sz="1200" kern="1200" dirty="0" smtClean="0">
-                <a:solidFill>
-                  <a:schemeClr val="tx1"/>
-                </a:solidFill>
-                <a:effectLst/>
-                <a:latin typeface="+mn-lt"/>
-                <a:ea typeface="+mn-ea"/>
-                <a:cs typeface="+mn-cs"/>
-              </a:rPr>
-              <a:t>Write on the board a controller action definition for a get to one pet in the system based upon id.</a:t>
-            </a:r>
-          </a:p>
-          <a:p>
-            <a:pPr marL="457200" lvl="1" indent="0">
+              <a:rPr lang="en-US" baseline="0" dirty="0"/>
+              <a:t>Using the correct URL and request body, make a put request to update data.</a:t>
+            </a:r>
+          </a:p>
+          <a:p>
+            <a:pPr marL="628650" lvl="1" indent="-171450">
               <a:buFont typeface="Arial" panose="020B0604020202020204" pitchFamily="34" charset="0"/>
-              <a:buNone/>
+              <a:buChar char="•"/>
             </a:pPr>
-            <a:endParaRPr lang="en-US" dirty="0"/>
+            <a:r>
+              <a:rPr lang="en-US" baseline="0" dirty="0"/>
+              <a:t>Using the correct URL, make a delete request to the API to delete data.</a:t>
+            </a:r>
           </a:p>
         </p:txBody>
       </p:sp>
@@ -878,7 +1005,7 @@
           <a:bodyPr/>
           <a:lstStyle/>
           <a:p>
-            <a:fld id="{226FA58D-4B12-4E7B-A2FA-693CE3EACDFD}" type="slidenum">
+            <a:fld id="{EFF2A19C-273D-4352-BCC0-8BB0C7A8A8F7}" type="slidenum">
               <a:rPr lang="en-US" smtClean="0"/>
               <a:t>12</a:t>
             </a:fld>
@@ -889,7 +1016,7 @@
     </p:spTree>
     <p:extLst>
       <p:ext uri="{BB962C8B-B14F-4D97-AF65-F5344CB8AC3E}">
-        <p14:creationId xmlns:p14="http://schemas.microsoft.com/office/powerpoint/2010/main" val="1612118659"/>
+        <p14:creationId xmlns:p14="http://schemas.microsoft.com/office/powerpoint/2010/main" val="576982499"/>
       </p:ext>
     </p:extLst>
   </p:cSld>
@@ -943,10 +1070,6 @@
           <a:bodyPr/>
           <a:lstStyle/>
           <a:p>
-            <a:pPr marL="171450" indent="-171450">
-              <a:buFont typeface="Arial" panose="020B0604020202020204" pitchFamily="34" charset="0"/>
-              <a:buChar char="•"/>
-            </a:pPr>
             <a:endParaRPr lang="en-US" dirty="0"/>
           </a:p>
         </p:txBody>
@@ -966,7 +1089,7 @@
           <a:bodyPr/>
           <a:lstStyle/>
           <a:p>
-            <a:fld id="{226FA58D-4B12-4E7B-A2FA-693CE3EACDFD}" type="slidenum">
+            <a:fld id="{EED6686D-D35D-4EA2-9559-30F79C98CD9A}" type="slidenum">
               <a:rPr lang="en-US" smtClean="0"/>
               <a:t>13</a:t>
             </a:fld>
@@ -977,7 +1100,7 @@
     </p:spTree>
     <p:extLst>
       <p:ext uri="{BB962C8B-B14F-4D97-AF65-F5344CB8AC3E}">
-        <p14:creationId xmlns:p14="http://schemas.microsoft.com/office/powerpoint/2010/main" val="1466602652"/>
+        <p14:creationId xmlns:p14="http://schemas.microsoft.com/office/powerpoint/2010/main" val="4279590434"/>
       </p:ext>
     </p:extLst>
   </p:cSld>
@@ -1036,7 +1159,7 @@
               <a:buChar char="•"/>
             </a:pPr>
             <a:r>
-              <a:rPr lang="en-US" sz="1200" kern="1200" dirty="0" smtClean="0">
+              <a:rPr lang="en-US" sz="1200" kern="1200" dirty="0">
                 <a:solidFill>
                   <a:schemeClr val="tx1"/>
                 </a:solidFill>
@@ -1054,7 +1177,7 @@
               <a:buChar char="•"/>
             </a:pPr>
             <a:r>
-              <a:rPr lang="en-US" sz="1200" kern="1200" dirty="0" smtClean="0">
+              <a:rPr lang="en-US" sz="1200" kern="1200" dirty="0">
                 <a:solidFill>
                   <a:schemeClr val="tx1"/>
                 </a:solidFill>
@@ -1072,7 +1195,7 @@
               <a:buChar char="•"/>
             </a:pPr>
             <a:r>
-              <a:rPr lang="en-US" sz="1200" kern="1200" dirty="0" smtClean="0">
+              <a:rPr lang="en-US" sz="1200" kern="1200" dirty="0">
                 <a:solidFill>
                   <a:schemeClr val="tx1"/>
                 </a:solidFill>
@@ -1090,7 +1213,7 @@
               <a:buChar char="•"/>
             </a:pPr>
             <a:r>
-              <a:rPr lang="en-US" sz="1200" kern="1200" dirty="0" smtClean="0">
+              <a:rPr lang="en-US" sz="1200" kern="1200" dirty="0">
                 <a:solidFill>
                   <a:schemeClr val="tx1"/>
                 </a:solidFill>
@@ -1108,7 +1231,7 @@
               <a:buChar char="•"/>
             </a:pPr>
             <a:r>
-              <a:rPr lang="en-US" sz="1200" kern="1200" dirty="0" smtClean="0">
+              <a:rPr lang="en-US" sz="1200" kern="1200" dirty="0">
                 <a:solidFill>
                   <a:schemeClr val="tx1"/>
                 </a:solidFill>
@@ -1155,7 +1278,7 @@
     </p:spTree>
     <p:extLst>
       <p:ext uri="{BB962C8B-B14F-4D97-AF65-F5344CB8AC3E}">
-        <p14:creationId xmlns:p14="http://schemas.microsoft.com/office/powerpoint/2010/main" val="575289510"/>
+        <p14:creationId xmlns:p14="http://schemas.microsoft.com/office/powerpoint/2010/main" val="1612118659"/>
       </p:ext>
     </p:extLst>
   </p:cSld>
@@ -1243,7 +1366,7 @@
     </p:spTree>
     <p:extLst>
       <p:ext uri="{BB962C8B-B14F-4D97-AF65-F5344CB8AC3E}">
-        <p14:creationId xmlns:p14="http://schemas.microsoft.com/office/powerpoint/2010/main" val="1520951805"/>
+        <p14:creationId xmlns:p14="http://schemas.microsoft.com/office/powerpoint/2010/main" val="1466602652"/>
       </p:ext>
     </p:extLst>
   </p:cSld>
@@ -1297,6 +1420,184 @@
           <a:bodyPr/>
           <a:lstStyle/>
           <a:p>
+            <a:pPr marL="171450" lvl="0" indent="-171450">
+              <a:buFont typeface="Arial" panose="020B0604020202020204" pitchFamily="34" charset="0"/>
+              <a:buChar char="•"/>
+            </a:pPr>
+            <a:r>
+              <a:rPr lang="en-US" sz="1200" kern="1200" dirty="0">
+                <a:solidFill>
+                  <a:schemeClr val="tx1"/>
+                </a:solidFill>
+                <a:effectLst/>
+                <a:latin typeface="+mn-lt"/>
+                <a:ea typeface="+mn-ea"/>
+                <a:cs typeface="+mn-cs"/>
+              </a:rPr>
+              <a:t>Name four http request types.</a:t>
+            </a:r>
+          </a:p>
+          <a:p>
+            <a:pPr marL="171450" lvl="0" indent="-171450">
+              <a:buFont typeface="Arial" panose="020B0604020202020204" pitchFamily="34" charset="0"/>
+              <a:buChar char="•"/>
+            </a:pPr>
+            <a:r>
+              <a:rPr lang="en-US" sz="1200" kern="1200" dirty="0">
+                <a:solidFill>
+                  <a:schemeClr val="tx1"/>
+                </a:solidFill>
+                <a:effectLst/>
+                <a:latin typeface="+mn-lt"/>
+                <a:ea typeface="+mn-ea"/>
+                <a:cs typeface="+mn-cs"/>
+              </a:rPr>
+              <a:t>Write on the board JSON for a pet object specifying name and pet type.</a:t>
+            </a:r>
+          </a:p>
+          <a:p>
+            <a:pPr marL="171450" lvl="0" indent="-171450">
+              <a:buFont typeface="Arial" panose="020B0604020202020204" pitchFamily="34" charset="0"/>
+              <a:buChar char="•"/>
+            </a:pPr>
+            <a:r>
+              <a:rPr lang="en-US" sz="1200" kern="1200" dirty="0">
+                <a:solidFill>
+                  <a:schemeClr val="tx1"/>
+                </a:solidFill>
+                <a:effectLst/>
+                <a:latin typeface="+mn-lt"/>
+                <a:ea typeface="+mn-ea"/>
+                <a:cs typeface="+mn-cs"/>
+              </a:rPr>
+              <a:t>Write on the board a controller action definition for a post to insert a pet using the JSON definition.</a:t>
+            </a:r>
+          </a:p>
+          <a:p>
+            <a:pPr marL="171450" lvl="0" indent="-171450">
+              <a:buFont typeface="Arial" panose="020B0604020202020204" pitchFamily="34" charset="0"/>
+              <a:buChar char="•"/>
+            </a:pPr>
+            <a:r>
+              <a:rPr lang="en-US" sz="1200" kern="1200" dirty="0">
+                <a:solidFill>
+                  <a:schemeClr val="tx1"/>
+                </a:solidFill>
+                <a:effectLst/>
+                <a:latin typeface="+mn-lt"/>
+                <a:ea typeface="+mn-ea"/>
+                <a:cs typeface="+mn-cs"/>
+              </a:rPr>
+              <a:t>Write on the board a controller action definition for a post to update a pet using the JSON definition.</a:t>
+            </a:r>
+          </a:p>
+          <a:p>
+            <a:pPr marL="171450" lvl="0" indent="-171450">
+              <a:buFont typeface="Arial" panose="020B0604020202020204" pitchFamily="34" charset="0"/>
+              <a:buChar char="•"/>
+            </a:pPr>
+            <a:r>
+              <a:rPr lang="en-US" sz="1200" kern="1200" dirty="0">
+                <a:solidFill>
+                  <a:schemeClr val="tx1"/>
+                </a:solidFill>
+                <a:effectLst/>
+                <a:latin typeface="+mn-lt"/>
+                <a:ea typeface="+mn-ea"/>
+                <a:cs typeface="+mn-cs"/>
+              </a:rPr>
+              <a:t>Write on the board a controller action definition for a get to one pet in the system based upon id.</a:t>
+            </a:r>
+          </a:p>
+          <a:p>
+            <a:pPr marL="457200" lvl="1" indent="0">
+              <a:buFont typeface="Arial" panose="020B0604020202020204" pitchFamily="34" charset="0"/>
+              <a:buNone/>
+            </a:pPr>
+            <a:endParaRPr lang="en-US" dirty="0"/>
+          </a:p>
+        </p:txBody>
+      </p:sp>
+      <p:sp>
+        <p:nvSpPr>
+          <p:cNvPr id="4" name="Slide Number Placeholder 3"/>
+          <p:cNvSpPr>
+            <a:spLocks noGrp="1"/>
+          </p:cNvSpPr>
+          <p:nvPr>
+            <p:ph type="sldNum" sz="quarter" idx="10"/>
+          </p:nvPr>
+        </p:nvSpPr>
+        <p:spPr/>
+        <p:txBody>
+          <a:bodyPr/>
+          <a:lstStyle/>
+          <a:p>
+            <a:fld id="{226FA58D-4B12-4E7B-A2FA-693CE3EACDFD}" type="slidenum">
+              <a:rPr lang="en-US" smtClean="0"/>
+              <a:t>16</a:t>
+            </a:fld>
+            <a:endParaRPr lang="en-US"/>
+          </a:p>
+        </p:txBody>
+      </p:sp>
+    </p:spTree>
+    <p:extLst>
+      <p:ext uri="{BB962C8B-B14F-4D97-AF65-F5344CB8AC3E}">
+        <p14:creationId xmlns:p14="http://schemas.microsoft.com/office/powerpoint/2010/main" val="575289510"/>
+      </p:ext>
+    </p:extLst>
+  </p:cSld>
+  <p:clrMapOvr>
+    <a:masterClrMapping/>
+  </p:clrMapOvr>
+</p:notes>
+</file>
+
+<file path=ppt/notesSlides/notesSlide16.xml><?xml version="1.0" encoding="utf-8"?>
+<p:notes xmlns:a="http://schemas.openxmlformats.org/drawingml/2006/main" xmlns:r="http://schemas.openxmlformats.org/officeDocument/2006/relationships" xmlns:p="http://schemas.openxmlformats.org/presentationml/2006/main">
+  <p:cSld>
+    <p:spTree>
+      <p:nvGrpSpPr>
+        <p:cNvPr id="1" name=""/>
+        <p:cNvGrpSpPr/>
+        <p:nvPr/>
+      </p:nvGrpSpPr>
+      <p:grpSpPr>
+        <a:xfrm>
+          <a:off x="0" y="0"/>
+          <a:ext cx="0" cy="0"/>
+          <a:chOff x="0" y="0"/>
+          <a:chExt cx="0" cy="0"/>
+        </a:xfrm>
+      </p:grpSpPr>
+      <p:sp>
+        <p:nvSpPr>
+          <p:cNvPr id="2" name="Slide Image Placeholder 1"/>
+          <p:cNvSpPr>
+            <a:spLocks noGrp="1" noRot="1" noChangeAspect="1"/>
+          </p:cNvSpPr>
+          <p:nvPr>
+            <p:ph type="sldImg"/>
+          </p:nvPr>
+        </p:nvSpPr>
+        <p:spPr/>
+      </p:sp>
+      <p:sp>
+        <p:nvSpPr>
+          <p:cNvPr id="3" name="Notes Placeholder 2"/>
+          <p:cNvSpPr>
+            <a:spLocks noGrp="1"/>
+          </p:cNvSpPr>
+          <p:nvPr>
+            <p:ph type="body" idx="1"/>
+          </p:nvPr>
+        </p:nvSpPr>
+        <p:spPr/>
+        <p:txBody>
+          <a:bodyPr/>
+          <a:lstStyle/>
+          <a:p>
             <a:pPr marL="171450" indent="-171450">
               <a:buFont typeface="Arial" panose="020B0604020202020204" pitchFamily="34" charset="0"/>
               <a:buChar char="•"/>
@@ -1322,7 +1623,95 @@
           <a:p>
             <a:fld id="{226FA58D-4B12-4E7B-A2FA-693CE3EACDFD}" type="slidenum">
               <a:rPr lang="en-US" smtClean="0"/>
-              <a:t>16</a:t>
+              <a:t>17</a:t>
+            </a:fld>
+            <a:endParaRPr lang="en-US"/>
+          </a:p>
+        </p:txBody>
+      </p:sp>
+    </p:spTree>
+    <p:extLst>
+      <p:ext uri="{BB962C8B-B14F-4D97-AF65-F5344CB8AC3E}">
+        <p14:creationId xmlns:p14="http://schemas.microsoft.com/office/powerpoint/2010/main" val="1520951805"/>
+      </p:ext>
+    </p:extLst>
+  </p:cSld>
+  <p:clrMapOvr>
+    <a:masterClrMapping/>
+  </p:clrMapOvr>
+</p:notes>
+</file>
+
+<file path=ppt/notesSlides/notesSlide17.xml><?xml version="1.0" encoding="utf-8"?>
+<p:notes xmlns:a="http://schemas.openxmlformats.org/drawingml/2006/main" xmlns:r="http://schemas.openxmlformats.org/officeDocument/2006/relationships" xmlns:p="http://schemas.openxmlformats.org/presentationml/2006/main">
+  <p:cSld>
+    <p:spTree>
+      <p:nvGrpSpPr>
+        <p:cNvPr id="1" name=""/>
+        <p:cNvGrpSpPr/>
+        <p:nvPr/>
+      </p:nvGrpSpPr>
+      <p:grpSpPr>
+        <a:xfrm>
+          <a:off x="0" y="0"/>
+          <a:ext cx="0" cy="0"/>
+          <a:chOff x="0" y="0"/>
+          <a:chExt cx="0" cy="0"/>
+        </a:xfrm>
+      </p:grpSpPr>
+      <p:sp>
+        <p:nvSpPr>
+          <p:cNvPr id="2" name="Slide Image Placeholder 1"/>
+          <p:cNvSpPr>
+            <a:spLocks noGrp="1" noRot="1" noChangeAspect="1"/>
+          </p:cNvSpPr>
+          <p:nvPr>
+            <p:ph type="sldImg"/>
+          </p:nvPr>
+        </p:nvSpPr>
+        <p:spPr/>
+      </p:sp>
+      <p:sp>
+        <p:nvSpPr>
+          <p:cNvPr id="3" name="Notes Placeholder 2"/>
+          <p:cNvSpPr>
+            <a:spLocks noGrp="1"/>
+          </p:cNvSpPr>
+          <p:nvPr>
+            <p:ph type="body" idx="1"/>
+          </p:nvPr>
+        </p:nvSpPr>
+        <p:spPr/>
+        <p:txBody>
+          <a:bodyPr/>
+          <a:lstStyle/>
+          <a:p>
+            <a:pPr marL="171450" indent="-171450">
+              <a:buFont typeface="Arial" panose="020B0604020202020204" pitchFamily="34" charset="0"/>
+              <a:buChar char="•"/>
+            </a:pPr>
+            <a:endParaRPr lang="en-US" dirty="0"/>
+          </a:p>
+        </p:txBody>
+      </p:sp>
+      <p:sp>
+        <p:nvSpPr>
+          <p:cNvPr id="4" name="Slide Number Placeholder 3"/>
+          <p:cNvSpPr>
+            <a:spLocks noGrp="1"/>
+          </p:cNvSpPr>
+          <p:nvPr>
+            <p:ph type="sldNum" sz="quarter" idx="10"/>
+          </p:nvPr>
+        </p:nvSpPr>
+        <p:spPr/>
+        <p:txBody>
+          <a:bodyPr/>
+          <a:lstStyle/>
+          <a:p>
+            <a:fld id="{226FA58D-4B12-4E7B-A2FA-693CE3EACDFD}" type="slidenum">
+              <a:rPr lang="en-US" smtClean="0"/>
+              <a:t>18</a:t>
             </a:fld>
             <a:endParaRPr lang="en-US"/>
           </a:p>
@@ -1390,7 +1779,7 @@
               <a:buChar char="•"/>
             </a:pPr>
             <a:r>
-              <a:rPr lang="en-US" baseline="0" dirty="0" smtClean="0"/>
+              <a:rPr lang="en-US" baseline="0" dirty="0"/>
               <a:t>REST is often implemented over HTTP and uses the GET, POST, PUT, DELETE structure for a uniform interface.</a:t>
             </a:r>
           </a:p>
@@ -1400,7 +1789,7 @@
               <a:buChar char="•"/>
             </a:pPr>
             <a:r>
-              <a:rPr lang="en-US" baseline="0" dirty="0" smtClean="0"/>
+              <a:rPr lang="en-US" baseline="0" dirty="0"/>
               <a:t>HTTP is what all web requests and responses use.</a:t>
             </a:r>
           </a:p>
@@ -1410,7 +1799,7 @@
               <a:buChar char="•"/>
             </a:pPr>
             <a:r>
-              <a:rPr lang="en-US" baseline="0" dirty="0" smtClean="0"/>
+              <a:rPr lang="en-US" baseline="0" dirty="0"/>
               <a:t>It is stateless</a:t>
             </a:r>
           </a:p>
@@ -1420,7 +1809,7 @@
               <a:buChar char="•"/>
             </a:pPr>
             <a:r>
-              <a:rPr lang="en-US" baseline="0" dirty="0" smtClean="0"/>
+              <a:rPr lang="en-US" baseline="0" dirty="0"/>
               <a:t>So http works well with REST principles.</a:t>
             </a:r>
           </a:p>
@@ -1511,7 +1900,7 @@
               <a:buChar char="•"/>
             </a:pPr>
             <a:r>
-              <a:rPr lang="en-US" sz="1200" dirty="0" smtClean="0"/>
+              <a:rPr lang="en-US" sz="1200" dirty="0"/>
               <a:t>The request initially goes to the controller.</a:t>
             </a:r>
           </a:p>
@@ -1521,7 +1910,7 @@
               <a:buChar char="•"/>
             </a:pPr>
             <a:r>
-              <a:rPr lang="en-US" sz="1200" dirty="0" smtClean="0"/>
+              <a:rPr lang="en-US" sz="1200" dirty="0"/>
               <a:t>Based upon the route and the request type attribute a method is run.</a:t>
             </a:r>
           </a:p>
@@ -1544,10 +1933,10 @@
               <a:defRPr/>
             </a:pPr>
             <a:r>
-              <a:rPr lang="en-US" sz="1200" dirty="0" smtClean="0"/>
+              <a:rPr lang="en-US" sz="1200" dirty="0"/>
               <a:t>The JSON body of the request can be bound to a model.</a:t>
             </a:r>
-            <a:endParaRPr lang="en-US" dirty="0" smtClean="0"/>
+            <a:endParaRPr lang="en-US" dirty="0"/>
           </a:p>
           <a:p>
             <a:pPr marL="171450" indent="-171450">
@@ -1555,7 +1944,7 @@
               <a:buChar char="•"/>
             </a:pPr>
             <a:r>
-              <a:rPr lang="en-US" sz="1200" dirty="0" smtClean="0"/>
+              <a:rPr lang="en-US" sz="1200" dirty="0"/>
               <a:t>Whatever is returned from the method is returned as JSON in the response body.</a:t>
             </a:r>
           </a:p>
@@ -1564,7 +1953,7 @@
               <a:buFont typeface="Arial" panose="020B0604020202020204" pitchFamily="34" charset="0"/>
               <a:buChar char="•"/>
             </a:pPr>
-            <a:endParaRPr lang="en-US" baseline="0" dirty="0" smtClean="0"/>
+            <a:endParaRPr lang="en-US" baseline="0" dirty="0"/>
           </a:p>
         </p:txBody>
       </p:sp>
@@ -1653,7 +2042,7 @@
               <a:buChar char="•"/>
             </a:pPr>
             <a:r>
-              <a:rPr lang="en-US" baseline="0" dirty="0" smtClean="0"/>
+              <a:rPr lang="en-US" baseline="0" dirty="0"/>
               <a:t>Attributes allow for declarations on classes, methods, and properties.</a:t>
             </a:r>
           </a:p>
@@ -1663,7 +2052,7 @@
               <a:buChar char="•"/>
             </a:pPr>
             <a:r>
-              <a:rPr lang="en-US" baseline="0" dirty="0" smtClean="0"/>
+              <a:rPr lang="en-US" baseline="0" dirty="0"/>
               <a:t>They give special behavior or properties to those classes, methods, or properties.</a:t>
             </a:r>
           </a:p>
@@ -1673,7 +2062,7 @@
               <a:buChar char="•"/>
             </a:pPr>
             <a:r>
-              <a:rPr lang="en-US" baseline="0" dirty="0" smtClean="0"/>
+              <a:rPr lang="en-US" baseline="0" dirty="0"/>
               <a:t>They are specified above a class, method, or property definition with the name of the attribute between square brackets [].</a:t>
             </a:r>
           </a:p>
@@ -1683,7 +2072,7 @@
               <a:buChar char="•"/>
             </a:pPr>
             <a:r>
-              <a:rPr lang="en-US" baseline="0" dirty="0" smtClean="0"/>
+              <a:rPr lang="en-US" baseline="0" dirty="0"/>
               <a:t>Parameters can be passed to attributes using parentheses ().</a:t>
             </a:r>
           </a:p>
@@ -1693,15 +2082,15 @@
               <a:buChar char="•"/>
             </a:pPr>
             <a:r>
-              <a:rPr lang="en-US" baseline="0" dirty="0" smtClean="0"/>
+              <a:rPr lang="en-US" baseline="0" dirty="0"/>
               <a:t>For </a:t>
             </a:r>
             <a:r>
-              <a:rPr lang="en-US" baseline="0" dirty="0" err="1" smtClean="0"/>
+              <a:rPr lang="en-US" baseline="0" dirty="0" err="1"/>
               <a:t>WebApi</a:t>
             </a:r>
             <a:r>
-              <a:rPr lang="en-US" baseline="0" dirty="0" smtClean="0"/>
+              <a:rPr lang="en-US" baseline="0" dirty="0"/>
               <a:t> we are using attributes to specify the http request type.</a:t>
             </a:r>
           </a:p>
@@ -1711,15 +2100,15 @@
               <a:buChar char="•"/>
             </a:pPr>
             <a:r>
-              <a:rPr lang="en-US" baseline="0" dirty="0" smtClean="0"/>
+              <a:rPr lang="en-US" baseline="0" dirty="0"/>
               <a:t>The example shows an </a:t>
             </a:r>
             <a:r>
-              <a:rPr lang="en-US" baseline="0" dirty="0" err="1" smtClean="0"/>
+              <a:rPr lang="en-US" baseline="0" dirty="0" err="1"/>
               <a:t>HttpPost</a:t>
             </a:r>
             <a:r>
-              <a:rPr lang="en-US" baseline="0" dirty="0" smtClean="0"/>
+              <a:rPr lang="en-US" baseline="0" dirty="0"/>
               <a:t> attribute used to designate a post request.</a:t>
             </a:r>
           </a:p>
@@ -1810,7 +2199,7 @@
               <a:buChar char="•"/>
             </a:pPr>
             <a:r>
-              <a:rPr lang="en-US" baseline="0" dirty="0" smtClean="0"/>
+              <a:rPr lang="en-US" baseline="0" dirty="0"/>
               <a:t>As I mentioned, every request is routed to a controller.</a:t>
             </a:r>
           </a:p>
@@ -1820,7 +2209,7 @@
               <a:buChar char="•"/>
             </a:pPr>
             <a:r>
-              <a:rPr lang="en-US" baseline="0" dirty="0" smtClean="0"/>
+              <a:rPr lang="en-US" baseline="0" dirty="0"/>
               <a:t>You can control how the routing works.</a:t>
             </a:r>
           </a:p>
@@ -1830,7 +2219,7 @@
               <a:buChar char="•"/>
             </a:pPr>
             <a:r>
-              <a:rPr lang="en-US" baseline="0" dirty="0" smtClean="0"/>
+              <a:rPr lang="en-US" baseline="0" dirty="0"/>
               <a:t>There is a default route which is controller/action/id.</a:t>
             </a:r>
           </a:p>
@@ -1840,15 +2229,15 @@
               <a:buChar char="•"/>
             </a:pPr>
             <a:r>
-              <a:rPr lang="en-US" baseline="0" dirty="0" smtClean="0"/>
+              <a:rPr lang="en-US" baseline="0" dirty="0"/>
               <a:t>This is in reference to how the </a:t>
             </a:r>
             <a:r>
-              <a:rPr lang="en-US" baseline="0" dirty="0" err="1" smtClean="0"/>
+              <a:rPr lang="en-US" baseline="0" dirty="0" err="1"/>
               <a:t>url</a:t>
             </a:r>
             <a:r>
-              <a:rPr lang="en-US" baseline="0" dirty="0" smtClean="0"/>
+              <a:rPr lang="en-US" baseline="0" dirty="0"/>
               <a:t> looks, the controller is specified and then the action and then the id.</a:t>
             </a:r>
           </a:p>
@@ -1858,7 +2247,7 @@
               <a:buChar char="•"/>
             </a:pPr>
             <a:r>
-              <a:rPr lang="en-US" baseline="0" dirty="0" smtClean="0"/>
+              <a:rPr lang="en-US" baseline="0" dirty="0"/>
               <a:t>You can create custom routes to change which requests go to which controller.</a:t>
             </a:r>
           </a:p>
@@ -1881,23 +2270,23 @@
               <a:defRPr/>
             </a:pPr>
             <a:r>
-              <a:rPr lang="en-US" dirty="0" smtClean="0"/>
+              <a:rPr lang="en-US" dirty="0"/>
               <a:t>Example:  </a:t>
             </a:r>
             <a:r>
-              <a:rPr lang="en-US" dirty="0" smtClean="0">
+              <a:rPr lang="en-US" dirty="0">
                 <a:hlinkClick r:id="rId3"/>
               </a:rPr>
               <a:t>https://docs.microsoft.com/en-us/aspnet/mvc/overview/getting-started/introduction/adding-a-controller</a:t>
             </a:r>
-            <a:endParaRPr lang="en-US" dirty="0" smtClean="0"/>
+            <a:endParaRPr lang="en-US" dirty="0"/>
           </a:p>
           <a:p>
             <a:pPr marL="171450" indent="-171450">
               <a:buFont typeface="Arial" panose="020B0604020202020204" pitchFamily="34" charset="0"/>
               <a:buChar char="•"/>
             </a:pPr>
-            <a:endParaRPr lang="en-US" baseline="0" dirty="0" smtClean="0"/>
+            <a:endParaRPr lang="en-US" baseline="0" dirty="0"/>
           </a:p>
         </p:txBody>
       </p:sp>
@@ -1986,48 +2375,8 @@
               <a:buChar char="•"/>
             </a:pPr>
             <a:r>
-              <a:rPr lang="en-US" baseline="0" dirty="0" smtClean="0"/>
-              <a:t>JSON stands for JavaScript Object Notation.</a:t>
-            </a:r>
-          </a:p>
-          <a:p>
-            <a:pPr marL="171450" indent="-171450">
-              <a:buFont typeface="Arial" panose="020B0604020202020204" pitchFamily="34" charset="0"/>
-              <a:buChar char="•"/>
-            </a:pPr>
-            <a:r>
-              <a:rPr lang="en-US" baseline="0" dirty="0" smtClean="0"/>
-              <a:t>It is how an object can be created on the file and is represented in JavaScript.</a:t>
-            </a:r>
-          </a:p>
-          <a:p>
-            <a:pPr marL="171450" indent="-171450">
-              <a:buFont typeface="Arial" panose="020B0604020202020204" pitchFamily="34" charset="0"/>
-              <a:buChar char="•"/>
-            </a:pPr>
-            <a:r>
-              <a:rPr lang="en-US" baseline="0" dirty="0" smtClean="0"/>
-              <a:t>Essentially an object is surrounded by curly braces {}</a:t>
-            </a:r>
-          </a:p>
-          <a:p>
-            <a:pPr marL="171450" indent="-171450">
-              <a:buFont typeface="Arial" panose="020B0604020202020204" pitchFamily="34" charset="0"/>
-              <a:buChar char="•"/>
-            </a:pPr>
-            <a:r>
-              <a:rPr lang="en-US" baseline="0" dirty="0" smtClean="0"/>
-              <a:t>Inside each property or variable is named followed by a colon : followed by the value.</a:t>
-            </a:r>
-          </a:p>
-          <a:p>
-            <a:pPr marL="171450" indent="-171450">
-              <a:buFont typeface="Arial" panose="020B0604020202020204" pitchFamily="34" charset="0"/>
-              <a:buChar char="•"/>
-            </a:pPr>
-            <a:r>
-              <a:rPr lang="en-US" baseline="0" dirty="0" smtClean="0"/>
-              <a:t>There can be objects within objects or arrays within objects as well.</a:t>
+              <a:rPr lang="en-US" baseline="0" dirty="0"/>
+              <a:t>You can specify a route attribute for a class or an action method to detail further the route.</a:t>
             </a:r>
           </a:p>
         </p:txBody>
@@ -2058,7 +2407,7 @@
     </p:spTree>
     <p:extLst>
       <p:ext uri="{BB962C8B-B14F-4D97-AF65-F5344CB8AC3E}">
-        <p14:creationId xmlns:p14="http://schemas.microsoft.com/office/powerpoint/2010/main" val="2504236411"/>
+        <p14:creationId xmlns:p14="http://schemas.microsoft.com/office/powerpoint/2010/main" val="813382335"/>
       </p:ext>
     </p:extLst>
   </p:cSld>
@@ -2117,8 +2466,8 @@
               <a:buChar char="•"/>
             </a:pPr>
             <a:r>
-              <a:rPr lang="en-US" baseline="0" dirty="0" smtClean="0"/>
-              <a:t>The return value of an action method in a controller is converted to JSON in the response body.</a:t>
+              <a:rPr lang="en-US" baseline="0" dirty="0"/>
+              <a:t>JSON stands for JavaScript Object Notation.</a:t>
             </a:r>
           </a:p>
           <a:p>
@@ -2127,8 +2476,8 @@
               <a:buChar char="•"/>
             </a:pPr>
             <a:r>
-              <a:rPr lang="en-US" baseline="0" dirty="0" smtClean="0"/>
-              <a:t>JSON that exists within the request body can also be converted or bound or serialized into a C# class.</a:t>
+              <a:rPr lang="en-US" baseline="0" dirty="0"/>
+              <a:t>It is how an object can be created on the file and is represented in JavaScript.</a:t>
             </a:r>
           </a:p>
           <a:p>
@@ -2137,8 +2486,28 @@
               <a:buChar char="•"/>
             </a:pPr>
             <a:r>
-              <a:rPr lang="en-US" baseline="0" dirty="0" smtClean="0"/>
-              <a:t>This automatic binding makes it easier to convert between JSON and C#.</a:t>
+              <a:rPr lang="en-US" baseline="0" dirty="0"/>
+              <a:t>Essentially an object is surrounded by curly braces {}</a:t>
+            </a:r>
+          </a:p>
+          <a:p>
+            <a:pPr marL="171450" indent="-171450">
+              <a:buFont typeface="Arial" panose="020B0604020202020204" pitchFamily="34" charset="0"/>
+              <a:buChar char="•"/>
+            </a:pPr>
+            <a:r>
+              <a:rPr lang="en-US" baseline="0" dirty="0"/>
+              <a:t>Inside each property or variable is named followed by a colon : followed by the value.</a:t>
+            </a:r>
+          </a:p>
+          <a:p>
+            <a:pPr marL="171450" indent="-171450">
+              <a:buFont typeface="Arial" panose="020B0604020202020204" pitchFamily="34" charset="0"/>
+              <a:buChar char="•"/>
+            </a:pPr>
+            <a:r>
+              <a:rPr lang="en-US" baseline="0" dirty="0"/>
+              <a:t>There can be objects within objects or arrays within objects as well.</a:t>
             </a:r>
           </a:p>
         </p:txBody>
@@ -2169,7 +2538,7 @@
     </p:spTree>
     <p:extLst>
       <p:ext uri="{BB962C8B-B14F-4D97-AF65-F5344CB8AC3E}">
-        <p14:creationId xmlns:p14="http://schemas.microsoft.com/office/powerpoint/2010/main" val="4039843221"/>
+        <p14:creationId xmlns:p14="http://schemas.microsoft.com/office/powerpoint/2010/main" val="2504236411"/>
       </p:ext>
     </p:extLst>
   </p:cSld>
@@ -2228,8 +2597,8 @@
               <a:buChar char="•"/>
             </a:pPr>
             <a:r>
-              <a:rPr lang="en-US" dirty="0" smtClean="0"/>
-              <a:t>In order to make projects for our main components we will need to use CLI commands.</a:t>
+              <a:rPr lang="en-US" baseline="0" dirty="0"/>
+              <a:t>The return value of an action method in a controller is converted to JSON in the response body.</a:t>
             </a:r>
           </a:p>
           <a:p>
@@ -2238,154 +2607,9 @@
               <a:buChar char="•"/>
             </a:pPr>
             <a:r>
-              <a:rPr lang="en-US" dirty="0" err="1" smtClean="0"/>
-              <a:t>mkdir</a:t>
-            </a:r>
-            <a:r>
-              <a:rPr lang="en-US" baseline="0" dirty="0" smtClean="0"/>
-              <a:t> creates a new directory on your computer.</a:t>
-            </a:r>
-          </a:p>
-          <a:p>
-            <a:pPr marL="171450" indent="-171450">
-              <a:buFont typeface="Arial" panose="020B0604020202020204" pitchFamily="34" charset="0"/>
-              <a:buChar char="•"/>
-            </a:pPr>
-            <a:r>
-              <a:rPr lang="en-US" baseline="0" dirty="0" smtClean="0"/>
-              <a:t>cd changes the directory that you are currently in.</a:t>
-            </a:r>
-          </a:p>
-          <a:p>
-            <a:pPr marL="171450" indent="-171450">
-              <a:buFont typeface="Arial" panose="020B0604020202020204" pitchFamily="34" charset="0"/>
-              <a:buChar char="•"/>
-            </a:pPr>
-            <a:r>
-              <a:rPr lang="en-US" baseline="0" dirty="0" err="1" smtClean="0"/>
-              <a:t>dotnet</a:t>
-            </a:r>
-            <a:r>
-              <a:rPr lang="en-US" baseline="0" dirty="0" smtClean="0"/>
-              <a:t> new </a:t>
-            </a:r>
-            <a:r>
-              <a:rPr lang="en-US" baseline="0" dirty="0" err="1" smtClean="0"/>
-              <a:t>classlib</a:t>
-            </a:r>
-            <a:r>
-              <a:rPr lang="en-US" baseline="0" dirty="0" smtClean="0"/>
-              <a:t> – creates a new class library project.  This is what we use to create a new </a:t>
-            </a:r>
-            <a:r>
-              <a:rPr lang="en-US" baseline="0" dirty="0" err="1" smtClean="0"/>
-              <a:t>.Net</a:t>
-            </a:r>
-            <a:r>
-              <a:rPr lang="en-US" baseline="0" dirty="0" smtClean="0"/>
-              <a:t> project that is code only.</a:t>
-            </a:r>
-          </a:p>
-          <a:p>
-            <a:pPr marL="171450" indent="-171450">
-              <a:buFont typeface="Arial" panose="020B0604020202020204" pitchFamily="34" charset="0"/>
-              <a:buChar char="•"/>
-            </a:pPr>
-            <a:r>
-              <a:rPr lang="en-US" baseline="0" dirty="0" err="1" smtClean="0"/>
-              <a:t>dotnet</a:t>
-            </a:r>
-            <a:r>
-              <a:rPr lang="en-US" baseline="0" dirty="0" smtClean="0"/>
-              <a:t> new </a:t>
-            </a:r>
-            <a:r>
-              <a:rPr lang="en-US" baseline="0" dirty="0" err="1" smtClean="0"/>
-              <a:t>webapi</a:t>
-            </a:r>
-            <a:r>
-              <a:rPr lang="en-US" baseline="0" dirty="0" smtClean="0"/>
-              <a:t> – creates a new web </a:t>
-            </a:r>
-            <a:r>
-              <a:rPr lang="en-US" baseline="0" dirty="0" err="1" smtClean="0"/>
-              <a:t>api</a:t>
-            </a:r>
-            <a:r>
-              <a:rPr lang="en-US" baseline="0" dirty="0" smtClean="0"/>
-              <a:t> project.  This is what we use to create a new </a:t>
-            </a:r>
-            <a:r>
-              <a:rPr lang="en-US" baseline="0" dirty="0" err="1" smtClean="0"/>
-              <a:t>.Net</a:t>
-            </a:r>
-            <a:r>
-              <a:rPr lang="en-US" baseline="0" dirty="0" smtClean="0"/>
-              <a:t> project that will contain our web </a:t>
-            </a:r>
-            <a:r>
-              <a:rPr lang="en-US" baseline="0" dirty="0" err="1" smtClean="0"/>
-              <a:t>api</a:t>
-            </a:r>
-            <a:r>
-              <a:rPr lang="en-US" baseline="0" dirty="0" smtClean="0"/>
-              <a:t>.</a:t>
-            </a:r>
-          </a:p>
-          <a:p>
-            <a:pPr marL="171450" indent="-171450">
-              <a:buFont typeface="Arial" panose="020B0604020202020204" pitchFamily="34" charset="0"/>
-              <a:buChar char="•"/>
-            </a:pPr>
-            <a:r>
-              <a:rPr lang="en-US" baseline="0" dirty="0" err="1" smtClean="0"/>
-              <a:t>dotnet</a:t>
-            </a:r>
-            <a:r>
-              <a:rPr lang="en-US" baseline="0" dirty="0" smtClean="0"/>
-              <a:t> add reference – allows us to reference code from another project.  One project does not know about the other until a reference is added.</a:t>
-            </a:r>
-          </a:p>
-          <a:p>
-            <a:pPr marL="171450" indent="-171450">
-              <a:buFont typeface="Arial" panose="020B0604020202020204" pitchFamily="34" charset="0"/>
-              <a:buChar char="•"/>
-            </a:pPr>
-            <a:r>
-              <a:rPr lang="en-US" baseline="0" dirty="0" err="1" smtClean="0"/>
-              <a:t>dotnet</a:t>
-            </a:r>
-            <a:r>
-              <a:rPr lang="en-US" baseline="0" dirty="0" smtClean="0"/>
-              <a:t> add package – allows us to add a package to our code.  A package is created by someone and can be downloaded over the internet for use in your project.</a:t>
-            </a:r>
-          </a:p>
-          <a:p>
-            <a:pPr marL="171450" indent="-171450">
-              <a:buFont typeface="Arial" panose="020B0604020202020204" pitchFamily="34" charset="0"/>
-              <a:buChar char="•"/>
-            </a:pPr>
-            <a:r>
-              <a:rPr lang="en-US" baseline="0" dirty="0" smtClean="0"/>
-              <a:t>We will be using two packages from the </a:t>
-            </a:r>
-            <a:r>
-              <a:rPr lang="en-US" baseline="0" dirty="0" err="1" smtClean="0"/>
-              <a:t>Nuget</a:t>
-            </a:r>
-            <a:r>
-              <a:rPr lang="en-US" baseline="0" dirty="0" smtClean="0"/>
-              <a:t> package manager which are Dapper and </a:t>
-            </a:r>
-            <a:r>
-              <a:rPr lang="en-US" baseline="0" dirty="0" err="1" smtClean="0"/>
-              <a:t>MySql.Data</a:t>
-            </a:r>
-            <a:r>
-              <a:rPr lang="en-US" baseline="0" dirty="0" smtClean="0"/>
-              <a:t>.</a:t>
-            </a:r>
-            <a:endParaRPr lang="en-US" dirty="0"/>
+              <a:rPr lang="en-US" baseline="0" dirty="0"/>
+              <a:t>This automatic binding makes it easier to convert between JSON and C#.</a:t>
+            </a:r>
           </a:p>
         </p:txBody>
       </p:sp>
@@ -2404,7 +2628,7 @@
           <a:bodyPr/>
           <a:lstStyle/>
           <a:p>
-            <a:fld id="{8BFE51C4-C5AF-4BE3-9C14-3D5DA10766E2}" type="slidenum">
+            <a:fld id="{90562276-63C7-43F9-8E9E-CFA137F6F839}" type="slidenum">
               <a:rPr lang="en-US" smtClean="0"/>
               <a:t>9</a:t>
             </a:fld>
@@ -2415,7 +2639,7 @@
     </p:spTree>
     <p:extLst>
       <p:ext uri="{BB962C8B-B14F-4D97-AF65-F5344CB8AC3E}">
-        <p14:creationId xmlns:p14="http://schemas.microsoft.com/office/powerpoint/2010/main" val="3098559630"/>
+        <p14:creationId xmlns:p14="http://schemas.microsoft.com/office/powerpoint/2010/main" val="246444894"/>
       </p:ext>
     </p:extLst>
   </p:cSld>
@@ -2474,59 +2698,18 @@
               <a:buChar char="•"/>
             </a:pPr>
             <a:r>
-              <a:rPr lang="en-US" dirty="0" smtClean="0"/>
-              <a:t>Let’s take a tour of Postman</a:t>
-            </a:r>
-            <a:endParaRPr lang="en-US" baseline="0" dirty="0" smtClean="0"/>
-          </a:p>
-          <a:p>
-            <a:pPr marL="628650" lvl="1" indent="-171450">
+              <a:rPr lang="en-US" baseline="0" dirty="0"/>
+              <a:t>JSON that exists within the request body can also be converted or bound or serialized into a C# class.</a:t>
+            </a:r>
+          </a:p>
+          <a:p>
+            <a:pPr marL="171450" indent="-171450">
               <a:buFont typeface="Arial" panose="020B0604020202020204" pitchFamily="34" charset="0"/>
               <a:buChar char="•"/>
             </a:pPr>
             <a:r>
-              <a:rPr lang="en-US" baseline="0" dirty="0" smtClean="0"/>
-              <a:t>Open Postman</a:t>
-            </a:r>
-          </a:p>
-          <a:p>
-            <a:pPr marL="628650" lvl="1" indent="-171450">
-              <a:buFont typeface="Arial" panose="020B0604020202020204" pitchFamily="34" charset="0"/>
-              <a:buChar char="•"/>
-            </a:pPr>
-            <a:r>
-              <a:rPr lang="en-US" baseline="0" dirty="0" smtClean="0"/>
-              <a:t>Using the correct URL, make a get request to the API to get data back.</a:t>
-            </a:r>
-          </a:p>
-          <a:p>
-            <a:pPr marL="628650" lvl="1" indent="-171450">
-              <a:buFont typeface="Arial" panose="020B0604020202020204" pitchFamily="34" charset="0"/>
-              <a:buChar char="•"/>
-            </a:pPr>
-            <a:r>
-              <a:rPr lang="en-US" baseline="0" dirty="0" smtClean="0"/>
-              <a:t>Using the correct URL and request body, make a post request to post data.</a:t>
-            </a:r>
-          </a:p>
-          <a:p>
-            <a:pPr marL="628650" lvl="1" indent="-171450">
-              <a:buFont typeface="Arial" panose="020B0604020202020204" pitchFamily="34" charset="0"/>
-              <a:buChar char="•"/>
-            </a:pPr>
-            <a:r>
-              <a:rPr lang="en-US" baseline="0" dirty="0" smtClean="0"/>
-              <a:t>Using the correct URL and request body, make a put request to update data.</a:t>
-            </a:r>
-          </a:p>
-          <a:p>
-            <a:pPr marL="628650" lvl="1" indent="-171450">
-              <a:buFont typeface="Arial" panose="020B0604020202020204" pitchFamily="34" charset="0"/>
-              <a:buChar char="•"/>
-            </a:pPr>
-            <a:r>
-              <a:rPr lang="en-US" baseline="0" dirty="0" smtClean="0"/>
-              <a:t>Using the correct URL, make a delete request to the API to delete data.</a:t>
+              <a:rPr lang="en-US" baseline="0" dirty="0"/>
+              <a:t>This automatic binding makes it easier to convert between JSON and C#.</a:t>
             </a:r>
           </a:p>
         </p:txBody>
@@ -2546,7 +2729,7 @@
           <a:bodyPr/>
           <a:lstStyle/>
           <a:p>
-            <a:fld id="{EFF2A19C-273D-4352-BCC0-8BB0C7A8A8F7}" type="slidenum">
+            <a:fld id="{90562276-63C7-43F9-8E9E-CFA137F6F839}" type="slidenum">
               <a:rPr lang="en-US" smtClean="0"/>
               <a:t>10</a:t>
             </a:fld>
@@ -2557,7 +2740,7 @@
     </p:spTree>
     <p:extLst>
       <p:ext uri="{BB962C8B-B14F-4D97-AF65-F5344CB8AC3E}">
-        <p14:creationId xmlns:p14="http://schemas.microsoft.com/office/powerpoint/2010/main" val="576982499"/>
+        <p14:creationId xmlns:p14="http://schemas.microsoft.com/office/powerpoint/2010/main" val="4039843221"/>
       </p:ext>
     </p:extLst>
   </p:cSld>
@@ -2609,7 +2792,7 @@
           </a:lstStyle>
           <a:p>
             <a:r>
-              <a:rPr lang="en-US" smtClean="0"/>
+              <a:rPr lang="en-US"/>
               <a:t>Click to edit Master title style</a:t>
             </a:r>
             <a:endParaRPr lang="en-US" dirty="0"/>
@@ -2729,7 +2912,7 @@
           </a:lstStyle>
           <a:p>
             <a:r>
-              <a:rPr lang="en-US" smtClean="0"/>
+              <a:rPr lang="en-US"/>
               <a:t>Click to edit Master subtitle style</a:t>
             </a:r>
             <a:endParaRPr lang="en-US" dirty="0"/>
@@ -2753,7 +2936,7 @@
           <a:p>
             <a:fld id="{96FB5D56-0812-4ED5-8B52-3D0DCBF578CB}" type="datetimeFigureOut">
               <a:rPr lang="en-US" smtClean="0"/>
-              <a:t>2/24/2018</a:t>
+              <a:t>6/4/2018</a:t>
             </a:fld>
             <a:endParaRPr lang="en-US"/>
           </a:p>
@@ -2858,7 +3041,7 @@
           </a:lstStyle>
           <a:p>
             <a:r>
-              <a:rPr lang="en-US" smtClean="0"/>
+              <a:rPr lang="en-US"/>
               <a:t>Click to edit Master title style</a:t>
             </a:r>
             <a:endParaRPr lang="en-US" dirty="0"/>
@@ -2937,7 +3120,7 @@
           </a:lstStyle>
           <a:p>
             <a:r>
-              <a:rPr lang="en-US" smtClean="0"/>
+              <a:rPr lang="en-US"/>
               <a:t>Click icon to add picture</a:t>
             </a:r>
             <a:endParaRPr lang="en-US" dirty="0"/>
@@ -3005,7 +3188,7 @@
           <a:p>
             <a:pPr lvl="0"/>
             <a:r>
-              <a:rPr lang="en-US" smtClean="0"/>
+              <a:rPr lang="en-US"/>
               <a:t>Click to edit Master text styles</a:t>
             </a:r>
           </a:p>
@@ -3028,7 +3211,7 @@
           <a:p>
             <a:fld id="{96FB5D56-0812-4ED5-8B52-3D0DCBF578CB}" type="datetimeFigureOut">
               <a:rPr lang="en-US" smtClean="0"/>
-              <a:t>2/24/2018</a:t>
+              <a:t>6/4/2018</a:t>
             </a:fld>
             <a:endParaRPr lang="en-US"/>
           </a:p>
@@ -3131,7 +3314,7 @@
           </a:lstStyle>
           <a:p>
             <a:r>
-              <a:rPr lang="en-US" smtClean="0"/>
+              <a:rPr lang="en-US"/>
               <a:t>Click to edit Master title style</a:t>
             </a:r>
             <a:endParaRPr lang="en-US" dirty="0"/>
@@ -3199,7 +3382,7 @@
           <a:p>
             <a:pPr lvl="0"/>
             <a:r>
-              <a:rPr lang="en-US" smtClean="0"/>
+              <a:rPr lang="en-US"/>
               <a:t>Click to edit Master text styles</a:t>
             </a:r>
           </a:p>
@@ -3222,7 +3405,7 @@
           <a:p>
             <a:fld id="{96FB5D56-0812-4ED5-8B52-3D0DCBF578CB}" type="datetimeFigureOut">
               <a:rPr lang="en-US" smtClean="0"/>
-              <a:t>2/24/2018</a:t>
+              <a:t>6/4/2018</a:t>
             </a:fld>
             <a:endParaRPr lang="en-US"/>
           </a:p>
@@ -3325,7 +3508,7 @@
           </a:lstStyle>
           <a:p>
             <a:r>
-              <a:rPr lang="en-US" smtClean="0"/>
+              <a:rPr lang="en-US"/>
               <a:t>Click to edit Master title style</a:t>
             </a:r>
             <a:endParaRPr lang="en-US" dirty="0"/>
@@ -3405,7 +3588,7 @@
               <a:buNone/>
             </a:pPr>
             <a:r>
-              <a:rPr lang="en-US" smtClean="0"/>
+              <a:rPr lang="en-US"/>
               <a:t>Click to edit Master text styles</a:t>
             </a:r>
           </a:p>
@@ -3472,7 +3655,7 @@
           <a:p>
             <a:pPr lvl="0"/>
             <a:r>
-              <a:rPr lang="en-US" smtClean="0"/>
+              <a:rPr lang="en-US"/>
               <a:t>Click to edit Master text styles</a:t>
             </a:r>
           </a:p>
@@ -3495,7 +3678,7 @@
           <a:p>
             <a:fld id="{96FB5D56-0812-4ED5-8B52-3D0DCBF578CB}" type="datetimeFigureOut">
               <a:rPr lang="en-US" smtClean="0"/>
-              <a:t>2/24/2018</a:t>
+              <a:t>6/4/2018</a:t>
             </a:fld>
             <a:endParaRPr lang="en-US"/>
           </a:p>
@@ -3692,7 +3875,7 @@
           </a:lstStyle>
           <a:p>
             <a:r>
-              <a:rPr lang="en-US" smtClean="0"/>
+              <a:rPr lang="en-US"/>
               <a:t>Click to edit Master title style</a:t>
             </a:r>
             <a:endParaRPr lang="en-US" dirty="0"/>
@@ -3813,7 +3996,7 @@
           <a:p>
             <a:pPr lvl="0"/>
             <a:r>
-              <a:rPr lang="en-US" smtClean="0"/>
+              <a:rPr lang="en-US"/>
               <a:t>Click to edit Master text styles</a:t>
             </a:r>
           </a:p>
@@ -3836,7 +4019,7 @@
           <a:p>
             <a:fld id="{96FB5D56-0812-4ED5-8B52-3D0DCBF578CB}" type="datetimeFigureOut">
               <a:rPr lang="en-US" smtClean="0"/>
-              <a:t>2/24/2018</a:t>
+              <a:t>6/4/2018</a:t>
             </a:fld>
             <a:endParaRPr lang="en-US"/>
           </a:p>
@@ -3934,7 +4117,7 @@
           </a:lstStyle>
           <a:p>
             <a:r>
-              <a:rPr lang="en-US" smtClean="0"/>
+              <a:rPr lang="en-US"/>
               <a:t>Click to edit Master title style</a:t>
             </a:r>
             <a:endParaRPr lang="en-US" dirty="0"/>
@@ -4009,7 +4192,7 @@
           <a:p>
             <a:pPr lvl="0"/>
             <a:r>
-              <a:rPr lang="en-US" smtClean="0"/>
+              <a:rPr lang="en-US"/>
               <a:t>Click to edit Master text styles</a:t>
             </a:r>
           </a:p>
@@ -4076,7 +4259,7 @@
           <a:p>
             <a:pPr lvl="0"/>
             <a:r>
-              <a:rPr lang="en-US" smtClean="0"/>
+              <a:rPr lang="en-US"/>
               <a:t>Click to edit Master text styles</a:t>
             </a:r>
           </a:p>
@@ -4150,7 +4333,7 @@
           <a:p>
             <a:pPr lvl="0"/>
             <a:r>
-              <a:rPr lang="en-US" smtClean="0"/>
+              <a:rPr lang="en-US"/>
               <a:t>Click to edit Master text styles</a:t>
             </a:r>
           </a:p>
@@ -4217,7 +4400,7 @@
           <a:p>
             <a:pPr lvl="0"/>
             <a:r>
-              <a:rPr lang="en-US" smtClean="0"/>
+              <a:rPr lang="en-US"/>
               <a:t>Click to edit Master text styles</a:t>
             </a:r>
           </a:p>
@@ -4291,7 +4474,7 @@
           <a:p>
             <a:pPr lvl="0"/>
             <a:r>
-              <a:rPr lang="en-US" smtClean="0"/>
+              <a:rPr lang="en-US"/>
               <a:t>Click to edit Master text styles</a:t>
             </a:r>
           </a:p>
@@ -4358,7 +4541,7 @@
           <a:p>
             <a:pPr lvl="0"/>
             <a:r>
-              <a:rPr lang="en-US" smtClean="0"/>
+              <a:rPr lang="en-US"/>
               <a:t>Click to edit Master text styles</a:t>
             </a:r>
           </a:p>
@@ -4459,7 +4642,7 @@
           <a:p>
             <a:fld id="{96FB5D56-0812-4ED5-8B52-3D0DCBF578CB}" type="datetimeFigureOut">
               <a:rPr lang="en-US" smtClean="0"/>
-              <a:t>2/24/2018</a:t>
+              <a:t>6/4/2018</a:t>
             </a:fld>
             <a:endParaRPr lang="en-US"/>
           </a:p>
@@ -4557,7 +4740,7 @@
           </a:lstStyle>
           <a:p>
             <a:r>
-              <a:rPr lang="en-US" smtClean="0"/>
+              <a:rPr lang="en-US"/>
               <a:t>Click to edit Master title style</a:t>
             </a:r>
             <a:endParaRPr lang="en-US" dirty="0"/>
@@ -4632,7 +4815,7 @@
           <a:p>
             <a:pPr lvl="0"/>
             <a:r>
-              <a:rPr lang="en-US" smtClean="0"/>
+              <a:rPr lang="en-US"/>
               <a:t>Click to edit Master text styles</a:t>
             </a:r>
           </a:p>
@@ -4710,7 +4893,7 @@
           </a:lstStyle>
           <a:p>
             <a:r>
-              <a:rPr lang="en-US" smtClean="0"/>
+              <a:rPr lang="en-US"/>
               <a:t>Click icon to add picture</a:t>
             </a:r>
             <a:endParaRPr lang="en-US" dirty="0"/>
@@ -4778,7 +4961,7 @@
           <a:p>
             <a:pPr lvl="0"/>
             <a:r>
-              <a:rPr lang="en-US" smtClean="0"/>
+              <a:rPr lang="en-US"/>
               <a:t>Click to edit Master text styles</a:t>
             </a:r>
           </a:p>
@@ -4852,7 +5035,7 @@
           <a:p>
             <a:pPr lvl="0"/>
             <a:r>
-              <a:rPr lang="en-US" smtClean="0"/>
+              <a:rPr lang="en-US"/>
               <a:t>Click to edit Master text styles</a:t>
             </a:r>
           </a:p>
@@ -4930,7 +5113,7 @@
           </a:lstStyle>
           <a:p>
             <a:r>
-              <a:rPr lang="en-US" smtClean="0"/>
+              <a:rPr lang="en-US"/>
               <a:t>Click icon to add picture</a:t>
             </a:r>
             <a:endParaRPr lang="en-US" dirty="0"/>
@@ -4998,7 +5181,7 @@
           <a:p>
             <a:pPr lvl="0"/>
             <a:r>
-              <a:rPr lang="en-US" smtClean="0"/>
+              <a:rPr lang="en-US"/>
               <a:t>Click to edit Master text styles</a:t>
             </a:r>
           </a:p>
@@ -5072,7 +5255,7 @@
           <a:p>
             <a:pPr lvl="0"/>
             <a:r>
-              <a:rPr lang="en-US" smtClean="0"/>
+              <a:rPr lang="en-US"/>
               <a:t>Click to edit Master text styles</a:t>
             </a:r>
           </a:p>
@@ -5150,7 +5333,7 @@
           </a:lstStyle>
           <a:p>
             <a:r>
-              <a:rPr lang="en-US" smtClean="0"/>
+              <a:rPr lang="en-US"/>
               <a:t>Click icon to add picture</a:t>
             </a:r>
             <a:endParaRPr lang="en-US" dirty="0"/>
@@ -5218,7 +5401,7 @@
           <a:p>
             <a:pPr lvl="0"/>
             <a:r>
-              <a:rPr lang="en-US" smtClean="0"/>
+              <a:rPr lang="en-US"/>
               <a:t>Click to edit Master text styles</a:t>
             </a:r>
           </a:p>
@@ -5319,7 +5502,7 @@
           <a:p>
             <a:fld id="{96FB5D56-0812-4ED5-8B52-3D0DCBF578CB}" type="datetimeFigureOut">
               <a:rPr lang="en-US" smtClean="0"/>
-              <a:t>2/24/2018</a:t>
+              <a:t>6/4/2018</a:t>
             </a:fld>
             <a:endParaRPr lang="en-US"/>
           </a:p>
@@ -5413,7 +5596,7 @@
           <a:lstStyle/>
           <a:p>
             <a:r>
-              <a:rPr lang="en-US" smtClean="0"/>
+              <a:rPr lang="en-US"/>
               <a:t>Click to edit Master title style</a:t>
             </a:r>
             <a:endParaRPr lang="en-US" dirty="0"/>
@@ -5437,35 +5620,35 @@
           <a:p>
             <a:pPr lvl="0"/>
             <a:r>
-              <a:rPr lang="en-US" smtClean="0"/>
+              <a:rPr lang="en-US"/>
               <a:t>Click to edit Master text styles</a:t>
             </a:r>
           </a:p>
           <a:p>
             <a:pPr lvl="1"/>
             <a:r>
-              <a:rPr lang="en-US" smtClean="0"/>
+              <a:rPr lang="en-US"/>
               <a:t>Second level</a:t>
             </a:r>
           </a:p>
           <a:p>
             <a:pPr lvl="2"/>
             <a:r>
-              <a:rPr lang="en-US" smtClean="0"/>
+              <a:rPr lang="en-US"/>
               <a:t>Third level</a:t>
             </a:r>
           </a:p>
           <a:p>
             <a:pPr lvl="3"/>
             <a:r>
-              <a:rPr lang="en-US" smtClean="0"/>
+              <a:rPr lang="en-US"/>
               <a:t>Fourth level</a:t>
             </a:r>
           </a:p>
           <a:p>
             <a:pPr lvl="4"/>
             <a:r>
-              <a:rPr lang="en-US" smtClean="0"/>
+              <a:rPr lang="en-US"/>
               <a:t>Fifth level</a:t>
             </a:r>
             <a:endParaRPr lang="en-US" dirty="0"/>
@@ -5489,7 +5672,7 @@
           <a:p>
             <a:fld id="{96FB5D56-0812-4ED5-8B52-3D0DCBF578CB}" type="datetimeFigureOut">
               <a:rPr lang="en-US" smtClean="0"/>
-              <a:t>2/24/2018</a:t>
+              <a:t>6/4/2018</a:t>
             </a:fld>
             <a:endParaRPr lang="en-US"/>
           </a:p>
@@ -5588,7 +5771,7 @@
           <a:lstStyle/>
           <a:p>
             <a:r>
-              <a:rPr lang="en-US" smtClean="0"/>
+              <a:rPr lang="en-US"/>
               <a:t>Click to edit Master title style</a:t>
             </a:r>
             <a:endParaRPr lang="en-US" dirty="0"/>
@@ -5617,35 +5800,35 @@
           <a:p>
             <a:pPr lvl="0"/>
             <a:r>
-              <a:rPr lang="en-US" smtClean="0"/>
+              <a:rPr lang="en-US"/>
               <a:t>Click to edit Master text styles</a:t>
             </a:r>
           </a:p>
           <a:p>
             <a:pPr lvl="1"/>
             <a:r>
-              <a:rPr lang="en-US" smtClean="0"/>
+              <a:rPr lang="en-US"/>
               <a:t>Second level</a:t>
             </a:r>
           </a:p>
           <a:p>
             <a:pPr lvl="2"/>
             <a:r>
-              <a:rPr lang="en-US" smtClean="0"/>
+              <a:rPr lang="en-US"/>
               <a:t>Third level</a:t>
             </a:r>
           </a:p>
           <a:p>
             <a:pPr lvl="3"/>
             <a:r>
-              <a:rPr lang="en-US" smtClean="0"/>
+              <a:rPr lang="en-US"/>
               <a:t>Fourth level</a:t>
             </a:r>
           </a:p>
           <a:p>
             <a:pPr lvl="4"/>
             <a:r>
-              <a:rPr lang="en-US" smtClean="0"/>
+              <a:rPr lang="en-US"/>
               <a:t>Fifth level</a:t>
             </a:r>
             <a:endParaRPr lang="en-US" dirty="0"/>
@@ -5669,7 +5852,7 @@
           <a:p>
             <a:fld id="{96FB5D56-0812-4ED5-8B52-3D0DCBF578CB}" type="datetimeFigureOut">
               <a:rPr lang="en-US" smtClean="0"/>
-              <a:t>2/24/2018</a:t>
+              <a:t>6/4/2018</a:t>
             </a:fld>
             <a:endParaRPr lang="en-US"/>
           </a:p>
@@ -5763,7 +5946,7 @@
           <a:lstStyle/>
           <a:p>
             <a:r>
-              <a:rPr lang="en-US" smtClean="0"/>
+              <a:rPr lang="en-US"/>
               <a:t>Click to edit Master title style</a:t>
             </a:r>
             <a:endParaRPr lang="en-US" dirty="0"/>
@@ -5787,35 +5970,35 @@
           <a:p>
             <a:pPr lvl="0"/>
             <a:r>
-              <a:rPr lang="en-US" smtClean="0"/>
+              <a:rPr lang="en-US"/>
               <a:t>Click to edit Master text styles</a:t>
             </a:r>
           </a:p>
           <a:p>
             <a:pPr lvl="1"/>
             <a:r>
-              <a:rPr lang="en-US" smtClean="0"/>
+              <a:rPr lang="en-US"/>
               <a:t>Second level</a:t>
             </a:r>
           </a:p>
           <a:p>
             <a:pPr lvl="2"/>
             <a:r>
-              <a:rPr lang="en-US" smtClean="0"/>
+              <a:rPr lang="en-US"/>
               <a:t>Third level</a:t>
             </a:r>
           </a:p>
           <a:p>
             <a:pPr lvl="3"/>
             <a:r>
-              <a:rPr lang="en-US" smtClean="0"/>
+              <a:rPr lang="en-US"/>
               <a:t>Fourth level</a:t>
             </a:r>
           </a:p>
           <a:p>
             <a:pPr lvl="4"/>
             <a:r>
-              <a:rPr lang="en-US" smtClean="0"/>
+              <a:rPr lang="en-US"/>
               <a:t>Fifth level</a:t>
             </a:r>
             <a:endParaRPr lang="en-US" dirty="0"/>
@@ -5839,7 +6022,7 @@
           <a:p>
             <a:fld id="{96FB5D56-0812-4ED5-8B52-3D0DCBF578CB}" type="datetimeFigureOut">
               <a:rPr lang="en-US" smtClean="0"/>
-              <a:t>2/24/2018</a:t>
+              <a:t>6/4/2018</a:t>
             </a:fld>
             <a:endParaRPr lang="en-US"/>
           </a:p>
@@ -5942,7 +6125,7 @@
           </a:lstStyle>
           <a:p>
             <a:r>
-              <a:rPr lang="en-US" smtClean="0"/>
+              <a:rPr lang="en-US"/>
               <a:t>Click to edit Master title style</a:t>
             </a:r>
             <a:endParaRPr lang="en-US" dirty="0"/>
@@ -6063,7 +6246,7 @@
           <a:p>
             <a:pPr lvl="0"/>
             <a:r>
-              <a:rPr lang="en-US" smtClean="0"/>
+              <a:rPr lang="en-US"/>
               <a:t>Click to edit Master text styles</a:t>
             </a:r>
           </a:p>
@@ -6086,7 +6269,7 @@
           <a:p>
             <a:fld id="{96FB5D56-0812-4ED5-8B52-3D0DCBF578CB}" type="datetimeFigureOut">
               <a:rPr lang="en-US" smtClean="0"/>
-              <a:t>2/24/2018</a:t>
+              <a:t>6/4/2018</a:t>
             </a:fld>
             <a:endParaRPr lang="en-US"/>
           </a:p>
@@ -6180,7 +6363,7 @@
           <a:lstStyle/>
           <a:p>
             <a:r>
-              <a:rPr lang="en-US" smtClean="0"/>
+              <a:rPr lang="en-US"/>
               <a:t>Click to edit Master title style</a:t>
             </a:r>
             <a:endParaRPr lang="en-US" dirty="0"/>
@@ -6239,35 +6422,35 @@
           <a:p>
             <a:pPr lvl="0"/>
             <a:r>
-              <a:rPr lang="en-US" smtClean="0"/>
+              <a:rPr lang="en-US"/>
               <a:t>Click to edit Master text styles</a:t>
             </a:r>
           </a:p>
           <a:p>
             <a:pPr lvl="1"/>
             <a:r>
-              <a:rPr lang="en-US" smtClean="0"/>
+              <a:rPr lang="en-US"/>
               <a:t>Second level</a:t>
             </a:r>
           </a:p>
           <a:p>
             <a:pPr lvl="2"/>
             <a:r>
-              <a:rPr lang="en-US" smtClean="0"/>
+              <a:rPr lang="en-US"/>
               <a:t>Third level</a:t>
             </a:r>
           </a:p>
           <a:p>
             <a:pPr lvl="3"/>
             <a:r>
-              <a:rPr lang="en-US" smtClean="0"/>
+              <a:rPr lang="en-US"/>
               <a:t>Fourth level</a:t>
             </a:r>
           </a:p>
           <a:p>
             <a:pPr lvl="4"/>
             <a:r>
-              <a:rPr lang="en-US" smtClean="0"/>
+              <a:rPr lang="en-US"/>
               <a:t>Fifth level</a:t>
             </a:r>
             <a:endParaRPr lang="en-US" dirty="0"/>
@@ -6326,35 +6509,35 @@
           <a:p>
             <a:pPr lvl="0"/>
             <a:r>
-              <a:rPr lang="en-US" smtClean="0"/>
+              <a:rPr lang="en-US"/>
               <a:t>Click to edit Master text styles</a:t>
             </a:r>
           </a:p>
           <a:p>
             <a:pPr lvl="1"/>
             <a:r>
-              <a:rPr lang="en-US" smtClean="0"/>
+              <a:rPr lang="en-US"/>
               <a:t>Second level</a:t>
             </a:r>
           </a:p>
           <a:p>
             <a:pPr lvl="2"/>
             <a:r>
-              <a:rPr lang="en-US" smtClean="0"/>
+              <a:rPr lang="en-US"/>
               <a:t>Third level</a:t>
             </a:r>
           </a:p>
           <a:p>
             <a:pPr lvl="3"/>
             <a:r>
-              <a:rPr lang="en-US" smtClean="0"/>
+              <a:rPr lang="en-US"/>
               <a:t>Fourth level</a:t>
             </a:r>
           </a:p>
           <a:p>
             <a:pPr lvl="4"/>
             <a:r>
-              <a:rPr lang="en-US" smtClean="0"/>
+              <a:rPr lang="en-US"/>
               <a:t>Fifth level</a:t>
             </a:r>
             <a:endParaRPr lang="en-US" dirty="0"/>
@@ -6378,7 +6561,7 @@
           <a:p>
             <a:fld id="{96FB5D56-0812-4ED5-8B52-3D0DCBF578CB}" type="datetimeFigureOut">
               <a:rPr lang="en-US" smtClean="0"/>
-              <a:t>2/24/2018</a:t>
+              <a:t>6/4/2018</a:t>
             </a:fld>
             <a:endParaRPr lang="en-US"/>
           </a:p>
@@ -6476,7 +6659,7 @@
           </a:lstStyle>
           <a:p>
             <a:r>
-              <a:rPr lang="en-US" smtClean="0"/>
+              <a:rPr lang="en-US"/>
               <a:t>Click to edit Master title style</a:t>
             </a:r>
             <a:endParaRPr lang="en-US" dirty="0"/>
@@ -6551,7 +6734,7 @@
           <a:p>
             <a:pPr lvl="0"/>
             <a:r>
-              <a:rPr lang="en-US" smtClean="0"/>
+              <a:rPr lang="en-US"/>
               <a:t>Click to edit Master text styles</a:t>
             </a:r>
           </a:p>
@@ -6609,35 +6792,35 @@
           <a:p>
             <a:pPr lvl="0"/>
             <a:r>
-              <a:rPr lang="en-US" smtClean="0"/>
+              <a:rPr lang="en-US"/>
               <a:t>Click to edit Master text styles</a:t>
             </a:r>
           </a:p>
           <a:p>
             <a:pPr lvl="1"/>
             <a:r>
-              <a:rPr lang="en-US" smtClean="0"/>
+              <a:rPr lang="en-US"/>
               <a:t>Second level</a:t>
             </a:r>
           </a:p>
           <a:p>
             <a:pPr lvl="2"/>
             <a:r>
-              <a:rPr lang="en-US" smtClean="0"/>
+              <a:rPr lang="en-US"/>
               <a:t>Third level</a:t>
             </a:r>
           </a:p>
           <a:p>
             <a:pPr lvl="3"/>
             <a:r>
-              <a:rPr lang="en-US" smtClean="0"/>
+              <a:rPr lang="en-US"/>
               <a:t>Fourth level</a:t>
             </a:r>
           </a:p>
           <a:p>
             <a:pPr lvl="4"/>
             <a:r>
-              <a:rPr lang="en-US" smtClean="0"/>
+              <a:rPr lang="en-US"/>
               <a:t>Fifth level</a:t>
             </a:r>
             <a:endParaRPr lang="en-US" dirty="0"/>
@@ -6712,7 +6895,7 @@
           <a:p>
             <a:pPr lvl="0"/>
             <a:r>
-              <a:rPr lang="en-US" smtClean="0"/>
+              <a:rPr lang="en-US"/>
               <a:t>Click to edit Master text styles</a:t>
             </a:r>
           </a:p>
@@ -6770,35 +6953,35 @@
           <a:p>
             <a:pPr lvl="0"/>
             <a:r>
-              <a:rPr lang="en-US" smtClean="0"/>
+              <a:rPr lang="en-US"/>
               <a:t>Click to edit Master text styles</a:t>
             </a:r>
           </a:p>
           <a:p>
             <a:pPr lvl="1"/>
             <a:r>
-              <a:rPr lang="en-US" smtClean="0"/>
+              <a:rPr lang="en-US"/>
               <a:t>Second level</a:t>
             </a:r>
           </a:p>
           <a:p>
             <a:pPr lvl="2"/>
             <a:r>
-              <a:rPr lang="en-US" smtClean="0"/>
+              <a:rPr lang="en-US"/>
               <a:t>Third level</a:t>
             </a:r>
           </a:p>
           <a:p>
             <a:pPr lvl="3"/>
             <a:r>
-              <a:rPr lang="en-US" smtClean="0"/>
+              <a:rPr lang="en-US"/>
               <a:t>Fourth level</a:t>
             </a:r>
           </a:p>
           <a:p>
             <a:pPr lvl="4"/>
             <a:r>
-              <a:rPr lang="en-US" smtClean="0"/>
+              <a:rPr lang="en-US"/>
               <a:t>Fifth level</a:t>
             </a:r>
             <a:endParaRPr lang="en-US" dirty="0"/>
@@ -6822,7 +7005,7 @@
           <a:p>
             <a:fld id="{96FB5D56-0812-4ED5-8B52-3D0DCBF578CB}" type="datetimeFigureOut">
               <a:rPr lang="en-US" smtClean="0"/>
-              <a:t>2/24/2018</a:t>
+              <a:t>6/4/2018</a:t>
             </a:fld>
             <a:endParaRPr lang="en-US"/>
           </a:p>
@@ -6916,7 +7099,7 @@
           <a:lstStyle/>
           <a:p>
             <a:r>
-              <a:rPr lang="en-US" smtClean="0"/>
+              <a:rPr lang="en-US"/>
               <a:t>Click to edit Master title style</a:t>
             </a:r>
             <a:endParaRPr lang="en-US" dirty="0"/>
@@ -6940,7 +7123,7 @@
           <a:p>
             <a:fld id="{96FB5D56-0812-4ED5-8B52-3D0DCBF578CB}" type="datetimeFigureOut">
               <a:rPr lang="en-US" smtClean="0"/>
-              <a:t>2/24/2018</a:t>
+              <a:t>6/4/2018</a:t>
             </a:fld>
             <a:endParaRPr lang="en-US"/>
           </a:p>
@@ -7035,7 +7218,7 @@
           <a:p>
             <a:fld id="{96FB5D56-0812-4ED5-8B52-3D0DCBF578CB}" type="datetimeFigureOut">
               <a:rPr lang="en-US" smtClean="0"/>
-              <a:t>2/24/2018</a:t>
+              <a:t>6/4/2018</a:t>
             </a:fld>
             <a:endParaRPr lang="en-US"/>
           </a:p>
@@ -7138,7 +7321,7 @@
           </a:lstStyle>
           <a:p>
             <a:r>
-              <a:rPr lang="en-US" smtClean="0"/>
+              <a:rPr lang="en-US"/>
               <a:t>Click to edit Master title style</a:t>
             </a:r>
             <a:endParaRPr lang="en-US" dirty="0"/>
@@ -7197,35 +7380,35 @@
           <a:p>
             <a:pPr lvl="0"/>
             <a:r>
-              <a:rPr lang="en-US" smtClean="0"/>
+              <a:rPr lang="en-US"/>
               <a:t>Click to edit Master text styles</a:t>
             </a:r>
           </a:p>
           <a:p>
             <a:pPr lvl="1"/>
             <a:r>
-              <a:rPr lang="en-US" smtClean="0"/>
+              <a:rPr lang="en-US"/>
               <a:t>Second level</a:t>
             </a:r>
           </a:p>
           <a:p>
             <a:pPr lvl="2"/>
             <a:r>
-              <a:rPr lang="en-US" smtClean="0"/>
+              <a:rPr lang="en-US"/>
               <a:t>Third level</a:t>
             </a:r>
           </a:p>
           <a:p>
             <a:pPr lvl="3"/>
             <a:r>
-              <a:rPr lang="en-US" smtClean="0"/>
+              <a:rPr lang="en-US"/>
               <a:t>Fourth level</a:t>
             </a:r>
           </a:p>
           <a:p>
             <a:pPr lvl="4"/>
             <a:r>
-              <a:rPr lang="en-US" smtClean="0"/>
+              <a:rPr lang="en-US"/>
               <a:t>Fifth level</a:t>
             </a:r>
             <a:endParaRPr lang="en-US" dirty="0"/>
@@ -7291,7 +7474,7 @@
           <a:p>
             <a:pPr lvl="0"/>
             <a:r>
-              <a:rPr lang="en-US" smtClean="0"/>
+              <a:rPr lang="en-US"/>
               <a:t>Click to edit Master text styles</a:t>
             </a:r>
           </a:p>
@@ -7314,7 +7497,7 @@
           <a:p>
             <a:fld id="{96FB5D56-0812-4ED5-8B52-3D0DCBF578CB}" type="datetimeFigureOut">
               <a:rPr lang="en-US" smtClean="0"/>
-              <a:t>2/24/2018</a:t>
+              <a:t>6/4/2018</a:t>
             </a:fld>
             <a:endParaRPr lang="en-US"/>
           </a:p>
@@ -7419,7 +7602,7 @@
           </a:lstStyle>
           <a:p>
             <a:r>
-              <a:rPr lang="en-US" smtClean="0"/>
+              <a:rPr lang="en-US"/>
               <a:t>Click to edit Master title style</a:t>
             </a:r>
             <a:endParaRPr lang="en-US" dirty="0"/>
@@ -7498,7 +7681,7 @@
           </a:lstStyle>
           <a:p>
             <a:r>
-              <a:rPr lang="en-US" smtClean="0"/>
+              <a:rPr lang="en-US"/>
               <a:t>Click icon to add picture</a:t>
             </a:r>
             <a:endParaRPr lang="en-US" dirty="0"/>
@@ -7566,7 +7749,7 @@
           <a:p>
             <a:pPr lvl="0"/>
             <a:r>
-              <a:rPr lang="en-US" smtClean="0"/>
+              <a:rPr lang="en-US"/>
               <a:t>Click to edit Master text styles</a:t>
             </a:r>
           </a:p>
@@ -7589,7 +7772,7 @@
           <a:p>
             <a:fld id="{96FB5D56-0812-4ED5-8B52-3D0DCBF578CB}" type="datetimeFigureOut">
               <a:rPr lang="en-US" smtClean="0"/>
-              <a:t>2/24/2018</a:t>
+              <a:t>6/4/2018</a:t>
             </a:fld>
             <a:endParaRPr lang="en-US"/>
           </a:p>
@@ -7913,7 +8096,7 @@
           <a:lstStyle/>
           <a:p>
             <a:r>
-              <a:rPr lang="en-US" smtClean="0"/>
+              <a:rPr lang="en-US"/>
               <a:t>Click to edit Master title style</a:t>
             </a:r>
             <a:endParaRPr lang="en-US" dirty="0"/>
@@ -7947,35 +8130,35 @@
           <a:p>
             <a:pPr lvl="0"/>
             <a:r>
-              <a:rPr lang="en-US" smtClean="0"/>
+              <a:rPr lang="en-US"/>
               <a:t>Click to edit Master text styles</a:t>
             </a:r>
           </a:p>
           <a:p>
             <a:pPr lvl="1"/>
             <a:r>
-              <a:rPr lang="en-US" smtClean="0"/>
+              <a:rPr lang="en-US"/>
               <a:t>Second level</a:t>
             </a:r>
           </a:p>
           <a:p>
             <a:pPr lvl="2"/>
             <a:r>
-              <a:rPr lang="en-US" smtClean="0"/>
+              <a:rPr lang="en-US"/>
               <a:t>Third level</a:t>
             </a:r>
           </a:p>
           <a:p>
             <a:pPr lvl="3"/>
             <a:r>
-              <a:rPr lang="en-US" smtClean="0"/>
+              <a:rPr lang="en-US"/>
               <a:t>Fourth level</a:t>
             </a:r>
           </a:p>
           <a:p>
             <a:pPr lvl="4"/>
             <a:r>
-              <a:rPr lang="en-US" smtClean="0"/>
+              <a:rPr lang="en-US"/>
               <a:t>Fifth level</a:t>
             </a:r>
             <a:endParaRPr lang="en-US" dirty="0"/>
@@ -8018,7 +8201,7 @@
           <a:p>
             <a:fld id="{96FB5D56-0812-4ED5-8B52-3D0DCBF578CB}" type="datetimeFigureOut">
               <a:rPr lang="en-US" smtClean="0"/>
-              <a:t>2/24/2018</a:t>
+              <a:t>6/4/2018</a:t>
             </a:fld>
             <a:endParaRPr lang="en-US"/>
           </a:p>
@@ -8562,14 +8745,13 @@
           <a:lstStyle/>
           <a:p>
             <a:r>
-              <a:rPr lang="en-US" dirty="0" err="1" smtClean="0"/>
+              <a:rPr lang="en-US" dirty="0" err="1"/>
               <a:t>Logols</a:t>
             </a:r>
             <a:r>
-              <a:rPr lang="en-US" dirty="0" smtClean="0"/>
+              <a:rPr lang="en-US" dirty="0"/>
               <a:t> Learning</a:t>
             </a:r>
-            <a:endParaRPr lang="en-US" dirty="0"/>
           </a:p>
         </p:txBody>
       </p:sp>
@@ -8595,10 +8777,9 @@
           </a:p>
           <a:p>
             <a:r>
-              <a:rPr lang="en-US" dirty="0" smtClean="0"/>
+              <a:rPr lang="en-US" dirty="0"/>
               <a:t>Training:  Web API</a:t>
             </a:r>
-            <a:endParaRPr lang="en-US" dirty="0"/>
           </a:p>
         </p:txBody>
       </p:sp>
@@ -8612,13 +8793,6 @@
   <p:clrMapOvr>
     <a:masterClrMapping/>
   </p:clrMapOvr>
-  <p:timing>
-    <p:tnLst>
-      <p:par>
-        <p:cTn id="1" dur="indefinite" restart="never" nodeType="tmRoot"/>
-      </p:par>
-    </p:tnLst>
-  </p:timing>
 </p:sld>
 </file>
 
@@ -8655,49 +8829,129 @@
           <a:lstStyle/>
           <a:p>
             <a:r>
-              <a:rPr lang="en-US" dirty="0" smtClean="0"/>
-              <a:t>Postman</a:t>
-            </a:r>
-            <a:endParaRPr lang="en-US" dirty="0"/>
-          </a:p>
-        </p:txBody>
-      </p:sp>
-      <p:sp>
-        <p:nvSpPr>
-          <p:cNvPr id="3" name="Text Placeholder 2"/>
-          <p:cNvSpPr>
-            <a:spLocks noGrp="1"/>
-          </p:cNvSpPr>
-          <p:nvPr>
-            <p:ph type="body" idx="1"/>
-          </p:nvPr>
-        </p:nvSpPr>
-        <p:spPr/>
-        <p:txBody>
-          <a:bodyPr/>
-          <a:lstStyle/>
-          <a:p>
-            <a:endParaRPr lang="en-US" dirty="0"/>
+              <a:rPr lang="en-US" dirty="0"/>
+              <a:t>Parameter Binding</a:t>
+            </a:r>
+          </a:p>
+        </p:txBody>
+      </p:sp>
+      <p:sp>
+        <p:nvSpPr>
+          <p:cNvPr id="3" name="Content Placeholder 2"/>
+          <p:cNvSpPr>
+            <a:spLocks noGrp="1"/>
+          </p:cNvSpPr>
+          <p:nvPr>
+            <p:ph idx="1"/>
+          </p:nvPr>
+        </p:nvSpPr>
+        <p:spPr/>
+        <p:txBody>
+          <a:bodyPr>
+            <a:normAutofit/>
+          </a:bodyPr>
+          <a:lstStyle/>
+          <a:p>
+            <a:pPr marL="388620"/>
+            <a:r>
+              <a:rPr lang="en-US" sz="2800" dirty="0"/>
+              <a:t>JSON in Request Body converted to Class</a:t>
+            </a:r>
+          </a:p>
+          <a:p>
+            <a:pPr marL="388620"/>
+            <a:r>
+              <a:rPr lang="en-US" sz="2800" dirty="0"/>
+              <a:t>Example:</a:t>
+            </a:r>
+          </a:p>
+          <a:p>
+            <a:pPr marL="0" indent="0">
+              <a:buNone/>
+            </a:pPr>
+            <a:r>
+              <a:rPr lang="en-US" sz="2800" dirty="0"/>
+              <a:t>[</a:t>
+            </a:r>
+            <a:r>
+              <a:rPr lang="en-US" sz="2800" dirty="0" err="1"/>
+              <a:t>HttpPost</a:t>
+            </a:r>
+            <a:r>
+              <a:rPr lang="en-US" sz="2800" dirty="0"/>
+              <a:t>]</a:t>
+            </a:r>
+          </a:p>
+          <a:p>
+            <a:pPr marL="0" indent="0">
+              <a:buNone/>
+            </a:pPr>
+            <a:r>
+              <a:rPr lang="en-US" sz="2800" dirty="0"/>
+              <a:t>public void Post([</a:t>
+            </a:r>
+            <a:r>
+              <a:rPr lang="en-US" sz="2800" dirty="0" err="1"/>
+              <a:t>FromBody</a:t>
+            </a:r>
+            <a:r>
+              <a:rPr lang="en-US" sz="2800" dirty="0"/>
+              <a:t>]Answer answer)</a:t>
+            </a:r>
+          </a:p>
+          <a:p>
+            <a:pPr marL="0" indent="0">
+              <a:buNone/>
+            </a:pPr>
+            <a:r>
+              <a:rPr lang="en-US" sz="2800" dirty="0"/>
+              <a:t>{</a:t>
+            </a:r>
+          </a:p>
+          <a:p>
+            <a:pPr marL="0" indent="0">
+              <a:buNone/>
+            </a:pPr>
+            <a:r>
+              <a:rPr lang="en-US" sz="2800" dirty="0"/>
+              <a:t>   _</a:t>
+            </a:r>
+            <a:r>
+              <a:rPr lang="en-US" sz="2800" dirty="0" err="1"/>
+              <a:t>service.Insert</a:t>
+            </a:r>
+            <a:r>
+              <a:rPr lang="en-US" sz="2800" dirty="0"/>
+              <a:t>(answer);</a:t>
+            </a:r>
+          </a:p>
+          <a:p>
+            <a:pPr marL="0" indent="0">
+              <a:buNone/>
+            </a:pPr>
+            <a:r>
+              <a:rPr lang="en-US" sz="2800" dirty="0"/>
+              <a:t>}</a:t>
+            </a:r>
+          </a:p>
+          <a:p>
+            <a:pPr marL="45720" indent="0">
+              <a:buNone/>
+            </a:pPr>
+            <a:endParaRPr lang="en-US" sz="2800" dirty="0"/>
           </a:p>
         </p:txBody>
       </p:sp>
     </p:spTree>
     <p:extLst>
       <p:ext uri="{BB962C8B-B14F-4D97-AF65-F5344CB8AC3E}">
-        <p14:creationId xmlns:p14="http://schemas.microsoft.com/office/powerpoint/2010/main" val="1052398397"/>
+        <p14:creationId xmlns:p14="http://schemas.microsoft.com/office/powerpoint/2010/main" val="2381254956"/>
       </p:ext>
     </p:extLst>
   </p:cSld>
   <p:clrMapOvr>
     <a:masterClrMapping/>
   </p:clrMapOvr>
-  <p:timing>
-    <p:tnLst>
-      <p:par>
-        <p:cTn id="1" dur="indefinite" restart="never" nodeType="tmRoot"/>
-      </p:par>
-    </p:tnLst>
-  </p:timing>
 </p:sld>
 </file>
 
@@ -8734,10 +8988,256 @@
           <a:lstStyle/>
           <a:p>
             <a:r>
-              <a:rPr lang="en-US" dirty="0" smtClean="0"/>
+              <a:rPr lang="en-US" dirty="0"/>
+              <a:t>CLI Commands</a:t>
+            </a:r>
+          </a:p>
+        </p:txBody>
+      </p:sp>
+      <p:sp>
+        <p:nvSpPr>
+          <p:cNvPr id="3" name="Content Placeholder 2"/>
+          <p:cNvSpPr>
+            <a:spLocks noGrp="1"/>
+          </p:cNvSpPr>
+          <p:nvPr>
+            <p:ph idx="1"/>
+          </p:nvPr>
+        </p:nvSpPr>
+        <p:spPr/>
+        <p:txBody>
+          <a:bodyPr>
+            <a:normAutofit fontScale="92500" lnSpcReduction="10000"/>
+          </a:bodyPr>
+          <a:lstStyle/>
+          <a:p>
+            <a:r>
+              <a:rPr lang="en-US" sz="2800" dirty="0" err="1"/>
+              <a:t>mkdir</a:t>
+            </a:r>
+            <a:r>
+              <a:rPr lang="en-US" sz="2800" dirty="0"/>
+              <a:t> – Create Directory</a:t>
+            </a:r>
+          </a:p>
+          <a:p>
+            <a:r>
+              <a:rPr lang="en-US" sz="2800" dirty="0"/>
+              <a:t>cd – Change Directory</a:t>
+            </a:r>
+          </a:p>
+          <a:p>
+            <a:r>
+              <a:rPr lang="en-US" sz="2800" dirty="0"/>
+              <a:t>Add project:</a:t>
+            </a:r>
+          </a:p>
+          <a:p>
+            <a:pPr lvl="1"/>
+            <a:r>
+              <a:rPr lang="en-US" sz="2600" dirty="0" err="1"/>
+              <a:t>dotnet</a:t>
+            </a:r>
+            <a:r>
+              <a:rPr lang="en-US" sz="2600" dirty="0"/>
+              <a:t> new </a:t>
+            </a:r>
+            <a:r>
+              <a:rPr lang="en-US" sz="2600" dirty="0" err="1"/>
+              <a:t>classlib</a:t>
+            </a:r>
+            <a:endParaRPr lang="en-US" sz="2600" dirty="0"/>
+          </a:p>
+          <a:p>
+            <a:pPr lvl="1"/>
+            <a:r>
+              <a:rPr lang="en-US" sz="2600" dirty="0" err="1"/>
+              <a:t>dotnet</a:t>
+            </a:r>
+            <a:r>
+              <a:rPr lang="en-US" sz="2600" dirty="0"/>
+              <a:t> new </a:t>
+            </a:r>
+            <a:r>
+              <a:rPr lang="en-US" sz="2600" dirty="0" err="1"/>
+              <a:t>webapi</a:t>
+            </a:r>
+            <a:endParaRPr lang="en-US" sz="2600" dirty="0"/>
+          </a:p>
+          <a:p>
+            <a:r>
+              <a:rPr lang="en-US" sz="2800" dirty="0"/>
+              <a:t>Add reference:</a:t>
+            </a:r>
+          </a:p>
+          <a:p>
+            <a:pPr lvl="1"/>
+            <a:r>
+              <a:rPr lang="en-US" sz="2600" dirty="0" err="1"/>
+              <a:t>dotnet</a:t>
+            </a:r>
+            <a:r>
+              <a:rPr lang="en-US" sz="2600" dirty="0"/>
+              <a:t> add reference [path]/[</a:t>
+            </a:r>
+            <a:r>
+              <a:rPr lang="en-US" sz="2600" dirty="0" err="1"/>
+              <a:t>name.csproj</a:t>
+            </a:r>
+            <a:r>
+              <a:rPr lang="en-US" sz="2600" dirty="0"/>
+              <a:t>]</a:t>
+            </a:r>
+          </a:p>
+          <a:p>
+            <a:pPr lvl="1"/>
+            <a:r>
+              <a:rPr lang="en-US" sz="2600" dirty="0" err="1"/>
+              <a:t>dotnet</a:t>
+            </a:r>
+            <a:r>
+              <a:rPr lang="en-US" sz="2600" dirty="0"/>
+              <a:t> add package Dapper</a:t>
+            </a:r>
+          </a:p>
+          <a:p>
+            <a:pPr lvl="1"/>
+            <a:r>
+              <a:rPr lang="en-US" sz="2600" dirty="0" err="1"/>
+              <a:t>dotnet</a:t>
+            </a:r>
+            <a:r>
+              <a:rPr lang="en-US" sz="2600" dirty="0"/>
+              <a:t> add package </a:t>
+            </a:r>
+            <a:r>
+              <a:rPr lang="en-US" sz="2600" dirty="0" err="1"/>
+              <a:t>MySql.Data</a:t>
+            </a:r>
+            <a:endParaRPr lang="en-US" sz="2600" dirty="0"/>
+          </a:p>
+        </p:txBody>
+      </p:sp>
+    </p:spTree>
+    <p:extLst>
+      <p:ext uri="{BB962C8B-B14F-4D97-AF65-F5344CB8AC3E}">
+        <p14:creationId xmlns:p14="http://schemas.microsoft.com/office/powerpoint/2010/main" val="3320315670"/>
+      </p:ext>
+    </p:extLst>
+  </p:cSld>
+  <p:clrMapOvr>
+    <a:masterClrMapping/>
+  </p:clrMapOvr>
+</p:sld>
+</file>
+
+<file path=ppt/slides/slide12.xml><?xml version="1.0" encoding="utf-8"?>
+<p:sld xmlns:a="http://schemas.openxmlformats.org/drawingml/2006/main" xmlns:r="http://schemas.openxmlformats.org/officeDocument/2006/relationships" xmlns:p="http://schemas.openxmlformats.org/presentationml/2006/main">
+  <p:cSld>
+    <p:spTree>
+      <p:nvGrpSpPr>
+        <p:cNvPr id="1" name=""/>
+        <p:cNvGrpSpPr/>
+        <p:nvPr/>
+      </p:nvGrpSpPr>
+      <p:grpSpPr>
+        <a:xfrm>
+          <a:off x="0" y="0"/>
+          <a:ext cx="0" cy="0"/>
+          <a:chOff x="0" y="0"/>
+          <a:chExt cx="0" cy="0"/>
+        </a:xfrm>
+      </p:grpSpPr>
+      <p:sp>
+        <p:nvSpPr>
+          <p:cNvPr id="2" name="Title 1"/>
+          <p:cNvSpPr>
+            <a:spLocks noGrp="1"/>
+          </p:cNvSpPr>
+          <p:nvPr>
+            <p:ph type="title"/>
+          </p:nvPr>
+        </p:nvSpPr>
+        <p:spPr/>
+        <p:txBody>
+          <a:bodyPr/>
+          <a:lstStyle/>
+          <a:p>
+            <a:r>
+              <a:rPr lang="en-US" dirty="0"/>
+              <a:t>Postman</a:t>
+            </a:r>
+          </a:p>
+        </p:txBody>
+      </p:sp>
+      <p:sp>
+        <p:nvSpPr>
+          <p:cNvPr id="3" name="Text Placeholder 2"/>
+          <p:cNvSpPr>
+            <a:spLocks noGrp="1"/>
+          </p:cNvSpPr>
+          <p:nvPr>
+            <p:ph type="body" idx="1"/>
+          </p:nvPr>
+        </p:nvSpPr>
+        <p:spPr/>
+        <p:txBody>
+          <a:bodyPr/>
+          <a:lstStyle/>
+          <a:p>
+            <a:endParaRPr lang="en-US" dirty="0"/>
+          </a:p>
+        </p:txBody>
+      </p:sp>
+    </p:spTree>
+    <p:extLst>
+      <p:ext uri="{BB962C8B-B14F-4D97-AF65-F5344CB8AC3E}">
+        <p14:creationId xmlns:p14="http://schemas.microsoft.com/office/powerpoint/2010/main" val="1052398397"/>
+      </p:ext>
+    </p:extLst>
+  </p:cSld>
+  <p:clrMapOvr>
+    <a:masterClrMapping/>
+  </p:clrMapOvr>
+</p:sld>
+</file>
+
+<file path=ppt/slides/slide13.xml><?xml version="1.0" encoding="utf-8"?>
+<p:sld xmlns:a="http://schemas.openxmlformats.org/drawingml/2006/main" xmlns:r="http://schemas.openxmlformats.org/officeDocument/2006/relationships" xmlns:p="http://schemas.openxmlformats.org/presentationml/2006/main">
+  <p:cSld>
+    <p:spTree>
+      <p:nvGrpSpPr>
+        <p:cNvPr id="1" name=""/>
+        <p:cNvGrpSpPr/>
+        <p:nvPr/>
+      </p:nvGrpSpPr>
+      <p:grpSpPr>
+        <a:xfrm>
+          <a:off x="0" y="0"/>
+          <a:ext cx="0" cy="0"/>
+          <a:chOff x="0" y="0"/>
+          <a:chExt cx="0" cy="0"/>
+        </a:xfrm>
+      </p:grpSpPr>
+      <p:sp>
+        <p:nvSpPr>
+          <p:cNvPr id="2" name="Title 1"/>
+          <p:cNvSpPr>
+            <a:spLocks noGrp="1"/>
+          </p:cNvSpPr>
+          <p:nvPr>
+            <p:ph type="title"/>
+          </p:nvPr>
+        </p:nvSpPr>
+        <p:spPr/>
+        <p:txBody>
+          <a:bodyPr/>
+          <a:lstStyle/>
+          <a:p>
+            <a:r>
+              <a:rPr lang="en-US" dirty="0"/>
               <a:t>EXAMPLE</a:t>
             </a:r>
-            <a:endParaRPr lang="en-US" dirty="0"/>
           </a:p>
         </p:txBody>
       </p:sp>
@@ -8757,14 +9257,13 @@
           <a:lstStyle/>
           <a:p>
             <a:r>
-              <a:rPr lang="en-US" dirty="0" err="1" smtClean="0"/>
+              <a:rPr lang="en-US" dirty="0" err="1"/>
               <a:t>ASP.Net</a:t>
             </a:r>
             <a:r>
-              <a:rPr lang="en-US" dirty="0" smtClean="0"/>
+              <a:rPr lang="en-US" dirty="0"/>
               <a:t> Web API</a:t>
             </a:r>
-            <a:endParaRPr lang="en-US" dirty="0"/>
           </a:p>
         </p:txBody>
       </p:sp>
@@ -8808,17 +9307,10 @@
   <p:clrMapOvr>
     <a:masterClrMapping/>
   </p:clrMapOvr>
-  <p:timing>
-    <p:tnLst>
-      <p:par>
-        <p:cTn id="1" dur="indefinite" restart="never" nodeType="tmRoot"/>
-      </p:par>
-    </p:tnLst>
-  </p:timing>
 </p:sld>
 </file>
 
-<file path=ppt/slides/slide12.xml><?xml version="1.0" encoding="utf-8"?>
+<file path=ppt/slides/slide14.xml><?xml version="1.0" encoding="utf-8"?>
 <p:sld xmlns:a="http://schemas.openxmlformats.org/drawingml/2006/main" xmlns:r="http://schemas.openxmlformats.org/officeDocument/2006/relationships" xmlns:p="http://schemas.openxmlformats.org/presentationml/2006/main">
   <p:cSld>
     <p:spTree>
@@ -8851,10 +9343,9 @@
           <a:lstStyle/>
           <a:p>
             <a:r>
-              <a:rPr lang="en-US" dirty="0" smtClean="0"/>
+              <a:rPr lang="en-US" dirty="0"/>
               <a:t>ASSESSMENT</a:t>
             </a:r>
-            <a:endParaRPr lang="en-US" dirty="0"/>
           </a:p>
         </p:txBody>
       </p:sp>
@@ -8924,17 +9415,10 @@
   <p:clrMapOvr>
     <a:masterClrMapping/>
   </p:clrMapOvr>
-  <p:timing>
-    <p:tnLst>
-      <p:par>
-        <p:cTn id="1" dur="indefinite" restart="never" nodeType="tmRoot"/>
-      </p:par>
-    </p:tnLst>
-  </p:timing>
 </p:sld>
 </file>
 
-<file path=ppt/slides/slide13.xml><?xml version="1.0" encoding="utf-8"?>
+<file path=ppt/slides/slide15.xml><?xml version="1.0" encoding="utf-8"?>
 <p:sld xmlns:a="http://schemas.openxmlformats.org/drawingml/2006/main" xmlns:r="http://schemas.openxmlformats.org/officeDocument/2006/relationships" xmlns:p="http://schemas.openxmlformats.org/presentationml/2006/main">
   <p:cSld>
     <p:spTree>
@@ -8967,10 +9451,9 @@
           <a:lstStyle/>
           <a:p>
             <a:r>
-              <a:rPr lang="en-US" dirty="0" smtClean="0"/>
+              <a:rPr lang="en-US" dirty="0"/>
               <a:t>Assignment</a:t>
             </a:r>
-            <a:endParaRPr lang="en-US" dirty="0"/>
           </a:p>
         </p:txBody>
       </p:sp>
@@ -8997,27 +9480,27 @@
           <a:lstStyle/>
           <a:p>
             <a:r>
-              <a:rPr lang="en-US" sz="3600" dirty="0" smtClean="0"/>
+              <a:rPr lang="en-US" sz="3600" dirty="0"/>
               <a:t>A small internet has been brought back online.  Everyone wants your status report.</a:t>
             </a:r>
           </a:p>
           <a:p>
             <a:r>
-              <a:rPr lang="en-US" sz="3600" dirty="0" smtClean="0"/>
+              <a:rPr lang="en-US" sz="3600" dirty="0"/>
               <a:t>They also want to be able to insert, update, and delete data.</a:t>
             </a:r>
           </a:p>
           <a:p>
             <a:r>
-              <a:rPr lang="en-US" sz="3600" dirty="0" smtClean="0"/>
+              <a:rPr lang="en-US" sz="3600" dirty="0"/>
               <a:t>Add a web </a:t>
             </a:r>
             <a:r>
-              <a:rPr lang="en-US" sz="3600" dirty="0" err="1" smtClean="0"/>
+              <a:rPr lang="en-US" sz="3600" dirty="0" err="1"/>
               <a:t>api</a:t>
             </a:r>
             <a:r>
-              <a:rPr lang="en-US" sz="3600" dirty="0" smtClean="0"/>
+              <a:rPr lang="en-US" sz="3600" dirty="0"/>
               <a:t> to get, insert, update, and delete person status.</a:t>
             </a:r>
           </a:p>
@@ -9065,7 +9548,7 @@
 </p:sld>
 </file>
 
-<file path=ppt/slides/slide14.xml><?xml version="1.0" encoding="utf-8"?>
+<file path=ppt/slides/slide16.xml><?xml version="1.0" encoding="utf-8"?>
 <p:sld xmlns:a="http://schemas.openxmlformats.org/drawingml/2006/main" xmlns:r="http://schemas.openxmlformats.org/officeDocument/2006/relationships" xmlns:p="http://schemas.openxmlformats.org/presentationml/2006/main">
   <p:cSld>
     <p:spTree>
@@ -9098,10 +9581,9 @@
           <a:lstStyle/>
           <a:p>
             <a:r>
-              <a:rPr lang="en-US" dirty="0" smtClean="0"/>
+              <a:rPr lang="en-US" dirty="0"/>
               <a:t>QUICK REVIEW</a:t>
             </a:r>
-            <a:endParaRPr lang="en-US" dirty="0"/>
           </a:p>
         </p:txBody>
       </p:sp>
@@ -9121,10 +9603,9 @@
           <a:lstStyle/>
           <a:p>
             <a:r>
-              <a:rPr lang="en-US" dirty="0" smtClean="0"/>
+              <a:rPr lang="en-US" dirty="0"/>
               <a:t>Web API</a:t>
             </a:r>
-            <a:endParaRPr lang="en-US" dirty="0"/>
           </a:p>
         </p:txBody>
       </p:sp>
@@ -9168,17 +9649,10 @@
   <p:clrMapOvr>
     <a:masterClrMapping/>
   </p:clrMapOvr>
-  <p:timing>
-    <p:tnLst>
-      <p:par>
-        <p:cTn id="1" dur="indefinite" restart="never" nodeType="tmRoot"/>
-      </p:par>
-    </p:tnLst>
-  </p:timing>
 </p:sld>
 </file>
 
-<file path=ppt/slides/slide15.xml><?xml version="1.0" encoding="utf-8"?>
+<file path=ppt/slides/slide17.xml><?xml version="1.0" encoding="utf-8"?>
 <p:sld xmlns:a="http://schemas.openxmlformats.org/drawingml/2006/main" xmlns:r="http://schemas.openxmlformats.org/officeDocument/2006/relationships" xmlns:p="http://schemas.openxmlformats.org/presentationml/2006/main">
   <p:cSld>
     <p:spTree>
@@ -9211,10 +9685,9 @@
           <a:lstStyle/>
           <a:p>
             <a:r>
-              <a:rPr lang="en-US" dirty="0" smtClean="0"/>
+              <a:rPr lang="en-US" dirty="0"/>
               <a:t>Additional Resources</a:t>
             </a:r>
-            <a:endParaRPr lang="en-US" dirty="0"/>
           </a:p>
         </p:txBody>
       </p:sp>
@@ -9242,7 +9715,7 @@
           <a:p>
             <a:pPr lvl="0"/>
             <a:r>
-              <a:rPr lang="en-US" sz="3000" dirty="0" smtClean="0"/>
+              <a:rPr lang="en-US" sz="3000" dirty="0"/>
               <a:t>Microsoft Page</a:t>
             </a:r>
           </a:p>
@@ -9252,19 +9725,13 @@
               <a:rPr lang="en-US" sz="2400" dirty="0">
                 <a:hlinkClick r:id="rId3"/>
               </a:rPr>
-              <a:t>https://</a:t>
-            </a:r>
-            <a:r>
-              <a:rPr lang="en-US" sz="2400" dirty="0" smtClean="0">
-                <a:hlinkClick r:id="rId3"/>
-              </a:rPr>
-              <a:t>www.asp.net/web-api</a:t>
-            </a:r>
-            <a:endParaRPr lang="en-US" sz="2400" dirty="0" smtClean="0"/>
-          </a:p>
-          <a:p>
-            <a:r>
-              <a:rPr lang="en-US" sz="3000" dirty="0" smtClean="0"/>
+              <a:t>https://www.asp.net/web-api</a:t>
+            </a:r>
+            <a:endParaRPr lang="en-US" sz="2400" dirty="0"/>
+          </a:p>
+          <a:p>
+            <a:r>
+              <a:rPr lang="en-US" sz="3000" dirty="0"/>
               <a:t>Microsoft Tutorial</a:t>
             </a:r>
           </a:p>
@@ -9274,22 +9741,16 @@
               <a:rPr lang="en-US" sz="2400" dirty="0">
                 <a:hlinkClick r:id="rId4"/>
               </a:rPr>
-              <a:t>https://</a:t>
-            </a:r>
-            <a:r>
-              <a:rPr lang="en-US" sz="2400" dirty="0" smtClean="0">
-                <a:hlinkClick r:id="rId4"/>
-              </a:rPr>
-              <a:t>docs.microsoft.com/en-us/aspnet/web-api/overview/getting-started-with-aspnet-web-api/tutorial-your-first-web-api</a:t>
-            </a:r>
-            <a:endParaRPr lang="en-US" sz="2400" dirty="0" smtClean="0"/>
-          </a:p>
-          <a:p>
-            <a:r>
-              <a:rPr lang="en-US" sz="3000" dirty="0" err="1" smtClean="0"/>
+              <a:t>https://docs.microsoft.com/en-us/aspnet/web-api/overview/getting-started-with-aspnet-web-api/tutorial-your-first-web-api</a:t>
+            </a:r>
+            <a:endParaRPr lang="en-US" sz="2400" dirty="0"/>
+          </a:p>
+          <a:p>
+            <a:r>
+              <a:rPr lang="en-US" sz="3000" dirty="0" err="1"/>
               <a:t>PluralSight</a:t>
             </a:r>
-            <a:endParaRPr lang="en-US" sz="3000" dirty="0" smtClean="0"/>
+            <a:endParaRPr lang="en-US" sz="3000" dirty="0"/>
           </a:p>
           <a:p>
             <a:pPr lvl="1"/>
@@ -9297,18 +9758,12 @@
               <a:rPr lang="en-US" sz="2000" dirty="0">
                 <a:hlinkClick r:id="rId5"/>
               </a:rPr>
-              <a:t>https://</a:t>
-            </a:r>
-            <a:r>
-              <a:rPr lang="en-US" sz="2000" dirty="0" smtClean="0">
-                <a:hlinkClick r:id="rId5"/>
-              </a:rPr>
-              <a:t>app.pluralsight.com/player?author=jon-flanders&amp;name=aspnetwebapi-m1-introduction&amp;mode=live&amp;clip=0&amp;course=aspnetwebapi</a:t>
-            </a:r>
-            <a:endParaRPr lang="en-US" sz="2000" dirty="0" smtClean="0"/>
-          </a:p>
-          <a:p>
-            <a:endParaRPr lang="en-US" sz="2800" dirty="0" smtClean="0"/>
+              <a:t>https://app.pluralsight.com/player?author=jon-flanders&amp;name=aspnetwebapi-m1-introduction&amp;mode=live&amp;clip=0&amp;course=aspnetwebapi</a:t>
+            </a:r>
+            <a:endParaRPr lang="en-US" sz="2000" dirty="0"/>
+          </a:p>
+          <a:p>
+            <a:endParaRPr lang="en-US" sz="2800" dirty="0"/>
           </a:p>
         </p:txBody>
       </p:sp>
@@ -9325,7 +9780,7 @@
 </p:sld>
 </file>
 
-<file path=ppt/slides/slide16.xml><?xml version="1.0" encoding="utf-8"?>
+<file path=ppt/slides/slide18.xml><?xml version="1.0" encoding="utf-8"?>
 <p:sld xmlns:a="http://schemas.openxmlformats.org/drawingml/2006/main" xmlns:r="http://schemas.openxmlformats.org/officeDocument/2006/relationships" xmlns:p="http://schemas.openxmlformats.org/presentationml/2006/main">
   <p:cSld>
     <p:spTree>
@@ -9358,10 +9813,9 @@
           <a:lstStyle/>
           <a:p>
             <a:r>
-              <a:rPr lang="en-US" dirty="0" smtClean="0"/>
+              <a:rPr lang="en-US" dirty="0"/>
               <a:t>Keep Practicing!</a:t>
             </a:r>
-            <a:endParaRPr lang="en-US" dirty="0"/>
           </a:p>
         </p:txBody>
       </p:sp>
@@ -9388,32 +9842,32 @@
           <a:lstStyle/>
           <a:p>
             <a:r>
-              <a:rPr lang="en-US" sz="3200" dirty="0" smtClean="0"/>
+              <a:rPr lang="en-US" sz="3200" dirty="0"/>
               <a:t>Try creating different web </a:t>
             </a:r>
             <a:r>
-              <a:rPr lang="en-US" sz="3200" dirty="0" err="1" smtClean="0"/>
+              <a:rPr lang="en-US" sz="3200" dirty="0" err="1"/>
               <a:t>api’s</a:t>
             </a:r>
             <a:r>
-              <a:rPr lang="en-US" sz="3200" dirty="0" smtClean="0"/>
+              <a:rPr lang="en-US" sz="3200" dirty="0"/>
               <a:t>.</a:t>
             </a:r>
           </a:p>
           <a:p>
             <a:r>
-              <a:rPr lang="en-US" sz="3200" dirty="0" smtClean="0"/>
+              <a:rPr lang="en-US" sz="3200" dirty="0"/>
               <a:t>Use the different http actions.</a:t>
             </a:r>
           </a:p>
           <a:p>
             <a:r>
-              <a:rPr lang="en-US" sz="3200" dirty="0" smtClean="0"/>
+              <a:rPr lang="en-US" sz="3200" dirty="0"/>
               <a:t>Hook it up to the database.</a:t>
             </a:r>
           </a:p>
           <a:p>
-            <a:endParaRPr lang="en-US" sz="2800" dirty="0" smtClean="0"/>
+            <a:endParaRPr lang="en-US" sz="2800" dirty="0"/>
           </a:p>
         </p:txBody>
       </p:sp>
@@ -9463,10 +9917,9 @@
           <a:lstStyle/>
           <a:p>
             <a:r>
-              <a:rPr lang="en-US" dirty="0" smtClean="0"/>
+              <a:rPr lang="en-US" dirty="0"/>
               <a:t>REST</a:t>
             </a:r>
-            <a:endParaRPr lang="en-US" dirty="0"/>
           </a:p>
         </p:txBody>
       </p:sp>
@@ -9488,61 +9941,56 @@
           <a:lstStyle/>
           <a:p>
             <a:r>
-              <a:rPr lang="en-US" sz="2800" dirty="0" smtClean="0"/>
+              <a:rPr lang="en-US" sz="2800" dirty="0"/>
               <a:t>Representational state transfer</a:t>
             </a:r>
           </a:p>
           <a:p>
             <a:r>
-              <a:rPr lang="en-US" sz="2800" dirty="0" smtClean="0"/>
+              <a:rPr lang="en-US" sz="2800" dirty="0"/>
               <a:t>REST is protocol independent</a:t>
             </a:r>
           </a:p>
           <a:p>
             <a:r>
-              <a:rPr lang="en-US" sz="2800" dirty="0" smtClean="0"/>
+              <a:rPr lang="en-US" sz="2800" dirty="0"/>
               <a:t>Architectural Style</a:t>
             </a:r>
           </a:p>
           <a:p>
             <a:pPr lvl="1"/>
             <a:r>
-              <a:rPr lang="en-US" sz="2800" dirty="0" smtClean="0"/>
+              <a:rPr lang="en-US" sz="2800" dirty="0"/>
               <a:t>Client-Server Communication</a:t>
             </a:r>
           </a:p>
           <a:p>
             <a:pPr lvl="1"/>
             <a:r>
-              <a:rPr lang="en-US" sz="2800" dirty="0" smtClean="0"/>
+              <a:rPr lang="en-US" sz="2800" dirty="0"/>
               <a:t>Stateless</a:t>
             </a:r>
           </a:p>
           <a:p>
             <a:pPr lvl="1"/>
             <a:r>
-              <a:rPr lang="en-US" sz="2800" dirty="0" smtClean="0"/>
+              <a:rPr lang="en-US" sz="2800" dirty="0"/>
               <a:t>Cacheable</a:t>
             </a:r>
           </a:p>
           <a:p>
             <a:pPr lvl="1"/>
             <a:r>
-              <a:rPr lang="en-US" sz="2800" dirty="0" smtClean="0"/>
-              <a:t>Uniform </a:t>
-            </a:r>
-            <a:r>
-              <a:rPr lang="en-US" sz="2800" dirty="0" smtClean="0"/>
-              <a:t>Interface</a:t>
+              <a:rPr lang="en-US" sz="2800" dirty="0"/>
+              <a:t>Uniform Interface</a:t>
             </a:r>
           </a:p>
           <a:p>
             <a:pPr lvl="2"/>
             <a:r>
-              <a:rPr lang="en-US" sz="2600" dirty="0" smtClean="0"/>
+              <a:rPr lang="en-US" sz="2600" dirty="0"/>
               <a:t>Addressable Resources</a:t>
             </a:r>
-            <a:endParaRPr lang="en-US" sz="2600" dirty="0" smtClean="0"/>
           </a:p>
         </p:txBody>
       </p:sp>
@@ -9592,10 +10040,9 @@
           <a:lstStyle/>
           <a:p>
             <a:r>
-              <a:rPr lang="en-US" dirty="0" smtClean="0"/>
+              <a:rPr lang="en-US" dirty="0"/>
               <a:t>HTTP</a:t>
             </a:r>
-            <a:endParaRPr lang="en-US" dirty="0"/>
           </a:p>
         </p:txBody>
       </p:sp>
@@ -9617,40 +10064,39 @@
           <a:lstStyle/>
           <a:p>
             <a:r>
-              <a:rPr lang="en-US" sz="2800" dirty="0" smtClean="0"/>
+              <a:rPr lang="en-US" sz="2800" dirty="0"/>
               <a:t>Many REST services now use HTTP</a:t>
             </a:r>
           </a:p>
           <a:p>
             <a:r>
-              <a:rPr lang="en-US" sz="2800" dirty="0" smtClean="0"/>
+              <a:rPr lang="en-US" sz="2800" dirty="0"/>
               <a:t>This is Hypertext Transfer Protocol</a:t>
             </a:r>
           </a:p>
           <a:p>
             <a:r>
-              <a:rPr lang="en-US" sz="2800" dirty="0" smtClean="0"/>
+              <a:rPr lang="en-US" sz="2800" dirty="0"/>
               <a:t>What web pages use</a:t>
             </a:r>
           </a:p>
           <a:p>
             <a:r>
-              <a:rPr lang="en-US" sz="2800" dirty="0" smtClean="0"/>
+              <a:rPr lang="en-US" sz="2800" dirty="0"/>
               <a:t>Request and Response</a:t>
             </a:r>
           </a:p>
           <a:p>
             <a:r>
-              <a:rPr lang="en-US" sz="2800" dirty="0" smtClean="0"/>
+              <a:rPr lang="en-US" sz="2800" dirty="0"/>
               <a:t>Stateless</a:t>
             </a:r>
           </a:p>
           <a:p>
             <a:r>
-              <a:rPr lang="en-US" sz="2800" dirty="0" smtClean="0"/>
+              <a:rPr lang="en-US" sz="2800" dirty="0"/>
               <a:t>Requests:  GET, POST, PUT, DELETE</a:t>
             </a:r>
-            <a:endParaRPr lang="en-US" sz="2800" dirty="0"/>
           </a:p>
         </p:txBody>
       </p:sp>
@@ -9700,10 +10146,9 @@
           <a:lstStyle/>
           <a:p>
             <a:r>
-              <a:rPr lang="en-US" dirty="0" smtClean="0"/>
+              <a:rPr lang="en-US" dirty="0"/>
               <a:t>Controller</a:t>
             </a:r>
-            <a:endParaRPr lang="en-US" dirty="0"/>
           </a:p>
         </p:txBody>
       </p:sp>
@@ -9725,13 +10170,13 @@
           <a:lstStyle/>
           <a:p>
             <a:r>
-              <a:rPr lang="en-US" sz="2800" dirty="0" smtClean="0"/>
+              <a:rPr lang="en-US" sz="2800" dirty="0"/>
               <a:t>The request initially goes to the controller</a:t>
             </a:r>
           </a:p>
           <a:p>
             <a:r>
-              <a:rPr lang="en-US" sz="2800" dirty="0" smtClean="0"/>
+              <a:rPr lang="en-US" sz="2800" dirty="0"/>
               <a:t>Based upon the route a method is run.</a:t>
             </a:r>
           </a:p>
@@ -9743,7 +10188,7 @@
           </a:p>
           <a:p>
             <a:r>
-              <a:rPr lang="en-US" sz="2800" dirty="0" smtClean="0"/>
+              <a:rPr lang="en-US" sz="2800" dirty="0"/>
               <a:t>Whatever is returned from the method is returned in JSON.</a:t>
             </a:r>
           </a:p>
@@ -9795,10 +10240,9 @@
           <a:lstStyle/>
           <a:p>
             <a:r>
-              <a:rPr lang="en-US" dirty="0" smtClean="0"/>
+              <a:rPr lang="en-US" dirty="0"/>
               <a:t>Attributes</a:t>
             </a:r>
-            <a:endParaRPr lang="en-US" dirty="0"/>
           </a:p>
         </p:txBody>
       </p:sp>
@@ -9820,18 +10264,14 @@
           <a:lstStyle/>
           <a:p>
             <a:r>
-              <a:rPr lang="en-US" sz="2800" dirty="0" smtClean="0"/>
+              <a:rPr lang="en-US" sz="2800" dirty="0"/>
               <a:t>Allow for declarations on classes, methods, or properties.</a:t>
             </a:r>
           </a:p>
           <a:p>
             <a:r>
               <a:rPr lang="en-US" sz="2800" dirty="0"/>
-              <a:t>G</a:t>
-            </a:r>
-            <a:r>
-              <a:rPr lang="en-US" sz="2800" dirty="0" smtClean="0"/>
-              <a:t>ive special behavior or properties.</a:t>
+              <a:t>Give special behavior or properties.</a:t>
             </a:r>
           </a:p>
           <a:p>
@@ -9844,9 +10284,44 @@
               <a:t>HttpGet</a:t>
             </a:r>
             <a:r>
-              <a:rPr lang="en-US" sz="2800" dirty="0" smtClean="0"/>
-              <a:t>], </a:t>
-            </a:r>
+              <a:rPr lang="en-US" sz="2800" dirty="0"/>
+              <a:t>], [</a:t>
+            </a:r>
+            <a:r>
+              <a:rPr lang="en-US" sz="2800" dirty="0" err="1"/>
+              <a:t>HttpPost</a:t>
+            </a:r>
+            <a:r>
+              <a:rPr lang="en-US" sz="2800" dirty="0"/>
+              <a:t>], [</a:t>
+            </a:r>
+            <a:r>
+              <a:rPr lang="en-US" sz="2800" dirty="0" err="1"/>
+              <a:t>HttpPut</a:t>
+            </a:r>
+            <a:r>
+              <a:rPr lang="en-US" sz="2800" dirty="0"/>
+              <a:t>], [</a:t>
+            </a:r>
+            <a:r>
+              <a:rPr lang="en-US" sz="2800" dirty="0" err="1"/>
+              <a:t>HttpDelete</a:t>
+            </a:r>
+            <a:r>
+              <a:rPr lang="en-US" sz="2800" dirty="0"/>
+              <a:t>]</a:t>
+            </a:r>
+          </a:p>
+          <a:p>
+            <a:r>
+              <a:rPr lang="en-US" sz="2800" dirty="0"/>
+              <a:t>Example:</a:t>
+            </a:r>
+          </a:p>
+          <a:p>
+            <a:pPr marL="0" indent="0">
+              <a:buNone/>
+            </a:pPr>
             <a:r>
               <a:rPr lang="en-US" sz="2800" dirty="0"/>
               <a:t>[</a:t>
@@ -9856,38 +10331,25 @@
               <a:t>HttpPost</a:t>
             </a:r>
             <a:r>
-              <a:rPr lang="en-US" sz="2800" dirty="0" smtClean="0"/>
-              <a:t>], </a:t>
-            </a:r>
-            <a:r>
               <a:rPr lang="en-US" sz="2800" dirty="0"/>
-              <a:t>[</a:t>
+              <a:t>]</a:t>
+            </a:r>
+          </a:p>
+          <a:p>
+            <a:pPr marL="0" indent="0">
+              <a:buNone/>
+            </a:pPr>
+            <a:r>
+              <a:rPr lang="en-US" sz="2800" dirty="0"/>
+              <a:t>public void Post([</a:t>
             </a:r>
             <a:r>
               <a:rPr lang="en-US" sz="2800" dirty="0" err="1"/>
-              <a:t>HttpPut</a:t>
-            </a:r>
-            <a:r>
-              <a:rPr lang="en-US" sz="2800" dirty="0" smtClean="0"/>
-              <a:t>], </a:t>
+              <a:t>FromBody</a:t>
             </a:r>
             <a:r>
               <a:rPr lang="en-US" sz="2800" dirty="0"/>
-              <a:t>[</a:t>
-            </a:r>
-            <a:r>
-              <a:rPr lang="en-US" sz="2800" dirty="0" err="1" smtClean="0"/>
-              <a:t>HttpDelete</a:t>
-            </a:r>
-            <a:r>
-              <a:rPr lang="en-US" sz="2800" dirty="0" smtClean="0"/>
-              <a:t>]</a:t>
-            </a:r>
-          </a:p>
-          <a:p>
-            <a:r>
-              <a:rPr lang="en-US" sz="2800" dirty="0" smtClean="0"/>
-              <a:t>Example:</a:t>
+              <a:t>]Answer answer)</a:t>
             </a:r>
           </a:p>
           <a:p>
@@ -9895,16 +10357,8 @@
               <a:buNone/>
             </a:pPr>
             <a:r>
-              <a:rPr lang="en-US" sz="2800" dirty="0" smtClean="0"/>
-              <a:t>[</a:t>
-            </a:r>
-            <a:r>
-              <a:rPr lang="en-US" sz="2800" dirty="0" err="1" smtClean="0"/>
-              <a:t>HttpPost</a:t>
-            </a:r>
-            <a:r>
-              <a:rPr lang="en-US" sz="2800" dirty="0" smtClean="0"/>
-              <a:t>]</a:t>
+              <a:rPr lang="en-US" sz="2800" dirty="0"/>
+              <a:t>{</a:t>
             </a:r>
           </a:p>
           <a:p>
@@ -9912,34 +10366,7 @@
               <a:buNone/>
             </a:pPr>
             <a:r>
-              <a:rPr lang="en-US" sz="2800" dirty="0" smtClean="0"/>
-              <a:t>public void Post([</a:t>
-            </a:r>
-            <a:r>
-              <a:rPr lang="en-US" sz="2800" dirty="0" err="1" smtClean="0"/>
-              <a:t>FromBody</a:t>
-            </a:r>
-            <a:r>
-              <a:rPr lang="en-US" sz="2800" dirty="0" smtClean="0"/>
-              <a:t>]Answer answer)</a:t>
-            </a:r>
-          </a:p>
-          <a:p>
-            <a:pPr marL="0" indent="0">
-              <a:buNone/>
-            </a:pPr>
-            <a:r>
-              <a:rPr lang="en-US" sz="2800" dirty="0" smtClean="0"/>
-              <a:t>{</a:t>
-            </a:r>
-            <a:endParaRPr lang="en-US" sz="2800" dirty="0"/>
-          </a:p>
-          <a:p>
-            <a:pPr marL="0" indent="0">
-              <a:buNone/>
-            </a:pPr>
-            <a:r>
-              <a:rPr lang="en-US" sz="2800" dirty="0" smtClean="0"/>
+              <a:rPr lang="en-US" sz="2800" dirty="0"/>
               <a:t>   _</a:t>
             </a:r>
             <a:r>
@@ -10014,10 +10441,9 @@
           <a:lstStyle/>
           <a:p>
             <a:r>
-              <a:rPr lang="en-US" dirty="0" smtClean="0"/>
+              <a:rPr lang="en-US" dirty="0"/>
               <a:t>Routing</a:t>
             </a:r>
-            <a:endParaRPr lang="en-US" dirty="0"/>
           </a:p>
         </p:txBody>
       </p:sp>
@@ -10031,7 +10457,12 @@
             <p:ph idx="1"/>
           </p:nvPr>
         </p:nvSpPr>
-        <p:spPr/>
+        <p:spPr>
+          <a:xfrm>
+            <a:off x="1066495" y="1481418"/>
+            <a:ext cx="10178750" cy="4195481"/>
+          </a:xfrm>
+        </p:spPr>
         <p:txBody>
           <a:bodyPr>
             <a:normAutofit/>
@@ -10039,38 +10470,604 @@
           <a:lstStyle/>
           <a:p>
             <a:r>
-              <a:rPr lang="en-US" sz="2800" dirty="0" smtClean="0"/>
+              <a:rPr lang="en-US" sz="2800" dirty="0"/>
               <a:t>Tells </a:t>
             </a:r>
             <a:r>
-              <a:rPr lang="en-US" sz="2800" dirty="0" err="1" smtClean="0"/>
+              <a:rPr lang="en-US" sz="2800" dirty="0" err="1"/>
               <a:t>ASP.Net</a:t>
             </a:r>
             <a:r>
-              <a:rPr lang="en-US" sz="2800" dirty="0" smtClean="0"/>
+              <a:rPr lang="en-US" sz="2800" dirty="0"/>
               <a:t> which controller should receive the request</a:t>
             </a:r>
           </a:p>
           <a:p>
             <a:r>
-              <a:rPr lang="en-US" sz="2800" dirty="0" smtClean="0"/>
+              <a:rPr lang="en-US" sz="2800" dirty="0"/>
               <a:t>Based on the pattern of the request</a:t>
             </a:r>
           </a:p>
           <a:p>
             <a:r>
-              <a:rPr lang="en-US" sz="2800" dirty="0" smtClean="0"/>
-              <a:t>Can be customized</a:t>
-            </a:r>
-          </a:p>
-          <a:p>
-            <a:r>
-              <a:rPr lang="en-US" sz="2800" dirty="0" smtClean="0"/>
-              <a:t>Default Route:  “{controller}/{action}/{id}”</a:t>
-            </a:r>
-          </a:p>
-        </p:txBody>
-      </p:sp>
+              <a:rPr lang="en-US" sz="2800" dirty="0"/>
+              <a:t>Default Route:  “http://domain/api/{controller}/{action}/{id}”</a:t>
+            </a:r>
+          </a:p>
+          <a:p>
+            <a:pPr marL="0" indent="0">
+              <a:buNone/>
+            </a:pPr>
+            <a:endParaRPr lang="en-US" sz="2800" dirty="0"/>
+          </a:p>
+          <a:p>
+            <a:pPr marL="0" indent="0">
+              <a:buNone/>
+            </a:pPr>
+            <a:endParaRPr lang="en-US" sz="2800" dirty="0"/>
+          </a:p>
+        </p:txBody>
+      </p:sp>
+      <p:graphicFrame>
+        <p:nvGraphicFramePr>
+          <p:cNvPr id="4" name="Table 3">
+            <a:extLst>
+              <a:ext uri="{FF2B5EF4-FFF2-40B4-BE49-F238E27FC236}">
+                <a16:creationId xmlns:a16="http://schemas.microsoft.com/office/drawing/2014/main" id="{67CC7215-E3E2-44DF-A8A7-BE95D4AED71C}"/>
+              </a:ext>
+            </a:extLst>
+          </p:cNvPr>
+          <p:cNvGraphicFramePr>
+            <a:graphicFrameLocks noGrp="1"/>
+          </p:cNvGraphicFramePr>
+          <p:nvPr>
+            <p:extLst>
+              <p:ext uri="{D42A27DB-BD31-4B8C-83A1-F6EECF244321}">
+                <p14:modId xmlns:p14="http://schemas.microsoft.com/office/powerpoint/2010/main" val="4143767740"/>
+              </p:ext>
+            </p:extLst>
+          </p:nvPr>
+        </p:nvGraphicFramePr>
+        <p:xfrm>
+          <a:off x="261256" y="4131130"/>
+          <a:ext cx="11789228" cy="2262194"/>
+        </p:xfrm>
+        <a:graphic>
+          <a:graphicData uri="http://schemas.openxmlformats.org/drawingml/2006/table">
+            <a:tbl>
+              <a:tblPr firstRow="1" bandRow="1">
+                <a:tableStyleId>{5C22544A-7EE6-4342-B048-85BDC9FD1C3A}</a:tableStyleId>
+              </a:tblPr>
+              <a:tblGrid>
+                <a:gridCol w="4401502">
+                  <a:extLst>
+                    <a:ext uri="{9D8B030D-6E8A-4147-A177-3AD203B41FA5}">
+                      <a16:colId xmlns:a16="http://schemas.microsoft.com/office/drawing/2014/main" val="1007381765"/>
+                    </a:ext>
+                  </a:extLst>
+                </a:gridCol>
+                <a:gridCol w="1570953">
+                  <a:extLst>
+                    <a:ext uri="{9D8B030D-6E8A-4147-A177-3AD203B41FA5}">
+                      <a16:colId xmlns:a16="http://schemas.microsoft.com/office/drawing/2014/main" val="2046366564"/>
+                    </a:ext>
+                  </a:extLst>
+                </a:gridCol>
+                <a:gridCol w="1570953">
+                  <a:extLst>
+                    <a:ext uri="{9D8B030D-6E8A-4147-A177-3AD203B41FA5}">
+                      <a16:colId xmlns:a16="http://schemas.microsoft.com/office/drawing/2014/main" val="4230329418"/>
+                    </a:ext>
+                  </a:extLst>
+                </a:gridCol>
+                <a:gridCol w="1691251">
+                  <a:extLst>
+                    <a:ext uri="{9D8B030D-6E8A-4147-A177-3AD203B41FA5}">
+                      <a16:colId xmlns:a16="http://schemas.microsoft.com/office/drawing/2014/main" val="4145560244"/>
+                    </a:ext>
+                  </a:extLst>
+                </a:gridCol>
+                <a:gridCol w="2554569">
+                  <a:extLst>
+                    <a:ext uri="{9D8B030D-6E8A-4147-A177-3AD203B41FA5}">
+                      <a16:colId xmlns:a16="http://schemas.microsoft.com/office/drawing/2014/main" val="426247498"/>
+                    </a:ext>
+                  </a:extLst>
+                </a:gridCol>
+              </a:tblGrid>
+              <a:tr h="336775">
+                <a:tc>
+                  <a:txBody>
+                    <a:bodyPr/>
+                    <a:lstStyle/>
+                    <a:p>
+                      <a:pPr algn="ctr"/>
+                      <a:r>
+                        <a:rPr lang="en-US" dirty="0"/>
+                        <a:t>URL</a:t>
+                      </a:r>
+                    </a:p>
+                  </a:txBody>
+                  <a:tcPr/>
+                </a:tc>
+                <a:tc>
+                  <a:txBody>
+                    <a:bodyPr/>
+                    <a:lstStyle/>
+                    <a:p>
+                      <a:pPr algn="ctr"/>
+                      <a:r>
+                        <a:rPr lang="en-US" dirty="0"/>
+                        <a:t>Http</a:t>
+                      </a:r>
+                    </a:p>
+                  </a:txBody>
+                  <a:tcPr/>
+                </a:tc>
+                <a:tc>
+                  <a:txBody>
+                    <a:bodyPr/>
+                    <a:lstStyle/>
+                    <a:p>
+                      <a:pPr algn="ctr"/>
+                      <a:r>
+                        <a:rPr lang="en-US" dirty="0"/>
+                        <a:t>Controller</a:t>
+                      </a:r>
+                    </a:p>
+                  </a:txBody>
+                  <a:tcPr/>
+                </a:tc>
+                <a:tc>
+                  <a:txBody>
+                    <a:bodyPr/>
+                    <a:lstStyle/>
+                    <a:p>
+                      <a:pPr algn="ctr"/>
+                      <a:r>
+                        <a:rPr lang="en-US" dirty="0"/>
+                        <a:t>Method</a:t>
+                      </a:r>
+                    </a:p>
+                  </a:txBody>
+                  <a:tcPr/>
+                </a:tc>
+                <a:tc>
+                  <a:txBody>
+                    <a:bodyPr/>
+                    <a:lstStyle/>
+                    <a:p>
+                      <a:pPr algn="ctr"/>
+                      <a:r>
+                        <a:rPr lang="en-US" dirty="0"/>
+                        <a:t>Parameter</a:t>
+                      </a:r>
+                    </a:p>
+                  </a:txBody>
+                  <a:tcPr/>
+                </a:tc>
+                <a:extLst>
+                  <a:ext uri="{0D108BD9-81ED-4DB2-BD59-A6C34878D82A}">
+                    <a16:rowId xmlns:a16="http://schemas.microsoft.com/office/drawing/2014/main" val="3941594787"/>
+                  </a:ext>
+                </a:extLst>
+              </a:tr>
+              <a:tr h="336775">
+                <a:tc>
+                  <a:txBody>
+                    <a:bodyPr/>
+                    <a:lstStyle/>
+                    <a:p>
+                      <a:r>
+                        <a:rPr lang="en-US" dirty="0"/>
+                        <a:t>http://www.google.com/Employee/</a:t>
+                      </a:r>
+                    </a:p>
+                  </a:txBody>
+                  <a:tcPr/>
+                </a:tc>
+                <a:tc>
+                  <a:txBody>
+                    <a:bodyPr/>
+                    <a:lstStyle/>
+                    <a:p>
+                      <a:r>
+                        <a:rPr lang="en-US" dirty="0"/>
+                        <a:t>Get</a:t>
+                      </a:r>
+                    </a:p>
+                  </a:txBody>
+                  <a:tcPr/>
+                </a:tc>
+                <a:tc>
+                  <a:txBody>
+                    <a:bodyPr/>
+                    <a:lstStyle/>
+                    <a:p>
+                      <a:r>
+                        <a:rPr lang="en-US" dirty="0"/>
+                        <a:t>Employee</a:t>
+                      </a:r>
+                    </a:p>
+                  </a:txBody>
+                  <a:tcPr/>
+                </a:tc>
+                <a:tc>
+                  <a:txBody>
+                    <a:bodyPr/>
+                    <a:lstStyle/>
+                    <a:p>
+                      <a:r>
+                        <a:rPr lang="en-US" dirty="0"/>
+                        <a:t>Get</a:t>
+                      </a:r>
+                    </a:p>
+                  </a:txBody>
+                  <a:tcPr/>
+                </a:tc>
+                <a:tc>
+                  <a:txBody>
+                    <a:bodyPr/>
+                    <a:lstStyle/>
+                    <a:p>
+                      <a:r>
+                        <a:rPr lang="en-US" dirty="0"/>
+                        <a:t>None</a:t>
+                      </a:r>
+                    </a:p>
+                  </a:txBody>
+                  <a:tcPr/>
+                </a:tc>
+                <a:extLst>
+                  <a:ext uri="{0D108BD9-81ED-4DB2-BD59-A6C34878D82A}">
+                    <a16:rowId xmlns:a16="http://schemas.microsoft.com/office/drawing/2014/main" val="518391678"/>
+                  </a:ext>
+                </a:extLst>
+              </a:tr>
+              <a:tr h="336775">
+                <a:tc>
+                  <a:txBody>
+                    <a:bodyPr/>
+                    <a:lstStyle/>
+                    <a:p>
+                      <a:pPr marL="0" marR="0" lvl="0" indent="0" algn="l" defTabSz="457200" rtl="0" eaLnBrk="1" fontAlgn="auto" latinLnBrk="0" hangingPunct="1">
+                        <a:lnSpc>
+                          <a:spcPct val="100000"/>
+                        </a:lnSpc>
+                        <a:spcBef>
+                          <a:spcPts val="0"/>
+                        </a:spcBef>
+                        <a:spcAft>
+                          <a:spcPts val="0"/>
+                        </a:spcAft>
+                        <a:buClrTx/>
+                        <a:buSzTx/>
+                        <a:buFontTx/>
+                        <a:buNone/>
+                        <a:tabLst/>
+                        <a:defRPr/>
+                      </a:pPr>
+                      <a:r>
+                        <a:rPr lang="en-US" dirty="0"/>
+                        <a:t>http://www.google.com/Employee/1</a:t>
+                      </a:r>
+                    </a:p>
+                  </a:txBody>
+                  <a:tcPr/>
+                </a:tc>
+                <a:tc>
+                  <a:txBody>
+                    <a:bodyPr/>
+                    <a:lstStyle/>
+                    <a:p>
+                      <a:r>
+                        <a:rPr lang="en-US" dirty="0"/>
+                        <a:t>Get</a:t>
+                      </a:r>
+                    </a:p>
+                  </a:txBody>
+                  <a:tcPr/>
+                </a:tc>
+                <a:tc>
+                  <a:txBody>
+                    <a:bodyPr/>
+                    <a:lstStyle/>
+                    <a:p>
+                      <a:r>
+                        <a:rPr lang="en-US" dirty="0"/>
+                        <a:t>Employee</a:t>
+                      </a:r>
+                    </a:p>
+                  </a:txBody>
+                  <a:tcPr/>
+                </a:tc>
+                <a:tc>
+                  <a:txBody>
+                    <a:bodyPr/>
+                    <a:lstStyle/>
+                    <a:p>
+                      <a:r>
+                        <a:rPr lang="en-US" dirty="0"/>
+                        <a:t>Get</a:t>
+                      </a:r>
+                    </a:p>
+                  </a:txBody>
+                  <a:tcPr/>
+                </a:tc>
+                <a:tc>
+                  <a:txBody>
+                    <a:bodyPr/>
+                    <a:lstStyle/>
+                    <a:p>
+                      <a:r>
+                        <a:rPr lang="en-US" dirty="0"/>
+                        <a:t>Id = 1</a:t>
+                      </a:r>
+                    </a:p>
+                  </a:txBody>
+                  <a:tcPr/>
+                </a:tc>
+                <a:extLst>
+                  <a:ext uri="{0D108BD9-81ED-4DB2-BD59-A6C34878D82A}">
+                    <a16:rowId xmlns:a16="http://schemas.microsoft.com/office/drawing/2014/main" val="2552714201"/>
+                  </a:ext>
+                </a:extLst>
+              </a:tr>
+              <a:tr h="336775">
+                <a:tc>
+                  <a:txBody>
+                    <a:bodyPr/>
+                    <a:lstStyle/>
+                    <a:p>
+                      <a:r>
+                        <a:rPr lang="en-US" dirty="0"/>
+                        <a:t>http://www.google.com/Employee/</a:t>
+                      </a:r>
+                    </a:p>
+                  </a:txBody>
+                  <a:tcPr/>
+                </a:tc>
+                <a:tc>
+                  <a:txBody>
+                    <a:bodyPr/>
+                    <a:lstStyle/>
+                    <a:p>
+                      <a:r>
+                        <a:rPr lang="en-US" dirty="0"/>
+                        <a:t>Post</a:t>
+                      </a:r>
+                    </a:p>
+                  </a:txBody>
+                  <a:tcPr/>
+                </a:tc>
+                <a:tc>
+                  <a:txBody>
+                    <a:bodyPr/>
+                    <a:lstStyle/>
+                    <a:p>
+                      <a:r>
+                        <a:rPr lang="en-US" dirty="0"/>
+                        <a:t>Employee</a:t>
+                      </a:r>
+                    </a:p>
+                  </a:txBody>
+                  <a:tcPr/>
+                </a:tc>
+                <a:tc>
+                  <a:txBody>
+                    <a:bodyPr/>
+                    <a:lstStyle/>
+                    <a:p>
+                      <a:r>
+                        <a:rPr lang="en-US" dirty="0"/>
+                        <a:t>Post</a:t>
+                      </a:r>
+                    </a:p>
+                  </a:txBody>
+                  <a:tcPr/>
+                </a:tc>
+                <a:tc>
+                  <a:txBody>
+                    <a:bodyPr/>
+                    <a:lstStyle/>
+                    <a:p>
+                      <a:r>
+                        <a:rPr lang="en-US" dirty="0"/>
+                        <a:t>In Request Body</a:t>
+                      </a:r>
+                    </a:p>
+                  </a:txBody>
+                  <a:tcPr/>
+                </a:tc>
+                <a:extLst>
+                  <a:ext uri="{0D108BD9-81ED-4DB2-BD59-A6C34878D82A}">
+                    <a16:rowId xmlns:a16="http://schemas.microsoft.com/office/drawing/2014/main" val="139229615"/>
+                  </a:ext>
+                </a:extLst>
+              </a:tr>
+              <a:tr h="336775">
+                <a:tc>
+                  <a:txBody>
+                    <a:bodyPr/>
+                    <a:lstStyle/>
+                    <a:p>
+                      <a:pPr marL="0" marR="0" lvl="0" indent="0" algn="l" defTabSz="457200" rtl="0" eaLnBrk="1" fontAlgn="auto" latinLnBrk="0" hangingPunct="1">
+                        <a:lnSpc>
+                          <a:spcPct val="100000"/>
+                        </a:lnSpc>
+                        <a:spcBef>
+                          <a:spcPts val="0"/>
+                        </a:spcBef>
+                        <a:spcAft>
+                          <a:spcPts val="0"/>
+                        </a:spcAft>
+                        <a:buClrTx/>
+                        <a:buSzTx/>
+                        <a:buFontTx/>
+                        <a:buNone/>
+                        <a:tabLst/>
+                        <a:defRPr/>
+                      </a:pPr>
+                      <a:r>
+                        <a:rPr lang="en-US" dirty="0"/>
+                        <a:t>http://www.google.com/Employee/</a:t>
+                      </a:r>
+                    </a:p>
+                  </a:txBody>
+                  <a:tcPr/>
+                </a:tc>
+                <a:tc>
+                  <a:txBody>
+                    <a:bodyPr/>
+                    <a:lstStyle/>
+                    <a:p>
+                      <a:r>
+                        <a:rPr lang="en-US" dirty="0"/>
+                        <a:t>Put</a:t>
+                      </a:r>
+                    </a:p>
+                  </a:txBody>
+                  <a:tcPr/>
+                </a:tc>
+                <a:tc>
+                  <a:txBody>
+                    <a:bodyPr/>
+                    <a:lstStyle/>
+                    <a:p>
+                      <a:r>
+                        <a:rPr lang="en-US" dirty="0"/>
+                        <a:t>Employee</a:t>
+                      </a:r>
+                    </a:p>
+                  </a:txBody>
+                  <a:tcPr/>
+                </a:tc>
+                <a:tc>
+                  <a:txBody>
+                    <a:bodyPr/>
+                    <a:lstStyle/>
+                    <a:p>
+                      <a:r>
+                        <a:rPr lang="en-US" dirty="0"/>
+                        <a:t>Put</a:t>
+                      </a:r>
+                    </a:p>
+                  </a:txBody>
+                  <a:tcPr/>
+                </a:tc>
+                <a:tc>
+                  <a:txBody>
+                    <a:bodyPr/>
+                    <a:lstStyle/>
+                    <a:p>
+                      <a:r>
+                        <a:rPr lang="en-US" dirty="0"/>
+                        <a:t>In Request Body</a:t>
+                      </a:r>
+                    </a:p>
+                  </a:txBody>
+                  <a:tcPr/>
+                </a:tc>
+                <a:extLst>
+                  <a:ext uri="{0D108BD9-81ED-4DB2-BD59-A6C34878D82A}">
+                    <a16:rowId xmlns:a16="http://schemas.microsoft.com/office/drawing/2014/main" val="530470614"/>
+                  </a:ext>
+                </a:extLst>
+              </a:tr>
+              <a:tr h="433394">
+                <a:tc>
+                  <a:txBody>
+                    <a:bodyPr/>
+                    <a:lstStyle/>
+                    <a:p>
+                      <a:pPr marL="0" marR="0" lvl="0" indent="0" algn="l" defTabSz="457200" rtl="0" eaLnBrk="1" fontAlgn="auto" latinLnBrk="0" hangingPunct="1">
+                        <a:lnSpc>
+                          <a:spcPct val="100000"/>
+                        </a:lnSpc>
+                        <a:spcBef>
+                          <a:spcPts val="0"/>
+                        </a:spcBef>
+                        <a:spcAft>
+                          <a:spcPts val="0"/>
+                        </a:spcAft>
+                        <a:buClrTx/>
+                        <a:buSzTx/>
+                        <a:buFontTx/>
+                        <a:buNone/>
+                        <a:tabLst/>
+                        <a:defRPr/>
+                      </a:pPr>
+                      <a:r>
+                        <a:rPr lang="en-US"/>
+                        <a:t>http://www.google.com/Employee/1</a:t>
+                      </a:r>
+                      <a:endParaRPr lang="en-US" dirty="0"/>
+                    </a:p>
+                  </a:txBody>
+                  <a:tcPr/>
+                </a:tc>
+                <a:tc>
+                  <a:txBody>
+                    <a:bodyPr/>
+                    <a:lstStyle/>
+                    <a:p>
+                      <a:r>
+                        <a:rPr lang="en-US" dirty="0"/>
+                        <a:t>Delete</a:t>
+                      </a:r>
+                    </a:p>
+                  </a:txBody>
+                  <a:tcPr/>
+                </a:tc>
+                <a:tc>
+                  <a:txBody>
+                    <a:bodyPr/>
+                    <a:lstStyle/>
+                    <a:p>
+                      <a:r>
+                        <a:rPr lang="en-US" dirty="0"/>
+                        <a:t>Employee</a:t>
+                      </a:r>
+                    </a:p>
+                  </a:txBody>
+                  <a:tcPr/>
+                </a:tc>
+                <a:tc>
+                  <a:txBody>
+                    <a:bodyPr/>
+                    <a:lstStyle/>
+                    <a:p>
+                      <a:r>
+                        <a:rPr lang="en-US" dirty="0"/>
+                        <a:t>Delete</a:t>
+                      </a:r>
+                    </a:p>
+                  </a:txBody>
+                  <a:tcPr/>
+                </a:tc>
+                <a:tc>
+                  <a:txBody>
+                    <a:bodyPr/>
+                    <a:lstStyle/>
+                    <a:p>
+                      <a:r>
+                        <a:rPr lang="en-US" dirty="0"/>
+                        <a:t>Id = 1</a:t>
+                      </a:r>
+                    </a:p>
+                  </a:txBody>
+                  <a:tcPr/>
+                </a:tc>
+                <a:extLst>
+                  <a:ext uri="{0D108BD9-81ED-4DB2-BD59-A6C34878D82A}">
+                    <a16:rowId xmlns:a16="http://schemas.microsoft.com/office/drawing/2014/main" val="3817303750"/>
+                  </a:ext>
+                </a:extLst>
+              </a:tr>
+            </a:tbl>
+          </a:graphicData>
+        </a:graphic>
+      </p:graphicFrame>
     </p:spTree>
     <p:extLst>
       <p:ext uri="{BB962C8B-B14F-4D97-AF65-F5344CB8AC3E}">
@@ -10117,8 +11114,8 @@
           <a:lstStyle/>
           <a:p>
             <a:r>
-              <a:rPr lang="en-US" dirty="0" smtClean="0"/>
-              <a:t>JSON</a:t>
+              <a:rPr lang="en-US" sz="4400" dirty="0"/>
+              <a:t>Class Attribute Route</a:t>
             </a:r>
             <a:endParaRPr lang="en-US" dirty="0"/>
           </a:p>
@@ -10134,179 +11131,82 @@
             <p:ph idx="1"/>
           </p:nvPr>
         </p:nvSpPr>
-        <p:spPr/>
+        <p:spPr>
+          <a:xfrm>
+            <a:off x="1104293" y="2052918"/>
+            <a:ext cx="8946541" cy="4195481"/>
+          </a:xfrm>
+        </p:spPr>
         <p:txBody>
           <a:bodyPr>
             <a:normAutofit/>
           </a:bodyPr>
           <a:lstStyle/>
           <a:p>
-            <a:pPr marL="388620"/>
-            <a:r>
-              <a:rPr lang="en-US" sz="2600" dirty="0" smtClean="0"/>
-              <a:t>JavaScript Object Notation</a:t>
-            </a:r>
-          </a:p>
-          <a:p>
-            <a:pPr marL="388620"/>
-            <a:r>
-              <a:rPr lang="en-US" sz="2600" dirty="0" smtClean="0"/>
-              <a:t>How an Object is represented in JavaScript.</a:t>
-            </a:r>
-          </a:p>
-          <a:p>
-            <a:pPr marL="45720" indent="0">
+            <a:r>
+              <a:rPr lang="en-US" sz="2800" dirty="0"/>
+              <a:t>Controller Names End With “Controller”</a:t>
+            </a:r>
+          </a:p>
+          <a:p>
+            <a:pPr lvl="1"/>
+            <a:r>
+              <a:rPr lang="en-US" sz="2600" dirty="0"/>
+              <a:t>This is left off of URL for routing</a:t>
+            </a:r>
+          </a:p>
+          <a:p>
+            <a:r>
+              <a:rPr lang="en-US" sz="2800" dirty="0"/>
+              <a:t>Class Attribute Route Ex:</a:t>
+            </a:r>
+          </a:p>
+          <a:p>
+            <a:pPr marL="400050" lvl="1" indent="0">
               <a:buNone/>
             </a:pPr>
             <a:r>
-              <a:rPr lang="en-US" sz="2600" dirty="0" smtClean="0"/>
-              <a:t>Example:</a:t>
-            </a:r>
-          </a:p>
-          <a:p>
-            <a:pPr marL="45720" indent="0">
+              <a:rPr lang="en-US" sz="2200" dirty="0"/>
+              <a:t>[Route("</a:t>
+            </a:r>
+            <a:r>
+              <a:rPr lang="en-US" sz="2200" dirty="0" err="1"/>
+              <a:t>api</a:t>
+            </a:r>
+            <a:r>
+              <a:rPr lang="en-US" sz="2200" dirty="0"/>
+              <a:t>/[controller]")]</a:t>
+            </a:r>
+          </a:p>
+          <a:p>
+            <a:pPr marL="400050" lvl="1" indent="0">
               <a:buNone/>
             </a:pPr>
             <a:r>
-              <a:rPr lang="en-US" sz="2600" dirty="0"/>
-              <a:t>{	</a:t>
-            </a:r>
-            <a:endParaRPr lang="en-US" sz="2600" dirty="0" smtClean="0"/>
-          </a:p>
-          <a:p>
-            <a:pPr marL="45720" indent="0">
+              <a:rPr lang="en-US" sz="2200" dirty="0"/>
+              <a:t>public class </a:t>
+            </a:r>
+            <a:r>
+              <a:rPr lang="en-US" sz="2200" dirty="0" err="1"/>
+              <a:t>TimeTravelerController</a:t>
+            </a:r>
+            <a:r>
+              <a:rPr lang="en-US" sz="2200" dirty="0"/>
+              <a:t> : Controller</a:t>
+            </a:r>
+          </a:p>
+          <a:p>
+            <a:pPr marL="0" indent="0">
               <a:buNone/>
             </a:pPr>
-            <a:r>
-              <a:rPr lang="en-US" sz="2600" dirty="0"/>
-              <a:t> </a:t>
-            </a:r>
-            <a:r>
-              <a:rPr lang="en-US" sz="2600" dirty="0" smtClean="0"/>
-              <a:t>  </a:t>
-            </a:r>
-            <a:r>
-              <a:rPr lang="en-US" sz="2600" dirty="0" smtClean="0"/>
-              <a:t>‘</a:t>
-            </a:r>
-            <a:r>
-              <a:rPr lang="en-US" sz="2600" dirty="0" err="1" smtClean="0"/>
-              <a:t>studentID</a:t>
-            </a:r>
-            <a:r>
-              <a:rPr lang="en-US" sz="2600" dirty="0" smtClean="0"/>
-              <a:t>’</a:t>
-            </a:r>
-            <a:r>
-              <a:rPr lang="en-US" sz="2600" dirty="0" smtClean="0"/>
-              <a:t>: </a:t>
-            </a:r>
-            <a:r>
-              <a:rPr lang="en-US" sz="2600" dirty="0"/>
-              <a:t>0	</a:t>
-            </a:r>
-            <a:endParaRPr lang="en-US" sz="2600" dirty="0" smtClean="0"/>
-          </a:p>
-          <a:p>
-            <a:pPr marL="45720" indent="0">
-              <a:buNone/>
-            </a:pPr>
-            <a:r>
-              <a:rPr lang="en-US" sz="2600" dirty="0"/>
-              <a:t> </a:t>
-            </a:r>
-            <a:r>
-              <a:rPr lang="en-US" sz="2600" dirty="0" smtClean="0"/>
-              <a:t>  </a:t>
-            </a:r>
-            <a:r>
-              <a:rPr lang="en-US" sz="2600" dirty="0" smtClean="0"/>
-              <a:t>‘</a:t>
-            </a:r>
-            <a:r>
-              <a:rPr lang="en-US" sz="2600" dirty="0" err="1" smtClean="0"/>
-              <a:t>firstName</a:t>
-            </a:r>
-            <a:r>
-              <a:rPr lang="en-US" sz="2600" dirty="0" smtClean="0"/>
-              <a:t>’</a:t>
-            </a:r>
-            <a:r>
-              <a:rPr lang="en-US" sz="2600" dirty="0" smtClean="0"/>
-              <a:t>: </a:t>
-            </a:r>
-            <a:r>
-              <a:rPr lang="en-US" sz="2600" dirty="0" smtClean="0"/>
-              <a:t>‘</a:t>
-            </a:r>
-            <a:r>
-              <a:rPr lang="en-US" sz="2600" dirty="0" smtClean="0"/>
-              <a:t>Kathy’,</a:t>
-            </a:r>
-            <a:r>
-              <a:rPr lang="en-US" sz="2600" dirty="0"/>
-              <a:t>	</a:t>
-            </a:r>
-            <a:endParaRPr lang="en-US" sz="2600" dirty="0" smtClean="0"/>
-          </a:p>
-          <a:p>
-            <a:pPr marL="45720" indent="0">
-              <a:buNone/>
-            </a:pPr>
-            <a:r>
-              <a:rPr lang="en-US" sz="2600" dirty="0"/>
-              <a:t> </a:t>
-            </a:r>
-            <a:r>
-              <a:rPr lang="en-US" sz="2600" dirty="0" smtClean="0"/>
-              <a:t>  </a:t>
-            </a:r>
-            <a:r>
-              <a:rPr lang="en-US" sz="2600" dirty="0" smtClean="0"/>
-              <a:t>‘</a:t>
-            </a:r>
-            <a:r>
-              <a:rPr lang="en-US" sz="2600" dirty="0" err="1" smtClean="0"/>
-              <a:t>lastName</a:t>
-            </a:r>
-            <a:r>
-              <a:rPr lang="en-US" sz="2600" dirty="0" smtClean="0"/>
-              <a:t>’</a:t>
-            </a:r>
-            <a:r>
-              <a:rPr lang="en-US" sz="2600" dirty="0" smtClean="0"/>
-              <a:t>: </a:t>
-            </a:r>
-            <a:r>
-              <a:rPr lang="en-US" sz="2600" dirty="0" smtClean="0"/>
-              <a:t>‘</a:t>
-            </a:r>
-            <a:r>
-              <a:rPr lang="en-US" sz="2600" dirty="0" smtClean="0"/>
-              <a:t>Smith</a:t>
-            </a:r>
-            <a:r>
-              <a:rPr lang="en-US" sz="2600" dirty="0" smtClean="0"/>
-              <a:t>’</a:t>
-            </a:r>
-            <a:endParaRPr lang="en-US" sz="2600" dirty="0" smtClean="0"/>
-          </a:p>
-          <a:p>
-            <a:pPr marL="45720" indent="0">
-              <a:buNone/>
-            </a:pPr>
-            <a:r>
-              <a:rPr lang="en-US" sz="2600" dirty="0" smtClean="0"/>
-              <a:t>}</a:t>
-            </a:r>
-            <a:endParaRPr lang="en-US" sz="2600" dirty="0"/>
+            <a:endParaRPr lang="en-US" sz="2800" dirty="0"/>
           </a:p>
         </p:txBody>
       </p:sp>
     </p:spTree>
     <p:extLst>
       <p:ext uri="{BB962C8B-B14F-4D97-AF65-F5344CB8AC3E}">
-        <p14:creationId xmlns:p14="http://schemas.microsoft.com/office/powerpoint/2010/main" val="3304398745"/>
+        <p14:creationId xmlns:p14="http://schemas.microsoft.com/office/powerpoint/2010/main" val="2275396099"/>
       </p:ext>
     </p:extLst>
   </p:cSld>
@@ -10349,10 +11249,9 @@
           <a:lstStyle/>
           <a:p>
             <a:r>
-              <a:rPr lang="en-US" dirty="0" smtClean="0"/>
-              <a:t>Binding</a:t>
-            </a:r>
-            <a:endParaRPr lang="en-US" dirty="0"/>
+              <a:rPr lang="en-US" dirty="0"/>
+              <a:t>JSON</a:t>
+            </a:r>
           </a:p>
         </p:txBody>
       </p:sp>
@@ -10369,111 +11268,107 @@
         <p:spPr/>
         <p:txBody>
           <a:bodyPr>
-            <a:normAutofit lnSpcReduction="10000"/>
+            <a:normAutofit/>
           </a:bodyPr>
           <a:lstStyle/>
           <a:p>
             <a:pPr marL="388620"/>
             <a:r>
-              <a:rPr lang="en-US" sz="2800" dirty="0" smtClean="0"/>
-              <a:t>Return value to JSON Data</a:t>
+              <a:rPr lang="en-US" sz="2600" dirty="0"/>
+              <a:t>JavaScript Object Notation</a:t>
             </a:r>
           </a:p>
           <a:p>
             <a:pPr marL="388620"/>
             <a:r>
-              <a:rPr lang="en-US" sz="2800" dirty="0" smtClean="0"/>
-              <a:t>JSON in Request Body converted to Class</a:t>
-            </a:r>
-          </a:p>
-          <a:p>
-            <a:pPr marL="388620"/>
-            <a:r>
-              <a:rPr lang="en-US" sz="2800" dirty="0" smtClean="0"/>
+              <a:rPr lang="en-US" sz="2600" dirty="0"/>
+              <a:t>How an Object is represented in JavaScript.</a:t>
+            </a:r>
+          </a:p>
+          <a:p>
+            <a:pPr marL="45720" indent="0">
+              <a:buNone/>
+            </a:pPr>
+            <a:r>
+              <a:rPr lang="en-US" sz="2600" dirty="0"/>
               <a:t>Example:</a:t>
             </a:r>
           </a:p>
           <a:p>
-            <a:pPr marL="0" indent="0">
+            <a:pPr marL="45720" indent="0">
               <a:buNone/>
             </a:pPr>
             <a:r>
-              <a:rPr lang="en-US" sz="2800" dirty="0"/>
-              <a:t>[</a:t>
-            </a:r>
-            <a:r>
-              <a:rPr lang="en-US" sz="2800" dirty="0" err="1"/>
-              <a:t>HttpPost</a:t>
-            </a:r>
-            <a:r>
-              <a:rPr lang="en-US" sz="2800" dirty="0"/>
-              <a:t>]</a:t>
-            </a:r>
-          </a:p>
-          <a:p>
-            <a:pPr marL="0" indent="0">
+              <a:rPr lang="en-US" sz="2600" dirty="0"/>
+              <a:t>{	</a:t>
+            </a:r>
+          </a:p>
+          <a:p>
+            <a:pPr marL="45720" indent="0">
               <a:buNone/>
             </a:pPr>
             <a:r>
-              <a:rPr lang="en-US" sz="2800" dirty="0"/>
-              <a:t>public void Post([</a:t>
-            </a:r>
-            <a:r>
-              <a:rPr lang="en-US" sz="2800" dirty="0" err="1"/>
-              <a:t>FromBody</a:t>
-            </a:r>
-            <a:r>
-              <a:rPr lang="en-US" sz="2800" dirty="0"/>
-              <a:t>]Answer answer)</a:t>
-            </a:r>
-          </a:p>
-          <a:p>
-            <a:pPr marL="0" indent="0">
+              <a:rPr lang="en-US" sz="2600" dirty="0"/>
+              <a:t>   ‘</a:t>
+            </a:r>
+            <a:r>
+              <a:rPr lang="en-US" sz="2600" dirty="0" err="1"/>
+              <a:t>studentID</a:t>
+            </a:r>
+            <a:r>
+              <a:rPr lang="en-US" sz="2600" dirty="0"/>
+              <a:t>’: 0	</a:t>
+            </a:r>
+          </a:p>
+          <a:p>
+            <a:pPr marL="45720" indent="0">
               <a:buNone/>
             </a:pPr>
             <a:r>
-              <a:rPr lang="en-US" sz="2800" dirty="0"/>
-              <a:t>{</a:t>
-            </a:r>
-          </a:p>
-          <a:p>
-            <a:pPr marL="0" indent="0">
+              <a:rPr lang="en-US" sz="2600" dirty="0"/>
+              <a:t>   ‘</a:t>
+            </a:r>
+            <a:r>
+              <a:rPr lang="en-US" sz="2600" dirty="0" err="1"/>
+              <a:t>firstName</a:t>
+            </a:r>
+            <a:r>
+              <a:rPr lang="en-US" sz="2600" dirty="0"/>
+              <a:t>’: ‘Kathy’,	</a:t>
+            </a:r>
+          </a:p>
+          <a:p>
+            <a:pPr marL="45720" indent="0">
               <a:buNone/>
             </a:pPr>
             <a:r>
-              <a:rPr lang="en-US" sz="2800" dirty="0"/>
-              <a:t>   _</a:t>
-            </a:r>
-            <a:r>
-              <a:rPr lang="en-US" sz="2800" dirty="0" err="1"/>
-              <a:t>service.Insert</a:t>
-            </a:r>
-            <a:r>
-              <a:rPr lang="en-US" sz="2800" dirty="0"/>
-              <a:t>(answer);</a:t>
-            </a:r>
-          </a:p>
-          <a:p>
-            <a:pPr marL="0" indent="0">
+              <a:rPr lang="en-US" sz="2600" dirty="0"/>
+              <a:t>   ‘</a:t>
+            </a:r>
+            <a:r>
+              <a:rPr lang="en-US" sz="2600" dirty="0" err="1"/>
+              <a:t>lastName</a:t>
+            </a:r>
+            <a:r>
+              <a:rPr lang="en-US" sz="2600" dirty="0"/>
+              <a:t>’: ‘Smith’</a:t>
+            </a:r>
+          </a:p>
+          <a:p>
+            <a:pPr marL="45720" indent="0">
               <a:buNone/>
             </a:pPr>
             <a:r>
-              <a:rPr lang="en-US" sz="2800" dirty="0"/>
+              <a:rPr lang="en-US" sz="2600" dirty="0"/>
               <a:t>}</a:t>
             </a:r>
-          </a:p>
-          <a:p>
-            <a:pPr marL="45720" indent="0">
-              <a:buNone/>
-            </a:pPr>
-            <a:endParaRPr lang="en-US" sz="2800" dirty="0"/>
           </a:p>
         </p:txBody>
       </p:sp>
     </p:spTree>
     <p:extLst>
       <p:ext uri="{BB962C8B-B14F-4D97-AF65-F5344CB8AC3E}">
-        <p14:creationId xmlns:p14="http://schemas.microsoft.com/office/powerpoint/2010/main" val="2381254956"/>
+        <p14:creationId xmlns:p14="http://schemas.microsoft.com/office/powerpoint/2010/main" val="3304398745"/>
       </p:ext>
     </p:extLst>
   </p:cSld>
@@ -10516,10 +11411,9 @@
           <a:lstStyle/>
           <a:p>
             <a:r>
-              <a:rPr lang="en-US" dirty="0" smtClean="0"/>
-              <a:t>CLI Commands</a:t>
-            </a:r>
-            <a:endParaRPr lang="en-US" dirty="0"/>
+              <a:rPr lang="en-US" dirty="0"/>
+              <a:t>Response Binding</a:t>
+            </a:r>
           </a:p>
         </p:txBody>
       </p:sp>
@@ -10536,137 +11430,112 @@
         <p:spPr/>
         <p:txBody>
           <a:bodyPr>
-            <a:normAutofit fontScale="92500" lnSpcReduction="10000"/>
+            <a:normAutofit/>
           </a:bodyPr>
           <a:lstStyle/>
           <a:p>
-            <a:r>
-              <a:rPr lang="en-US" sz="2800" dirty="0" err="1" smtClean="0"/>
-              <a:t>mkdir</a:t>
-            </a:r>
-            <a:r>
-              <a:rPr lang="en-US" sz="2800" dirty="0" smtClean="0"/>
-              <a:t> – Create Directory</a:t>
-            </a:r>
-          </a:p>
-          <a:p>
+            <a:pPr marL="388620"/>
             <a:r>
               <a:rPr lang="en-US" sz="2800" dirty="0"/>
-              <a:t>c</a:t>
-            </a:r>
-            <a:r>
-              <a:rPr lang="en-US" sz="2800" dirty="0" smtClean="0"/>
-              <a:t>d – Change Directory</a:t>
-            </a:r>
-          </a:p>
-          <a:p>
-            <a:r>
-              <a:rPr lang="en-US" sz="2800" dirty="0" smtClean="0"/>
-              <a:t>Add project</a:t>
-            </a:r>
+              <a:t>Return value to JSON Data</a:t>
+            </a:r>
+          </a:p>
+          <a:p>
+            <a:pPr marL="388620"/>
             <a:r>
               <a:rPr lang="en-US" sz="2800" dirty="0"/>
-              <a:t>:</a:t>
-            </a:r>
-          </a:p>
-          <a:p>
-            <a:pPr lvl="1"/>
-            <a:r>
-              <a:rPr lang="en-US" sz="2600" dirty="0" err="1"/>
-              <a:t>dotnet</a:t>
-            </a:r>
-            <a:r>
-              <a:rPr lang="en-US" sz="2600" dirty="0"/>
-              <a:t> new </a:t>
-            </a:r>
-            <a:r>
-              <a:rPr lang="en-US" sz="2600" dirty="0" err="1"/>
-              <a:t>classlib</a:t>
-            </a:r>
-            <a:endParaRPr lang="en-US" sz="2600" dirty="0"/>
-          </a:p>
-          <a:p>
-            <a:pPr lvl="1"/>
-            <a:r>
-              <a:rPr lang="en-US" sz="2600" dirty="0" err="1" smtClean="0"/>
-              <a:t>dotnet</a:t>
-            </a:r>
-            <a:r>
-              <a:rPr lang="en-US" sz="2600" dirty="0" smtClean="0"/>
-              <a:t> </a:t>
-            </a:r>
-            <a:r>
-              <a:rPr lang="en-US" sz="2600" dirty="0"/>
-              <a:t>new </a:t>
-            </a:r>
-            <a:r>
-              <a:rPr lang="en-US" sz="2600" dirty="0" err="1"/>
-              <a:t>webapi</a:t>
-            </a:r>
-            <a:endParaRPr lang="en-US" sz="2600" dirty="0"/>
-          </a:p>
-          <a:p>
-            <a:r>
-              <a:rPr lang="en-US" sz="2800" dirty="0" smtClean="0"/>
-              <a:t>Add reference:</a:t>
-            </a:r>
-          </a:p>
-          <a:p>
-            <a:pPr lvl="1"/>
-            <a:r>
-              <a:rPr lang="en-US" sz="2600" dirty="0" err="1" smtClean="0"/>
-              <a:t>dotnet</a:t>
-            </a:r>
-            <a:r>
-              <a:rPr lang="en-US" sz="2600" dirty="0" smtClean="0"/>
-              <a:t> add reference [path]/[</a:t>
-            </a:r>
-            <a:r>
-              <a:rPr lang="en-US" sz="2600" dirty="0" err="1" smtClean="0"/>
-              <a:t>name.csproj</a:t>
-            </a:r>
-            <a:r>
-              <a:rPr lang="en-US" sz="2600" dirty="0" smtClean="0"/>
+              <a:t>Example:</a:t>
+            </a:r>
+          </a:p>
+          <a:p>
+            <a:pPr marL="0" indent="0">
+              <a:buNone/>
+            </a:pPr>
+            <a:r>
+              <a:rPr lang="en-US" sz="2800" dirty="0"/>
+              <a:t>[</a:t>
+            </a:r>
+            <a:r>
+              <a:rPr lang="en-US" sz="2800" dirty="0" err="1"/>
+              <a:t>HttpGet</a:t>
+            </a:r>
+            <a:r>
+              <a:rPr lang="en-US" sz="2800" dirty="0"/>
               <a:t>]</a:t>
             </a:r>
           </a:p>
           <a:p>
-            <a:pPr lvl="1"/>
-            <a:r>
-              <a:rPr lang="en-US" sz="2600" dirty="0" err="1"/>
-              <a:t>dotnet</a:t>
-            </a:r>
-            <a:r>
-              <a:rPr lang="en-US" sz="2600" dirty="0"/>
-              <a:t> add package </a:t>
-            </a:r>
-            <a:r>
-              <a:rPr lang="en-US" sz="2600" dirty="0" smtClean="0"/>
-              <a:t>Dapper</a:t>
-            </a:r>
-          </a:p>
-          <a:p>
-            <a:pPr lvl="1"/>
-            <a:r>
-              <a:rPr lang="en-US" sz="2600" dirty="0" err="1"/>
-              <a:t>dotnet</a:t>
-            </a:r>
-            <a:r>
-              <a:rPr lang="en-US" sz="2600" dirty="0"/>
-              <a:t> add package </a:t>
-            </a:r>
-            <a:r>
-              <a:rPr lang="en-US" sz="2600" dirty="0" err="1"/>
-              <a:t>MySql.Data</a:t>
-            </a:r>
-            <a:endParaRPr lang="en-US" sz="2600" dirty="0"/>
+            <a:pPr marL="0" indent="0">
+              <a:buNone/>
+            </a:pPr>
+            <a:r>
+              <a:rPr lang="en-US" sz="2800" dirty="0"/>
+              <a:t>public </a:t>
+            </a:r>
+            <a:r>
+              <a:rPr lang="en-US" sz="2800" dirty="0" err="1"/>
+              <a:t>IEnumerable</a:t>
+            </a:r>
+            <a:r>
+              <a:rPr lang="en-US" sz="2800" dirty="0"/>
+              <a:t>&lt;</a:t>
+            </a:r>
+            <a:r>
+              <a:rPr lang="en-US" sz="2800" dirty="0" err="1"/>
+              <a:t>TimeTraveler</a:t>
+            </a:r>
+            <a:r>
+              <a:rPr lang="en-US" sz="2800" dirty="0"/>
+              <a:t>&gt; Get()</a:t>
+            </a:r>
+          </a:p>
+          <a:p>
+            <a:pPr marL="0" indent="0">
+              <a:buNone/>
+            </a:pPr>
+            <a:r>
+              <a:rPr lang="en-US" sz="2800" dirty="0"/>
+              <a:t>{</a:t>
+            </a:r>
+          </a:p>
+          <a:p>
+            <a:pPr marL="0" indent="0">
+              <a:buNone/>
+            </a:pPr>
+            <a:r>
+              <a:rPr lang="en-US" sz="2800" dirty="0"/>
+              <a:t>	return </a:t>
+            </a:r>
+            <a:r>
+              <a:rPr lang="en-US" sz="2800" dirty="0" err="1"/>
+              <a:t>timeTravelerRepository.GetAll</a:t>
+            </a:r>
+            <a:r>
+              <a:rPr lang="en-US" sz="2800" dirty="0"/>
+              <a:t>();</a:t>
+            </a:r>
+          </a:p>
+          <a:p>
+            <a:pPr marL="0" indent="0">
+              <a:buNone/>
+            </a:pPr>
+            <a:r>
+              <a:rPr lang="en-US" sz="2800" dirty="0"/>
+              <a:t>}</a:t>
+            </a:r>
+          </a:p>
+          <a:p>
+            <a:pPr marL="45720" indent="0">
+              <a:buNone/>
+            </a:pPr>
+            <a:endParaRPr lang="en-US" sz="2800" dirty="0"/>
           </a:p>
         </p:txBody>
       </p:sp>
     </p:spTree>
     <p:extLst>
       <p:ext uri="{BB962C8B-B14F-4D97-AF65-F5344CB8AC3E}">
-        <p14:creationId xmlns:p14="http://schemas.microsoft.com/office/powerpoint/2010/main" val="3320315670"/>
+        <p14:creationId xmlns:p14="http://schemas.microsoft.com/office/powerpoint/2010/main" val="784515827"/>
       </p:ext>
     </p:extLst>
   </p:cSld>

--- a/Slides/05_WebAPI_TrainingPlan.pptx
+++ b/Slides/05_WebAPI_TrainingPlan.pptx
@@ -10523,7 +10523,7 @@
           <p:nvPr>
             <p:extLst>
               <p:ext uri="{D42A27DB-BD31-4B8C-83A1-F6EECF244321}">
-                <p14:modId xmlns:p14="http://schemas.microsoft.com/office/powerpoint/2010/main" val="4143767740"/>
+                <p14:modId xmlns:p14="http://schemas.microsoft.com/office/powerpoint/2010/main" val="4141113117"/>
               </p:ext>
             </p:extLst>
           </p:nvPr>
@@ -10801,7 +10801,7 @@
                     <a:p>
                       <a:r>
                         <a:rPr lang="en-US" dirty="0"/>
-                        <a:t>Id = 1</a:t>
+                        <a:t>id = 1</a:t>
                       </a:r>
                     </a:p>
                   </a:txBody>
@@ -11052,7 +11052,7 @@
                     <a:p>
                       <a:r>
                         <a:rPr lang="en-US" dirty="0"/>
-                        <a:t>Id = 1</a:t>
+                        <a:t>id = 1</a:t>
                       </a:r>
                     </a:p>
                   </a:txBody>

--- a/Slides/05_WebAPI_TrainingPlan.pptx
+++ b/Slides/05_WebAPI_TrainingPlan.pptx
@@ -5,27 +5,29 @@
     <p:sldMasterId id="2147483672" r:id="rId1"/>
   </p:sldMasterIdLst>
   <p:notesMasterIdLst>
-    <p:notesMasterId r:id="rId20"/>
+    <p:notesMasterId r:id="rId22"/>
   </p:notesMasterIdLst>
   <p:sldIdLst>
     <p:sldId id="256" r:id="rId2"/>
     <p:sldId id="307" r:id="rId3"/>
     <p:sldId id="308" r:id="rId4"/>
-    <p:sldId id="300" r:id="rId5"/>
-    <p:sldId id="321" r:id="rId6"/>
-    <p:sldId id="305" r:id="rId7"/>
-    <p:sldId id="330" r:id="rId8"/>
-    <p:sldId id="320" r:id="rId9"/>
-    <p:sldId id="331" r:id="rId10"/>
-    <p:sldId id="318" r:id="rId11"/>
-    <p:sldId id="328" r:id="rId12"/>
-    <p:sldId id="323" r:id="rId13"/>
-    <p:sldId id="311" r:id="rId14"/>
-    <p:sldId id="325" r:id="rId15"/>
-    <p:sldId id="327" r:id="rId16"/>
-    <p:sldId id="324" r:id="rId17"/>
-    <p:sldId id="326" r:id="rId18"/>
-    <p:sldId id="329" r:id="rId19"/>
+    <p:sldId id="332" r:id="rId5"/>
+    <p:sldId id="333" r:id="rId6"/>
+    <p:sldId id="300" r:id="rId7"/>
+    <p:sldId id="321" r:id="rId8"/>
+    <p:sldId id="305" r:id="rId9"/>
+    <p:sldId id="330" r:id="rId10"/>
+    <p:sldId id="320" r:id="rId11"/>
+    <p:sldId id="331" r:id="rId12"/>
+    <p:sldId id="318" r:id="rId13"/>
+    <p:sldId id="328" r:id="rId14"/>
+    <p:sldId id="323" r:id="rId15"/>
+    <p:sldId id="311" r:id="rId16"/>
+    <p:sldId id="325" r:id="rId17"/>
+    <p:sldId id="327" r:id="rId18"/>
+    <p:sldId id="324" r:id="rId19"/>
+    <p:sldId id="326" r:id="rId20"/>
+    <p:sldId id="329" r:id="rId21"/>
   </p:sldIdLst>
   <p:sldSz cx="12192000" cy="6858000"/>
   <p:notesSz cx="6858000" cy="9144000"/>
@@ -214,7 +216,7 @@
           <a:p>
             <a:fld id="{4BF743CC-1DEF-4052-93D3-94FD6541D9A8}" type="datetimeFigureOut">
               <a:rPr lang="en-US" smtClean="0"/>
-              <a:t>6/4/2018</a:t>
+              <a:t>6/13/2018</a:t>
             </a:fld>
             <a:endParaRPr lang="en-US"/>
           </a:p>
@@ -687,8 +689,8 @@
               <a:buChar char="•"/>
             </a:pPr>
             <a:r>
-              <a:rPr lang="en-US" dirty="0"/>
-              <a:t>In order to make projects for our main components we will need to use CLI commands.</a:t>
+              <a:rPr lang="en-US" baseline="0" dirty="0"/>
+              <a:t>The return value of an action method in a controller is converted to JSON in the response body.</a:t>
             </a:r>
           </a:p>
           <a:p>
@@ -697,154 +699,9 @@
               <a:buChar char="•"/>
             </a:pPr>
             <a:r>
-              <a:rPr lang="en-US" dirty="0" err="1"/>
-              <a:t>mkdir</a:t>
-            </a:r>
-            <a:r>
               <a:rPr lang="en-US" baseline="0" dirty="0"/>
-              <a:t> creates a new directory on your computer.</a:t>
-            </a:r>
-          </a:p>
-          <a:p>
-            <a:pPr marL="171450" indent="-171450">
-              <a:buFont typeface="Arial" panose="020B0604020202020204" pitchFamily="34" charset="0"/>
-              <a:buChar char="•"/>
-            </a:pPr>
-            <a:r>
-              <a:rPr lang="en-US" baseline="0" dirty="0"/>
-              <a:t>cd changes the directory that you are currently in.</a:t>
-            </a:r>
-          </a:p>
-          <a:p>
-            <a:pPr marL="171450" indent="-171450">
-              <a:buFont typeface="Arial" panose="020B0604020202020204" pitchFamily="34" charset="0"/>
-              <a:buChar char="•"/>
-            </a:pPr>
-            <a:r>
-              <a:rPr lang="en-US" baseline="0" dirty="0" err="1"/>
-              <a:t>dotnet</a:t>
-            </a:r>
-            <a:r>
-              <a:rPr lang="en-US" baseline="0" dirty="0"/>
-              <a:t> new </a:t>
-            </a:r>
-            <a:r>
-              <a:rPr lang="en-US" baseline="0" dirty="0" err="1"/>
-              <a:t>classlib</a:t>
-            </a:r>
-            <a:r>
-              <a:rPr lang="en-US" baseline="0" dirty="0"/>
-              <a:t> – creates a new class library project.  This is what we use to create a new </a:t>
-            </a:r>
-            <a:r>
-              <a:rPr lang="en-US" baseline="0" dirty="0" err="1"/>
-              <a:t>.Net</a:t>
-            </a:r>
-            <a:r>
-              <a:rPr lang="en-US" baseline="0" dirty="0"/>
-              <a:t> project that is code only.</a:t>
-            </a:r>
-          </a:p>
-          <a:p>
-            <a:pPr marL="171450" indent="-171450">
-              <a:buFont typeface="Arial" panose="020B0604020202020204" pitchFamily="34" charset="0"/>
-              <a:buChar char="•"/>
-            </a:pPr>
-            <a:r>
-              <a:rPr lang="en-US" baseline="0" dirty="0" err="1"/>
-              <a:t>dotnet</a:t>
-            </a:r>
-            <a:r>
-              <a:rPr lang="en-US" baseline="0" dirty="0"/>
-              <a:t> new </a:t>
-            </a:r>
-            <a:r>
-              <a:rPr lang="en-US" baseline="0" dirty="0" err="1"/>
-              <a:t>webapi</a:t>
-            </a:r>
-            <a:r>
-              <a:rPr lang="en-US" baseline="0" dirty="0"/>
-              <a:t> – creates a new web </a:t>
-            </a:r>
-            <a:r>
-              <a:rPr lang="en-US" baseline="0" dirty="0" err="1"/>
-              <a:t>api</a:t>
-            </a:r>
-            <a:r>
-              <a:rPr lang="en-US" baseline="0" dirty="0"/>
-              <a:t> project.  This is what we use to create a new </a:t>
-            </a:r>
-            <a:r>
-              <a:rPr lang="en-US" baseline="0" dirty="0" err="1"/>
-              <a:t>.Net</a:t>
-            </a:r>
-            <a:r>
-              <a:rPr lang="en-US" baseline="0" dirty="0"/>
-              <a:t> project that will contain our web </a:t>
-            </a:r>
-            <a:r>
-              <a:rPr lang="en-US" baseline="0" dirty="0" err="1"/>
-              <a:t>api</a:t>
-            </a:r>
-            <a:r>
-              <a:rPr lang="en-US" baseline="0" dirty="0"/>
-              <a:t>.</a:t>
-            </a:r>
-          </a:p>
-          <a:p>
-            <a:pPr marL="171450" indent="-171450">
-              <a:buFont typeface="Arial" panose="020B0604020202020204" pitchFamily="34" charset="0"/>
-              <a:buChar char="•"/>
-            </a:pPr>
-            <a:r>
-              <a:rPr lang="en-US" baseline="0" dirty="0" err="1"/>
-              <a:t>dotnet</a:t>
-            </a:r>
-            <a:r>
-              <a:rPr lang="en-US" baseline="0" dirty="0"/>
-              <a:t> add reference – allows us to reference code from another project.  One project does not know about the other until a reference is added.</a:t>
-            </a:r>
-          </a:p>
-          <a:p>
-            <a:pPr marL="171450" indent="-171450">
-              <a:buFont typeface="Arial" panose="020B0604020202020204" pitchFamily="34" charset="0"/>
-              <a:buChar char="•"/>
-            </a:pPr>
-            <a:r>
-              <a:rPr lang="en-US" baseline="0" dirty="0" err="1"/>
-              <a:t>dotnet</a:t>
-            </a:r>
-            <a:r>
-              <a:rPr lang="en-US" baseline="0" dirty="0"/>
-              <a:t> add package – allows us to add a package to our code.  A package is created by someone and can be downloaded over the internet for use in your project.</a:t>
-            </a:r>
-          </a:p>
-          <a:p>
-            <a:pPr marL="171450" indent="-171450">
-              <a:buFont typeface="Arial" panose="020B0604020202020204" pitchFamily="34" charset="0"/>
-              <a:buChar char="•"/>
-            </a:pPr>
-            <a:r>
-              <a:rPr lang="en-US" baseline="0" dirty="0"/>
-              <a:t>We will be using two packages from the </a:t>
-            </a:r>
-            <a:r>
-              <a:rPr lang="en-US" baseline="0" dirty="0" err="1"/>
-              <a:t>Nuget</a:t>
-            </a:r>
-            <a:r>
-              <a:rPr lang="en-US" baseline="0" dirty="0"/>
-              <a:t> package manager which are Dapper and </a:t>
-            </a:r>
-            <a:r>
-              <a:rPr lang="en-US" baseline="0" dirty="0" err="1"/>
-              <a:t>MySql.Data</a:t>
-            </a:r>
-            <a:r>
-              <a:rPr lang="en-US" baseline="0" dirty="0"/>
-              <a:t>.</a:t>
-            </a:r>
-            <a:endParaRPr lang="en-US" dirty="0"/>
+              <a:t>This automatic binding makes it easier to convert between JSON and C#.</a:t>
+            </a:r>
           </a:p>
         </p:txBody>
       </p:sp>
@@ -863,7 +720,7 @@
           <a:bodyPr/>
           <a:lstStyle/>
           <a:p>
-            <a:fld id="{8BFE51C4-C5AF-4BE3-9C14-3D5DA10766E2}" type="slidenum">
+            <a:fld id="{90562276-63C7-43F9-8E9E-CFA137F6F839}" type="slidenum">
               <a:rPr lang="en-US" smtClean="0"/>
               <a:t>11</a:t>
             </a:fld>
@@ -874,7 +731,7 @@
     </p:spTree>
     <p:extLst>
       <p:ext uri="{BB962C8B-B14F-4D97-AF65-F5344CB8AC3E}">
-        <p14:creationId xmlns:p14="http://schemas.microsoft.com/office/powerpoint/2010/main" val="3098559630"/>
+        <p14:creationId xmlns:p14="http://schemas.microsoft.com/office/powerpoint/2010/main" val="246444894"/>
       </p:ext>
     </p:extLst>
   </p:cSld>
@@ -933,59 +790,18 @@
               <a:buChar char="•"/>
             </a:pPr>
             <a:r>
-              <a:rPr lang="en-US" dirty="0"/>
-              <a:t>Let’s take a tour of Postman</a:t>
-            </a:r>
-            <a:endParaRPr lang="en-US" baseline="0" dirty="0"/>
-          </a:p>
-          <a:p>
-            <a:pPr marL="628650" lvl="1" indent="-171450">
+              <a:rPr lang="en-US" baseline="0" dirty="0"/>
+              <a:t>JSON that exists within the request body can also be converted or bound or serialized into a C# class.</a:t>
+            </a:r>
+          </a:p>
+          <a:p>
+            <a:pPr marL="171450" indent="-171450">
               <a:buFont typeface="Arial" panose="020B0604020202020204" pitchFamily="34" charset="0"/>
               <a:buChar char="•"/>
             </a:pPr>
             <a:r>
               <a:rPr lang="en-US" baseline="0" dirty="0"/>
-              <a:t>Open Postman</a:t>
-            </a:r>
-          </a:p>
-          <a:p>
-            <a:pPr marL="628650" lvl="1" indent="-171450">
-              <a:buFont typeface="Arial" panose="020B0604020202020204" pitchFamily="34" charset="0"/>
-              <a:buChar char="•"/>
-            </a:pPr>
-            <a:r>
-              <a:rPr lang="en-US" baseline="0" dirty="0"/>
-              <a:t>Using the correct URL, make a get request to the API to get data back.</a:t>
-            </a:r>
-          </a:p>
-          <a:p>
-            <a:pPr marL="628650" lvl="1" indent="-171450">
-              <a:buFont typeface="Arial" panose="020B0604020202020204" pitchFamily="34" charset="0"/>
-              <a:buChar char="•"/>
-            </a:pPr>
-            <a:r>
-              <a:rPr lang="en-US" baseline="0" dirty="0"/>
-              <a:t>Using the correct URL and request body, make a post request to post data.</a:t>
-            </a:r>
-          </a:p>
-          <a:p>
-            <a:pPr marL="628650" lvl="1" indent="-171450">
-              <a:buFont typeface="Arial" panose="020B0604020202020204" pitchFamily="34" charset="0"/>
-              <a:buChar char="•"/>
-            </a:pPr>
-            <a:r>
-              <a:rPr lang="en-US" baseline="0" dirty="0"/>
-              <a:t>Using the correct URL and request body, make a put request to update data.</a:t>
-            </a:r>
-          </a:p>
-          <a:p>
-            <a:pPr marL="628650" lvl="1" indent="-171450">
-              <a:buFont typeface="Arial" panose="020B0604020202020204" pitchFamily="34" charset="0"/>
-              <a:buChar char="•"/>
-            </a:pPr>
-            <a:r>
-              <a:rPr lang="en-US" baseline="0" dirty="0"/>
-              <a:t>Using the correct URL, make a delete request to the API to delete data.</a:t>
+              <a:t>This automatic binding makes it easier to convert between JSON and C#.</a:t>
             </a:r>
           </a:p>
         </p:txBody>
@@ -1005,7 +821,7 @@
           <a:bodyPr/>
           <a:lstStyle/>
           <a:p>
-            <a:fld id="{EFF2A19C-273D-4352-BCC0-8BB0C7A8A8F7}" type="slidenum">
+            <a:fld id="{90562276-63C7-43F9-8E9E-CFA137F6F839}" type="slidenum">
               <a:rPr lang="en-US" smtClean="0"/>
               <a:t>12</a:t>
             </a:fld>
@@ -1016,7 +832,7 @@
     </p:spTree>
     <p:extLst>
       <p:ext uri="{BB962C8B-B14F-4D97-AF65-F5344CB8AC3E}">
-        <p14:creationId xmlns:p14="http://schemas.microsoft.com/office/powerpoint/2010/main" val="576982499"/>
+        <p14:creationId xmlns:p14="http://schemas.microsoft.com/office/powerpoint/2010/main" val="4039843221"/>
       </p:ext>
     </p:extLst>
   </p:cSld>
@@ -1070,6 +886,168 @@
           <a:bodyPr/>
           <a:lstStyle/>
           <a:p>
+            <a:pPr marL="171450" indent="-171450">
+              <a:buFont typeface="Arial" panose="020B0604020202020204" pitchFamily="34" charset="0"/>
+              <a:buChar char="•"/>
+            </a:pPr>
+            <a:r>
+              <a:rPr lang="en-US" dirty="0"/>
+              <a:t>In order to make projects for our main components we will need to use CLI commands.</a:t>
+            </a:r>
+          </a:p>
+          <a:p>
+            <a:pPr marL="171450" indent="-171450">
+              <a:buFont typeface="Arial" panose="020B0604020202020204" pitchFamily="34" charset="0"/>
+              <a:buChar char="•"/>
+            </a:pPr>
+            <a:r>
+              <a:rPr lang="en-US" dirty="0" err="1"/>
+              <a:t>mkdir</a:t>
+            </a:r>
+            <a:r>
+              <a:rPr lang="en-US" baseline="0" dirty="0"/>
+              <a:t> creates a new directory on your computer.</a:t>
+            </a:r>
+          </a:p>
+          <a:p>
+            <a:pPr marL="171450" indent="-171450">
+              <a:buFont typeface="Arial" panose="020B0604020202020204" pitchFamily="34" charset="0"/>
+              <a:buChar char="•"/>
+            </a:pPr>
+            <a:r>
+              <a:rPr lang="en-US" baseline="0" dirty="0"/>
+              <a:t>cd changes the directory that you are currently in.</a:t>
+            </a:r>
+          </a:p>
+          <a:p>
+            <a:pPr marL="171450" indent="-171450">
+              <a:buFont typeface="Arial" panose="020B0604020202020204" pitchFamily="34" charset="0"/>
+              <a:buChar char="•"/>
+            </a:pPr>
+            <a:r>
+              <a:rPr lang="en-US" baseline="0" dirty="0" err="1"/>
+              <a:t>dotnet</a:t>
+            </a:r>
+            <a:r>
+              <a:rPr lang="en-US" baseline="0" dirty="0"/>
+              <a:t> new </a:t>
+            </a:r>
+            <a:r>
+              <a:rPr lang="en-US" baseline="0" dirty="0" err="1"/>
+              <a:t>classlib</a:t>
+            </a:r>
+            <a:r>
+              <a:rPr lang="en-US" baseline="0" dirty="0"/>
+              <a:t> – creates a new class library project.  This is what we use to create a new </a:t>
+            </a:r>
+            <a:r>
+              <a:rPr lang="en-US" baseline="0" dirty="0" err="1"/>
+              <a:t>.Net</a:t>
+            </a:r>
+            <a:r>
+              <a:rPr lang="en-US" baseline="0" dirty="0"/>
+              <a:t> project that is code only.</a:t>
+            </a:r>
+          </a:p>
+          <a:p>
+            <a:pPr marL="171450" indent="-171450">
+              <a:buFont typeface="Arial" panose="020B0604020202020204" pitchFamily="34" charset="0"/>
+              <a:buChar char="•"/>
+            </a:pPr>
+            <a:r>
+              <a:rPr lang="en-US" baseline="0" dirty="0" err="1"/>
+              <a:t>dotnet</a:t>
+            </a:r>
+            <a:r>
+              <a:rPr lang="en-US" baseline="0" dirty="0"/>
+              <a:t> new </a:t>
+            </a:r>
+            <a:r>
+              <a:rPr lang="en-US" baseline="0" dirty="0" err="1"/>
+              <a:t>webapi</a:t>
+            </a:r>
+            <a:r>
+              <a:rPr lang="en-US" baseline="0" dirty="0"/>
+              <a:t> – creates a new web </a:t>
+            </a:r>
+            <a:r>
+              <a:rPr lang="en-US" baseline="0" dirty="0" err="1"/>
+              <a:t>api</a:t>
+            </a:r>
+            <a:r>
+              <a:rPr lang="en-US" baseline="0" dirty="0"/>
+              <a:t> project.  This is what we use to create a new </a:t>
+            </a:r>
+            <a:r>
+              <a:rPr lang="en-US" baseline="0" dirty="0" err="1"/>
+              <a:t>.Net</a:t>
+            </a:r>
+            <a:r>
+              <a:rPr lang="en-US" baseline="0" dirty="0"/>
+              <a:t> project that will contain our web </a:t>
+            </a:r>
+            <a:r>
+              <a:rPr lang="en-US" baseline="0" dirty="0" err="1"/>
+              <a:t>api</a:t>
+            </a:r>
+            <a:r>
+              <a:rPr lang="en-US" baseline="0" dirty="0"/>
+              <a:t>.</a:t>
+            </a:r>
+          </a:p>
+          <a:p>
+            <a:pPr marL="171450" indent="-171450">
+              <a:buFont typeface="Arial" panose="020B0604020202020204" pitchFamily="34" charset="0"/>
+              <a:buChar char="•"/>
+            </a:pPr>
+            <a:r>
+              <a:rPr lang="en-US" baseline="0" dirty="0" err="1"/>
+              <a:t>dotnet</a:t>
+            </a:r>
+            <a:r>
+              <a:rPr lang="en-US" baseline="0" dirty="0"/>
+              <a:t> add reference – allows us to reference code from another project.  One project does not know about the other until a reference is added.</a:t>
+            </a:r>
+          </a:p>
+          <a:p>
+            <a:pPr marL="171450" indent="-171450">
+              <a:buFont typeface="Arial" panose="020B0604020202020204" pitchFamily="34" charset="0"/>
+              <a:buChar char="•"/>
+            </a:pPr>
+            <a:r>
+              <a:rPr lang="en-US" baseline="0" dirty="0" err="1"/>
+              <a:t>dotnet</a:t>
+            </a:r>
+            <a:r>
+              <a:rPr lang="en-US" baseline="0" dirty="0"/>
+              <a:t> add package – allows us to add a package to our code.  A package is created by someone and can be downloaded over the internet for use in your project.</a:t>
+            </a:r>
+          </a:p>
+          <a:p>
+            <a:pPr marL="171450" indent="-171450">
+              <a:buFont typeface="Arial" panose="020B0604020202020204" pitchFamily="34" charset="0"/>
+              <a:buChar char="•"/>
+            </a:pPr>
+            <a:r>
+              <a:rPr lang="en-US" baseline="0" dirty="0"/>
+              <a:t>We will be using two packages from the </a:t>
+            </a:r>
+            <a:r>
+              <a:rPr lang="en-US" baseline="0" dirty="0" err="1"/>
+              <a:t>Nuget</a:t>
+            </a:r>
+            <a:r>
+              <a:rPr lang="en-US" baseline="0" dirty="0"/>
+              <a:t> package manager which are Dapper and </a:t>
+            </a:r>
+            <a:r>
+              <a:rPr lang="en-US" baseline="0" dirty="0" err="1"/>
+              <a:t>MySql.Data</a:t>
+            </a:r>
+            <a:r>
+              <a:rPr lang="en-US" baseline="0" dirty="0"/>
+              <a:t>.</a:t>
+            </a:r>
             <a:endParaRPr lang="en-US" dirty="0"/>
           </a:p>
         </p:txBody>
@@ -1089,7 +1067,7 @@
           <a:bodyPr/>
           <a:lstStyle/>
           <a:p>
-            <a:fld id="{EED6686D-D35D-4EA2-9559-30F79C98CD9A}" type="slidenum">
+            <a:fld id="{8BFE51C4-C5AF-4BE3-9C14-3D5DA10766E2}" type="slidenum">
               <a:rPr lang="en-US" smtClean="0"/>
               <a:t>13</a:t>
             </a:fld>
@@ -1100,7 +1078,7 @@
     </p:spTree>
     <p:extLst>
       <p:ext uri="{BB962C8B-B14F-4D97-AF65-F5344CB8AC3E}">
-        <p14:creationId xmlns:p14="http://schemas.microsoft.com/office/powerpoint/2010/main" val="4279590434"/>
+        <p14:creationId xmlns:p14="http://schemas.microsoft.com/office/powerpoint/2010/main" val="3098559630"/>
       </p:ext>
     </p:extLst>
   </p:cSld>
@@ -1154,101 +1132,65 @@
           <a:bodyPr/>
           <a:lstStyle/>
           <a:p>
-            <a:pPr marL="171450" lvl="0" indent="-171450">
+            <a:pPr marL="171450" indent="-171450">
               <a:buFont typeface="Arial" panose="020B0604020202020204" pitchFamily="34" charset="0"/>
               <a:buChar char="•"/>
             </a:pPr>
             <a:r>
-              <a:rPr lang="en-US" sz="1200" kern="1200" dirty="0">
-                <a:solidFill>
-                  <a:schemeClr val="tx1"/>
-                </a:solidFill>
-                <a:effectLst/>
-                <a:latin typeface="+mn-lt"/>
-                <a:ea typeface="+mn-ea"/>
-                <a:cs typeface="+mn-cs"/>
-              </a:rPr>
-              <a:t>Name four http request types.</a:t>
-            </a:r>
-          </a:p>
-          <a:p>
-            <a:pPr marL="171450" lvl="0" indent="-171450">
+              <a:rPr lang="en-US" dirty="0"/>
+              <a:t>Let’s take a tour of Postman</a:t>
+            </a:r>
+            <a:endParaRPr lang="en-US" baseline="0" dirty="0"/>
+          </a:p>
+          <a:p>
+            <a:pPr marL="628650" lvl="1" indent="-171450">
               <a:buFont typeface="Arial" panose="020B0604020202020204" pitchFamily="34" charset="0"/>
               <a:buChar char="•"/>
             </a:pPr>
             <a:r>
-              <a:rPr lang="en-US" sz="1200" kern="1200" dirty="0">
-                <a:solidFill>
-                  <a:schemeClr val="tx1"/>
-                </a:solidFill>
-                <a:effectLst/>
-                <a:latin typeface="+mn-lt"/>
-                <a:ea typeface="+mn-ea"/>
-                <a:cs typeface="+mn-cs"/>
-              </a:rPr>
-              <a:t>Write on the board JSON for a pet object specifying name and pet type.</a:t>
-            </a:r>
-          </a:p>
-          <a:p>
-            <a:pPr marL="171450" lvl="0" indent="-171450">
+              <a:rPr lang="en-US" baseline="0" dirty="0"/>
+              <a:t>Open Postman</a:t>
+            </a:r>
+          </a:p>
+          <a:p>
+            <a:pPr marL="628650" lvl="1" indent="-171450">
               <a:buFont typeface="Arial" panose="020B0604020202020204" pitchFamily="34" charset="0"/>
               <a:buChar char="•"/>
             </a:pPr>
             <a:r>
-              <a:rPr lang="en-US" sz="1200" kern="1200" dirty="0">
-                <a:solidFill>
-                  <a:schemeClr val="tx1"/>
-                </a:solidFill>
-                <a:effectLst/>
-                <a:latin typeface="+mn-lt"/>
-                <a:ea typeface="+mn-ea"/>
-                <a:cs typeface="+mn-cs"/>
-              </a:rPr>
-              <a:t>Write on the board a controller action definition for a post to insert a pet using the JSON definition.</a:t>
-            </a:r>
-          </a:p>
-          <a:p>
-            <a:pPr marL="171450" lvl="0" indent="-171450">
+              <a:rPr lang="en-US" baseline="0" dirty="0"/>
+              <a:t>Using the correct URL, make a get request to the API to get data back.</a:t>
+            </a:r>
+          </a:p>
+          <a:p>
+            <a:pPr marL="628650" lvl="1" indent="-171450">
               <a:buFont typeface="Arial" panose="020B0604020202020204" pitchFamily="34" charset="0"/>
               <a:buChar char="•"/>
             </a:pPr>
             <a:r>
-              <a:rPr lang="en-US" sz="1200" kern="1200" dirty="0">
-                <a:solidFill>
-                  <a:schemeClr val="tx1"/>
-                </a:solidFill>
-                <a:effectLst/>
-                <a:latin typeface="+mn-lt"/>
-                <a:ea typeface="+mn-ea"/>
-                <a:cs typeface="+mn-cs"/>
-              </a:rPr>
-              <a:t>Write on the board a controller action definition for a post to update a pet using the JSON definition.</a:t>
-            </a:r>
-          </a:p>
-          <a:p>
-            <a:pPr marL="171450" lvl="0" indent="-171450">
+              <a:rPr lang="en-US" baseline="0" dirty="0"/>
+              <a:t>Using the correct URL and request body, make a post request to post data.</a:t>
+            </a:r>
+          </a:p>
+          <a:p>
+            <a:pPr marL="628650" lvl="1" indent="-171450">
               <a:buFont typeface="Arial" panose="020B0604020202020204" pitchFamily="34" charset="0"/>
               <a:buChar char="•"/>
             </a:pPr>
             <a:r>
-              <a:rPr lang="en-US" sz="1200" kern="1200" dirty="0">
-                <a:solidFill>
-                  <a:schemeClr val="tx1"/>
-                </a:solidFill>
-                <a:effectLst/>
-                <a:latin typeface="+mn-lt"/>
-                <a:ea typeface="+mn-ea"/>
-                <a:cs typeface="+mn-cs"/>
-              </a:rPr>
-              <a:t>Write on the board a controller action definition for a get to one pet in the system based upon id.</a:t>
-            </a:r>
-          </a:p>
-          <a:p>
-            <a:pPr marL="457200" lvl="1" indent="0">
+              <a:rPr lang="en-US" baseline="0" dirty="0"/>
+              <a:t>Using the correct URL and request body, make a put request to update data.</a:t>
+            </a:r>
+          </a:p>
+          <a:p>
+            <a:pPr marL="628650" lvl="1" indent="-171450">
               <a:buFont typeface="Arial" panose="020B0604020202020204" pitchFamily="34" charset="0"/>
-              <a:buNone/>
+              <a:buChar char="•"/>
             </a:pPr>
-            <a:endParaRPr lang="en-US" dirty="0"/>
+            <a:r>
+              <a:rPr lang="en-US" baseline="0" dirty="0"/>
+              <a:t>Using the correct URL, make a delete request to the API to delete data.</a:t>
+            </a:r>
           </a:p>
         </p:txBody>
       </p:sp>
@@ -1267,7 +1209,7 @@
           <a:bodyPr/>
           <a:lstStyle/>
           <a:p>
-            <a:fld id="{226FA58D-4B12-4E7B-A2FA-693CE3EACDFD}" type="slidenum">
+            <a:fld id="{EFF2A19C-273D-4352-BCC0-8BB0C7A8A8F7}" type="slidenum">
               <a:rPr lang="en-US" smtClean="0"/>
               <a:t>14</a:t>
             </a:fld>
@@ -1278,7 +1220,7 @@
     </p:spTree>
     <p:extLst>
       <p:ext uri="{BB962C8B-B14F-4D97-AF65-F5344CB8AC3E}">
-        <p14:creationId xmlns:p14="http://schemas.microsoft.com/office/powerpoint/2010/main" val="1612118659"/>
+        <p14:creationId xmlns:p14="http://schemas.microsoft.com/office/powerpoint/2010/main" val="576982499"/>
       </p:ext>
     </p:extLst>
   </p:cSld>
@@ -1332,10 +1274,6 @@
           <a:bodyPr/>
           <a:lstStyle/>
           <a:p>
-            <a:pPr marL="171450" indent="-171450">
-              <a:buFont typeface="Arial" panose="020B0604020202020204" pitchFamily="34" charset="0"/>
-              <a:buChar char="•"/>
-            </a:pPr>
             <a:endParaRPr lang="en-US" dirty="0"/>
           </a:p>
         </p:txBody>
@@ -1355,7 +1293,7 @@
           <a:bodyPr/>
           <a:lstStyle/>
           <a:p>
-            <a:fld id="{226FA58D-4B12-4E7B-A2FA-693CE3EACDFD}" type="slidenum">
+            <a:fld id="{EED6686D-D35D-4EA2-9559-30F79C98CD9A}" type="slidenum">
               <a:rPr lang="en-US" smtClean="0"/>
               <a:t>15</a:t>
             </a:fld>
@@ -1366,7 +1304,7 @@
     </p:spTree>
     <p:extLst>
       <p:ext uri="{BB962C8B-B14F-4D97-AF65-F5344CB8AC3E}">
-        <p14:creationId xmlns:p14="http://schemas.microsoft.com/office/powerpoint/2010/main" val="1466602652"/>
+        <p14:creationId xmlns:p14="http://schemas.microsoft.com/office/powerpoint/2010/main" val="4279590434"/>
       </p:ext>
     </p:extLst>
   </p:cSld>
@@ -1544,7 +1482,7 @@
     </p:spTree>
     <p:extLst>
       <p:ext uri="{BB962C8B-B14F-4D97-AF65-F5344CB8AC3E}">
-        <p14:creationId xmlns:p14="http://schemas.microsoft.com/office/powerpoint/2010/main" val="575289510"/>
+        <p14:creationId xmlns:p14="http://schemas.microsoft.com/office/powerpoint/2010/main" val="1612118659"/>
       </p:ext>
     </p:extLst>
   </p:cSld>
@@ -1632,7 +1570,7 @@
     </p:spTree>
     <p:extLst>
       <p:ext uri="{BB962C8B-B14F-4D97-AF65-F5344CB8AC3E}">
-        <p14:creationId xmlns:p14="http://schemas.microsoft.com/office/powerpoint/2010/main" val="1520951805"/>
+        <p14:creationId xmlns:p14="http://schemas.microsoft.com/office/powerpoint/2010/main" val="1466602652"/>
       </p:ext>
     </p:extLst>
   </p:cSld>
@@ -1686,6 +1624,184 @@
           <a:bodyPr/>
           <a:lstStyle/>
           <a:p>
+            <a:pPr marL="171450" lvl="0" indent="-171450">
+              <a:buFont typeface="Arial" panose="020B0604020202020204" pitchFamily="34" charset="0"/>
+              <a:buChar char="•"/>
+            </a:pPr>
+            <a:r>
+              <a:rPr lang="en-US" sz="1200" kern="1200" dirty="0">
+                <a:solidFill>
+                  <a:schemeClr val="tx1"/>
+                </a:solidFill>
+                <a:effectLst/>
+                <a:latin typeface="+mn-lt"/>
+                <a:ea typeface="+mn-ea"/>
+                <a:cs typeface="+mn-cs"/>
+              </a:rPr>
+              <a:t>Name four http request types.</a:t>
+            </a:r>
+          </a:p>
+          <a:p>
+            <a:pPr marL="171450" lvl="0" indent="-171450">
+              <a:buFont typeface="Arial" panose="020B0604020202020204" pitchFamily="34" charset="0"/>
+              <a:buChar char="•"/>
+            </a:pPr>
+            <a:r>
+              <a:rPr lang="en-US" sz="1200" kern="1200" dirty="0">
+                <a:solidFill>
+                  <a:schemeClr val="tx1"/>
+                </a:solidFill>
+                <a:effectLst/>
+                <a:latin typeface="+mn-lt"/>
+                <a:ea typeface="+mn-ea"/>
+                <a:cs typeface="+mn-cs"/>
+              </a:rPr>
+              <a:t>Write on the board JSON for a pet object specifying name and pet type.</a:t>
+            </a:r>
+          </a:p>
+          <a:p>
+            <a:pPr marL="171450" lvl="0" indent="-171450">
+              <a:buFont typeface="Arial" panose="020B0604020202020204" pitchFamily="34" charset="0"/>
+              <a:buChar char="•"/>
+            </a:pPr>
+            <a:r>
+              <a:rPr lang="en-US" sz="1200" kern="1200" dirty="0">
+                <a:solidFill>
+                  <a:schemeClr val="tx1"/>
+                </a:solidFill>
+                <a:effectLst/>
+                <a:latin typeface="+mn-lt"/>
+                <a:ea typeface="+mn-ea"/>
+                <a:cs typeface="+mn-cs"/>
+              </a:rPr>
+              <a:t>Write on the board a controller action definition for a post to insert a pet using the JSON definition.</a:t>
+            </a:r>
+          </a:p>
+          <a:p>
+            <a:pPr marL="171450" lvl="0" indent="-171450">
+              <a:buFont typeface="Arial" panose="020B0604020202020204" pitchFamily="34" charset="0"/>
+              <a:buChar char="•"/>
+            </a:pPr>
+            <a:r>
+              <a:rPr lang="en-US" sz="1200" kern="1200" dirty="0">
+                <a:solidFill>
+                  <a:schemeClr val="tx1"/>
+                </a:solidFill>
+                <a:effectLst/>
+                <a:latin typeface="+mn-lt"/>
+                <a:ea typeface="+mn-ea"/>
+                <a:cs typeface="+mn-cs"/>
+              </a:rPr>
+              <a:t>Write on the board a controller action definition for a post to update a pet using the JSON definition.</a:t>
+            </a:r>
+          </a:p>
+          <a:p>
+            <a:pPr marL="171450" lvl="0" indent="-171450">
+              <a:buFont typeface="Arial" panose="020B0604020202020204" pitchFamily="34" charset="0"/>
+              <a:buChar char="•"/>
+            </a:pPr>
+            <a:r>
+              <a:rPr lang="en-US" sz="1200" kern="1200" dirty="0">
+                <a:solidFill>
+                  <a:schemeClr val="tx1"/>
+                </a:solidFill>
+                <a:effectLst/>
+                <a:latin typeface="+mn-lt"/>
+                <a:ea typeface="+mn-ea"/>
+                <a:cs typeface="+mn-cs"/>
+              </a:rPr>
+              <a:t>Write on the board a controller action definition for a get to one pet in the system based upon id.</a:t>
+            </a:r>
+          </a:p>
+          <a:p>
+            <a:pPr marL="457200" lvl="1" indent="0">
+              <a:buFont typeface="Arial" panose="020B0604020202020204" pitchFamily="34" charset="0"/>
+              <a:buNone/>
+            </a:pPr>
+            <a:endParaRPr lang="en-US" dirty="0"/>
+          </a:p>
+        </p:txBody>
+      </p:sp>
+      <p:sp>
+        <p:nvSpPr>
+          <p:cNvPr id="4" name="Slide Number Placeholder 3"/>
+          <p:cNvSpPr>
+            <a:spLocks noGrp="1"/>
+          </p:cNvSpPr>
+          <p:nvPr>
+            <p:ph type="sldNum" sz="quarter" idx="10"/>
+          </p:nvPr>
+        </p:nvSpPr>
+        <p:spPr/>
+        <p:txBody>
+          <a:bodyPr/>
+          <a:lstStyle/>
+          <a:p>
+            <a:fld id="{226FA58D-4B12-4E7B-A2FA-693CE3EACDFD}" type="slidenum">
+              <a:rPr lang="en-US" smtClean="0"/>
+              <a:t>18</a:t>
+            </a:fld>
+            <a:endParaRPr lang="en-US"/>
+          </a:p>
+        </p:txBody>
+      </p:sp>
+    </p:spTree>
+    <p:extLst>
+      <p:ext uri="{BB962C8B-B14F-4D97-AF65-F5344CB8AC3E}">
+        <p14:creationId xmlns:p14="http://schemas.microsoft.com/office/powerpoint/2010/main" val="575289510"/>
+      </p:ext>
+    </p:extLst>
+  </p:cSld>
+  <p:clrMapOvr>
+    <a:masterClrMapping/>
+  </p:clrMapOvr>
+</p:notes>
+</file>
+
+<file path=ppt/notesSlides/notesSlide18.xml><?xml version="1.0" encoding="utf-8"?>
+<p:notes xmlns:a="http://schemas.openxmlformats.org/drawingml/2006/main" xmlns:r="http://schemas.openxmlformats.org/officeDocument/2006/relationships" xmlns:p="http://schemas.openxmlformats.org/presentationml/2006/main">
+  <p:cSld>
+    <p:spTree>
+      <p:nvGrpSpPr>
+        <p:cNvPr id="1" name=""/>
+        <p:cNvGrpSpPr/>
+        <p:nvPr/>
+      </p:nvGrpSpPr>
+      <p:grpSpPr>
+        <a:xfrm>
+          <a:off x="0" y="0"/>
+          <a:ext cx="0" cy="0"/>
+          <a:chOff x="0" y="0"/>
+          <a:chExt cx="0" cy="0"/>
+        </a:xfrm>
+      </p:grpSpPr>
+      <p:sp>
+        <p:nvSpPr>
+          <p:cNvPr id="2" name="Slide Image Placeholder 1"/>
+          <p:cNvSpPr>
+            <a:spLocks noGrp="1" noRot="1" noChangeAspect="1"/>
+          </p:cNvSpPr>
+          <p:nvPr>
+            <p:ph type="sldImg"/>
+          </p:nvPr>
+        </p:nvSpPr>
+        <p:spPr/>
+      </p:sp>
+      <p:sp>
+        <p:nvSpPr>
+          <p:cNvPr id="3" name="Notes Placeholder 2"/>
+          <p:cNvSpPr>
+            <a:spLocks noGrp="1"/>
+          </p:cNvSpPr>
+          <p:nvPr>
+            <p:ph type="body" idx="1"/>
+          </p:nvPr>
+        </p:nvSpPr>
+        <p:spPr/>
+        <p:txBody>
+          <a:bodyPr/>
+          <a:lstStyle/>
+          <a:p>
             <a:pPr marL="171450" indent="-171450">
               <a:buFont typeface="Arial" panose="020B0604020202020204" pitchFamily="34" charset="0"/>
               <a:buChar char="•"/>
@@ -1711,7 +1827,95 @@
           <a:p>
             <a:fld id="{226FA58D-4B12-4E7B-A2FA-693CE3EACDFD}" type="slidenum">
               <a:rPr lang="en-US" smtClean="0"/>
-              <a:t>18</a:t>
+              <a:t>19</a:t>
+            </a:fld>
+            <a:endParaRPr lang="en-US"/>
+          </a:p>
+        </p:txBody>
+      </p:sp>
+    </p:spTree>
+    <p:extLst>
+      <p:ext uri="{BB962C8B-B14F-4D97-AF65-F5344CB8AC3E}">
+        <p14:creationId xmlns:p14="http://schemas.microsoft.com/office/powerpoint/2010/main" val="1520951805"/>
+      </p:ext>
+    </p:extLst>
+  </p:cSld>
+  <p:clrMapOvr>
+    <a:masterClrMapping/>
+  </p:clrMapOvr>
+</p:notes>
+</file>
+
+<file path=ppt/notesSlides/notesSlide19.xml><?xml version="1.0" encoding="utf-8"?>
+<p:notes xmlns:a="http://schemas.openxmlformats.org/drawingml/2006/main" xmlns:r="http://schemas.openxmlformats.org/officeDocument/2006/relationships" xmlns:p="http://schemas.openxmlformats.org/presentationml/2006/main">
+  <p:cSld>
+    <p:spTree>
+      <p:nvGrpSpPr>
+        <p:cNvPr id="1" name=""/>
+        <p:cNvGrpSpPr/>
+        <p:nvPr/>
+      </p:nvGrpSpPr>
+      <p:grpSpPr>
+        <a:xfrm>
+          <a:off x="0" y="0"/>
+          <a:ext cx="0" cy="0"/>
+          <a:chOff x="0" y="0"/>
+          <a:chExt cx="0" cy="0"/>
+        </a:xfrm>
+      </p:grpSpPr>
+      <p:sp>
+        <p:nvSpPr>
+          <p:cNvPr id="2" name="Slide Image Placeholder 1"/>
+          <p:cNvSpPr>
+            <a:spLocks noGrp="1" noRot="1" noChangeAspect="1"/>
+          </p:cNvSpPr>
+          <p:nvPr>
+            <p:ph type="sldImg"/>
+          </p:nvPr>
+        </p:nvSpPr>
+        <p:spPr/>
+      </p:sp>
+      <p:sp>
+        <p:nvSpPr>
+          <p:cNvPr id="3" name="Notes Placeholder 2"/>
+          <p:cNvSpPr>
+            <a:spLocks noGrp="1"/>
+          </p:cNvSpPr>
+          <p:nvPr>
+            <p:ph type="body" idx="1"/>
+          </p:nvPr>
+        </p:nvSpPr>
+        <p:spPr/>
+        <p:txBody>
+          <a:bodyPr/>
+          <a:lstStyle/>
+          <a:p>
+            <a:pPr marL="171450" indent="-171450">
+              <a:buFont typeface="Arial" panose="020B0604020202020204" pitchFamily="34" charset="0"/>
+              <a:buChar char="•"/>
+            </a:pPr>
+            <a:endParaRPr lang="en-US" dirty="0"/>
+          </a:p>
+        </p:txBody>
+      </p:sp>
+      <p:sp>
+        <p:nvSpPr>
+          <p:cNvPr id="4" name="Slide Number Placeholder 3"/>
+          <p:cNvSpPr>
+            <a:spLocks noGrp="1"/>
+          </p:cNvSpPr>
+          <p:nvPr>
+            <p:ph type="sldNum" sz="quarter" idx="10"/>
+          </p:nvPr>
+        </p:nvSpPr>
+        <p:spPr/>
+        <p:txBody>
+          <a:bodyPr/>
+          <a:lstStyle/>
+          <a:p>
+            <a:fld id="{226FA58D-4B12-4E7B-A2FA-693CE3EACDFD}" type="slidenum">
+              <a:rPr lang="en-US" smtClean="0"/>
+              <a:t>20</a:t>
             </a:fld>
             <a:endParaRPr lang="en-US"/>
           </a:p>
@@ -1900,8 +2104,8 @@
               <a:buChar char="•"/>
             </a:pPr>
             <a:r>
-              <a:rPr lang="en-US" sz="1200" dirty="0"/>
-              <a:t>The request initially goes to the controller.</a:t>
+              <a:rPr lang="en-US" baseline="0" dirty="0"/>
+              <a:t>ASP.NET Web API handles routing a request to the server to a given controller class and action method.</a:t>
             </a:r>
           </a:p>
           <a:p>
@@ -1910,33 +2114,9 @@
               <a:buChar char="•"/>
             </a:pPr>
             <a:r>
-              <a:rPr lang="en-US" sz="1200" dirty="0"/>
-              <a:t>Based upon the route and the request type attribute a method is run.</a:t>
-            </a:r>
-          </a:p>
-          <a:p>
-            <a:pPr marL="171450" marR="0" lvl="0" indent="-171450" algn="l" defTabSz="914400" rtl="0" eaLnBrk="1" fontAlgn="auto" latinLnBrk="0" hangingPunct="1">
-              <a:lnSpc>
-                <a:spcPct val="100000"/>
-              </a:lnSpc>
-              <a:spcBef>
-                <a:spcPts val="0"/>
-              </a:spcBef>
-              <a:spcAft>
-                <a:spcPts val="0"/>
-              </a:spcAft>
-              <a:buClrTx/>
-              <a:buSzTx/>
-              <a:buFont typeface="Arial" panose="020B0604020202020204" pitchFamily="34" charset="0"/>
-              <a:buChar char="•"/>
-              <a:tabLst/>
-              <a:defRPr/>
-            </a:pPr>
-            <a:r>
-              <a:rPr lang="en-US" sz="1200" dirty="0"/>
-              <a:t>The JSON body of the request can be bound to a model.</a:t>
-            </a:r>
-            <a:endParaRPr lang="en-US" dirty="0"/>
+              <a:rPr lang="en-US" baseline="0" dirty="0"/>
+              <a:t>It also binds query parameters or the request body to method parameters.</a:t>
+            </a:r>
           </a:p>
           <a:p>
             <a:pPr marL="171450" indent="-171450">
@@ -1944,16 +2124,9 @@
               <a:buChar char="•"/>
             </a:pPr>
             <a:r>
-              <a:rPr lang="en-US" sz="1200" dirty="0"/>
-              <a:t>Whatever is returned from the method is returned as JSON in the response body.</a:t>
-            </a:r>
-          </a:p>
-          <a:p>
-            <a:pPr marL="171450" indent="-171450">
-              <a:buFont typeface="Arial" panose="020B0604020202020204" pitchFamily="34" charset="0"/>
-              <a:buChar char="•"/>
-            </a:pPr>
-            <a:endParaRPr lang="en-US" baseline="0" dirty="0"/>
+              <a:rPr lang="en-US" baseline="0" dirty="0"/>
+              <a:t>Finally it binds the return of the action method to JSON in the response.</a:t>
+            </a:r>
           </a:p>
         </p:txBody>
       </p:sp>
@@ -1983,7 +2156,7 @@
     </p:spTree>
     <p:extLst>
       <p:ext uri="{BB962C8B-B14F-4D97-AF65-F5344CB8AC3E}">
-        <p14:creationId xmlns:p14="http://schemas.microsoft.com/office/powerpoint/2010/main" val="2156885825"/>
+        <p14:creationId xmlns:p14="http://schemas.microsoft.com/office/powerpoint/2010/main" val="1943189413"/>
       </p:ext>
     </p:extLst>
   </p:cSld>
@@ -2043,73 +2216,7 @@
             </a:pPr>
             <a:r>
               <a:rPr lang="en-US" baseline="0" dirty="0"/>
-              <a:t>Attributes allow for declarations on classes, methods, and properties.</a:t>
-            </a:r>
-          </a:p>
-          <a:p>
-            <a:pPr marL="171450" indent="-171450">
-              <a:buFont typeface="Arial" panose="020B0604020202020204" pitchFamily="34" charset="0"/>
-              <a:buChar char="•"/>
-            </a:pPr>
-            <a:r>
-              <a:rPr lang="en-US" baseline="0" dirty="0"/>
-              <a:t>They give special behavior or properties to those classes, methods, or properties.</a:t>
-            </a:r>
-          </a:p>
-          <a:p>
-            <a:pPr marL="171450" indent="-171450">
-              <a:buFont typeface="Arial" panose="020B0604020202020204" pitchFamily="34" charset="0"/>
-              <a:buChar char="•"/>
-            </a:pPr>
-            <a:r>
-              <a:rPr lang="en-US" baseline="0" dirty="0"/>
-              <a:t>They are specified above a class, method, or property definition with the name of the attribute between square brackets [].</a:t>
-            </a:r>
-          </a:p>
-          <a:p>
-            <a:pPr marL="171450" indent="-171450">
-              <a:buFont typeface="Arial" panose="020B0604020202020204" pitchFamily="34" charset="0"/>
-              <a:buChar char="•"/>
-            </a:pPr>
-            <a:r>
-              <a:rPr lang="en-US" baseline="0" dirty="0"/>
-              <a:t>Parameters can be passed to attributes using parentheses ().</a:t>
-            </a:r>
-          </a:p>
-          <a:p>
-            <a:pPr marL="171450" indent="-171450">
-              <a:buFont typeface="Arial" panose="020B0604020202020204" pitchFamily="34" charset="0"/>
-              <a:buChar char="•"/>
-            </a:pPr>
-            <a:r>
-              <a:rPr lang="en-US" baseline="0" dirty="0"/>
-              <a:t>For </a:t>
-            </a:r>
-            <a:r>
-              <a:rPr lang="en-US" baseline="0" dirty="0" err="1"/>
-              <a:t>WebApi</a:t>
-            </a:r>
-            <a:r>
-              <a:rPr lang="en-US" baseline="0" dirty="0"/>
-              <a:t> we are using attributes to specify the http request type.</a:t>
-            </a:r>
-          </a:p>
-          <a:p>
-            <a:pPr marL="171450" indent="-171450">
-              <a:buFont typeface="Arial" panose="020B0604020202020204" pitchFamily="34" charset="0"/>
-              <a:buChar char="•"/>
-            </a:pPr>
-            <a:r>
-              <a:rPr lang="en-US" baseline="0" dirty="0"/>
-              <a:t>The example shows an </a:t>
-            </a:r>
-            <a:r>
-              <a:rPr lang="en-US" baseline="0" dirty="0" err="1"/>
-              <a:t>HttpPost</a:t>
-            </a:r>
-            <a:r>
-              <a:rPr lang="en-US" baseline="0" dirty="0"/>
-              <a:t> attribute used to designate a post request.</a:t>
+              <a:t>Here is an example request and response</a:t>
             </a:r>
           </a:p>
         </p:txBody>
@@ -2140,7 +2247,7 @@
     </p:spTree>
     <p:extLst>
       <p:ext uri="{BB962C8B-B14F-4D97-AF65-F5344CB8AC3E}">
-        <p14:creationId xmlns:p14="http://schemas.microsoft.com/office/powerpoint/2010/main" val="669376764"/>
+        <p14:creationId xmlns:p14="http://schemas.microsoft.com/office/powerpoint/2010/main" val="1965051489"/>
       </p:ext>
     </p:extLst>
   </p:cSld>
@@ -2199,8 +2306,8 @@
               <a:buChar char="•"/>
             </a:pPr>
             <a:r>
-              <a:rPr lang="en-US" baseline="0" dirty="0"/>
-              <a:t>As I mentioned, every request is routed to a controller.</a:t>
+              <a:rPr lang="en-US" sz="1200" dirty="0"/>
+              <a:t>The request initially goes to the controller.</a:t>
             </a:r>
           </a:p>
           <a:p>
@@ -2209,46 +2316,8 @@
               <a:buChar char="•"/>
             </a:pPr>
             <a:r>
-              <a:rPr lang="en-US" baseline="0" dirty="0"/>
-              <a:t>You can control how the routing works.</a:t>
-            </a:r>
-          </a:p>
-          <a:p>
-            <a:pPr marL="171450" indent="-171450">
-              <a:buFont typeface="Arial" panose="020B0604020202020204" pitchFamily="34" charset="0"/>
-              <a:buChar char="•"/>
-            </a:pPr>
-            <a:r>
-              <a:rPr lang="en-US" baseline="0" dirty="0"/>
-              <a:t>There is a default route which is controller/action/id.</a:t>
-            </a:r>
-          </a:p>
-          <a:p>
-            <a:pPr marL="171450" indent="-171450">
-              <a:buFont typeface="Arial" panose="020B0604020202020204" pitchFamily="34" charset="0"/>
-              <a:buChar char="•"/>
-            </a:pPr>
-            <a:r>
-              <a:rPr lang="en-US" baseline="0" dirty="0"/>
-              <a:t>This is in reference to how the </a:t>
-            </a:r>
-            <a:r>
-              <a:rPr lang="en-US" baseline="0" dirty="0" err="1"/>
-              <a:t>url</a:t>
-            </a:r>
-            <a:r>
-              <a:rPr lang="en-US" baseline="0" dirty="0"/>
-              <a:t> looks, the controller is specified and then the action and then the id.</a:t>
-            </a:r>
-          </a:p>
-          <a:p>
-            <a:pPr marL="171450" indent="-171450">
-              <a:buFont typeface="Arial" panose="020B0604020202020204" pitchFamily="34" charset="0"/>
-              <a:buChar char="•"/>
-            </a:pPr>
-            <a:r>
-              <a:rPr lang="en-US" baseline="0" dirty="0"/>
-              <a:t>You can create custom routes to change which requests go to which controller.</a:t>
+              <a:rPr lang="en-US" sz="1200" dirty="0"/>
+              <a:t>Based upon the route and the request type attribute a method is run.</a:t>
             </a:r>
           </a:p>
           <a:p>
@@ -2270,16 +2339,20 @@
               <a:defRPr/>
             </a:pPr>
             <a:r>
-              <a:rPr lang="en-US" dirty="0"/>
-              <a:t>Example:  </a:t>
-            </a:r>
-            <a:r>
-              <a:rPr lang="en-US" dirty="0">
-                <a:hlinkClick r:id="rId3"/>
-              </a:rPr>
-              <a:t>https://docs.microsoft.com/en-us/aspnet/mvc/overview/getting-started/introduction/adding-a-controller</a:t>
+              <a:rPr lang="en-US" sz="1200" dirty="0"/>
+              <a:t>The JSON body of the request can be bound to a model.</a:t>
             </a:r>
             <a:endParaRPr lang="en-US" dirty="0"/>
+          </a:p>
+          <a:p>
+            <a:pPr marL="171450" indent="-171450">
+              <a:buFont typeface="Arial" panose="020B0604020202020204" pitchFamily="34" charset="0"/>
+              <a:buChar char="•"/>
+            </a:pPr>
+            <a:r>
+              <a:rPr lang="en-US" sz="1200" dirty="0"/>
+              <a:t>Whatever is returned from the method is returned as JSON in the response body.</a:t>
+            </a:r>
           </a:p>
           <a:p>
             <a:pPr marL="171450" indent="-171450">
@@ -2316,7 +2389,7 @@
     </p:spTree>
     <p:extLst>
       <p:ext uri="{BB962C8B-B14F-4D97-AF65-F5344CB8AC3E}">
-        <p14:creationId xmlns:p14="http://schemas.microsoft.com/office/powerpoint/2010/main" val="2595822749"/>
+        <p14:creationId xmlns:p14="http://schemas.microsoft.com/office/powerpoint/2010/main" val="2156885825"/>
       </p:ext>
     </p:extLst>
   </p:cSld>
@@ -2376,7 +2449,73 @@
             </a:pPr>
             <a:r>
               <a:rPr lang="en-US" baseline="0" dirty="0"/>
-              <a:t>You can specify a route attribute for a class or an action method to detail further the route.</a:t>
+              <a:t>Attributes allow for declarations on classes, methods, and properties.</a:t>
+            </a:r>
+          </a:p>
+          <a:p>
+            <a:pPr marL="171450" indent="-171450">
+              <a:buFont typeface="Arial" panose="020B0604020202020204" pitchFamily="34" charset="0"/>
+              <a:buChar char="•"/>
+            </a:pPr>
+            <a:r>
+              <a:rPr lang="en-US" baseline="0" dirty="0"/>
+              <a:t>They give special behavior or properties to those classes, methods, or properties.</a:t>
+            </a:r>
+          </a:p>
+          <a:p>
+            <a:pPr marL="171450" indent="-171450">
+              <a:buFont typeface="Arial" panose="020B0604020202020204" pitchFamily="34" charset="0"/>
+              <a:buChar char="•"/>
+            </a:pPr>
+            <a:r>
+              <a:rPr lang="en-US" baseline="0" dirty="0"/>
+              <a:t>They are specified above a class, method, or property definition with the name of the attribute between square brackets [].</a:t>
+            </a:r>
+          </a:p>
+          <a:p>
+            <a:pPr marL="171450" indent="-171450">
+              <a:buFont typeface="Arial" panose="020B0604020202020204" pitchFamily="34" charset="0"/>
+              <a:buChar char="•"/>
+            </a:pPr>
+            <a:r>
+              <a:rPr lang="en-US" baseline="0" dirty="0"/>
+              <a:t>Parameters can be passed to attributes using parentheses ().</a:t>
+            </a:r>
+          </a:p>
+          <a:p>
+            <a:pPr marL="171450" indent="-171450">
+              <a:buFont typeface="Arial" panose="020B0604020202020204" pitchFamily="34" charset="0"/>
+              <a:buChar char="•"/>
+            </a:pPr>
+            <a:r>
+              <a:rPr lang="en-US" baseline="0" dirty="0"/>
+              <a:t>For </a:t>
+            </a:r>
+            <a:r>
+              <a:rPr lang="en-US" baseline="0" dirty="0" err="1"/>
+              <a:t>WebApi</a:t>
+            </a:r>
+            <a:r>
+              <a:rPr lang="en-US" baseline="0" dirty="0"/>
+              <a:t> we are using attributes to specify the http request type.</a:t>
+            </a:r>
+          </a:p>
+          <a:p>
+            <a:pPr marL="171450" indent="-171450">
+              <a:buFont typeface="Arial" panose="020B0604020202020204" pitchFamily="34" charset="0"/>
+              <a:buChar char="•"/>
+            </a:pPr>
+            <a:r>
+              <a:rPr lang="en-US" baseline="0" dirty="0"/>
+              <a:t>The example shows an </a:t>
+            </a:r>
+            <a:r>
+              <a:rPr lang="en-US" baseline="0" dirty="0" err="1"/>
+              <a:t>HttpPost</a:t>
+            </a:r>
+            <a:r>
+              <a:rPr lang="en-US" baseline="0" dirty="0"/>
+              <a:t> attribute used to designate a post request.</a:t>
             </a:r>
           </a:p>
         </p:txBody>
@@ -2407,7 +2546,7 @@
     </p:spTree>
     <p:extLst>
       <p:ext uri="{BB962C8B-B14F-4D97-AF65-F5344CB8AC3E}">
-        <p14:creationId xmlns:p14="http://schemas.microsoft.com/office/powerpoint/2010/main" val="813382335"/>
+        <p14:creationId xmlns:p14="http://schemas.microsoft.com/office/powerpoint/2010/main" val="669376764"/>
       </p:ext>
     </p:extLst>
   </p:cSld>
@@ -2467,7 +2606,7 @@
             </a:pPr>
             <a:r>
               <a:rPr lang="en-US" baseline="0" dirty="0"/>
-              <a:t>JSON stands for JavaScript Object Notation.</a:t>
+              <a:t>As I mentioned, every request is routed to a controller.</a:t>
             </a:r>
           </a:p>
           <a:p>
@@ -2477,7 +2616,7 @@
             </a:pPr>
             <a:r>
               <a:rPr lang="en-US" baseline="0" dirty="0"/>
-              <a:t>It is how an object can be created on the file and is represented in JavaScript.</a:t>
+              <a:t>You can control how the routing works.</a:t>
             </a:r>
           </a:p>
           <a:p>
@@ -2487,7 +2626,7 @@
             </a:pPr>
             <a:r>
               <a:rPr lang="en-US" baseline="0" dirty="0"/>
-              <a:t>Essentially an object is surrounded by curly braces {}</a:t>
+              <a:t>There is a default route which is controller/action/id.</a:t>
             </a:r>
           </a:p>
           <a:p>
@@ -2497,7 +2636,15 @@
             </a:pPr>
             <a:r>
               <a:rPr lang="en-US" baseline="0" dirty="0"/>
-              <a:t>Inside each property or variable is named followed by a colon : followed by the value.</a:t>
+              <a:t>This is in reference to how the </a:t>
+            </a:r>
+            <a:r>
+              <a:rPr lang="en-US" baseline="0" dirty="0" err="1"/>
+              <a:t>url</a:t>
+            </a:r>
+            <a:r>
+              <a:rPr lang="en-US" baseline="0" dirty="0"/>
+              <a:t> looks, the controller is specified and then the action and then the id.</a:t>
             </a:r>
           </a:p>
           <a:p>
@@ -2507,8 +2654,45 @@
             </a:pPr>
             <a:r>
               <a:rPr lang="en-US" baseline="0" dirty="0"/>
-              <a:t>There can be objects within objects or arrays within objects as well.</a:t>
-            </a:r>
+              <a:t>You can create custom routes to change which requests go to which controller.</a:t>
+            </a:r>
+          </a:p>
+          <a:p>
+            <a:pPr marL="171450" marR="0" lvl="0" indent="-171450" algn="l" defTabSz="914400" rtl="0" eaLnBrk="1" fontAlgn="auto" latinLnBrk="0" hangingPunct="1">
+              <a:lnSpc>
+                <a:spcPct val="100000"/>
+              </a:lnSpc>
+              <a:spcBef>
+                <a:spcPts val="0"/>
+              </a:spcBef>
+              <a:spcAft>
+                <a:spcPts val="0"/>
+              </a:spcAft>
+              <a:buClrTx/>
+              <a:buSzTx/>
+              <a:buFont typeface="Arial" panose="020B0604020202020204" pitchFamily="34" charset="0"/>
+              <a:buChar char="•"/>
+              <a:tabLst/>
+              <a:defRPr/>
+            </a:pPr>
+            <a:r>
+              <a:rPr lang="en-US" dirty="0"/>
+              <a:t>Example:  </a:t>
+            </a:r>
+            <a:r>
+              <a:rPr lang="en-US" dirty="0">
+                <a:hlinkClick r:id="rId3"/>
+              </a:rPr>
+              <a:t>https://docs.microsoft.com/en-us/aspnet/mvc/overview/getting-started/introduction/adding-a-controller</a:t>
+            </a:r>
+            <a:endParaRPr lang="en-US" dirty="0"/>
+          </a:p>
+          <a:p>
+            <a:pPr marL="171450" indent="-171450">
+              <a:buFont typeface="Arial" panose="020B0604020202020204" pitchFamily="34" charset="0"/>
+              <a:buChar char="•"/>
+            </a:pPr>
+            <a:endParaRPr lang="en-US" baseline="0" dirty="0"/>
           </a:p>
         </p:txBody>
       </p:sp>
@@ -2538,7 +2722,7 @@
     </p:spTree>
     <p:extLst>
       <p:ext uri="{BB962C8B-B14F-4D97-AF65-F5344CB8AC3E}">
-        <p14:creationId xmlns:p14="http://schemas.microsoft.com/office/powerpoint/2010/main" val="2504236411"/>
+        <p14:creationId xmlns:p14="http://schemas.microsoft.com/office/powerpoint/2010/main" val="2595822749"/>
       </p:ext>
     </p:extLst>
   </p:cSld>
@@ -2598,17 +2782,7 @@
             </a:pPr>
             <a:r>
               <a:rPr lang="en-US" baseline="0" dirty="0"/>
-              <a:t>The return value of an action method in a controller is converted to JSON in the response body.</a:t>
-            </a:r>
-          </a:p>
-          <a:p>
-            <a:pPr marL="171450" indent="-171450">
-              <a:buFont typeface="Arial" panose="020B0604020202020204" pitchFamily="34" charset="0"/>
-              <a:buChar char="•"/>
-            </a:pPr>
-            <a:r>
-              <a:rPr lang="en-US" baseline="0" dirty="0"/>
-              <a:t>This automatic binding makes it easier to convert between JSON and C#.</a:t>
+              <a:t>You can specify a route attribute for a class or an action method to detail further the route.</a:t>
             </a:r>
           </a:p>
         </p:txBody>
@@ -2639,7 +2813,7 @@
     </p:spTree>
     <p:extLst>
       <p:ext uri="{BB962C8B-B14F-4D97-AF65-F5344CB8AC3E}">
-        <p14:creationId xmlns:p14="http://schemas.microsoft.com/office/powerpoint/2010/main" val="246444894"/>
+        <p14:creationId xmlns:p14="http://schemas.microsoft.com/office/powerpoint/2010/main" val="813382335"/>
       </p:ext>
     </p:extLst>
   </p:cSld>
@@ -2699,7 +2873,7 @@
             </a:pPr>
             <a:r>
               <a:rPr lang="en-US" baseline="0" dirty="0"/>
-              <a:t>JSON that exists within the request body can also be converted or bound or serialized into a C# class.</a:t>
+              <a:t>JSON stands for JavaScript Object Notation.</a:t>
             </a:r>
           </a:p>
           <a:p>
@@ -2709,7 +2883,37 @@
             </a:pPr>
             <a:r>
               <a:rPr lang="en-US" baseline="0" dirty="0"/>
-              <a:t>This automatic binding makes it easier to convert between JSON and C#.</a:t>
+              <a:t>It is how an object can be created on the file and is represented in JavaScript.</a:t>
+            </a:r>
+          </a:p>
+          <a:p>
+            <a:pPr marL="171450" indent="-171450">
+              <a:buFont typeface="Arial" panose="020B0604020202020204" pitchFamily="34" charset="0"/>
+              <a:buChar char="•"/>
+            </a:pPr>
+            <a:r>
+              <a:rPr lang="en-US" baseline="0" dirty="0"/>
+              <a:t>Essentially an object is surrounded by curly braces {}</a:t>
+            </a:r>
+          </a:p>
+          <a:p>
+            <a:pPr marL="171450" indent="-171450">
+              <a:buFont typeface="Arial" panose="020B0604020202020204" pitchFamily="34" charset="0"/>
+              <a:buChar char="•"/>
+            </a:pPr>
+            <a:r>
+              <a:rPr lang="en-US" baseline="0" dirty="0"/>
+              <a:t>Inside each property or variable is named followed by a colon : followed by the value.</a:t>
+            </a:r>
+          </a:p>
+          <a:p>
+            <a:pPr marL="171450" indent="-171450">
+              <a:buFont typeface="Arial" panose="020B0604020202020204" pitchFamily="34" charset="0"/>
+              <a:buChar char="•"/>
+            </a:pPr>
+            <a:r>
+              <a:rPr lang="en-US" baseline="0" dirty="0"/>
+              <a:t>There can be objects within objects or arrays within objects as well.</a:t>
             </a:r>
           </a:p>
         </p:txBody>
@@ -2740,7 +2944,7 @@
     </p:spTree>
     <p:extLst>
       <p:ext uri="{BB962C8B-B14F-4D97-AF65-F5344CB8AC3E}">
-        <p14:creationId xmlns:p14="http://schemas.microsoft.com/office/powerpoint/2010/main" val="4039843221"/>
+        <p14:creationId xmlns:p14="http://schemas.microsoft.com/office/powerpoint/2010/main" val="2504236411"/>
       </p:ext>
     </p:extLst>
   </p:cSld>
@@ -2936,7 +3140,7 @@
           <a:p>
             <a:fld id="{96FB5D56-0812-4ED5-8B52-3D0DCBF578CB}" type="datetimeFigureOut">
               <a:rPr lang="en-US" smtClean="0"/>
-              <a:t>6/4/2018</a:t>
+              <a:t>6/13/2018</a:t>
             </a:fld>
             <a:endParaRPr lang="en-US"/>
           </a:p>
@@ -3211,7 +3415,7 @@
           <a:p>
             <a:fld id="{96FB5D56-0812-4ED5-8B52-3D0DCBF578CB}" type="datetimeFigureOut">
               <a:rPr lang="en-US" smtClean="0"/>
-              <a:t>6/4/2018</a:t>
+              <a:t>6/13/2018</a:t>
             </a:fld>
             <a:endParaRPr lang="en-US"/>
           </a:p>
@@ -3405,7 +3609,7 @@
           <a:p>
             <a:fld id="{96FB5D56-0812-4ED5-8B52-3D0DCBF578CB}" type="datetimeFigureOut">
               <a:rPr lang="en-US" smtClean="0"/>
-              <a:t>6/4/2018</a:t>
+              <a:t>6/13/2018</a:t>
             </a:fld>
             <a:endParaRPr lang="en-US"/>
           </a:p>
@@ -3678,7 +3882,7 @@
           <a:p>
             <a:fld id="{96FB5D56-0812-4ED5-8B52-3D0DCBF578CB}" type="datetimeFigureOut">
               <a:rPr lang="en-US" smtClean="0"/>
-              <a:t>6/4/2018</a:t>
+              <a:t>6/13/2018</a:t>
             </a:fld>
             <a:endParaRPr lang="en-US"/>
           </a:p>
@@ -4019,7 +4223,7 @@
           <a:p>
             <a:fld id="{96FB5D56-0812-4ED5-8B52-3D0DCBF578CB}" type="datetimeFigureOut">
               <a:rPr lang="en-US" smtClean="0"/>
-              <a:t>6/4/2018</a:t>
+              <a:t>6/13/2018</a:t>
             </a:fld>
             <a:endParaRPr lang="en-US"/>
           </a:p>
@@ -4642,7 +4846,7 @@
           <a:p>
             <a:fld id="{96FB5D56-0812-4ED5-8B52-3D0DCBF578CB}" type="datetimeFigureOut">
               <a:rPr lang="en-US" smtClean="0"/>
-              <a:t>6/4/2018</a:t>
+              <a:t>6/13/2018</a:t>
             </a:fld>
             <a:endParaRPr lang="en-US"/>
           </a:p>
@@ -5502,7 +5706,7 @@
           <a:p>
             <a:fld id="{96FB5D56-0812-4ED5-8B52-3D0DCBF578CB}" type="datetimeFigureOut">
               <a:rPr lang="en-US" smtClean="0"/>
-              <a:t>6/4/2018</a:t>
+              <a:t>6/13/2018</a:t>
             </a:fld>
             <a:endParaRPr lang="en-US"/>
           </a:p>
@@ -5672,7 +5876,7 @@
           <a:p>
             <a:fld id="{96FB5D56-0812-4ED5-8B52-3D0DCBF578CB}" type="datetimeFigureOut">
               <a:rPr lang="en-US" smtClean="0"/>
-              <a:t>6/4/2018</a:t>
+              <a:t>6/13/2018</a:t>
             </a:fld>
             <a:endParaRPr lang="en-US"/>
           </a:p>
@@ -5852,7 +6056,7 @@
           <a:p>
             <a:fld id="{96FB5D56-0812-4ED5-8B52-3D0DCBF578CB}" type="datetimeFigureOut">
               <a:rPr lang="en-US" smtClean="0"/>
-              <a:t>6/4/2018</a:t>
+              <a:t>6/13/2018</a:t>
             </a:fld>
             <a:endParaRPr lang="en-US"/>
           </a:p>
@@ -6022,7 +6226,7 @@
           <a:p>
             <a:fld id="{96FB5D56-0812-4ED5-8B52-3D0DCBF578CB}" type="datetimeFigureOut">
               <a:rPr lang="en-US" smtClean="0"/>
-              <a:t>6/4/2018</a:t>
+              <a:t>6/13/2018</a:t>
             </a:fld>
             <a:endParaRPr lang="en-US"/>
           </a:p>
@@ -6269,7 +6473,7 @@
           <a:p>
             <a:fld id="{96FB5D56-0812-4ED5-8B52-3D0DCBF578CB}" type="datetimeFigureOut">
               <a:rPr lang="en-US" smtClean="0"/>
-              <a:t>6/4/2018</a:t>
+              <a:t>6/13/2018</a:t>
             </a:fld>
             <a:endParaRPr lang="en-US"/>
           </a:p>
@@ -6561,7 +6765,7 @@
           <a:p>
             <a:fld id="{96FB5D56-0812-4ED5-8B52-3D0DCBF578CB}" type="datetimeFigureOut">
               <a:rPr lang="en-US" smtClean="0"/>
-              <a:t>6/4/2018</a:t>
+              <a:t>6/13/2018</a:t>
             </a:fld>
             <a:endParaRPr lang="en-US"/>
           </a:p>
@@ -7005,7 +7209,7 @@
           <a:p>
             <a:fld id="{96FB5D56-0812-4ED5-8B52-3D0DCBF578CB}" type="datetimeFigureOut">
               <a:rPr lang="en-US" smtClean="0"/>
-              <a:t>6/4/2018</a:t>
+              <a:t>6/13/2018</a:t>
             </a:fld>
             <a:endParaRPr lang="en-US"/>
           </a:p>
@@ -7123,7 +7327,7 @@
           <a:p>
             <a:fld id="{96FB5D56-0812-4ED5-8B52-3D0DCBF578CB}" type="datetimeFigureOut">
               <a:rPr lang="en-US" smtClean="0"/>
-              <a:t>6/4/2018</a:t>
+              <a:t>6/13/2018</a:t>
             </a:fld>
             <a:endParaRPr lang="en-US"/>
           </a:p>
@@ -7218,7 +7422,7 @@
           <a:p>
             <a:fld id="{96FB5D56-0812-4ED5-8B52-3D0DCBF578CB}" type="datetimeFigureOut">
               <a:rPr lang="en-US" smtClean="0"/>
-              <a:t>6/4/2018</a:t>
+              <a:t>6/13/2018</a:t>
             </a:fld>
             <a:endParaRPr lang="en-US"/>
           </a:p>
@@ -7497,7 +7701,7 @@
           <a:p>
             <a:fld id="{96FB5D56-0812-4ED5-8B52-3D0DCBF578CB}" type="datetimeFigureOut">
               <a:rPr lang="en-US" smtClean="0"/>
-              <a:t>6/4/2018</a:t>
+              <a:t>6/13/2018</a:t>
             </a:fld>
             <a:endParaRPr lang="en-US"/>
           </a:p>
@@ -7772,7 +7976,7 @@
           <a:p>
             <a:fld id="{96FB5D56-0812-4ED5-8B52-3D0DCBF578CB}" type="datetimeFigureOut">
               <a:rPr lang="en-US" smtClean="0"/>
-              <a:t>6/4/2018</a:t>
+              <a:t>6/13/2018</a:t>
             </a:fld>
             <a:endParaRPr lang="en-US"/>
           </a:p>
@@ -8201,7 +8405,7 @@
           <a:p>
             <a:fld id="{96FB5D56-0812-4ED5-8B52-3D0DCBF578CB}" type="datetimeFigureOut">
               <a:rPr lang="en-US" smtClean="0"/>
-              <a:t>6/4/2018</a:t>
+              <a:t>6/13/2018</a:t>
             </a:fld>
             <a:endParaRPr lang="en-US"/>
           </a:p>
@@ -8830,7 +9034,7 @@
           <a:p>
             <a:r>
               <a:rPr lang="en-US" dirty="0"/>
-              <a:t>Parameter Binding</a:t>
+              <a:t>JSON</a:t>
             </a:r>
           </a:p>
         </p:txBody>
@@ -8854,98 +9058,101 @@
           <a:p>
             <a:pPr marL="388620"/>
             <a:r>
-              <a:rPr lang="en-US" sz="2800" dirty="0"/>
-              <a:t>JSON in Request Body converted to Class</a:t>
+              <a:rPr lang="en-US" sz="2600" dirty="0"/>
+              <a:t>JavaScript Object Notation</a:t>
             </a:r>
           </a:p>
           <a:p>
             <a:pPr marL="388620"/>
             <a:r>
-              <a:rPr lang="en-US" sz="2800" dirty="0"/>
+              <a:rPr lang="en-US" sz="2600" dirty="0"/>
+              <a:t>How an Object is represented in JavaScript.</a:t>
+            </a:r>
+          </a:p>
+          <a:p>
+            <a:pPr marL="45720" indent="0">
+              <a:buNone/>
+            </a:pPr>
+            <a:r>
+              <a:rPr lang="en-US" sz="2600" dirty="0"/>
               <a:t>Example:</a:t>
             </a:r>
           </a:p>
           <a:p>
-            <a:pPr marL="0" indent="0">
+            <a:pPr marL="45720" indent="0">
               <a:buNone/>
             </a:pPr>
             <a:r>
-              <a:rPr lang="en-US" sz="2800" dirty="0"/>
-              <a:t>[</a:t>
-            </a:r>
-            <a:r>
-              <a:rPr lang="en-US" sz="2800" dirty="0" err="1"/>
-              <a:t>HttpPost</a:t>
-            </a:r>
-            <a:r>
-              <a:rPr lang="en-US" sz="2800" dirty="0"/>
-              <a:t>]</a:t>
-            </a:r>
-          </a:p>
-          <a:p>
-            <a:pPr marL="0" indent="0">
+              <a:rPr lang="en-US" sz="2600" dirty="0"/>
+              <a:t>{	</a:t>
+            </a:r>
+          </a:p>
+          <a:p>
+            <a:pPr marL="45720" indent="0">
               <a:buNone/>
             </a:pPr>
             <a:r>
-              <a:rPr lang="en-US" sz="2800" dirty="0"/>
-              <a:t>public void Post([</a:t>
-            </a:r>
-            <a:r>
-              <a:rPr lang="en-US" sz="2800" dirty="0" err="1"/>
-              <a:t>FromBody</a:t>
-            </a:r>
-            <a:r>
-              <a:rPr lang="en-US" sz="2800" dirty="0"/>
-              <a:t>]Answer answer)</a:t>
-            </a:r>
-          </a:p>
-          <a:p>
-            <a:pPr marL="0" indent="0">
+              <a:rPr lang="en-US" sz="2600" dirty="0"/>
+              <a:t>   ‘</a:t>
+            </a:r>
+            <a:r>
+              <a:rPr lang="en-US" sz="2600" dirty="0" err="1"/>
+              <a:t>studentID</a:t>
+            </a:r>
+            <a:r>
+              <a:rPr lang="en-US" sz="2600" dirty="0"/>
+              <a:t>’: 0	</a:t>
+            </a:r>
+          </a:p>
+          <a:p>
+            <a:pPr marL="45720" indent="0">
               <a:buNone/>
             </a:pPr>
             <a:r>
-              <a:rPr lang="en-US" sz="2800" dirty="0"/>
-              <a:t>{</a:t>
-            </a:r>
-          </a:p>
-          <a:p>
-            <a:pPr marL="0" indent="0">
+              <a:rPr lang="en-US" sz="2600" dirty="0"/>
+              <a:t>   ‘</a:t>
+            </a:r>
+            <a:r>
+              <a:rPr lang="en-US" sz="2600" dirty="0" err="1"/>
+              <a:t>firstName</a:t>
+            </a:r>
+            <a:r>
+              <a:rPr lang="en-US" sz="2600" dirty="0"/>
+              <a:t>’: ‘Kathy’,	</a:t>
+            </a:r>
+          </a:p>
+          <a:p>
+            <a:pPr marL="45720" indent="0">
               <a:buNone/>
             </a:pPr>
             <a:r>
-              <a:rPr lang="en-US" sz="2800" dirty="0"/>
-              <a:t>   _</a:t>
-            </a:r>
-            <a:r>
-              <a:rPr lang="en-US" sz="2800" dirty="0" err="1"/>
-              <a:t>service.Insert</a:t>
-            </a:r>
-            <a:r>
-              <a:rPr lang="en-US" sz="2800" dirty="0"/>
-              <a:t>(answer);</a:t>
-            </a:r>
-          </a:p>
-          <a:p>
-            <a:pPr marL="0" indent="0">
+              <a:rPr lang="en-US" sz="2600" dirty="0"/>
+              <a:t>   ‘</a:t>
+            </a:r>
+            <a:r>
+              <a:rPr lang="en-US" sz="2600" dirty="0" err="1"/>
+              <a:t>lastName</a:t>
+            </a:r>
+            <a:r>
+              <a:rPr lang="en-US" sz="2600" dirty="0"/>
+              <a:t>’: ‘Smith’</a:t>
+            </a:r>
+          </a:p>
+          <a:p>
+            <a:pPr marL="45720" indent="0">
               <a:buNone/>
             </a:pPr>
             <a:r>
-              <a:rPr lang="en-US" sz="2800" dirty="0"/>
+              <a:rPr lang="en-US" sz="2600" dirty="0"/>
               <a:t>}</a:t>
             </a:r>
-          </a:p>
-          <a:p>
-            <a:pPr marL="45720" indent="0">
-              <a:buNone/>
-            </a:pPr>
-            <a:endParaRPr lang="en-US" sz="2800" dirty="0"/>
           </a:p>
         </p:txBody>
       </p:sp>
     </p:spTree>
     <p:extLst>
       <p:ext uri="{BB962C8B-B14F-4D97-AF65-F5344CB8AC3E}">
-        <p14:creationId xmlns:p14="http://schemas.microsoft.com/office/powerpoint/2010/main" val="2381254956"/>
+        <p14:creationId xmlns:p14="http://schemas.microsoft.com/office/powerpoint/2010/main" val="3304398745"/>
       </p:ext>
     </p:extLst>
   </p:cSld>
@@ -8989,7 +9196,7 @@
           <a:p>
             <a:r>
               <a:rPr lang="en-US" dirty="0"/>
-              <a:t>CLI Commands</a:t>
+              <a:t>Response Binding</a:t>
             </a:r>
           </a:p>
         </p:txBody>
@@ -9007,121 +9214,112 @@
         <p:spPr/>
         <p:txBody>
           <a:bodyPr>
-            <a:normAutofit fontScale="92500" lnSpcReduction="10000"/>
+            <a:normAutofit/>
           </a:bodyPr>
           <a:lstStyle/>
           <a:p>
+            <a:pPr marL="388620"/>
+            <a:r>
+              <a:rPr lang="en-US" sz="2800" dirty="0"/>
+              <a:t>Return value to JSON Data</a:t>
+            </a:r>
+          </a:p>
+          <a:p>
+            <a:pPr marL="388620"/>
+            <a:r>
+              <a:rPr lang="en-US" sz="2800" dirty="0"/>
+              <a:t>Example:</a:t>
+            </a:r>
+          </a:p>
+          <a:p>
+            <a:pPr marL="0" indent="0">
+              <a:buNone/>
+            </a:pPr>
+            <a:r>
+              <a:rPr lang="en-US" sz="2800" dirty="0"/>
+              <a:t>[</a:t>
+            </a:r>
             <a:r>
               <a:rPr lang="en-US" sz="2800" dirty="0" err="1"/>
-              <a:t>mkdir</a:t>
+              <a:t>HttpGet</a:t>
             </a:r>
             <a:r>
               <a:rPr lang="en-US" sz="2800" dirty="0"/>
-              <a:t> – Create Directory</a:t>
-            </a:r>
-          </a:p>
-          <a:p>
+              <a:t>]</a:t>
+            </a:r>
+          </a:p>
+          <a:p>
+            <a:pPr marL="0" indent="0">
+              <a:buNone/>
+            </a:pPr>
             <a:r>
               <a:rPr lang="en-US" sz="2800" dirty="0"/>
-              <a:t>cd – Change Directory</a:t>
-            </a:r>
-          </a:p>
-          <a:p>
+              <a:t>public </a:t>
+            </a:r>
+            <a:r>
+              <a:rPr lang="en-US" sz="2800" dirty="0" err="1"/>
+              <a:t>IEnumerable</a:t>
+            </a:r>
             <a:r>
               <a:rPr lang="en-US" sz="2800" dirty="0"/>
-              <a:t>Add project:</a:t>
-            </a:r>
-          </a:p>
-          <a:p>
-            <a:pPr lvl="1"/>
-            <a:r>
-              <a:rPr lang="en-US" sz="2600" dirty="0" err="1"/>
-              <a:t>dotnet</a:t>
-            </a:r>
-            <a:r>
-              <a:rPr lang="en-US" sz="2600" dirty="0"/>
-              <a:t> new </a:t>
-            </a:r>
-            <a:r>
-              <a:rPr lang="en-US" sz="2600" dirty="0" err="1"/>
-              <a:t>classlib</a:t>
-            </a:r>
-            <a:endParaRPr lang="en-US" sz="2600" dirty="0"/>
-          </a:p>
-          <a:p>
-            <a:pPr lvl="1"/>
-            <a:r>
-              <a:rPr lang="en-US" sz="2600" dirty="0" err="1"/>
-              <a:t>dotnet</a:t>
-            </a:r>
-            <a:r>
-              <a:rPr lang="en-US" sz="2600" dirty="0"/>
-              <a:t> new </a:t>
-            </a:r>
-            <a:r>
-              <a:rPr lang="en-US" sz="2600" dirty="0" err="1"/>
-              <a:t>webapi</a:t>
-            </a:r>
-            <a:endParaRPr lang="en-US" sz="2600" dirty="0"/>
-          </a:p>
-          <a:p>
+              <a:t>&lt;</a:t>
+            </a:r>
+            <a:r>
+              <a:rPr lang="en-US" sz="2800" dirty="0" err="1"/>
+              <a:t>TimeTraveler</a:t>
+            </a:r>
             <a:r>
               <a:rPr lang="en-US" sz="2800" dirty="0"/>
-              <a:t>Add reference:</a:t>
-            </a:r>
-          </a:p>
-          <a:p>
-            <a:pPr lvl="1"/>
-            <a:r>
-              <a:rPr lang="en-US" sz="2600" dirty="0" err="1"/>
-              <a:t>dotnet</a:t>
-            </a:r>
-            <a:r>
-              <a:rPr lang="en-US" sz="2600" dirty="0"/>
-              <a:t> add reference [path]/[</a:t>
-            </a:r>
-            <a:r>
-              <a:rPr lang="en-US" sz="2600" dirty="0" err="1"/>
-              <a:t>name.csproj</a:t>
-            </a:r>
-            <a:r>
-              <a:rPr lang="en-US" sz="2600" dirty="0"/>
-              <a:t>]</a:t>
-            </a:r>
-          </a:p>
-          <a:p>
-            <a:pPr lvl="1"/>
-            <a:r>
-              <a:rPr lang="en-US" sz="2600" dirty="0" err="1"/>
-              <a:t>dotnet</a:t>
-            </a:r>
-            <a:r>
-              <a:rPr lang="en-US" sz="2600" dirty="0"/>
-              <a:t> add package Dapper</a:t>
-            </a:r>
-          </a:p>
-          <a:p>
-            <a:pPr lvl="1"/>
-            <a:r>
-              <a:rPr lang="en-US" sz="2600" dirty="0" err="1"/>
-              <a:t>dotnet</a:t>
-            </a:r>
-            <a:r>
-              <a:rPr lang="en-US" sz="2600" dirty="0"/>
-              <a:t> add package </a:t>
-            </a:r>
-            <a:r>
-              <a:rPr lang="en-US" sz="2600" dirty="0" err="1"/>
-              <a:t>MySql.Data</a:t>
-            </a:r>
-            <a:endParaRPr lang="en-US" sz="2600" dirty="0"/>
+              <a:t>&gt; Get()</a:t>
+            </a:r>
+          </a:p>
+          <a:p>
+            <a:pPr marL="0" indent="0">
+              <a:buNone/>
+            </a:pPr>
+            <a:r>
+              <a:rPr lang="en-US" sz="2800" dirty="0"/>
+              <a:t>{</a:t>
+            </a:r>
+          </a:p>
+          <a:p>
+            <a:pPr marL="0" indent="0">
+              <a:buNone/>
+            </a:pPr>
+            <a:r>
+              <a:rPr lang="en-US" sz="2800" dirty="0"/>
+              <a:t>	return </a:t>
+            </a:r>
+            <a:r>
+              <a:rPr lang="en-US" sz="2800" dirty="0" err="1"/>
+              <a:t>timeTravelerRepository.GetAll</a:t>
+            </a:r>
+            <a:r>
+              <a:rPr lang="en-US" sz="2800" dirty="0"/>
+              <a:t>();</a:t>
+            </a:r>
+          </a:p>
+          <a:p>
+            <a:pPr marL="0" indent="0">
+              <a:buNone/>
+            </a:pPr>
+            <a:r>
+              <a:rPr lang="en-US" sz="2800" dirty="0"/>
+              <a:t>}</a:t>
+            </a:r>
+          </a:p>
+          <a:p>
+            <a:pPr marL="45720" indent="0">
+              <a:buNone/>
+            </a:pPr>
+            <a:endParaRPr lang="en-US" sz="2800" dirty="0"/>
           </a:p>
         </p:txBody>
       </p:sp>
     </p:spTree>
     <p:extLst>
       <p:ext uri="{BB962C8B-B14F-4D97-AF65-F5344CB8AC3E}">
-        <p14:creationId xmlns:p14="http://schemas.microsoft.com/office/powerpoint/2010/main" val="3320315670"/>
+        <p14:creationId xmlns:p14="http://schemas.microsoft.com/office/powerpoint/2010/main" val="784515827"/>
       </p:ext>
     </p:extLst>
   </p:cSld>
@@ -9165,6 +9363,341 @@
           <a:p>
             <a:r>
               <a:rPr lang="en-US" dirty="0"/>
+              <a:t>Parameter Binding</a:t>
+            </a:r>
+          </a:p>
+        </p:txBody>
+      </p:sp>
+      <p:sp>
+        <p:nvSpPr>
+          <p:cNvPr id="3" name="Content Placeholder 2"/>
+          <p:cNvSpPr>
+            <a:spLocks noGrp="1"/>
+          </p:cNvSpPr>
+          <p:nvPr>
+            <p:ph idx="1"/>
+          </p:nvPr>
+        </p:nvSpPr>
+        <p:spPr/>
+        <p:txBody>
+          <a:bodyPr>
+            <a:normAutofit/>
+          </a:bodyPr>
+          <a:lstStyle/>
+          <a:p>
+            <a:pPr marL="388620"/>
+            <a:r>
+              <a:rPr lang="en-US" sz="2800" dirty="0"/>
+              <a:t>JSON in Request Body converted to Class</a:t>
+            </a:r>
+          </a:p>
+          <a:p>
+            <a:pPr marL="388620"/>
+            <a:r>
+              <a:rPr lang="en-US" sz="2800" dirty="0"/>
+              <a:t>Example:</a:t>
+            </a:r>
+          </a:p>
+          <a:p>
+            <a:pPr marL="0" indent="0">
+              <a:buNone/>
+            </a:pPr>
+            <a:r>
+              <a:rPr lang="en-US" sz="2800" dirty="0"/>
+              <a:t>[</a:t>
+            </a:r>
+            <a:r>
+              <a:rPr lang="en-US" sz="2800" dirty="0" err="1"/>
+              <a:t>HttpPost</a:t>
+            </a:r>
+            <a:r>
+              <a:rPr lang="en-US" sz="2800" dirty="0"/>
+              <a:t>]</a:t>
+            </a:r>
+          </a:p>
+          <a:p>
+            <a:pPr marL="0" indent="0">
+              <a:buNone/>
+            </a:pPr>
+            <a:r>
+              <a:rPr lang="en-US" sz="2800" dirty="0"/>
+              <a:t>public void Post([</a:t>
+            </a:r>
+            <a:r>
+              <a:rPr lang="en-US" sz="2800" dirty="0" err="1"/>
+              <a:t>FromBody</a:t>
+            </a:r>
+            <a:r>
+              <a:rPr lang="en-US" sz="2800" dirty="0"/>
+              <a:t>]Answer answer)</a:t>
+            </a:r>
+          </a:p>
+          <a:p>
+            <a:pPr marL="0" indent="0">
+              <a:buNone/>
+            </a:pPr>
+            <a:r>
+              <a:rPr lang="en-US" sz="2800" dirty="0"/>
+              <a:t>{</a:t>
+            </a:r>
+          </a:p>
+          <a:p>
+            <a:pPr marL="0" indent="0">
+              <a:buNone/>
+            </a:pPr>
+            <a:r>
+              <a:rPr lang="en-US" sz="2800" dirty="0"/>
+              <a:t>   _</a:t>
+            </a:r>
+            <a:r>
+              <a:rPr lang="en-US" sz="2800" dirty="0" err="1"/>
+              <a:t>service.Insert</a:t>
+            </a:r>
+            <a:r>
+              <a:rPr lang="en-US" sz="2800" dirty="0"/>
+              <a:t>(answer);</a:t>
+            </a:r>
+          </a:p>
+          <a:p>
+            <a:pPr marL="0" indent="0">
+              <a:buNone/>
+            </a:pPr>
+            <a:r>
+              <a:rPr lang="en-US" sz="2800" dirty="0"/>
+              <a:t>}</a:t>
+            </a:r>
+          </a:p>
+          <a:p>
+            <a:pPr marL="45720" indent="0">
+              <a:buNone/>
+            </a:pPr>
+            <a:endParaRPr lang="en-US" sz="2800" dirty="0"/>
+          </a:p>
+        </p:txBody>
+      </p:sp>
+    </p:spTree>
+    <p:extLst>
+      <p:ext uri="{BB962C8B-B14F-4D97-AF65-F5344CB8AC3E}">
+        <p14:creationId xmlns:p14="http://schemas.microsoft.com/office/powerpoint/2010/main" val="2381254956"/>
+      </p:ext>
+    </p:extLst>
+  </p:cSld>
+  <p:clrMapOvr>
+    <a:masterClrMapping/>
+  </p:clrMapOvr>
+</p:sld>
+</file>
+
+<file path=ppt/slides/slide13.xml><?xml version="1.0" encoding="utf-8"?>
+<p:sld xmlns:a="http://schemas.openxmlformats.org/drawingml/2006/main" xmlns:r="http://schemas.openxmlformats.org/officeDocument/2006/relationships" xmlns:p="http://schemas.openxmlformats.org/presentationml/2006/main">
+  <p:cSld>
+    <p:spTree>
+      <p:nvGrpSpPr>
+        <p:cNvPr id="1" name=""/>
+        <p:cNvGrpSpPr/>
+        <p:nvPr/>
+      </p:nvGrpSpPr>
+      <p:grpSpPr>
+        <a:xfrm>
+          <a:off x="0" y="0"/>
+          <a:ext cx="0" cy="0"/>
+          <a:chOff x="0" y="0"/>
+          <a:chExt cx="0" cy="0"/>
+        </a:xfrm>
+      </p:grpSpPr>
+      <p:sp>
+        <p:nvSpPr>
+          <p:cNvPr id="2" name="Title 1"/>
+          <p:cNvSpPr>
+            <a:spLocks noGrp="1"/>
+          </p:cNvSpPr>
+          <p:nvPr>
+            <p:ph type="title"/>
+          </p:nvPr>
+        </p:nvSpPr>
+        <p:spPr/>
+        <p:txBody>
+          <a:bodyPr/>
+          <a:lstStyle/>
+          <a:p>
+            <a:r>
+              <a:rPr lang="en-US" dirty="0"/>
+              <a:t>CLI Commands</a:t>
+            </a:r>
+          </a:p>
+        </p:txBody>
+      </p:sp>
+      <p:sp>
+        <p:nvSpPr>
+          <p:cNvPr id="3" name="Content Placeholder 2"/>
+          <p:cNvSpPr>
+            <a:spLocks noGrp="1"/>
+          </p:cNvSpPr>
+          <p:nvPr>
+            <p:ph idx="1"/>
+          </p:nvPr>
+        </p:nvSpPr>
+        <p:spPr/>
+        <p:txBody>
+          <a:bodyPr>
+            <a:normAutofit fontScale="92500" lnSpcReduction="10000"/>
+          </a:bodyPr>
+          <a:lstStyle/>
+          <a:p>
+            <a:r>
+              <a:rPr lang="en-US" sz="2800" dirty="0" err="1"/>
+              <a:t>mkdir</a:t>
+            </a:r>
+            <a:r>
+              <a:rPr lang="en-US" sz="2800" dirty="0"/>
+              <a:t> – Create Directory</a:t>
+            </a:r>
+          </a:p>
+          <a:p>
+            <a:r>
+              <a:rPr lang="en-US" sz="2800" dirty="0"/>
+              <a:t>cd – Change Directory</a:t>
+            </a:r>
+          </a:p>
+          <a:p>
+            <a:r>
+              <a:rPr lang="en-US" sz="2800" dirty="0"/>
+              <a:t>Add project:</a:t>
+            </a:r>
+          </a:p>
+          <a:p>
+            <a:pPr lvl="1"/>
+            <a:r>
+              <a:rPr lang="en-US" sz="2600" dirty="0" err="1"/>
+              <a:t>dotnet</a:t>
+            </a:r>
+            <a:r>
+              <a:rPr lang="en-US" sz="2600" dirty="0"/>
+              <a:t> new </a:t>
+            </a:r>
+            <a:r>
+              <a:rPr lang="en-US" sz="2600" dirty="0" err="1"/>
+              <a:t>classlib</a:t>
+            </a:r>
+            <a:endParaRPr lang="en-US" sz="2600" dirty="0"/>
+          </a:p>
+          <a:p>
+            <a:pPr lvl="1"/>
+            <a:r>
+              <a:rPr lang="en-US" sz="2600" dirty="0" err="1"/>
+              <a:t>dotnet</a:t>
+            </a:r>
+            <a:r>
+              <a:rPr lang="en-US" sz="2600" dirty="0"/>
+              <a:t> new </a:t>
+            </a:r>
+            <a:r>
+              <a:rPr lang="en-US" sz="2600" dirty="0" err="1"/>
+              <a:t>webapi</a:t>
+            </a:r>
+            <a:endParaRPr lang="en-US" sz="2600" dirty="0"/>
+          </a:p>
+          <a:p>
+            <a:r>
+              <a:rPr lang="en-US" sz="2800" dirty="0"/>
+              <a:t>Add reference:</a:t>
+            </a:r>
+          </a:p>
+          <a:p>
+            <a:pPr lvl="1"/>
+            <a:r>
+              <a:rPr lang="en-US" sz="2600" dirty="0" err="1"/>
+              <a:t>dotnet</a:t>
+            </a:r>
+            <a:r>
+              <a:rPr lang="en-US" sz="2600" dirty="0"/>
+              <a:t> add reference [path]/[</a:t>
+            </a:r>
+            <a:r>
+              <a:rPr lang="en-US" sz="2600" dirty="0" err="1"/>
+              <a:t>name.csproj</a:t>
+            </a:r>
+            <a:r>
+              <a:rPr lang="en-US" sz="2600" dirty="0"/>
+              <a:t>]</a:t>
+            </a:r>
+          </a:p>
+          <a:p>
+            <a:pPr lvl="1"/>
+            <a:r>
+              <a:rPr lang="en-US" sz="2600" dirty="0" err="1"/>
+              <a:t>dotnet</a:t>
+            </a:r>
+            <a:r>
+              <a:rPr lang="en-US" sz="2600" dirty="0"/>
+              <a:t> add package Dapper</a:t>
+            </a:r>
+          </a:p>
+          <a:p>
+            <a:pPr lvl="1"/>
+            <a:r>
+              <a:rPr lang="en-US" sz="2600" dirty="0" err="1"/>
+              <a:t>dotnet</a:t>
+            </a:r>
+            <a:r>
+              <a:rPr lang="en-US" sz="2600" dirty="0"/>
+              <a:t> add package </a:t>
+            </a:r>
+            <a:r>
+              <a:rPr lang="en-US" sz="2600" dirty="0" err="1"/>
+              <a:t>MySql.Data</a:t>
+            </a:r>
+            <a:endParaRPr lang="en-US" sz="2600" dirty="0"/>
+          </a:p>
+        </p:txBody>
+      </p:sp>
+    </p:spTree>
+    <p:extLst>
+      <p:ext uri="{BB962C8B-B14F-4D97-AF65-F5344CB8AC3E}">
+        <p14:creationId xmlns:p14="http://schemas.microsoft.com/office/powerpoint/2010/main" val="3320315670"/>
+      </p:ext>
+    </p:extLst>
+  </p:cSld>
+  <p:clrMapOvr>
+    <a:masterClrMapping/>
+  </p:clrMapOvr>
+</p:sld>
+</file>
+
+<file path=ppt/slides/slide14.xml><?xml version="1.0" encoding="utf-8"?>
+<p:sld xmlns:a="http://schemas.openxmlformats.org/drawingml/2006/main" xmlns:r="http://schemas.openxmlformats.org/officeDocument/2006/relationships" xmlns:p="http://schemas.openxmlformats.org/presentationml/2006/main">
+  <p:cSld>
+    <p:spTree>
+      <p:nvGrpSpPr>
+        <p:cNvPr id="1" name=""/>
+        <p:cNvGrpSpPr/>
+        <p:nvPr/>
+      </p:nvGrpSpPr>
+      <p:grpSpPr>
+        <a:xfrm>
+          <a:off x="0" y="0"/>
+          <a:ext cx="0" cy="0"/>
+          <a:chOff x="0" y="0"/>
+          <a:chExt cx="0" cy="0"/>
+        </a:xfrm>
+      </p:grpSpPr>
+      <p:sp>
+        <p:nvSpPr>
+          <p:cNvPr id="2" name="Title 1"/>
+          <p:cNvSpPr>
+            <a:spLocks noGrp="1"/>
+          </p:cNvSpPr>
+          <p:nvPr>
+            <p:ph type="title"/>
+          </p:nvPr>
+        </p:nvSpPr>
+        <p:spPr/>
+        <p:txBody>
+          <a:bodyPr/>
+          <a:lstStyle/>
+          <a:p>
+            <a:r>
+              <a:rPr lang="en-US" dirty="0"/>
               <a:t>Postman</a:t>
             </a:r>
           </a:p>
@@ -9202,7 +9735,7 @@
 </p:sld>
 </file>
 
-<file path=ppt/slides/slide13.xml><?xml version="1.0" encoding="utf-8"?>
+<file path=ppt/slides/slide15.xml><?xml version="1.0" encoding="utf-8"?>
 <p:sld xmlns:a="http://schemas.openxmlformats.org/drawingml/2006/main" xmlns:r="http://schemas.openxmlformats.org/officeDocument/2006/relationships" xmlns:p="http://schemas.openxmlformats.org/presentationml/2006/main">
   <p:cSld>
     <p:spTree>
@@ -9310,7 +9843,7 @@
 </p:sld>
 </file>
 
-<file path=ppt/slides/slide14.xml><?xml version="1.0" encoding="utf-8"?>
+<file path=ppt/slides/slide16.xml><?xml version="1.0" encoding="utf-8"?>
 <p:sld xmlns:a="http://schemas.openxmlformats.org/drawingml/2006/main" xmlns:r="http://schemas.openxmlformats.org/officeDocument/2006/relationships" xmlns:p="http://schemas.openxmlformats.org/presentationml/2006/main">
   <p:cSld>
     <p:spTree>
@@ -9418,7 +9951,7 @@
 </p:sld>
 </file>
 
-<file path=ppt/slides/slide15.xml><?xml version="1.0" encoding="utf-8"?>
+<file path=ppt/slides/slide17.xml><?xml version="1.0" encoding="utf-8"?>
 <p:sld xmlns:a="http://schemas.openxmlformats.org/drawingml/2006/main" xmlns:r="http://schemas.openxmlformats.org/officeDocument/2006/relationships" xmlns:p="http://schemas.openxmlformats.org/presentationml/2006/main">
   <p:cSld>
     <p:spTree>
@@ -9548,7 +10081,7 @@
 </p:sld>
 </file>
 
-<file path=ppt/slides/slide16.xml><?xml version="1.0" encoding="utf-8"?>
+<file path=ppt/slides/slide18.xml><?xml version="1.0" encoding="utf-8"?>
 <p:sld xmlns:a="http://schemas.openxmlformats.org/drawingml/2006/main" xmlns:r="http://schemas.openxmlformats.org/officeDocument/2006/relationships" xmlns:p="http://schemas.openxmlformats.org/presentationml/2006/main">
   <p:cSld>
     <p:spTree>
@@ -9652,7 +10185,7 @@
 </p:sld>
 </file>
 
-<file path=ppt/slides/slide17.xml><?xml version="1.0" encoding="utf-8"?>
+<file path=ppt/slides/slide19.xml><?xml version="1.0" encoding="utf-8"?>
 <p:sld xmlns:a="http://schemas.openxmlformats.org/drawingml/2006/main" xmlns:r="http://schemas.openxmlformats.org/officeDocument/2006/relationships" xmlns:p="http://schemas.openxmlformats.org/presentationml/2006/main">
   <p:cSld>
     <p:spTree>
@@ -9771,110 +10304,6 @@
     <p:extLst>
       <p:ext uri="{BB962C8B-B14F-4D97-AF65-F5344CB8AC3E}">
         <p14:creationId xmlns:p14="http://schemas.microsoft.com/office/powerpoint/2010/main" val="3912267799"/>
-      </p:ext>
-    </p:extLst>
-  </p:cSld>
-  <p:clrMapOvr>
-    <a:masterClrMapping/>
-  </p:clrMapOvr>
-</p:sld>
-</file>
-
-<file path=ppt/slides/slide18.xml><?xml version="1.0" encoding="utf-8"?>
-<p:sld xmlns:a="http://schemas.openxmlformats.org/drawingml/2006/main" xmlns:r="http://schemas.openxmlformats.org/officeDocument/2006/relationships" xmlns:p="http://schemas.openxmlformats.org/presentationml/2006/main">
-  <p:cSld>
-    <p:spTree>
-      <p:nvGrpSpPr>
-        <p:cNvPr id="1" name=""/>
-        <p:cNvGrpSpPr/>
-        <p:nvPr/>
-      </p:nvGrpSpPr>
-      <p:grpSpPr>
-        <a:xfrm>
-          <a:off x="0" y="0"/>
-          <a:ext cx="0" cy="0"/>
-          <a:chOff x="0" y="0"/>
-          <a:chExt cx="0" cy="0"/>
-        </a:xfrm>
-      </p:grpSpPr>
-      <p:sp>
-        <p:nvSpPr>
-          <p:cNvPr id="2" name="Title 1"/>
-          <p:cNvSpPr>
-            <a:spLocks noGrp="1"/>
-          </p:cNvSpPr>
-          <p:nvPr>
-            <p:ph type="title"/>
-          </p:nvPr>
-        </p:nvSpPr>
-        <p:spPr/>
-        <p:txBody>
-          <a:bodyPr/>
-          <a:lstStyle/>
-          <a:p>
-            <a:r>
-              <a:rPr lang="en-US" dirty="0"/>
-              <a:t>Keep Practicing!</a:t>
-            </a:r>
-          </a:p>
-        </p:txBody>
-      </p:sp>
-      <p:sp>
-        <p:nvSpPr>
-          <p:cNvPr id="3" name="Content Placeholder 2"/>
-          <p:cNvSpPr>
-            <a:spLocks noGrp="1"/>
-          </p:cNvSpPr>
-          <p:nvPr>
-            <p:ph sz="half" idx="1"/>
-          </p:nvPr>
-        </p:nvSpPr>
-        <p:spPr>
-          <a:xfrm>
-            <a:off x="1103312" y="2060575"/>
-            <a:ext cx="10008033" cy="4195763"/>
-          </a:xfrm>
-        </p:spPr>
-        <p:txBody>
-          <a:bodyPr>
-            <a:normAutofit/>
-          </a:bodyPr>
-          <a:lstStyle/>
-          <a:p>
-            <a:r>
-              <a:rPr lang="en-US" sz="3200" dirty="0"/>
-              <a:t>Try creating different web </a:t>
-            </a:r>
-            <a:r>
-              <a:rPr lang="en-US" sz="3200" dirty="0" err="1"/>
-              <a:t>api’s</a:t>
-            </a:r>
-            <a:r>
-              <a:rPr lang="en-US" sz="3200" dirty="0"/>
-              <a:t>.</a:t>
-            </a:r>
-          </a:p>
-          <a:p>
-            <a:r>
-              <a:rPr lang="en-US" sz="3200" dirty="0"/>
-              <a:t>Use the different http actions.</a:t>
-            </a:r>
-          </a:p>
-          <a:p>
-            <a:r>
-              <a:rPr lang="en-US" sz="3200" dirty="0"/>
-              <a:t>Hook it up to the database.</a:t>
-            </a:r>
-          </a:p>
-          <a:p>
-            <a:endParaRPr lang="en-US" sz="2800" dirty="0"/>
-          </a:p>
-        </p:txBody>
-      </p:sp>
-    </p:spTree>
-    <p:extLst>
-      <p:ext uri="{BB962C8B-B14F-4D97-AF65-F5344CB8AC3E}">
-        <p14:creationId xmlns:p14="http://schemas.microsoft.com/office/powerpoint/2010/main" val="2334235320"/>
       </p:ext>
     </p:extLst>
   </p:cSld>
@@ -9998,6 +10427,110 @@
     <p:extLst>
       <p:ext uri="{BB962C8B-B14F-4D97-AF65-F5344CB8AC3E}">
         <p14:creationId xmlns:p14="http://schemas.microsoft.com/office/powerpoint/2010/main" val="630265048"/>
+      </p:ext>
+    </p:extLst>
+  </p:cSld>
+  <p:clrMapOvr>
+    <a:masterClrMapping/>
+  </p:clrMapOvr>
+</p:sld>
+</file>
+
+<file path=ppt/slides/slide20.xml><?xml version="1.0" encoding="utf-8"?>
+<p:sld xmlns:a="http://schemas.openxmlformats.org/drawingml/2006/main" xmlns:r="http://schemas.openxmlformats.org/officeDocument/2006/relationships" xmlns:p="http://schemas.openxmlformats.org/presentationml/2006/main">
+  <p:cSld>
+    <p:spTree>
+      <p:nvGrpSpPr>
+        <p:cNvPr id="1" name=""/>
+        <p:cNvGrpSpPr/>
+        <p:nvPr/>
+      </p:nvGrpSpPr>
+      <p:grpSpPr>
+        <a:xfrm>
+          <a:off x="0" y="0"/>
+          <a:ext cx="0" cy="0"/>
+          <a:chOff x="0" y="0"/>
+          <a:chExt cx="0" cy="0"/>
+        </a:xfrm>
+      </p:grpSpPr>
+      <p:sp>
+        <p:nvSpPr>
+          <p:cNvPr id="2" name="Title 1"/>
+          <p:cNvSpPr>
+            <a:spLocks noGrp="1"/>
+          </p:cNvSpPr>
+          <p:nvPr>
+            <p:ph type="title"/>
+          </p:nvPr>
+        </p:nvSpPr>
+        <p:spPr/>
+        <p:txBody>
+          <a:bodyPr/>
+          <a:lstStyle/>
+          <a:p>
+            <a:r>
+              <a:rPr lang="en-US" dirty="0"/>
+              <a:t>Keep Practicing!</a:t>
+            </a:r>
+          </a:p>
+        </p:txBody>
+      </p:sp>
+      <p:sp>
+        <p:nvSpPr>
+          <p:cNvPr id="3" name="Content Placeholder 2"/>
+          <p:cNvSpPr>
+            <a:spLocks noGrp="1"/>
+          </p:cNvSpPr>
+          <p:nvPr>
+            <p:ph sz="half" idx="1"/>
+          </p:nvPr>
+        </p:nvSpPr>
+        <p:spPr>
+          <a:xfrm>
+            <a:off x="1103312" y="2060575"/>
+            <a:ext cx="10008033" cy="4195763"/>
+          </a:xfrm>
+        </p:spPr>
+        <p:txBody>
+          <a:bodyPr>
+            <a:normAutofit/>
+          </a:bodyPr>
+          <a:lstStyle/>
+          <a:p>
+            <a:r>
+              <a:rPr lang="en-US" sz="3200" dirty="0"/>
+              <a:t>Try creating different web </a:t>
+            </a:r>
+            <a:r>
+              <a:rPr lang="en-US" sz="3200" dirty="0" err="1"/>
+              <a:t>api’s</a:t>
+            </a:r>
+            <a:r>
+              <a:rPr lang="en-US" sz="3200" dirty="0"/>
+              <a:t>.</a:t>
+            </a:r>
+          </a:p>
+          <a:p>
+            <a:r>
+              <a:rPr lang="en-US" sz="3200" dirty="0"/>
+              <a:t>Use the different http actions.</a:t>
+            </a:r>
+          </a:p>
+          <a:p>
+            <a:r>
+              <a:rPr lang="en-US" sz="3200" dirty="0"/>
+              <a:t>Hook it up to the database.</a:t>
+            </a:r>
+          </a:p>
+          <a:p>
+            <a:endParaRPr lang="en-US" sz="2800" dirty="0"/>
+          </a:p>
+        </p:txBody>
+      </p:sp>
+    </p:spTree>
+    <p:extLst>
+      <p:ext uri="{BB962C8B-B14F-4D97-AF65-F5344CB8AC3E}">
+        <p14:creationId xmlns:p14="http://schemas.microsoft.com/office/powerpoint/2010/main" val="2334235320"/>
       </p:ext>
     </p:extLst>
   </p:cSld>
@@ -10132,6 +10665,360 @@
       </p:grpSpPr>
       <p:sp>
         <p:nvSpPr>
+          <p:cNvPr id="52" name="Rectangle 51">
+            <a:extLst>
+              <a:ext uri="{FF2B5EF4-FFF2-40B4-BE49-F238E27FC236}">
+                <a16:creationId xmlns:a16="http://schemas.microsoft.com/office/drawing/2014/main" id="{4FA283F2-1678-490E-A846-8C71B184E5EE}"/>
+              </a:ext>
+            </a:extLst>
+          </p:cNvPr>
+          <p:cNvSpPr/>
+          <p:nvPr/>
+        </p:nvSpPr>
+        <p:spPr>
+          <a:xfrm>
+            <a:off x="1139710" y="5353289"/>
+            <a:ext cx="1546064" cy="664996"/>
+          </a:xfrm>
+          <a:prstGeom prst="rect">
+            <a:avLst/>
+          </a:prstGeom>
+          <a:solidFill>
+            <a:schemeClr val="tx1"/>
+          </a:solidFill>
+          <a:ln>
+            <a:noFill/>
+          </a:ln>
+        </p:spPr>
+        <p:style>
+          <a:lnRef idx="2">
+            <a:schemeClr val="accent1">
+              <a:shade val="50000"/>
+            </a:schemeClr>
+          </a:lnRef>
+          <a:fillRef idx="1">
+            <a:schemeClr val="accent1"/>
+          </a:fillRef>
+          <a:effectRef idx="0">
+            <a:schemeClr val="accent1"/>
+          </a:effectRef>
+          <a:fontRef idx="minor">
+            <a:schemeClr val="lt1"/>
+          </a:fontRef>
+        </p:style>
+        <p:txBody>
+          <a:bodyPr rtlCol="0" anchor="ctr"/>
+          <a:lstStyle/>
+          <a:p>
+            <a:pPr algn="ctr"/>
+            <a:r>
+              <a:rPr lang="en-US" dirty="0">
+                <a:solidFill>
+                  <a:schemeClr val="bg1"/>
+                </a:solidFill>
+              </a:rPr>
+              <a:t>Response</a:t>
+            </a:r>
+          </a:p>
+        </p:txBody>
+      </p:sp>
+      <p:sp>
+        <p:nvSpPr>
+          <p:cNvPr id="51" name="Rectangle 50">
+            <a:extLst>
+              <a:ext uri="{FF2B5EF4-FFF2-40B4-BE49-F238E27FC236}">
+                <a16:creationId xmlns:a16="http://schemas.microsoft.com/office/drawing/2014/main" id="{3D421254-4891-4268-BD40-7FC3B4E1ADCD}"/>
+              </a:ext>
+            </a:extLst>
+          </p:cNvPr>
+          <p:cNvSpPr/>
+          <p:nvPr/>
+        </p:nvSpPr>
+        <p:spPr>
+          <a:xfrm>
+            <a:off x="9355397" y="5348064"/>
+            <a:ext cx="1383425" cy="703483"/>
+          </a:xfrm>
+          <a:prstGeom prst="rect">
+            <a:avLst/>
+          </a:prstGeom>
+          <a:solidFill>
+            <a:schemeClr val="tx1"/>
+          </a:solidFill>
+          <a:ln>
+            <a:noFill/>
+          </a:ln>
+        </p:spPr>
+        <p:style>
+          <a:lnRef idx="2">
+            <a:schemeClr val="accent1">
+              <a:shade val="50000"/>
+            </a:schemeClr>
+          </a:lnRef>
+          <a:fillRef idx="1">
+            <a:schemeClr val="accent1"/>
+          </a:fillRef>
+          <a:effectRef idx="0">
+            <a:schemeClr val="accent1"/>
+          </a:effectRef>
+          <a:fontRef idx="minor">
+            <a:schemeClr val="lt1"/>
+          </a:fontRef>
+        </p:style>
+        <p:txBody>
+          <a:bodyPr rtlCol="0" anchor="ctr"/>
+          <a:lstStyle/>
+          <a:p>
+            <a:pPr algn="ctr"/>
+            <a:r>
+              <a:rPr lang="en-US" dirty="0">
+                <a:solidFill>
+                  <a:schemeClr val="bg1"/>
+                </a:solidFill>
+              </a:rPr>
+              <a:t>Return to JSON</a:t>
+            </a:r>
+          </a:p>
+        </p:txBody>
+      </p:sp>
+      <p:sp>
+        <p:nvSpPr>
+          <p:cNvPr id="50" name="Rectangle 49">
+            <a:extLst>
+              <a:ext uri="{FF2B5EF4-FFF2-40B4-BE49-F238E27FC236}">
+                <a16:creationId xmlns:a16="http://schemas.microsoft.com/office/drawing/2014/main" id="{8629AF75-5B71-4872-AB24-36DA341BF1F9}"/>
+              </a:ext>
+            </a:extLst>
+          </p:cNvPr>
+          <p:cNvSpPr/>
+          <p:nvPr/>
+        </p:nvSpPr>
+        <p:spPr>
+          <a:xfrm>
+            <a:off x="9304116" y="1347016"/>
+            <a:ext cx="1546064" cy="664996"/>
+          </a:xfrm>
+          <a:prstGeom prst="rect">
+            <a:avLst/>
+          </a:prstGeom>
+          <a:solidFill>
+            <a:schemeClr val="tx1"/>
+          </a:solidFill>
+          <a:ln>
+            <a:noFill/>
+          </a:ln>
+        </p:spPr>
+        <p:style>
+          <a:lnRef idx="2">
+            <a:schemeClr val="accent1">
+              <a:shade val="50000"/>
+            </a:schemeClr>
+          </a:lnRef>
+          <a:fillRef idx="1">
+            <a:schemeClr val="accent1"/>
+          </a:fillRef>
+          <a:effectRef idx="0">
+            <a:schemeClr val="accent1"/>
+          </a:effectRef>
+          <a:fontRef idx="minor">
+            <a:schemeClr val="lt1"/>
+          </a:fontRef>
+        </p:style>
+        <p:txBody>
+          <a:bodyPr rtlCol="0" anchor="ctr"/>
+          <a:lstStyle/>
+          <a:p>
+            <a:pPr algn="ctr"/>
+            <a:r>
+              <a:rPr lang="en-US" dirty="0">
+                <a:solidFill>
+                  <a:schemeClr val="bg1"/>
+                </a:solidFill>
+              </a:rPr>
+              <a:t>Find Method</a:t>
+            </a:r>
+          </a:p>
+        </p:txBody>
+      </p:sp>
+      <p:sp>
+        <p:nvSpPr>
+          <p:cNvPr id="47" name="Rectangle 46">
+            <a:extLst>
+              <a:ext uri="{FF2B5EF4-FFF2-40B4-BE49-F238E27FC236}">
+                <a16:creationId xmlns:a16="http://schemas.microsoft.com/office/drawing/2014/main" id="{4AEFF79D-DF88-4F76-BC56-3FF0FD7280E0}"/>
+              </a:ext>
+            </a:extLst>
+          </p:cNvPr>
+          <p:cNvSpPr/>
+          <p:nvPr/>
+        </p:nvSpPr>
+        <p:spPr>
+          <a:xfrm>
+            <a:off x="7061003" y="1322955"/>
+            <a:ext cx="1546064" cy="664996"/>
+          </a:xfrm>
+          <a:prstGeom prst="rect">
+            <a:avLst/>
+          </a:prstGeom>
+          <a:solidFill>
+            <a:schemeClr val="tx1"/>
+          </a:solidFill>
+          <a:ln>
+            <a:noFill/>
+          </a:ln>
+        </p:spPr>
+        <p:style>
+          <a:lnRef idx="2">
+            <a:schemeClr val="accent1">
+              <a:shade val="50000"/>
+            </a:schemeClr>
+          </a:lnRef>
+          <a:fillRef idx="1">
+            <a:schemeClr val="accent1"/>
+          </a:fillRef>
+          <a:effectRef idx="0">
+            <a:schemeClr val="accent1"/>
+          </a:effectRef>
+          <a:fontRef idx="minor">
+            <a:schemeClr val="lt1"/>
+          </a:fontRef>
+        </p:style>
+        <p:txBody>
+          <a:bodyPr rtlCol="0" anchor="ctr"/>
+          <a:lstStyle/>
+          <a:p>
+            <a:pPr algn="ctr"/>
+            <a:r>
+              <a:rPr lang="en-US" dirty="0">
+                <a:solidFill>
+                  <a:schemeClr val="bg1"/>
+                </a:solidFill>
+              </a:rPr>
+              <a:t>Request to Params</a:t>
+            </a:r>
+          </a:p>
+        </p:txBody>
+      </p:sp>
+      <p:sp>
+        <p:nvSpPr>
+          <p:cNvPr id="46" name="Rectangle 45">
+            <a:extLst>
+              <a:ext uri="{FF2B5EF4-FFF2-40B4-BE49-F238E27FC236}">
+                <a16:creationId xmlns:a16="http://schemas.microsoft.com/office/drawing/2014/main" id="{8D2DEF69-B178-444E-8C95-B6EF12992F7B}"/>
+              </a:ext>
+            </a:extLst>
+          </p:cNvPr>
+          <p:cNvSpPr/>
+          <p:nvPr/>
+        </p:nvSpPr>
+        <p:spPr>
+          <a:xfrm>
+            <a:off x="4693938" y="1318006"/>
+            <a:ext cx="1546064" cy="664996"/>
+          </a:xfrm>
+          <a:prstGeom prst="rect">
+            <a:avLst/>
+          </a:prstGeom>
+          <a:solidFill>
+            <a:schemeClr val="tx1"/>
+          </a:solidFill>
+          <a:ln>
+            <a:noFill/>
+          </a:ln>
+        </p:spPr>
+        <p:style>
+          <a:lnRef idx="2">
+            <a:schemeClr val="accent1">
+              <a:shade val="50000"/>
+            </a:schemeClr>
+          </a:lnRef>
+          <a:fillRef idx="1">
+            <a:schemeClr val="accent1"/>
+          </a:fillRef>
+          <a:effectRef idx="0">
+            <a:schemeClr val="accent1"/>
+          </a:effectRef>
+          <a:fontRef idx="minor">
+            <a:schemeClr val="lt1"/>
+          </a:fontRef>
+        </p:style>
+        <p:txBody>
+          <a:bodyPr rtlCol="0" anchor="ctr"/>
+          <a:lstStyle/>
+          <a:p>
+            <a:pPr algn="ctr"/>
+            <a:r>
+              <a:rPr lang="en-US" dirty="0">
+                <a:solidFill>
+                  <a:schemeClr val="bg1"/>
+                </a:solidFill>
+              </a:rPr>
+              <a:t>Find Controller</a:t>
+            </a:r>
+          </a:p>
+        </p:txBody>
+      </p:sp>
+      <p:sp>
+        <p:nvSpPr>
+          <p:cNvPr id="45" name="Rectangle 44">
+            <a:extLst>
+              <a:ext uri="{FF2B5EF4-FFF2-40B4-BE49-F238E27FC236}">
+                <a16:creationId xmlns:a16="http://schemas.microsoft.com/office/drawing/2014/main" id="{C2311B18-FAED-44D8-9D37-83AEDD97D0E0}"/>
+              </a:ext>
+            </a:extLst>
+          </p:cNvPr>
+          <p:cNvSpPr/>
+          <p:nvPr/>
+        </p:nvSpPr>
+        <p:spPr>
+          <a:xfrm>
+            <a:off x="1146868" y="1314821"/>
+            <a:ext cx="1546064" cy="664996"/>
+          </a:xfrm>
+          <a:prstGeom prst="rect">
+            <a:avLst/>
+          </a:prstGeom>
+          <a:solidFill>
+            <a:schemeClr val="tx1"/>
+          </a:solidFill>
+          <a:ln>
+            <a:noFill/>
+          </a:ln>
+        </p:spPr>
+        <p:style>
+          <a:lnRef idx="2">
+            <a:schemeClr val="accent1">
+              <a:shade val="50000"/>
+            </a:schemeClr>
+          </a:lnRef>
+          <a:fillRef idx="1">
+            <a:schemeClr val="accent1"/>
+          </a:fillRef>
+          <a:effectRef idx="0">
+            <a:schemeClr val="accent1"/>
+          </a:effectRef>
+          <a:fontRef idx="minor">
+            <a:schemeClr val="lt1"/>
+          </a:fontRef>
+        </p:style>
+        <p:txBody>
+          <a:bodyPr rtlCol="0" anchor="ctr"/>
+          <a:lstStyle/>
+          <a:p>
+            <a:pPr algn="ctr"/>
+            <a:r>
+              <a:rPr lang="en-US" dirty="0">
+                <a:solidFill>
+                  <a:schemeClr val="bg1"/>
+                </a:solidFill>
+              </a:rPr>
+              <a:t>Request</a:t>
+            </a:r>
+          </a:p>
+        </p:txBody>
+      </p:sp>
+      <p:sp>
+        <p:nvSpPr>
           <p:cNvPr id="2" name="Title 1"/>
           <p:cNvSpPr>
             <a:spLocks noGrp="1"/>
@@ -10140,11 +11027,119 @@
             <p:ph type="title"/>
           </p:nvPr>
         </p:nvSpPr>
-        <p:spPr/>
+        <p:spPr>
+          <a:xfrm>
+            <a:off x="646111" y="420061"/>
+            <a:ext cx="9404723" cy="958808"/>
+          </a:xfrm>
+        </p:spPr>
         <p:txBody>
           <a:bodyPr/>
           <a:lstStyle/>
           <a:p>
+            <a:r>
+              <a:rPr lang="en-US" dirty="0"/>
+              <a:t>ASP.NET Web API</a:t>
+            </a:r>
+          </a:p>
+        </p:txBody>
+      </p:sp>
+      <p:sp>
+        <p:nvSpPr>
+          <p:cNvPr id="6" name="Rectangle 5">
+            <a:extLst>
+              <a:ext uri="{FF2B5EF4-FFF2-40B4-BE49-F238E27FC236}">
+                <a16:creationId xmlns:a16="http://schemas.microsoft.com/office/drawing/2014/main" id="{080D95DE-576E-4446-8F5A-816AE77B67AA}"/>
+              </a:ext>
+            </a:extLst>
+          </p:cNvPr>
+          <p:cNvSpPr/>
+          <p:nvPr/>
+        </p:nvSpPr>
+        <p:spPr>
+          <a:xfrm>
+            <a:off x="3852522" y="1306626"/>
+            <a:ext cx="738337" cy="4499379"/>
+          </a:xfrm>
+          <a:prstGeom prst="rect">
+            <a:avLst/>
+          </a:prstGeom>
+          <a:solidFill>
+            <a:schemeClr val="accent6">
+              <a:lumMod val="75000"/>
+            </a:schemeClr>
+          </a:solidFill>
+        </p:spPr>
+        <p:style>
+          <a:lnRef idx="2">
+            <a:schemeClr val="accent1">
+              <a:shade val="50000"/>
+            </a:schemeClr>
+          </a:lnRef>
+          <a:fillRef idx="1">
+            <a:schemeClr val="accent1"/>
+          </a:fillRef>
+          <a:effectRef idx="0">
+            <a:schemeClr val="accent1"/>
+          </a:effectRef>
+          <a:fontRef idx="minor">
+            <a:schemeClr val="lt1"/>
+          </a:fontRef>
+        </p:style>
+        <p:txBody>
+          <a:bodyPr vert="vert270" rtlCol="0" anchor="ctr"/>
+          <a:lstStyle/>
+          <a:p>
+            <a:pPr algn="ctr"/>
+            <a:r>
+              <a:rPr lang="en-US" dirty="0"/>
+              <a:t>ASP.NET</a:t>
+            </a:r>
+          </a:p>
+        </p:txBody>
+      </p:sp>
+      <p:sp>
+        <p:nvSpPr>
+          <p:cNvPr id="7" name="Rectangle 6">
+            <a:extLst>
+              <a:ext uri="{FF2B5EF4-FFF2-40B4-BE49-F238E27FC236}">
+                <a16:creationId xmlns:a16="http://schemas.microsoft.com/office/drawing/2014/main" id="{9BEE2223-FDD4-47D3-B1A3-058C55EBA847}"/>
+              </a:ext>
+            </a:extLst>
+          </p:cNvPr>
+          <p:cNvSpPr/>
+          <p:nvPr/>
+        </p:nvSpPr>
+        <p:spPr>
+          <a:xfrm>
+            <a:off x="6309972" y="1247227"/>
+            <a:ext cx="738338" cy="1548644"/>
+          </a:xfrm>
+          <a:prstGeom prst="rect">
+            <a:avLst/>
+          </a:prstGeom>
+        </p:spPr>
+        <p:style>
+          <a:lnRef idx="2">
+            <a:schemeClr val="accent1">
+              <a:shade val="50000"/>
+            </a:schemeClr>
+          </a:lnRef>
+          <a:fillRef idx="1">
+            <a:schemeClr val="accent1"/>
+          </a:fillRef>
+          <a:effectRef idx="0">
+            <a:schemeClr val="accent1"/>
+          </a:effectRef>
+          <a:fontRef idx="minor">
+            <a:schemeClr val="lt1"/>
+          </a:fontRef>
+        </p:style>
+        <p:txBody>
+          <a:bodyPr vert="vert270" rtlCol="0" anchor="ctr"/>
+          <a:lstStyle/>
+          <a:p>
+            <a:pPr algn="ctr"/>
             <a:r>
               <a:rPr lang="en-US" dirty="0"/>
               <a:t>Controller</a:t>
@@ -10154,50 +11149,873 @@
       </p:sp>
       <p:sp>
         <p:nvSpPr>
-          <p:cNvPr id="3" name="Content Placeholder 2"/>
-          <p:cNvSpPr>
-            <a:spLocks noGrp="1"/>
-          </p:cNvSpPr>
-          <p:nvPr>
-            <p:ph idx="1"/>
-          </p:nvPr>
-        </p:nvSpPr>
-        <p:spPr/>
-        <p:txBody>
-          <a:bodyPr>
-            <a:normAutofit/>
-          </a:bodyPr>
-          <a:lstStyle/>
-          <a:p>
-            <a:r>
-              <a:rPr lang="en-US" sz="2800" dirty="0"/>
-              <a:t>The request initially goes to the controller</a:t>
-            </a:r>
-          </a:p>
-          <a:p>
-            <a:r>
-              <a:rPr lang="en-US" sz="2800" dirty="0"/>
-              <a:t>Based upon the route a method is run.</a:t>
-            </a:r>
-          </a:p>
-          <a:p>
-            <a:r>
-              <a:rPr lang="en-US" sz="2800" dirty="0"/>
-              <a:t>The JSON body of the request can be bound to a model.</a:t>
-            </a:r>
-          </a:p>
-          <a:p>
-            <a:r>
-              <a:rPr lang="en-US" sz="2800" dirty="0"/>
-              <a:t>Whatever is returned from the method is returned in JSON.</a:t>
-            </a:r>
-          </a:p>
-        </p:txBody>
-      </p:sp>
+          <p:cNvPr id="8" name="Rectangle 7">
+            <a:extLst>
+              <a:ext uri="{FF2B5EF4-FFF2-40B4-BE49-F238E27FC236}">
+                <a16:creationId xmlns:a16="http://schemas.microsoft.com/office/drawing/2014/main" id="{746A9021-8946-46AD-A047-FD5E9A5C81D0}"/>
+              </a:ext>
+            </a:extLst>
+          </p:cNvPr>
+          <p:cNvSpPr/>
+          <p:nvPr/>
+        </p:nvSpPr>
+        <p:spPr>
+          <a:xfrm>
+            <a:off x="8588875" y="1322614"/>
+            <a:ext cx="738339" cy="4521302"/>
+          </a:xfrm>
+          <a:prstGeom prst="rect">
+            <a:avLst/>
+          </a:prstGeom>
+        </p:spPr>
+        <p:style>
+          <a:lnRef idx="2">
+            <a:schemeClr val="accent1">
+              <a:shade val="50000"/>
+            </a:schemeClr>
+          </a:lnRef>
+          <a:fillRef idx="1">
+            <a:schemeClr val="accent1"/>
+          </a:fillRef>
+          <a:effectRef idx="0">
+            <a:schemeClr val="accent1"/>
+          </a:effectRef>
+          <a:fontRef idx="minor">
+            <a:schemeClr val="lt1"/>
+          </a:fontRef>
+        </p:style>
+        <p:txBody>
+          <a:bodyPr vert="vert270" rtlCol="0" anchor="ctr"/>
+          <a:lstStyle/>
+          <a:p>
+            <a:pPr algn="ctr"/>
+            <a:r>
+              <a:rPr lang="en-US" dirty="0"/>
+              <a:t>Model Binding</a:t>
+            </a:r>
+          </a:p>
+        </p:txBody>
+      </p:sp>
+      <p:sp>
+        <p:nvSpPr>
+          <p:cNvPr id="9" name="Rectangle 8">
+            <a:extLst>
+              <a:ext uri="{FF2B5EF4-FFF2-40B4-BE49-F238E27FC236}">
+                <a16:creationId xmlns:a16="http://schemas.microsoft.com/office/drawing/2014/main" id="{3A7C73F3-E115-460F-950C-086644F1B06E}"/>
+              </a:ext>
+            </a:extLst>
+          </p:cNvPr>
+          <p:cNvSpPr/>
+          <p:nvPr/>
+        </p:nvSpPr>
+        <p:spPr>
+          <a:xfrm>
+            <a:off x="10807534" y="5260830"/>
+            <a:ext cx="730016" cy="1173794"/>
+          </a:xfrm>
+          <a:prstGeom prst="rect">
+            <a:avLst/>
+          </a:prstGeom>
+        </p:spPr>
+        <p:style>
+          <a:lnRef idx="2">
+            <a:schemeClr val="accent1">
+              <a:shade val="50000"/>
+            </a:schemeClr>
+          </a:lnRef>
+          <a:fillRef idx="1">
+            <a:schemeClr val="accent1"/>
+          </a:fillRef>
+          <a:effectRef idx="0">
+            <a:schemeClr val="accent1"/>
+          </a:effectRef>
+          <a:fontRef idx="minor">
+            <a:schemeClr val="lt1"/>
+          </a:fontRef>
+        </p:style>
+        <p:txBody>
+          <a:bodyPr vert="vert270" rtlCol="0" anchor="ctr"/>
+          <a:lstStyle/>
+          <a:p>
+            <a:pPr algn="ctr"/>
+            <a:r>
+              <a:rPr lang="en-US" dirty="0"/>
+              <a:t>Action Method</a:t>
+            </a:r>
+          </a:p>
+        </p:txBody>
+      </p:sp>
+      <p:sp>
+        <p:nvSpPr>
+          <p:cNvPr id="10" name="Rectangle 9">
+            <a:extLst>
+              <a:ext uri="{FF2B5EF4-FFF2-40B4-BE49-F238E27FC236}">
+                <a16:creationId xmlns:a16="http://schemas.microsoft.com/office/drawing/2014/main" id="{3FC8265C-3614-452A-AC8F-431B5B7E5CF9}"/>
+              </a:ext>
+            </a:extLst>
+          </p:cNvPr>
+          <p:cNvSpPr/>
+          <p:nvPr/>
+        </p:nvSpPr>
+        <p:spPr>
+          <a:xfrm>
+            <a:off x="355677" y="1322614"/>
+            <a:ext cx="738337" cy="5082668"/>
+          </a:xfrm>
+          <a:prstGeom prst="rect">
+            <a:avLst/>
+          </a:prstGeom>
+          <a:solidFill>
+            <a:schemeClr val="bg2">
+              <a:lumMod val="60000"/>
+              <a:lumOff val="40000"/>
+            </a:schemeClr>
+          </a:solidFill>
+        </p:spPr>
+        <p:style>
+          <a:lnRef idx="2">
+            <a:schemeClr val="accent1">
+              <a:shade val="50000"/>
+            </a:schemeClr>
+          </a:lnRef>
+          <a:fillRef idx="1">
+            <a:schemeClr val="accent1"/>
+          </a:fillRef>
+          <a:effectRef idx="0">
+            <a:schemeClr val="accent1"/>
+          </a:effectRef>
+          <a:fontRef idx="minor">
+            <a:schemeClr val="lt1"/>
+          </a:fontRef>
+        </p:style>
+        <p:txBody>
+          <a:bodyPr vert="vert270" rtlCol="0" anchor="ctr"/>
+          <a:lstStyle/>
+          <a:p>
+            <a:pPr algn="ctr"/>
+            <a:r>
+              <a:rPr lang="en-US" dirty="0"/>
+              <a:t>Request / Browser</a:t>
+            </a:r>
+          </a:p>
+        </p:txBody>
+      </p:sp>
+      <p:sp>
+        <p:nvSpPr>
+          <p:cNvPr id="11" name="Rectangle 10">
+            <a:extLst>
+              <a:ext uri="{FF2B5EF4-FFF2-40B4-BE49-F238E27FC236}">
+                <a16:creationId xmlns:a16="http://schemas.microsoft.com/office/drawing/2014/main" id="{AD54FF05-73E6-4DCF-84EA-CCADD5EFC7BC}"/>
+              </a:ext>
+            </a:extLst>
+          </p:cNvPr>
+          <p:cNvSpPr/>
+          <p:nvPr/>
+        </p:nvSpPr>
+        <p:spPr>
+          <a:xfrm>
+            <a:off x="2738628" y="1306626"/>
+            <a:ext cx="738337" cy="4499381"/>
+          </a:xfrm>
+          <a:prstGeom prst="rect">
+            <a:avLst/>
+          </a:prstGeom>
+          <a:solidFill>
+            <a:schemeClr val="accent6">
+              <a:lumMod val="75000"/>
+            </a:schemeClr>
+          </a:solidFill>
+        </p:spPr>
+        <p:style>
+          <a:lnRef idx="2">
+            <a:schemeClr val="accent1">
+              <a:shade val="50000"/>
+            </a:schemeClr>
+          </a:lnRef>
+          <a:fillRef idx="1">
+            <a:schemeClr val="accent1"/>
+          </a:fillRef>
+          <a:effectRef idx="0">
+            <a:schemeClr val="accent1"/>
+          </a:effectRef>
+          <a:fontRef idx="minor">
+            <a:schemeClr val="lt1"/>
+          </a:fontRef>
+        </p:style>
+        <p:txBody>
+          <a:bodyPr vert="vert270" rtlCol="0" anchor="ctr"/>
+          <a:lstStyle/>
+          <a:p>
+            <a:pPr algn="ctr"/>
+            <a:r>
+              <a:rPr lang="en-US" dirty="0"/>
+              <a:t>Server</a:t>
+            </a:r>
+          </a:p>
+        </p:txBody>
+      </p:sp>
+      <p:sp>
+        <p:nvSpPr>
+          <p:cNvPr id="12" name="Rectangle 11">
+            <a:extLst>
+              <a:ext uri="{FF2B5EF4-FFF2-40B4-BE49-F238E27FC236}">
+                <a16:creationId xmlns:a16="http://schemas.microsoft.com/office/drawing/2014/main" id="{E0FF2AB8-1FF1-4ADB-A796-C2F30A43A091}"/>
+              </a:ext>
+            </a:extLst>
+          </p:cNvPr>
+          <p:cNvSpPr/>
+          <p:nvPr/>
+        </p:nvSpPr>
+        <p:spPr>
+          <a:xfrm>
+            <a:off x="10807534" y="3974936"/>
+            <a:ext cx="730016" cy="1173793"/>
+          </a:xfrm>
+          <a:prstGeom prst="rect">
+            <a:avLst/>
+          </a:prstGeom>
+        </p:spPr>
+        <p:style>
+          <a:lnRef idx="2">
+            <a:schemeClr val="accent1">
+              <a:shade val="50000"/>
+            </a:schemeClr>
+          </a:lnRef>
+          <a:fillRef idx="1">
+            <a:schemeClr val="accent1"/>
+          </a:fillRef>
+          <a:effectRef idx="0">
+            <a:schemeClr val="accent1"/>
+          </a:effectRef>
+          <a:fontRef idx="minor">
+            <a:schemeClr val="lt1"/>
+          </a:fontRef>
+        </p:style>
+        <p:txBody>
+          <a:bodyPr vert="vert270" rtlCol="0" anchor="ctr"/>
+          <a:lstStyle/>
+          <a:p>
+            <a:pPr algn="ctr"/>
+            <a:r>
+              <a:rPr lang="en-US" dirty="0"/>
+              <a:t>Action Method</a:t>
+            </a:r>
+          </a:p>
+        </p:txBody>
+      </p:sp>
+      <p:sp>
+        <p:nvSpPr>
+          <p:cNvPr id="13" name="Rectangle 12">
+            <a:extLst>
+              <a:ext uri="{FF2B5EF4-FFF2-40B4-BE49-F238E27FC236}">
+                <a16:creationId xmlns:a16="http://schemas.microsoft.com/office/drawing/2014/main" id="{0B95A1D5-FCB0-427A-B8FD-4131A04028E4}"/>
+              </a:ext>
+            </a:extLst>
+          </p:cNvPr>
+          <p:cNvSpPr/>
+          <p:nvPr/>
+        </p:nvSpPr>
+        <p:spPr>
+          <a:xfrm>
+            <a:off x="10807534" y="2656384"/>
+            <a:ext cx="730016" cy="1173793"/>
+          </a:xfrm>
+          <a:prstGeom prst="rect">
+            <a:avLst/>
+          </a:prstGeom>
+        </p:spPr>
+        <p:style>
+          <a:lnRef idx="2">
+            <a:schemeClr val="accent1">
+              <a:shade val="50000"/>
+            </a:schemeClr>
+          </a:lnRef>
+          <a:fillRef idx="1">
+            <a:schemeClr val="accent1"/>
+          </a:fillRef>
+          <a:effectRef idx="0">
+            <a:schemeClr val="accent1"/>
+          </a:effectRef>
+          <a:fontRef idx="minor">
+            <a:schemeClr val="lt1"/>
+          </a:fontRef>
+        </p:style>
+        <p:txBody>
+          <a:bodyPr vert="vert270" rtlCol="0" anchor="ctr"/>
+          <a:lstStyle/>
+          <a:p>
+            <a:pPr algn="ctr"/>
+            <a:r>
+              <a:rPr lang="en-US" dirty="0"/>
+              <a:t>Action Method</a:t>
+            </a:r>
+          </a:p>
+        </p:txBody>
+      </p:sp>
+      <p:sp>
+        <p:nvSpPr>
+          <p:cNvPr id="14" name="Rectangle 13">
+            <a:extLst>
+              <a:ext uri="{FF2B5EF4-FFF2-40B4-BE49-F238E27FC236}">
+                <a16:creationId xmlns:a16="http://schemas.microsoft.com/office/drawing/2014/main" id="{78D751C2-0B4C-4764-94FB-BAD3B17A481E}"/>
+              </a:ext>
+            </a:extLst>
+          </p:cNvPr>
+          <p:cNvSpPr/>
+          <p:nvPr/>
+        </p:nvSpPr>
+        <p:spPr>
+          <a:xfrm>
+            <a:off x="10800316" y="1336731"/>
+            <a:ext cx="730016" cy="1173793"/>
+          </a:xfrm>
+          <a:prstGeom prst="rect">
+            <a:avLst/>
+          </a:prstGeom>
+        </p:spPr>
+        <p:style>
+          <a:lnRef idx="2">
+            <a:schemeClr val="accent1">
+              <a:shade val="50000"/>
+            </a:schemeClr>
+          </a:lnRef>
+          <a:fillRef idx="1">
+            <a:schemeClr val="accent1"/>
+          </a:fillRef>
+          <a:effectRef idx="0">
+            <a:schemeClr val="accent1"/>
+          </a:effectRef>
+          <a:fontRef idx="minor">
+            <a:schemeClr val="lt1"/>
+          </a:fontRef>
+        </p:style>
+        <p:txBody>
+          <a:bodyPr vert="vert270" rtlCol="0" anchor="ctr"/>
+          <a:lstStyle/>
+          <a:p>
+            <a:pPr algn="ctr"/>
+            <a:r>
+              <a:rPr lang="en-US" dirty="0"/>
+              <a:t>Action Method</a:t>
+            </a:r>
+          </a:p>
+        </p:txBody>
+      </p:sp>
+      <p:sp>
+        <p:nvSpPr>
+          <p:cNvPr id="16" name="Rectangle 15">
+            <a:extLst>
+              <a:ext uri="{FF2B5EF4-FFF2-40B4-BE49-F238E27FC236}">
+                <a16:creationId xmlns:a16="http://schemas.microsoft.com/office/drawing/2014/main" id="{51FD7B8C-73A3-47F1-A666-FC6ADFE05C8F}"/>
+              </a:ext>
+            </a:extLst>
+          </p:cNvPr>
+          <p:cNvSpPr/>
+          <p:nvPr/>
+        </p:nvSpPr>
+        <p:spPr>
+          <a:xfrm>
+            <a:off x="6309972" y="2910924"/>
+            <a:ext cx="738338" cy="1416258"/>
+          </a:xfrm>
+          <a:prstGeom prst="rect">
+            <a:avLst/>
+          </a:prstGeom>
+        </p:spPr>
+        <p:style>
+          <a:lnRef idx="2">
+            <a:schemeClr val="accent1">
+              <a:shade val="50000"/>
+            </a:schemeClr>
+          </a:lnRef>
+          <a:fillRef idx="1">
+            <a:schemeClr val="accent1"/>
+          </a:fillRef>
+          <a:effectRef idx="0">
+            <a:schemeClr val="accent1"/>
+          </a:effectRef>
+          <a:fontRef idx="minor">
+            <a:schemeClr val="lt1"/>
+          </a:fontRef>
+        </p:style>
+        <p:txBody>
+          <a:bodyPr vert="vert270" rtlCol="0" anchor="ctr"/>
+          <a:lstStyle/>
+          <a:p>
+            <a:pPr algn="ctr"/>
+            <a:r>
+              <a:rPr lang="en-US" dirty="0"/>
+              <a:t>Controller</a:t>
+            </a:r>
+          </a:p>
+        </p:txBody>
+      </p:sp>
+      <p:sp>
+        <p:nvSpPr>
+          <p:cNvPr id="17" name="Rectangle 16">
+            <a:extLst>
+              <a:ext uri="{FF2B5EF4-FFF2-40B4-BE49-F238E27FC236}">
+                <a16:creationId xmlns:a16="http://schemas.microsoft.com/office/drawing/2014/main" id="{7FA25F9C-49DB-4FFF-A8EE-8A4775E3E2E4}"/>
+              </a:ext>
+            </a:extLst>
+          </p:cNvPr>
+          <p:cNvSpPr/>
+          <p:nvPr/>
+        </p:nvSpPr>
+        <p:spPr>
+          <a:xfrm>
+            <a:off x="6309972" y="4427660"/>
+            <a:ext cx="738338" cy="1416256"/>
+          </a:xfrm>
+          <a:prstGeom prst="rect">
+            <a:avLst/>
+          </a:prstGeom>
+        </p:spPr>
+        <p:style>
+          <a:lnRef idx="2">
+            <a:schemeClr val="accent1">
+              <a:shade val="50000"/>
+            </a:schemeClr>
+          </a:lnRef>
+          <a:fillRef idx="1">
+            <a:schemeClr val="accent1"/>
+          </a:fillRef>
+          <a:effectRef idx="0">
+            <a:schemeClr val="accent1"/>
+          </a:effectRef>
+          <a:fontRef idx="minor">
+            <a:schemeClr val="lt1"/>
+          </a:fontRef>
+        </p:style>
+        <p:txBody>
+          <a:bodyPr vert="vert270" rtlCol="0" anchor="ctr"/>
+          <a:lstStyle/>
+          <a:p>
+            <a:pPr algn="ctr"/>
+            <a:r>
+              <a:rPr lang="en-US" dirty="0"/>
+              <a:t>Controller</a:t>
+            </a:r>
+          </a:p>
+        </p:txBody>
+      </p:sp>
+      <p:cxnSp>
+        <p:nvCxnSpPr>
+          <p:cNvPr id="19" name="Straight Arrow Connector 18">
+            <a:extLst>
+              <a:ext uri="{FF2B5EF4-FFF2-40B4-BE49-F238E27FC236}">
+                <a16:creationId xmlns:a16="http://schemas.microsoft.com/office/drawing/2014/main" id="{B470F948-5ADE-43C3-9D85-D7C5CCBA31D5}"/>
+              </a:ext>
+            </a:extLst>
+          </p:cNvPr>
+          <p:cNvCxnSpPr/>
+          <p:nvPr/>
+        </p:nvCxnSpPr>
+        <p:spPr>
+          <a:xfrm>
+            <a:off x="767443" y="2106386"/>
+            <a:ext cx="2171700" cy="0"/>
+          </a:xfrm>
+          <a:prstGeom prst="straightConnector1">
+            <a:avLst/>
+          </a:prstGeom>
+          <a:ln w="127000">
+            <a:tailEnd type="triangle"/>
+          </a:ln>
+        </p:spPr>
+        <p:style>
+          <a:lnRef idx="3">
+            <a:schemeClr val="accent1"/>
+          </a:lnRef>
+          <a:fillRef idx="0">
+            <a:schemeClr val="accent1"/>
+          </a:fillRef>
+          <a:effectRef idx="2">
+            <a:schemeClr val="accent1"/>
+          </a:effectRef>
+          <a:fontRef idx="minor">
+            <a:schemeClr val="tx1"/>
+          </a:fontRef>
+        </p:style>
+      </p:cxnSp>
+      <p:cxnSp>
+        <p:nvCxnSpPr>
+          <p:cNvPr id="20" name="Straight Arrow Connector 19">
+            <a:extLst>
+              <a:ext uri="{FF2B5EF4-FFF2-40B4-BE49-F238E27FC236}">
+                <a16:creationId xmlns:a16="http://schemas.microsoft.com/office/drawing/2014/main" id="{D6722EAA-4CB8-4E8E-BF71-AE6B0BBBFDA1}"/>
+              </a:ext>
+            </a:extLst>
+          </p:cNvPr>
+          <p:cNvCxnSpPr>
+            <a:cxnSpLocks/>
+          </p:cNvCxnSpPr>
+          <p:nvPr/>
+        </p:nvCxnSpPr>
+        <p:spPr>
+          <a:xfrm flipV="1">
+            <a:off x="4536623" y="2106386"/>
+            <a:ext cx="1773349" cy="669425"/>
+          </a:xfrm>
+          <a:prstGeom prst="straightConnector1">
+            <a:avLst/>
+          </a:prstGeom>
+          <a:ln w="127000">
+            <a:tailEnd type="triangle"/>
+          </a:ln>
+        </p:spPr>
+        <p:style>
+          <a:lnRef idx="3">
+            <a:schemeClr val="accent1"/>
+          </a:lnRef>
+          <a:fillRef idx="0">
+            <a:schemeClr val="accent1"/>
+          </a:fillRef>
+          <a:effectRef idx="2">
+            <a:schemeClr val="accent1"/>
+          </a:effectRef>
+          <a:fontRef idx="minor">
+            <a:schemeClr val="tx1"/>
+          </a:fontRef>
+        </p:style>
+      </p:cxnSp>
+      <p:cxnSp>
+        <p:nvCxnSpPr>
+          <p:cNvPr id="22" name="Straight Arrow Connector 21">
+            <a:extLst>
+              <a:ext uri="{FF2B5EF4-FFF2-40B4-BE49-F238E27FC236}">
+                <a16:creationId xmlns:a16="http://schemas.microsoft.com/office/drawing/2014/main" id="{60FFFD60-5C45-4A28-9EC9-EAD50548D6BF}"/>
+              </a:ext>
+            </a:extLst>
+          </p:cNvPr>
+          <p:cNvCxnSpPr>
+            <a:cxnSpLocks/>
+            <a:endCxn id="17" idx="1"/>
+          </p:cNvCxnSpPr>
+          <p:nvPr/>
+        </p:nvCxnSpPr>
+        <p:spPr>
+          <a:xfrm>
+            <a:off x="4507441" y="4661844"/>
+            <a:ext cx="1802531" cy="473944"/>
+          </a:xfrm>
+          <a:prstGeom prst="straightConnector1">
+            <a:avLst/>
+          </a:prstGeom>
+          <a:ln w="127000">
+            <a:tailEnd type="triangle"/>
+          </a:ln>
+        </p:spPr>
+        <p:style>
+          <a:lnRef idx="3">
+            <a:schemeClr val="accent1"/>
+          </a:lnRef>
+          <a:fillRef idx="0">
+            <a:schemeClr val="accent1"/>
+          </a:fillRef>
+          <a:effectRef idx="2">
+            <a:schemeClr val="accent1"/>
+          </a:effectRef>
+          <a:fontRef idx="minor">
+            <a:schemeClr val="tx1"/>
+          </a:fontRef>
+        </p:style>
+      </p:cxnSp>
+      <p:cxnSp>
+        <p:nvCxnSpPr>
+          <p:cNvPr id="24" name="Straight Arrow Connector 23">
+            <a:extLst>
+              <a:ext uri="{FF2B5EF4-FFF2-40B4-BE49-F238E27FC236}">
+                <a16:creationId xmlns:a16="http://schemas.microsoft.com/office/drawing/2014/main" id="{0CEFF4E2-66EE-43F5-AC10-D5A1F74A5E3A}"/>
+              </a:ext>
+            </a:extLst>
+          </p:cNvPr>
+          <p:cNvCxnSpPr>
+            <a:cxnSpLocks/>
+            <a:endCxn id="16" idx="1"/>
+          </p:cNvCxnSpPr>
+          <p:nvPr/>
+        </p:nvCxnSpPr>
+        <p:spPr>
+          <a:xfrm flipV="1">
+            <a:off x="4507441" y="3619053"/>
+            <a:ext cx="1802531" cy="130766"/>
+          </a:xfrm>
+          <a:prstGeom prst="straightConnector1">
+            <a:avLst/>
+          </a:prstGeom>
+          <a:ln w="127000">
+            <a:tailEnd type="triangle"/>
+          </a:ln>
+        </p:spPr>
+        <p:style>
+          <a:lnRef idx="3">
+            <a:schemeClr val="accent1"/>
+          </a:lnRef>
+          <a:fillRef idx="0">
+            <a:schemeClr val="accent1"/>
+          </a:fillRef>
+          <a:effectRef idx="2">
+            <a:schemeClr val="accent1"/>
+          </a:effectRef>
+          <a:fontRef idx="minor">
+            <a:schemeClr val="tx1"/>
+          </a:fontRef>
+        </p:style>
+      </p:cxnSp>
+      <p:cxnSp>
+        <p:nvCxnSpPr>
+          <p:cNvPr id="28" name="Straight Arrow Connector 27">
+            <a:extLst>
+              <a:ext uri="{FF2B5EF4-FFF2-40B4-BE49-F238E27FC236}">
+                <a16:creationId xmlns:a16="http://schemas.microsoft.com/office/drawing/2014/main" id="{8D0F6C51-F955-4006-B627-D0270D3DF329}"/>
+              </a:ext>
+            </a:extLst>
+          </p:cNvPr>
+          <p:cNvCxnSpPr>
+            <a:cxnSpLocks/>
+          </p:cNvCxnSpPr>
+          <p:nvPr/>
+        </p:nvCxnSpPr>
+        <p:spPr>
+          <a:xfrm flipV="1">
+            <a:off x="7127461" y="3749819"/>
+            <a:ext cx="1479606" cy="7472"/>
+          </a:xfrm>
+          <a:prstGeom prst="straightConnector1">
+            <a:avLst/>
+          </a:prstGeom>
+          <a:ln w="127000">
+            <a:tailEnd type="triangle"/>
+          </a:ln>
+        </p:spPr>
+        <p:style>
+          <a:lnRef idx="3">
+            <a:schemeClr val="accent1"/>
+          </a:lnRef>
+          <a:fillRef idx="0">
+            <a:schemeClr val="accent1"/>
+          </a:fillRef>
+          <a:effectRef idx="2">
+            <a:schemeClr val="accent1"/>
+          </a:effectRef>
+          <a:fontRef idx="minor">
+            <a:schemeClr val="tx1"/>
+          </a:fontRef>
+        </p:style>
+      </p:cxnSp>
+      <p:cxnSp>
+        <p:nvCxnSpPr>
+          <p:cNvPr id="30" name="Straight Arrow Connector 29">
+            <a:extLst>
+              <a:ext uri="{FF2B5EF4-FFF2-40B4-BE49-F238E27FC236}">
+                <a16:creationId xmlns:a16="http://schemas.microsoft.com/office/drawing/2014/main" id="{5D840645-A3C1-4429-8528-B41AD76AB6F3}"/>
+              </a:ext>
+            </a:extLst>
+          </p:cNvPr>
+          <p:cNvCxnSpPr>
+            <a:cxnSpLocks/>
+            <a:endCxn id="14" idx="1"/>
+          </p:cNvCxnSpPr>
+          <p:nvPr/>
+        </p:nvCxnSpPr>
+        <p:spPr>
+          <a:xfrm flipV="1">
+            <a:off x="9453372" y="1923628"/>
+            <a:ext cx="1346944" cy="782196"/>
+          </a:xfrm>
+          <a:prstGeom prst="straightConnector1">
+            <a:avLst/>
+          </a:prstGeom>
+          <a:ln w="127000">
+            <a:tailEnd type="triangle"/>
+          </a:ln>
+        </p:spPr>
+        <p:style>
+          <a:lnRef idx="3">
+            <a:schemeClr val="accent1"/>
+          </a:lnRef>
+          <a:fillRef idx="0">
+            <a:schemeClr val="accent1"/>
+          </a:fillRef>
+          <a:effectRef idx="2">
+            <a:schemeClr val="accent1"/>
+          </a:effectRef>
+          <a:fontRef idx="minor">
+            <a:schemeClr val="tx1"/>
+          </a:fontRef>
+        </p:style>
+      </p:cxnSp>
+      <p:cxnSp>
+        <p:nvCxnSpPr>
+          <p:cNvPr id="32" name="Straight Arrow Connector 31">
+            <a:extLst>
+              <a:ext uri="{FF2B5EF4-FFF2-40B4-BE49-F238E27FC236}">
+                <a16:creationId xmlns:a16="http://schemas.microsoft.com/office/drawing/2014/main" id="{028408A8-95D0-4DA1-A453-CBB597872B42}"/>
+              </a:ext>
+            </a:extLst>
+          </p:cNvPr>
+          <p:cNvCxnSpPr>
+            <a:cxnSpLocks/>
+            <a:endCxn id="13" idx="1"/>
+          </p:cNvCxnSpPr>
+          <p:nvPr/>
+        </p:nvCxnSpPr>
+        <p:spPr>
+          <a:xfrm flipV="1">
+            <a:off x="9453372" y="3243281"/>
+            <a:ext cx="1354162" cy="194198"/>
+          </a:xfrm>
+          <a:prstGeom prst="straightConnector1">
+            <a:avLst/>
+          </a:prstGeom>
+          <a:ln w="127000">
+            <a:tailEnd type="triangle"/>
+          </a:ln>
+        </p:spPr>
+        <p:style>
+          <a:lnRef idx="3">
+            <a:schemeClr val="accent1"/>
+          </a:lnRef>
+          <a:fillRef idx="0">
+            <a:schemeClr val="accent1"/>
+          </a:fillRef>
+          <a:effectRef idx="2">
+            <a:schemeClr val="accent1"/>
+          </a:effectRef>
+          <a:fontRef idx="minor">
+            <a:schemeClr val="tx1"/>
+          </a:fontRef>
+        </p:style>
+      </p:cxnSp>
+      <p:cxnSp>
+        <p:nvCxnSpPr>
+          <p:cNvPr id="37" name="Straight Arrow Connector 36">
+            <a:extLst>
+              <a:ext uri="{FF2B5EF4-FFF2-40B4-BE49-F238E27FC236}">
+                <a16:creationId xmlns:a16="http://schemas.microsoft.com/office/drawing/2014/main" id="{DC43CDA7-CF29-4000-9C91-DED9D120D02B}"/>
+              </a:ext>
+            </a:extLst>
+          </p:cNvPr>
+          <p:cNvCxnSpPr>
+            <a:cxnSpLocks/>
+            <a:endCxn id="12" idx="1"/>
+          </p:cNvCxnSpPr>
+          <p:nvPr/>
+        </p:nvCxnSpPr>
+        <p:spPr>
+          <a:xfrm>
+            <a:off x="9453372" y="4417074"/>
+            <a:ext cx="1354162" cy="144759"/>
+          </a:xfrm>
+          <a:prstGeom prst="straightConnector1">
+            <a:avLst/>
+          </a:prstGeom>
+          <a:ln w="127000">
+            <a:tailEnd type="triangle"/>
+          </a:ln>
+        </p:spPr>
+        <p:style>
+          <a:lnRef idx="3">
+            <a:schemeClr val="accent1"/>
+          </a:lnRef>
+          <a:fillRef idx="0">
+            <a:schemeClr val="accent1"/>
+          </a:fillRef>
+          <a:effectRef idx="2">
+            <a:schemeClr val="accent1"/>
+          </a:effectRef>
+          <a:fontRef idx="minor">
+            <a:schemeClr val="tx1"/>
+          </a:fontRef>
+        </p:style>
+      </p:cxnSp>
+      <p:cxnSp>
+        <p:nvCxnSpPr>
+          <p:cNvPr id="39" name="Straight Arrow Connector 38">
+            <a:extLst>
+              <a:ext uri="{FF2B5EF4-FFF2-40B4-BE49-F238E27FC236}">
+                <a16:creationId xmlns:a16="http://schemas.microsoft.com/office/drawing/2014/main" id="{3F862E39-D633-4B63-A827-383CF64D7BD0}"/>
+              </a:ext>
+            </a:extLst>
+          </p:cNvPr>
+          <p:cNvCxnSpPr>
+            <a:cxnSpLocks/>
+          </p:cNvCxnSpPr>
+          <p:nvPr/>
+        </p:nvCxnSpPr>
+        <p:spPr>
+          <a:xfrm flipH="1">
+            <a:off x="9062374" y="6175582"/>
+            <a:ext cx="1364024" cy="0"/>
+          </a:xfrm>
+          <a:prstGeom prst="straightConnector1">
+            <a:avLst/>
+          </a:prstGeom>
+          <a:ln w="127000">
+            <a:tailEnd type="triangle"/>
+          </a:ln>
+        </p:spPr>
+        <p:style>
+          <a:lnRef idx="3">
+            <a:schemeClr val="accent1"/>
+          </a:lnRef>
+          <a:fillRef idx="0">
+            <a:schemeClr val="accent1"/>
+          </a:fillRef>
+          <a:effectRef idx="2">
+            <a:schemeClr val="accent1"/>
+          </a:effectRef>
+          <a:fontRef idx="minor">
+            <a:schemeClr val="tx1"/>
+          </a:fontRef>
+        </p:style>
+      </p:cxnSp>
+      <p:cxnSp>
+        <p:nvCxnSpPr>
+          <p:cNvPr id="41" name="Straight Arrow Connector 40">
+            <a:extLst>
+              <a:ext uri="{FF2B5EF4-FFF2-40B4-BE49-F238E27FC236}">
+                <a16:creationId xmlns:a16="http://schemas.microsoft.com/office/drawing/2014/main" id="{7F634213-A678-483B-8CC7-D2CD17EB3799}"/>
+              </a:ext>
+            </a:extLst>
+          </p:cNvPr>
+          <p:cNvCxnSpPr>
+            <a:cxnSpLocks/>
+          </p:cNvCxnSpPr>
+          <p:nvPr/>
+        </p:nvCxnSpPr>
+        <p:spPr>
+          <a:xfrm flipH="1">
+            <a:off x="1181598" y="6175582"/>
+            <a:ext cx="7880776" cy="0"/>
+          </a:xfrm>
+          <a:prstGeom prst="straightConnector1">
+            <a:avLst/>
+          </a:prstGeom>
+          <a:ln w="127000">
+            <a:tailEnd type="triangle"/>
+          </a:ln>
+        </p:spPr>
+        <p:style>
+          <a:lnRef idx="3">
+            <a:schemeClr val="accent1"/>
+          </a:lnRef>
+          <a:fillRef idx="0">
+            <a:schemeClr val="accent1"/>
+          </a:fillRef>
+          <a:effectRef idx="2">
+            <a:schemeClr val="accent1"/>
+          </a:effectRef>
+          <a:fontRef idx="minor">
+            <a:schemeClr val="tx1"/>
+          </a:fontRef>
+        </p:style>
+      </p:cxnSp>
     </p:spTree>
     <p:extLst>
       <p:ext uri="{BB962C8B-B14F-4D97-AF65-F5344CB8AC3E}">
-        <p14:creationId xmlns:p14="http://schemas.microsoft.com/office/powerpoint/2010/main" val="3118741532"/>
+        <p14:creationId xmlns:p14="http://schemas.microsoft.com/office/powerpoint/2010/main" val="1298645044"/>
       </p:ext>
     </p:extLst>
   </p:cSld>
@@ -10226,6 +12044,437 @@
       </p:grpSpPr>
       <p:sp>
         <p:nvSpPr>
+          <p:cNvPr id="38" name="Rectangle 37">
+            <a:extLst>
+              <a:ext uri="{FF2B5EF4-FFF2-40B4-BE49-F238E27FC236}">
+                <a16:creationId xmlns:a16="http://schemas.microsoft.com/office/drawing/2014/main" id="{37AEE9FA-A456-4BBC-9474-FFBFA5FB446F}"/>
+              </a:ext>
+            </a:extLst>
+          </p:cNvPr>
+          <p:cNvSpPr/>
+          <p:nvPr/>
+        </p:nvSpPr>
+        <p:spPr>
+          <a:xfrm>
+            <a:off x="1839874" y="6249676"/>
+            <a:ext cx="8777092" cy="441079"/>
+          </a:xfrm>
+          <a:prstGeom prst="rect">
+            <a:avLst/>
+          </a:prstGeom>
+          <a:solidFill>
+            <a:schemeClr val="tx1"/>
+          </a:solidFill>
+          <a:ln>
+            <a:noFill/>
+          </a:ln>
+        </p:spPr>
+        <p:style>
+          <a:lnRef idx="2">
+            <a:schemeClr val="accent1">
+              <a:shade val="50000"/>
+            </a:schemeClr>
+          </a:lnRef>
+          <a:fillRef idx="1">
+            <a:schemeClr val="accent1"/>
+          </a:fillRef>
+          <a:effectRef idx="0">
+            <a:schemeClr val="accent1"/>
+          </a:effectRef>
+          <a:fontRef idx="minor">
+            <a:schemeClr val="lt1"/>
+          </a:fontRef>
+        </p:style>
+        <p:txBody>
+          <a:bodyPr rtlCol="0" anchor="ctr"/>
+          <a:lstStyle/>
+          <a:p>
+            <a:pPr algn="ctr"/>
+            <a:r>
+              <a:rPr lang="en-US" dirty="0">
+                <a:solidFill>
+                  <a:schemeClr val="bg1"/>
+                </a:solidFill>
+              </a:rPr>
+              <a:t>{ Id: 1, FirstName: Tom, </a:t>
+            </a:r>
+            <a:r>
+              <a:rPr lang="en-US" dirty="0" err="1">
+                <a:solidFill>
+                  <a:schemeClr val="bg1"/>
+                </a:solidFill>
+              </a:rPr>
+              <a:t>LastName</a:t>
+            </a:r>
+            <a:r>
+              <a:rPr lang="en-US" dirty="0">
+                <a:solidFill>
+                  <a:schemeClr val="bg1"/>
+                </a:solidFill>
+              </a:rPr>
+              <a:t>: Burns }</a:t>
+            </a:r>
+          </a:p>
+        </p:txBody>
+      </p:sp>
+      <p:sp>
+        <p:nvSpPr>
+          <p:cNvPr id="52" name="Rectangle 51">
+            <a:extLst>
+              <a:ext uri="{FF2B5EF4-FFF2-40B4-BE49-F238E27FC236}">
+                <a16:creationId xmlns:a16="http://schemas.microsoft.com/office/drawing/2014/main" id="{4FA283F2-1678-490E-A846-8C71B184E5EE}"/>
+              </a:ext>
+            </a:extLst>
+          </p:cNvPr>
+          <p:cNvSpPr/>
+          <p:nvPr/>
+        </p:nvSpPr>
+        <p:spPr>
+          <a:xfrm>
+            <a:off x="1139710" y="5353289"/>
+            <a:ext cx="1546064" cy="664996"/>
+          </a:xfrm>
+          <a:prstGeom prst="rect">
+            <a:avLst/>
+          </a:prstGeom>
+          <a:solidFill>
+            <a:schemeClr val="tx1"/>
+          </a:solidFill>
+          <a:ln>
+            <a:noFill/>
+          </a:ln>
+        </p:spPr>
+        <p:style>
+          <a:lnRef idx="2">
+            <a:schemeClr val="accent1">
+              <a:shade val="50000"/>
+            </a:schemeClr>
+          </a:lnRef>
+          <a:fillRef idx="1">
+            <a:schemeClr val="accent1"/>
+          </a:fillRef>
+          <a:effectRef idx="0">
+            <a:schemeClr val="accent1"/>
+          </a:effectRef>
+          <a:fontRef idx="minor">
+            <a:schemeClr val="lt1"/>
+          </a:fontRef>
+        </p:style>
+        <p:txBody>
+          <a:bodyPr rtlCol="0" anchor="ctr"/>
+          <a:lstStyle/>
+          <a:p>
+            <a:pPr algn="ctr"/>
+            <a:r>
+              <a:rPr lang="en-US" dirty="0">
+                <a:solidFill>
+                  <a:schemeClr val="bg1"/>
+                </a:solidFill>
+              </a:rPr>
+              <a:t>Response</a:t>
+            </a:r>
+          </a:p>
+        </p:txBody>
+      </p:sp>
+      <p:sp>
+        <p:nvSpPr>
+          <p:cNvPr id="51" name="Rectangle 50">
+            <a:extLst>
+              <a:ext uri="{FF2B5EF4-FFF2-40B4-BE49-F238E27FC236}">
+                <a16:creationId xmlns:a16="http://schemas.microsoft.com/office/drawing/2014/main" id="{3D421254-4891-4268-BD40-7FC3B4E1ADCD}"/>
+              </a:ext>
+            </a:extLst>
+          </p:cNvPr>
+          <p:cNvSpPr/>
+          <p:nvPr/>
+        </p:nvSpPr>
+        <p:spPr>
+          <a:xfrm>
+            <a:off x="9355397" y="5348064"/>
+            <a:ext cx="1383425" cy="703483"/>
+          </a:xfrm>
+          <a:prstGeom prst="rect">
+            <a:avLst/>
+          </a:prstGeom>
+          <a:solidFill>
+            <a:schemeClr val="tx1"/>
+          </a:solidFill>
+          <a:ln>
+            <a:noFill/>
+          </a:ln>
+        </p:spPr>
+        <p:style>
+          <a:lnRef idx="2">
+            <a:schemeClr val="accent1">
+              <a:shade val="50000"/>
+            </a:schemeClr>
+          </a:lnRef>
+          <a:fillRef idx="1">
+            <a:schemeClr val="accent1"/>
+          </a:fillRef>
+          <a:effectRef idx="0">
+            <a:schemeClr val="accent1"/>
+          </a:effectRef>
+          <a:fontRef idx="minor">
+            <a:schemeClr val="lt1"/>
+          </a:fontRef>
+        </p:style>
+        <p:txBody>
+          <a:bodyPr rtlCol="0" anchor="ctr"/>
+          <a:lstStyle/>
+          <a:p>
+            <a:pPr algn="ctr"/>
+            <a:r>
+              <a:rPr lang="en-US" dirty="0">
+                <a:solidFill>
+                  <a:schemeClr val="bg1"/>
+                </a:solidFill>
+              </a:rPr>
+              <a:t>Return to JSON</a:t>
+            </a:r>
+          </a:p>
+        </p:txBody>
+      </p:sp>
+      <p:sp>
+        <p:nvSpPr>
+          <p:cNvPr id="50" name="Rectangle 49">
+            <a:extLst>
+              <a:ext uri="{FF2B5EF4-FFF2-40B4-BE49-F238E27FC236}">
+                <a16:creationId xmlns:a16="http://schemas.microsoft.com/office/drawing/2014/main" id="{8629AF75-5B71-4872-AB24-36DA341BF1F9}"/>
+              </a:ext>
+            </a:extLst>
+          </p:cNvPr>
+          <p:cNvSpPr/>
+          <p:nvPr/>
+        </p:nvSpPr>
+        <p:spPr>
+          <a:xfrm>
+            <a:off x="9304116" y="1347016"/>
+            <a:ext cx="1546064" cy="664996"/>
+          </a:xfrm>
+          <a:prstGeom prst="rect">
+            <a:avLst/>
+          </a:prstGeom>
+          <a:solidFill>
+            <a:schemeClr val="tx1"/>
+          </a:solidFill>
+          <a:ln>
+            <a:noFill/>
+          </a:ln>
+        </p:spPr>
+        <p:style>
+          <a:lnRef idx="2">
+            <a:schemeClr val="accent1">
+              <a:shade val="50000"/>
+            </a:schemeClr>
+          </a:lnRef>
+          <a:fillRef idx="1">
+            <a:schemeClr val="accent1"/>
+          </a:fillRef>
+          <a:effectRef idx="0">
+            <a:schemeClr val="accent1"/>
+          </a:effectRef>
+          <a:fontRef idx="minor">
+            <a:schemeClr val="lt1"/>
+          </a:fontRef>
+        </p:style>
+        <p:txBody>
+          <a:bodyPr rtlCol="0" anchor="ctr"/>
+          <a:lstStyle/>
+          <a:p>
+            <a:pPr algn="ctr"/>
+            <a:r>
+              <a:rPr lang="en-US" dirty="0">
+                <a:solidFill>
+                  <a:schemeClr val="bg1"/>
+                </a:solidFill>
+              </a:rPr>
+              <a:t>Find Method</a:t>
+            </a:r>
+          </a:p>
+        </p:txBody>
+      </p:sp>
+      <p:sp>
+        <p:nvSpPr>
+          <p:cNvPr id="47" name="Rectangle 46">
+            <a:extLst>
+              <a:ext uri="{FF2B5EF4-FFF2-40B4-BE49-F238E27FC236}">
+                <a16:creationId xmlns:a16="http://schemas.microsoft.com/office/drawing/2014/main" id="{4AEFF79D-DF88-4F76-BC56-3FF0FD7280E0}"/>
+              </a:ext>
+            </a:extLst>
+          </p:cNvPr>
+          <p:cNvSpPr/>
+          <p:nvPr/>
+        </p:nvSpPr>
+        <p:spPr>
+          <a:xfrm>
+            <a:off x="7061003" y="1322955"/>
+            <a:ext cx="1546064" cy="664996"/>
+          </a:xfrm>
+          <a:prstGeom prst="rect">
+            <a:avLst/>
+          </a:prstGeom>
+          <a:solidFill>
+            <a:schemeClr val="tx1"/>
+          </a:solidFill>
+          <a:ln>
+            <a:noFill/>
+          </a:ln>
+        </p:spPr>
+        <p:style>
+          <a:lnRef idx="2">
+            <a:schemeClr val="accent1">
+              <a:shade val="50000"/>
+            </a:schemeClr>
+          </a:lnRef>
+          <a:fillRef idx="1">
+            <a:schemeClr val="accent1"/>
+          </a:fillRef>
+          <a:effectRef idx="0">
+            <a:schemeClr val="accent1"/>
+          </a:effectRef>
+          <a:fontRef idx="minor">
+            <a:schemeClr val="lt1"/>
+          </a:fontRef>
+        </p:style>
+        <p:txBody>
+          <a:bodyPr rtlCol="0" anchor="ctr"/>
+          <a:lstStyle/>
+          <a:p>
+            <a:pPr algn="ctr"/>
+            <a:r>
+              <a:rPr lang="en-US" dirty="0">
+                <a:solidFill>
+                  <a:schemeClr val="bg1"/>
+                </a:solidFill>
+              </a:rPr>
+              <a:t>Request to Params</a:t>
+            </a:r>
+          </a:p>
+        </p:txBody>
+      </p:sp>
+      <p:sp>
+        <p:nvSpPr>
+          <p:cNvPr id="46" name="Rectangle 45">
+            <a:extLst>
+              <a:ext uri="{FF2B5EF4-FFF2-40B4-BE49-F238E27FC236}">
+                <a16:creationId xmlns:a16="http://schemas.microsoft.com/office/drawing/2014/main" id="{8D2DEF69-B178-444E-8C95-B6EF12992F7B}"/>
+              </a:ext>
+            </a:extLst>
+          </p:cNvPr>
+          <p:cNvSpPr/>
+          <p:nvPr/>
+        </p:nvSpPr>
+        <p:spPr>
+          <a:xfrm>
+            <a:off x="4693938" y="1318006"/>
+            <a:ext cx="1546064" cy="664996"/>
+          </a:xfrm>
+          <a:prstGeom prst="rect">
+            <a:avLst/>
+          </a:prstGeom>
+          <a:solidFill>
+            <a:schemeClr val="tx1"/>
+          </a:solidFill>
+          <a:ln>
+            <a:noFill/>
+          </a:ln>
+        </p:spPr>
+        <p:style>
+          <a:lnRef idx="2">
+            <a:schemeClr val="accent1">
+              <a:shade val="50000"/>
+            </a:schemeClr>
+          </a:lnRef>
+          <a:fillRef idx="1">
+            <a:schemeClr val="accent1"/>
+          </a:fillRef>
+          <a:effectRef idx="0">
+            <a:schemeClr val="accent1"/>
+          </a:effectRef>
+          <a:fontRef idx="minor">
+            <a:schemeClr val="lt1"/>
+          </a:fontRef>
+        </p:style>
+        <p:txBody>
+          <a:bodyPr rtlCol="0" anchor="ctr"/>
+          <a:lstStyle/>
+          <a:p>
+            <a:pPr algn="ctr"/>
+            <a:r>
+              <a:rPr lang="en-US" dirty="0">
+                <a:solidFill>
+                  <a:schemeClr val="bg1"/>
+                </a:solidFill>
+              </a:rPr>
+              <a:t>Find Controller</a:t>
+            </a:r>
+          </a:p>
+        </p:txBody>
+      </p:sp>
+      <p:sp>
+        <p:nvSpPr>
+          <p:cNvPr id="45" name="Rectangle 44">
+            <a:extLst>
+              <a:ext uri="{FF2B5EF4-FFF2-40B4-BE49-F238E27FC236}">
+                <a16:creationId xmlns:a16="http://schemas.microsoft.com/office/drawing/2014/main" id="{C2311B18-FAED-44D8-9D37-83AEDD97D0E0}"/>
+              </a:ext>
+            </a:extLst>
+          </p:cNvPr>
+          <p:cNvSpPr/>
+          <p:nvPr/>
+        </p:nvSpPr>
+        <p:spPr>
+          <a:xfrm>
+            <a:off x="1146868" y="1314821"/>
+            <a:ext cx="1546064" cy="664996"/>
+          </a:xfrm>
+          <a:prstGeom prst="rect">
+            <a:avLst/>
+          </a:prstGeom>
+          <a:solidFill>
+            <a:schemeClr val="accent3">
+              <a:lumMod val="75000"/>
+            </a:schemeClr>
+          </a:solidFill>
+          <a:ln>
+            <a:noFill/>
+          </a:ln>
+        </p:spPr>
+        <p:style>
+          <a:lnRef idx="2">
+            <a:schemeClr val="accent1">
+              <a:shade val="50000"/>
+            </a:schemeClr>
+          </a:lnRef>
+          <a:fillRef idx="1">
+            <a:schemeClr val="accent1"/>
+          </a:fillRef>
+          <a:effectRef idx="0">
+            <a:schemeClr val="accent1"/>
+          </a:effectRef>
+          <a:fontRef idx="minor">
+            <a:schemeClr val="lt1"/>
+          </a:fontRef>
+        </p:style>
+        <p:txBody>
+          <a:bodyPr rtlCol="0" anchor="ctr"/>
+          <a:lstStyle/>
+          <a:p>
+            <a:pPr algn="ctr"/>
+            <a:r>
+              <a:rPr lang="en-US" dirty="0">
+                <a:solidFill>
+                  <a:schemeClr val="tx1"/>
+                </a:solidFill>
+              </a:rPr>
+              <a:t>Get Request</a:t>
+            </a:r>
+          </a:p>
+        </p:txBody>
+      </p:sp>
+      <p:sp>
+        <p:nvSpPr>
           <p:cNvPr id="2" name="Title 1"/>
           <p:cNvSpPr>
             <a:spLocks noGrp="1"/>
@@ -10234,171 +12483,947 @@
             <p:ph type="title"/>
           </p:nvPr>
         </p:nvSpPr>
-        <p:spPr/>
+        <p:spPr>
+          <a:xfrm>
+            <a:off x="646111" y="420061"/>
+            <a:ext cx="9404723" cy="958808"/>
+          </a:xfrm>
+        </p:spPr>
         <p:txBody>
           <a:bodyPr/>
           <a:lstStyle/>
           <a:p>
+            <a:pPr algn="ctr"/>
+            <a:r>
+              <a:rPr lang="en-US" sz="3200" dirty="0">
+                <a:solidFill>
+                  <a:schemeClr val="tx1"/>
+                </a:solidFill>
+              </a:rPr>
+              <a:t>https://www.google.com/Employee?id=1</a:t>
+            </a:r>
+            <a:br>
+              <a:rPr lang="en-US" sz="3200" dirty="0">
+                <a:solidFill>
+                  <a:schemeClr val="tx1"/>
+                </a:solidFill>
+              </a:rPr>
+            </a:br>
+            <a:endParaRPr lang="en-US" sz="3200" dirty="0">
+              <a:solidFill>
+                <a:schemeClr val="tx1"/>
+              </a:solidFill>
+            </a:endParaRPr>
+          </a:p>
+        </p:txBody>
+      </p:sp>
+      <p:sp>
+        <p:nvSpPr>
+          <p:cNvPr id="6" name="Rectangle 5">
+            <a:extLst>
+              <a:ext uri="{FF2B5EF4-FFF2-40B4-BE49-F238E27FC236}">
+                <a16:creationId xmlns:a16="http://schemas.microsoft.com/office/drawing/2014/main" id="{080D95DE-576E-4446-8F5A-816AE77B67AA}"/>
+              </a:ext>
+            </a:extLst>
+          </p:cNvPr>
+          <p:cNvSpPr/>
+          <p:nvPr/>
+        </p:nvSpPr>
+        <p:spPr>
+          <a:xfrm>
+            <a:off x="3852522" y="1306626"/>
+            <a:ext cx="738337" cy="4499379"/>
+          </a:xfrm>
+          <a:prstGeom prst="rect">
+            <a:avLst/>
+          </a:prstGeom>
+          <a:solidFill>
+            <a:schemeClr val="accent6">
+              <a:lumMod val="75000"/>
+            </a:schemeClr>
+          </a:solidFill>
+        </p:spPr>
+        <p:style>
+          <a:lnRef idx="2">
+            <a:schemeClr val="accent1">
+              <a:shade val="50000"/>
+            </a:schemeClr>
+          </a:lnRef>
+          <a:fillRef idx="1">
+            <a:schemeClr val="accent1"/>
+          </a:fillRef>
+          <a:effectRef idx="0">
+            <a:schemeClr val="accent1"/>
+          </a:effectRef>
+          <a:fontRef idx="minor">
+            <a:schemeClr val="lt1"/>
+          </a:fontRef>
+        </p:style>
+        <p:txBody>
+          <a:bodyPr vert="vert270" rtlCol="0" anchor="ctr"/>
+          <a:lstStyle/>
+          <a:p>
+            <a:pPr algn="ctr"/>
             <a:r>
               <a:rPr lang="en-US" dirty="0"/>
-              <a:t>Attributes</a:t>
-            </a:r>
-          </a:p>
-        </p:txBody>
-      </p:sp>
-      <p:sp>
-        <p:nvSpPr>
-          <p:cNvPr id="3" name="Content Placeholder 2"/>
-          <p:cNvSpPr>
-            <a:spLocks noGrp="1"/>
-          </p:cNvSpPr>
-          <p:nvPr>
-            <p:ph idx="1"/>
-          </p:nvPr>
-        </p:nvSpPr>
-        <p:spPr/>
-        <p:txBody>
-          <a:bodyPr>
-            <a:normAutofit fontScale="85000" lnSpcReduction="10000"/>
-          </a:bodyPr>
-          <a:lstStyle/>
-          <a:p>
-            <a:r>
-              <a:rPr lang="en-US" sz="2800" dirty="0"/>
-              <a:t>Allow for declarations on classes, methods, or properties.</a:t>
-            </a:r>
-          </a:p>
-          <a:p>
-            <a:r>
-              <a:rPr lang="en-US" sz="2800" dirty="0"/>
-              <a:t>Give special behavior or properties.</a:t>
-            </a:r>
-          </a:p>
-          <a:p>
-            <a:r>
-              <a:rPr lang="en-US" sz="2800" dirty="0"/>
-              <a:t>[</a:t>
-            </a:r>
-            <a:r>
-              <a:rPr lang="en-US" sz="2800" dirty="0" err="1"/>
-              <a:t>HttpGet</a:t>
-            </a:r>
-            <a:r>
-              <a:rPr lang="en-US" sz="2800" dirty="0"/>
-              <a:t>], [</a:t>
-            </a:r>
-            <a:r>
-              <a:rPr lang="en-US" sz="2800" dirty="0" err="1"/>
-              <a:t>HttpPost</a:t>
-            </a:r>
-            <a:r>
-              <a:rPr lang="en-US" sz="2800" dirty="0"/>
-              <a:t>], [</a:t>
-            </a:r>
-            <a:r>
-              <a:rPr lang="en-US" sz="2800" dirty="0" err="1"/>
-              <a:t>HttpPut</a:t>
-            </a:r>
-            <a:r>
-              <a:rPr lang="en-US" sz="2800" dirty="0"/>
-              <a:t>], [</a:t>
-            </a:r>
-            <a:r>
-              <a:rPr lang="en-US" sz="2800" dirty="0" err="1"/>
-              <a:t>HttpDelete</a:t>
-            </a:r>
-            <a:r>
-              <a:rPr lang="en-US" sz="2800" dirty="0"/>
-              <a:t>]</a:t>
-            </a:r>
-          </a:p>
-          <a:p>
-            <a:r>
-              <a:rPr lang="en-US" sz="2800" dirty="0"/>
-              <a:t>Example:</a:t>
-            </a:r>
-          </a:p>
-          <a:p>
-            <a:pPr marL="0" indent="0">
-              <a:buNone/>
-            </a:pPr>
-            <a:r>
-              <a:rPr lang="en-US" sz="2800" dirty="0"/>
-              <a:t>[</a:t>
-            </a:r>
-            <a:r>
-              <a:rPr lang="en-US" sz="2800" dirty="0" err="1"/>
-              <a:t>HttpPost</a:t>
-            </a:r>
-            <a:r>
-              <a:rPr lang="en-US" sz="2800" dirty="0"/>
-              <a:t>]</a:t>
-            </a:r>
-          </a:p>
-          <a:p>
-            <a:pPr marL="0" indent="0">
-              <a:buNone/>
-            </a:pPr>
-            <a:r>
-              <a:rPr lang="en-US" sz="2800" dirty="0"/>
-              <a:t>public void Post([</a:t>
-            </a:r>
-            <a:r>
-              <a:rPr lang="en-US" sz="2800" dirty="0" err="1"/>
-              <a:t>FromBody</a:t>
-            </a:r>
-            <a:r>
-              <a:rPr lang="en-US" sz="2800" dirty="0"/>
-              <a:t>]Answer answer)</a:t>
-            </a:r>
-          </a:p>
-          <a:p>
-            <a:pPr marL="0" indent="0">
-              <a:buNone/>
-            </a:pPr>
-            <a:r>
-              <a:rPr lang="en-US" sz="2800" dirty="0"/>
-              <a:t>{</a:t>
-            </a:r>
-          </a:p>
-          <a:p>
-            <a:pPr marL="0" indent="0">
-              <a:buNone/>
-            </a:pPr>
-            <a:r>
-              <a:rPr lang="en-US" sz="2800" dirty="0"/>
-              <a:t>   _</a:t>
-            </a:r>
-            <a:r>
-              <a:rPr lang="en-US" sz="2800" dirty="0" err="1"/>
-              <a:t>service.Insert</a:t>
-            </a:r>
-            <a:r>
-              <a:rPr lang="en-US" sz="2800" dirty="0"/>
-              <a:t>(answer);</a:t>
-            </a:r>
-          </a:p>
-          <a:p>
-            <a:pPr marL="0" indent="0">
-              <a:buNone/>
-            </a:pPr>
-            <a:r>
-              <a:rPr lang="en-US" sz="2800" dirty="0"/>
-              <a:t>}</a:t>
-            </a:r>
-          </a:p>
-          <a:p>
-            <a:pPr marL="0" indent="0">
-              <a:buNone/>
-            </a:pPr>
-            <a:endParaRPr lang="en-US" sz="2800" dirty="0"/>
+              <a:t>ASP.NET running on Web Server</a:t>
+            </a:r>
+          </a:p>
+        </p:txBody>
+      </p:sp>
+      <p:sp>
+        <p:nvSpPr>
+          <p:cNvPr id="7" name="Rectangle 6">
+            <a:extLst>
+              <a:ext uri="{FF2B5EF4-FFF2-40B4-BE49-F238E27FC236}">
+                <a16:creationId xmlns:a16="http://schemas.microsoft.com/office/drawing/2014/main" id="{9BEE2223-FDD4-47D3-B1A3-058C55EBA847}"/>
+              </a:ext>
+            </a:extLst>
+          </p:cNvPr>
+          <p:cNvSpPr/>
+          <p:nvPr/>
+        </p:nvSpPr>
+        <p:spPr>
+          <a:xfrm>
+            <a:off x="6309972" y="1247227"/>
+            <a:ext cx="738338" cy="1548644"/>
+          </a:xfrm>
+          <a:prstGeom prst="rect">
+            <a:avLst/>
+          </a:prstGeom>
+          <a:solidFill>
+            <a:schemeClr val="accent3">
+              <a:lumMod val="75000"/>
+            </a:schemeClr>
+          </a:solidFill>
+        </p:spPr>
+        <p:style>
+          <a:lnRef idx="2">
+            <a:schemeClr val="accent1">
+              <a:shade val="50000"/>
+            </a:schemeClr>
+          </a:lnRef>
+          <a:fillRef idx="1">
+            <a:schemeClr val="accent1"/>
+          </a:fillRef>
+          <a:effectRef idx="0">
+            <a:schemeClr val="accent1"/>
+          </a:effectRef>
+          <a:fontRef idx="minor">
+            <a:schemeClr val="lt1"/>
+          </a:fontRef>
+        </p:style>
+        <p:txBody>
+          <a:bodyPr vert="vert270" rtlCol="0" anchor="ctr"/>
+          <a:lstStyle/>
+          <a:p>
+            <a:pPr algn="ctr"/>
+            <a:r>
+              <a:rPr lang="en-US" dirty="0"/>
+              <a:t>Employee</a:t>
+            </a:r>
+          </a:p>
+        </p:txBody>
+      </p:sp>
+      <p:sp>
+        <p:nvSpPr>
+          <p:cNvPr id="8" name="Rectangle 7">
+            <a:extLst>
+              <a:ext uri="{FF2B5EF4-FFF2-40B4-BE49-F238E27FC236}">
+                <a16:creationId xmlns:a16="http://schemas.microsoft.com/office/drawing/2014/main" id="{746A9021-8946-46AD-A047-FD5E9A5C81D0}"/>
+              </a:ext>
+            </a:extLst>
+          </p:cNvPr>
+          <p:cNvSpPr/>
+          <p:nvPr/>
+        </p:nvSpPr>
+        <p:spPr>
+          <a:xfrm>
+            <a:off x="8588875" y="1322614"/>
+            <a:ext cx="738339" cy="4521302"/>
+          </a:xfrm>
+          <a:prstGeom prst="rect">
+            <a:avLst/>
+          </a:prstGeom>
+        </p:spPr>
+        <p:style>
+          <a:lnRef idx="2">
+            <a:schemeClr val="accent1">
+              <a:shade val="50000"/>
+            </a:schemeClr>
+          </a:lnRef>
+          <a:fillRef idx="1">
+            <a:schemeClr val="accent1"/>
+          </a:fillRef>
+          <a:effectRef idx="0">
+            <a:schemeClr val="accent1"/>
+          </a:effectRef>
+          <a:fontRef idx="minor">
+            <a:schemeClr val="lt1"/>
+          </a:fontRef>
+        </p:style>
+        <p:txBody>
+          <a:bodyPr vert="vert270" rtlCol="0" anchor="ctr"/>
+          <a:lstStyle/>
+          <a:p>
+            <a:pPr algn="ctr"/>
+            <a:r>
+              <a:rPr lang="en-US" dirty="0"/>
+              <a:t>Model Binding</a:t>
+            </a:r>
+          </a:p>
+        </p:txBody>
+      </p:sp>
+      <p:sp>
+        <p:nvSpPr>
+          <p:cNvPr id="9" name="Rectangle 8">
+            <a:extLst>
+              <a:ext uri="{FF2B5EF4-FFF2-40B4-BE49-F238E27FC236}">
+                <a16:creationId xmlns:a16="http://schemas.microsoft.com/office/drawing/2014/main" id="{3A7C73F3-E115-460F-950C-086644F1B06E}"/>
+              </a:ext>
+            </a:extLst>
+          </p:cNvPr>
+          <p:cNvSpPr/>
+          <p:nvPr/>
+        </p:nvSpPr>
+        <p:spPr>
+          <a:xfrm>
+            <a:off x="10807534" y="5260830"/>
+            <a:ext cx="730016" cy="1173794"/>
+          </a:xfrm>
+          <a:prstGeom prst="rect">
+            <a:avLst/>
+          </a:prstGeom>
+        </p:spPr>
+        <p:style>
+          <a:lnRef idx="2">
+            <a:schemeClr val="accent1">
+              <a:shade val="50000"/>
+            </a:schemeClr>
+          </a:lnRef>
+          <a:fillRef idx="1">
+            <a:schemeClr val="accent1"/>
+          </a:fillRef>
+          <a:effectRef idx="0">
+            <a:schemeClr val="accent1"/>
+          </a:effectRef>
+          <a:fontRef idx="minor">
+            <a:schemeClr val="lt1"/>
+          </a:fontRef>
+        </p:style>
+        <p:txBody>
+          <a:bodyPr vert="vert270" rtlCol="0" anchor="ctr"/>
+          <a:lstStyle/>
+          <a:p>
+            <a:pPr algn="ctr"/>
+            <a:r>
+              <a:rPr lang="en-US" dirty="0"/>
+              <a:t>Delete</a:t>
+            </a:r>
+          </a:p>
+        </p:txBody>
+      </p:sp>
+      <p:sp>
+        <p:nvSpPr>
+          <p:cNvPr id="10" name="Rectangle 9">
+            <a:extLst>
+              <a:ext uri="{FF2B5EF4-FFF2-40B4-BE49-F238E27FC236}">
+                <a16:creationId xmlns:a16="http://schemas.microsoft.com/office/drawing/2014/main" id="{3FC8265C-3614-452A-AC8F-431B5B7E5CF9}"/>
+              </a:ext>
+            </a:extLst>
+          </p:cNvPr>
+          <p:cNvSpPr/>
+          <p:nvPr/>
+        </p:nvSpPr>
+        <p:spPr>
+          <a:xfrm>
+            <a:off x="355677" y="1322614"/>
+            <a:ext cx="738337" cy="5082668"/>
+          </a:xfrm>
+          <a:prstGeom prst="rect">
+            <a:avLst/>
+          </a:prstGeom>
+          <a:solidFill>
+            <a:schemeClr val="bg2">
+              <a:lumMod val="60000"/>
+              <a:lumOff val="40000"/>
+            </a:schemeClr>
+          </a:solidFill>
+        </p:spPr>
+        <p:style>
+          <a:lnRef idx="2">
+            <a:schemeClr val="accent1">
+              <a:shade val="50000"/>
+            </a:schemeClr>
+          </a:lnRef>
+          <a:fillRef idx="1">
+            <a:schemeClr val="accent1"/>
+          </a:fillRef>
+          <a:effectRef idx="0">
+            <a:schemeClr val="accent1"/>
+          </a:effectRef>
+          <a:fontRef idx="minor">
+            <a:schemeClr val="lt1"/>
+          </a:fontRef>
+        </p:style>
+        <p:txBody>
+          <a:bodyPr vert="vert270" rtlCol="0" anchor="ctr"/>
+          <a:lstStyle/>
+          <a:p>
+            <a:pPr algn="ctr"/>
+            <a:r>
+              <a:rPr lang="en-US" dirty="0"/>
+              <a:t>https://www.google.com/Employee?id=1</a:t>
+            </a:r>
+          </a:p>
+        </p:txBody>
+      </p:sp>
+      <p:sp>
+        <p:nvSpPr>
+          <p:cNvPr id="11" name="Rectangle 10">
+            <a:extLst>
+              <a:ext uri="{FF2B5EF4-FFF2-40B4-BE49-F238E27FC236}">
+                <a16:creationId xmlns:a16="http://schemas.microsoft.com/office/drawing/2014/main" id="{AD54FF05-73E6-4DCF-84EA-CCADD5EFC7BC}"/>
+              </a:ext>
+            </a:extLst>
+          </p:cNvPr>
+          <p:cNvSpPr/>
+          <p:nvPr/>
+        </p:nvSpPr>
+        <p:spPr>
+          <a:xfrm>
+            <a:off x="2738628" y="1306626"/>
+            <a:ext cx="738337" cy="4499381"/>
+          </a:xfrm>
+          <a:prstGeom prst="rect">
+            <a:avLst/>
+          </a:prstGeom>
+          <a:solidFill>
+            <a:schemeClr val="accent6">
+              <a:lumMod val="75000"/>
+            </a:schemeClr>
+          </a:solidFill>
+        </p:spPr>
+        <p:style>
+          <a:lnRef idx="2">
+            <a:schemeClr val="accent1">
+              <a:shade val="50000"/>
+            </a:schemeClr>
+          </a:lnRef>
+          <a:fillRef idx="1">
+            <a:schemeClr val="accent1"/>
+          </a:fillRef>
+          <a:effectRef idx="0">
+            <a:schemeClr val="accent1"/>
+          </a:effectRef>
+          <a:fontRef idx="minor">
+            <a:schemeClr val="lt1"/>
+          </a:fontRef>
+        </p:style>
+        <p:txBody>
+          <a:bodyPr vert="vert270" rtlCol="0" anchor="ctr"/>
+          <a:lstStyle/>
+          <a:p>
+            <a:pPr algn="ctr"/>
+            <a:r>
+              <a:rPr lang="en-US" dirty="0"/>
+              <a:t>Google Server</a:t>
+            </a:r>
+          </a:p>
+        </p:txBody>
+      </p:sp>
+      <p:sp>
+        <p:nvSpPr>
+          <p:cNvPr id="12" name="Rectangle 11">
+            <a:extLst>
+              <a:ext uri="{FF2B5EF4-FFF2-40B4-BE49-F238E27FC236}">
+                <a16:creationId xmlns:a16="http://schemas.microsoft.com/office/drawing/2014/main" id="{E0FF2AB8-1FF1-4ADB-A796-C2F30A43A091}"/>
+              </a:ext>
+            </a:extLst>
+          </p:cNvPr>
+          <p:cNvSpPr/>
+          <p:nvPr/>
+        </p:nvSpPr>
+        <p:spPr>
+          <a:xfrm>
+            <a:off x="10807534" y="3974936"/>
+            <a:ext cx="730016" cy="1173793"/>
+          </a:xfrm>
+          <a:prstGeom prst="rect">
+            <a:avLst/>
+          </a:prstGeom>
+        </p:spPr>
+        <p:style>
+          <a:lnRef idx="2">
+            <a:schemeClr val="accent1">
+              <a:shade val="50000"/>
+            </a:schemeClr>
+          </a:lnRef>
+          <a:fillRef idx="1">
+            <a:schemeClr val="accent1"/>
+          </a:fillRef>
+          <a:effectRef idx="0">
+            <a:schemeClr val="accent1"/>
+          </a:effectRef>
+          <a:fontRef idx="minor">
+            <a:schemeClr val="lt1"/>
+          </a:fontRef>
+        </p:style>
+        <p:txBody>
+          <a:bodyPr vert="vert270" rtlCol="0" anchor="ctr"/>
+          <a:lstStyle/>
+          <a:p>
+            <a:pPr algn="ctr"/>
+            <a:r>
+              <a:rPr lang="en-US" dirty="0"/>
+              <a:t>Put</a:t>
+            </a:r>
+          </a:p>
+        </p:txBody>
+      </p:sp>
+      <p:sp>
+        <p:nvSpPr>
+          <p:cNvPr id="13" name="Rectangle 12">
+            <a:extLst>
+              <a:ext uri="{FF2B5EF4-FFF2-40B4-BE49-F238E27FC236}">
+                <a16:creationId xmlns:a16="http://schemas.microsoft.com/office/drawing/2014/main" id="{0B95A1D5-FCB0-427A-B8FD-4131A04028E4}"/>
+              </a:ext>
+            </a:extLst>
+          </p:cNvPr>
+          <p:cNvSpPr/>
+          <p:nvPr/>
+        </p:nvSpPr>
+        <p:spPr>
+          <a:xfrm>
+            <a:off x="10807534" y="2656384"/>
+            <a:ext cx="730016" cy="1173793"/>
+          </a:xfrm>
+          <a:prstGeom prst="rect">
+            <a:avLst/>
+          </a:prstGeom>
+        </p:spPr>
+        <p:style>
+          <a:lnRef idx="2">
+            <a:schemeClr val="accent1">
+              <a:shade val="50000"/>
+            </a:schemeClr>
+          </a:lnRef>
+          <a:fillRef idx="1">
+            <a:schemeClr val="accent1"/>
+          </a:fillRef>
+          <a:effectRef idx="0">
+            <a:schemeClr val="accent1"/>
+          </a:effectRef>
+          <a:fontRef idx="minor">
+            <a:schemeClr val="lt1"/>
+          </a:fontRef>
+        </p:style>
+        <p:txBody>
+          <a:bodyPr vert="vert270" rtlCol="0" anchor="ctr"/>
+          <a:lstStyle/>
+          <a:p>
+            <a:pPr algn="ctr"/>
+            <a:r>
+              <a:rPr lang="en-US" dirty="0"/>
+              <a:t>Post</a:t>
+            </a:r>
+          </a:p>
+        </p:txBody>
+      </p:sp>
+      <p:sp>
+        <p:nvSpPr>
+          <p:cNvPr id="14" name="Rectangle 13">
+            <a:extLst>
+              <a:ext uri="{FF2B5EF4-FFF2-40B4-BE49-F238E27FC236}">
+                <a16:creationId xmlns:a16="http://schemas.microsoft.com/office/drawing/2014/main" id="{78D751C2-0B4C-4764-94FB-BAD3B17A481E}"/>
+              </a:ext>
+            </a:extLst>
+          </p:cNvPr>
+          <p:cNvSpPr/>
+          <p:nvPr/>
+        </p:nvSpPr>
+        <p:spPr>
+          <a:xfrm>
+            <a:off x="10800316" y="1336731"/>
+            <a:ext cx="730016" cy="1173793"/>
+          </a:xfrm>
+          <a:prstGeom prst="rect">
+            <a:avLst/>
+          </a:prstGeom>
+          <a:solidFill>
+            <a:schemeClr val="accent3">
+              <a:lumMod val="75000"/>
+            </a:schemeClr>
+          </a:solidFill>
+        </p:spPr>
+        <p:style>
+          <a:lnRef idx="2">
+            <a:schemeClr val="accent1">
+              <a:shade val="50000"/>
+            </a:schemeClr>
+          </a:lnRef>
+          <a:fillRef idx="1">
+            <a:schemeClr val="accent1"/>
+          </a:fillRef>
+          <a:effectRef idx="0">
+            <a:schemeClr val="accent1"/>
+          </a:effectRef>
+          <a:fontRef idx="minor">
+            <a:schemeClr val="lt1"/>
+          </a:fontRef>
+        </p:style>
+        <p:txBody>
+          <a:bodyPr vert="vert270" rtlCol="0" anchor="ctr"/>
+          <a:lstStyle/>
+          <a:p>
+            <a:pPr algn="ctr"/>
+            <a:r>
+              <a:rPr lang="en-US" dirty="0"/>
+              <a:t>Get</a:t>
+            </a:r>
+          </a:p>
+        </p:txBody>
+      </p:sp>
+      <p:sp>
+        <p:nvSpPr>
+          <p:cNvPr id="16" name="Rectangle 15">
+            <a:extLst>
+              <a:ext uri="{FF2B5EF4-FFF2-40B4-BE49-F238E27FC236}">
+                <a16:creationId xmlns:a16="http://schemas.microsoft.com/office/drawing/2014/main" id="{51FD7B8C-73A3-47F1-A666-FC6ADFE05C8F}"/>
+              </a:ext>
+            </a:extLst>
+          </p:cNvPr>
+          <p:cNvSpPr/>
+          <p:nvPr/>
+        </p:nvSpPr>
+        <p:spPr>
+          <a:xfrm>
+            <a:off x="6309972" y="2910924"/>
+            <a:ext cx="738338" cy="1416258"/>
+          </a:xfrm>
+          <a:prstGeom prst="rect">
+            <a:avLst/>
+          </a:prstGeom>
+        </p:spPr>
+        <p:style>
+          <a:lnRef idx="2">
+            <a:schemeClr val="accent1">
+              <a:shade val="50000"/>
+            </a:schemeClr>
+          </a:lnRef>
+          <a:fillRef idx="1">
+            <a:schemeClr val="accent1"/>
+          </a:fillRef>
+          <a:effectRef idx="0">
+            <a:schemeClr val="accent1"/>
+          </a:effectRef>
+          <a:fontRef idx="minor">
+            <a:schemeClr val="lt1"/>
+          </a:fontRef>
+        </p:style>
+        <p:txBody>
+          <a:bodyPr vert="vert270" rtlCol="0" anchor="ctr"/>
+          <a:lstStyle/>
+          <a:p>
+            <a:pPr algn="ctr"/>
+            <a:r>
+              <a:rPr lang="en-US" dirty="0"/>
+              <a:t>Customer</a:t>
+            </a:r>
+          </a:p>
+        </p:txBody>
+      </p:sp>
+      <p:sp>
+        <p:nvSpPr>
+          <p:cNvPr id="17" name="Rectangle 16">
+            <a:extLst>
+              <a:ext uri="{FF2B5EF4-FFF2-40B4-BE49-F238E27FC236}">
+                <a16:creationId xmlns:a16="http://schemas.microsoft.com/office/drawing/2014/main" id="{7FA25F9C-49DB-4FFF-A8EE-8A4775E3E2E4}"/>
+              </a:ext>
+            </a:extLst>
+          </p:cNvPr>
+          <p:cNvSpPr/>
+          <p:nvPr/>
+        </p:nvSpPr>
+        <p:spPr>
+          <a:xfrm>
+            <a:off x="6309972" y="4427660"/>
+            <a:ext cx="738338" cy="1416256"/>
+          </a:xfrm>
+          <a:prstGeom prst="rect">
+            <a:avLst/>
+          </a:prstGeom>
+        </p:spPr>
+        <p:style>
+          <a:lnRef idx="2">
+            <a:schemeClr val="accent1">
+              <a:shade val="50000"/>
+            </a:schemeClr>
+          </a:lnRef>
+          <a:fillRef idx="1">
+            <a:schemeClr val="accent1"/>
+          </a:fillRef>
+          <a:effectRef idx="0">
+            <a:schemeClr val="accent1"/>
+          </a:effectRef>
+          <a:fontRef idx="minor">
+            <a:schemeClr val="lt1"/>
+          </a:fontRef>
+        </p:style>
+        <p:txBody>
+          <a:bodyPr vert="vert270" rtlCol="0" anchor="ctr"/>
+          <a:lstStyle/>
+          <a:p>
+            <a:pPr algn="ctr"/>
+            <a:r>
+              <a:rPr lang="en-US" dirty="0"/>
+              <a:t>Supplier</a:t>
+            </a:r>
+          </a:p>
+        </p:txBody>
+      </p:sp>
+      <p:cxnSp>
+        <p:nvCxnSpPr>
+          <p:cNvPr id="19" name="Straight Arrow Connector 18">
+            <a:extLst>
+              <a:ext uri="{FF2B5EF4-FFF2-40B4-BE49-F238E27FC236}">
+                <a16:creationId xmlns:a16="http://schemas.microsoft.com/office/drawing/2014/main" id="{B470F948-5ADE-43C3-9D85-D7C5CCBA31D5}"/>
+              </a:ext>
+            </a:extLst>
+          </p:cNvPr>
+          <p:cNvCxnSpPr>
+            <a:cxnSpLocks/>
+          </p:cNvCxnSpPr>
+          <p:nvPr/>
+        </p:nvCxnSpPr>
+        <p:spPr>
+          <a:xfrm>
+            <a:off x="1181598" y="2106386"/>
+            <a:ext cx="1757545" cy="0"/>
+          </a:xfrm>
+          <a:prstGeom prst="straightConnector1">
+            <a:avLst/>
+          </a:prstGeom>
+          <a:ln w="127000">
+            <a:solidFill>
+              <a:schemeClr val="accent3">
+                <a:lumMod val="75000"/>
+              </a:schemeClr>
+            </a:solidFill>
+            <a:tailEnd type="triangle"/>
+          </a:ln>
+        </p:spPr>
+        <p:style>
+          <a:lnRef idx="3">
+            <a:schemeClr val="accent1"/>
+          </a:lnRef>
+          <a:fillRef idx="0">
+            <a:schemeClr val="accent1"/>
+          </a:fillRef>
+          <a:effectRef idx="2">
+            <a:schemeClr val="accent1"/>
+          </a:effectRef>
+          <a:fontRef idx="minor">
+            <a:schemeClr val="tx1"/>
+          </a:fontRef>
+        </p:style>
+      </p:cxnSp>
+      <p:cxnSp>
+        <p:nvCxnSpPr>
+          <p:cNvPr id="20" name="Straight Arrow Connector 19">
+            <a:extLst>
+              <a:ext uri="{FF2B5EF4-FFF2-40B4-BE49-F238E27FC236}">
+                <a16:creationId xmlns:a16="http://schemas.microsoft.com/office/drawing/2014/main" id="{D6722EAA-4CB8-4E8E-BF71-AE6B0BBBFDA1}"/>
+              </a:ext>
+            </a:extLst>
+          </p:cNvPr>
+          <p:cNvCxnSpPr>
+            <a:cxnSpLocks/>
+            <a:stCxn id="6" idx="3"/>
+          </p:cNvCxnSpPr>
+          <p:nvPr/>
+        </p:nvCxnSpPr>
+        <p:spPr>
+          <a:xfrm flipV="1">
+            <a:off x="4590859" y="2510524"/>
+            <a:ext cx="1719113" cy="1045792"/>
+          </a:xfrm>
+          <a:prstGeom prst="straightConnector1">
+            <a:avLst/>
+          </a:prstGeom>
+          <a:ln w="127000">
+            <a:solidFill>
+              <a:schemeClr val="accent3">
+                <a:lumMod val="75000"/>
+              </a:schemeClr>
+            </a:solidFill>
+            <a:tailEnd type="triangle"/>
+          </a:ln>
+        </p:spPr>
+        <p:style>
+          <a:lnRef idx="3">
+            <a:schemeClr val="accent1"/>
+          </a:lnRef>
+          <a:fillRef idx="0">
+            <a:schemeClr val="accent1"/>
+          </a:fillRef>
+          <a:effectRef idx="2">
+            <a:schemeClr val="accent1"/>
+          </a:effectRef>
+          <a:fontRef idx="minor">
+            <a:schemeClr val="tx1"/>
+          </a:fontRef>
+        </p:style>
+      </p:cxnSp>
+      <p:cxnSp>
+        <p:nvCxnSpPr>
+          <p:cNvPr id="28" name="Straight Arrow Connector 27">
+            <a:extLst>
+              <a:ext uri="{FF2B5EF4-FFF2-40B4-BE49-F238E27FC236}">
+                <a16:creationId xmlns:a16="http://schemas.microsoft.com/office/drawing/2014/main" id="{8D0F6C51-F955-4006-B627-D0270D3DF329}"/>
+              </a:ext>
+            </a:extLst>
+          </p:cNvPr>
+          <p:cNvCxnSpPr>
+            <a:cxnSpLocks/>
+          </p:cNvCxnSpPr>
+          <p:nvPr/>
+        </p:nvCxnSpPr>
+        <p:spPr>
+          <a:xfrm flipV="1">
+            <a:off x="7127461" y="3749819"/>
+            <a:ext cx="1479606" cy="7472"/>
+          </a:xfrm>
+          <a:prstGeom prst="straightConnector1">
+            <a:avLst/>
+          </a:prstGeom>
+          <a:ln w="127000">
+            <a:solidFill>
+              <a:schemeClr val="accent3">
+                <a:lumMod val="75000"/>
+              </a:schemeClr>
+            </a:solidFill>
+            <a:tailEnd type="triangle"/>
+          </a:ln>
+        </p:spPr>
+        <p:style>
+          <a:lnRef idx="3">
+            <a:schemeClr val="accent1"/>
+          </a:lnRef>
+          <a:fillRef idx="0">
+            <a:schemeClr val="accent1"/>
+          </a:fillRef>
+          <a:effectRef idx="2">
+            <a:schemeClr val="accent1"/>
+          </a:effectRef>
+          <a:fontRef idx="minor">
+            <a:schemeClr val="tx1"/>
+          </a:fontRef>
+        </p:style>
+      </p:cxnSp>
+      <p:cxnSp>
+        <p:nvCxnSpPr>
+          <p:cNvPr id="30" name="Straight Arrow Connector 29">
+            <a:extLst>
+              <a:ext uri="{FF2B5EF4-FFF2-40B4-BE49-F238E27FC236}">
+                <a16:creationId xmlns:a16="http://schemas.microsoft.com/office/drawing/2014/main" id="{5D840645-A3C1-4429-8528-B41AD76AB6F3}"/>
+              </a:ext>
+            </a:extLst>
+          </p:cNvPr>
+          <p:cNvCxnSpPr>
+            <a:cxnSpLocks/>
+          </p:cNvCxnSpPr>
+          <p:nvPr/>
+        </p:nvCxnSpPr>
+        <p:spPr>
+          <a:xfrm flipV="1">
+            <a:off x="9355397" y="2305824"/>
+            <a:ext cx="1383425" cy="1524354"/>
+          </a:xfrm>
+          <a:prstGeom prst="straightConnector1">
+            <a:avLst/>
+          </a:prstGeom>
+          <a:ln w="127000">
+            <a:solidFill>
+              <a:schemeClr val="accent3">
+                <a:lumMod val="75000"/>
+              </a:schemeClr>
+            </a:solidFill>
+            <a:tailEnd type="triangle"/>
+          </a:ln>
+        </p:spPr>
+        <p:style>
+          <a:lnRef idx="3">
+            <a:schemeClr val="accent1"/>
+          </a:lnRef>
+          <a:fillRef idx="0">
+            <a:schemeClr val="accent1"/>
+          </a:fillRef>
+          <a:effectRef idx="2">
+            <a:schemeClr val="accent1"/>
+          </a:effectRef>
+          <a:fontRef idx="minor">
+            <a:schemeClr val="tx1"/>
+          </a:fontRef>
+        </p:style>
+      </p:cxnSp>
+      <p:cxnSp>
+        <p:nvCxnSpPr>
+          <p:cNvPr id="39" name="Straight Arrow Connector 38">
+            <a:extLst>
+              <a:ext uri="{FF2B5EF4-FFF2-40B4-BE49-F238E27FC236}">
+                <a16:creationId xmlns:a16="http://schemas.microsoft.com/office/drawing/2014/main" id="{3F862E39-D633-4B63-A827-383CF64D7BD0}"/>
+              </a:ext>
+            </a:extLst>
+          </p:cNvPr>
+          <p:cNvCxnSpPr>
+            <a:cxnSpLocks/>
+          </p:cNvCxnSpPr>
+          <p:nvPr/>
+        </p:nvCxnSpPr>
+        <p:spPr>
+          <a:xfrm flipH="1">
+            <a:off x="9062374" y="6175582"/>
+            <a:ext cx="1364024" cy="0"/>
+          </a:xfrm>
+          <a:prstGeom prst="straightConnector1">
+            <a:avLst/>
+          </a:prstGeom>
+          <a:ln w="127000">
+            <a:solidFill>
+              <a:schemeClr val="accent3">
+                <a:lumMod val="75000"/>
+              </a:schemeClr>
+            </a:solidFill>
+            <a:tailEnd type="triangle"/>
+          </a:ln>
+        </p:spPr>
+        <p:style>
+          <a:lnRef idx="3">
+            <a:schemeClr val="accent1"/>
+          </a:lnRef>
+          <a:fillRef idx="0">
+            <a:schemeClr val="accent1"/>
+          </a:fillRef>
+          <a:effectRef idx="2">
+            <a:schemeClr val="accent1"/>
+          </a:effectRef>
+          <a:fontRef idx="minor">
+            <a:schemeClr val="tx1"/>
+          </a:fontRef>
+        </p:style>
+      </p:cxnSp>
+      <p:cxnSp>
+        <p:nvCxnSpPr>
+          <p:cNvPr id="41" name="Straight Arrow Connector 40">
+            <a:extLst>
+              <a:ext uri="{FF2B5EF4-FFF2-40B4-BE49-F238E27FC236}">
+                <a16:creationId xmlns:a16="http://schemas.microsoft.com/office/drawing/2014/main" id="{7F634213-A678-483B-8CC7-D2CD17EB3799}"/>
+              </a:ext>
+            </a:extLst>
+          </p:cNvPr>
+          <p:cNvCxnSpPr>
+            <a:cxnSpLocks/>
+          </p:cNvCxnSpPr>
+          <p:nvPr/>
+        </p:nvCxnSpPr>
+        <p:spPr>
+          <a:xfrm flipH="1">
+            <a:off x="1181598" y="6175582"/>
+            <a:ext cx="7880776" cy="0"/>
+          </a:xfrm>
+          <a:prstGeom prst="straightConnector1">
+            <a:avLst/>
+          </a:prstGeom>
+          <a:ln w="127000">
+            <a:solidFill>
+              <a:schemeClr val="accent3">
+                <a:lumMod val="75000"/>
+              </a:schemeClr>
+            </a:solidFill>
+            <a:tailEnd type="triangle"/>
+          </a:ln>
+        </p:spPr>
+        <p:style>
+          <a:lnRef idx="3">
+            <a:schemeClr val="accent1"/>
+          </a:lnRef>
+          <a:fillRef idx="0">
+            <a:schemeClr val="accent1"/>
+          </a:fillRef>
+          <a:effectRef idx="2">
+            <a:schemeClr val="accent1"/>
+          </a:effectRef>
+          <a:fontRef idx="minor">
+            <a:schemeClr val="tx1"/>
+          </a:fontRef>
+        </p:style>
+      </p:cxnSp>
+      <p:sp>
+        <p:nvSpPr>
+          <p:cNvPr id="31" name="Rectangle 30">
+            <a:extLst>
+              <a:ext uri="{FF2B5EF4-FFF2-40B4-BE49-F238E27FC236}">
+                <a16:creationId xmlns:a16="http://schemas.microsoft.com/office/drawing/2014/main" id="{A4728877-BE9E-4A92-998A-DCA16A67DBC6}"/>
+              </a:ext>
+            </a:extLst>
+          </p:cNvPr>
+          <p:cNvSpPr/>
+          <p:nvPr/>
+        </p:nvSpPr>
+        <p:spPr>
+          <a:xfrm>
+            <a:off x="7071197" y="2078158"/>
+            <a:ext cx="1546064" cy="664996"/>
+          </a:xfrm>
+          <a:prstGeom prst="rect">
+            <a:avLst/>
+          </a:prstGeom>
+          <a:solidFill>
+            <a:schemeClr val="accent3">
+              <a:lumMod val="75000"/>
+            </a:schemeClr>
+          </a:solidFill>
+          <a:ln>
+            <a:noFill/>
+          </a:ln>
+        </p:spPr>
+        <p:style>
+          <a:lnRef idx="2">
+            <a:schemeClr val="accent1">
+              <a:shade val="50000"/>
+            </a:schemeClr>
+          </a:lnRef>
+          <a:fillRef idx="1">
+            <a:schemeClr val="accent1"/>
+          </a:fillRef>
+          <a:effectRef idx="0">
+            <a:schemeClr val="accent1"/>
+          </a:effectRef>
+          <a:fontRef idx="minor">
+            <a:schemeClr val="lt1"/>
+          </a:fontRef>
+        </p:style>
+        <p:txBody>
+          <a:bodyPr rtlCol="0" anchor="ctr"/>
+          <a:lstStyle/>
+          <a:p>
+            <a:pPr algn="ctr"/>
+            <a:r>
+              <a:rPr lang="en-US" dirty="0">
+                <a:solidFill>
+                  <a:schemeClr val="tx1"/>
+                </a:solidFill>
+              </a:rPr>
+              <a:t>Id = 1</a:t>
+            </a:r>
           </a:p>
         </p:txBody>
       </p:sp>
     </p:spTree>
     <p:extLst>
       <p:ext uri="{BB962C8B-B14F-4D97-AF65-F5344CB8AC3E}">
-        <p14:creationId xmlns:p14="http://schemas.microsoft.com/office/powerpoint/2010/main" val="964958286"/>
+        <p14:creationId xmlns:p14="http://schemas.microsoft.com/office/powerpoint/2010/main" val="3681838953"/>
       </p:ext>
     </p:extLst>
   </p:cSld>
@@ -10442,6 +13467,301 @@
           <a:p>
             <a:r>
               <a:rPr lang="en-US" dirty="0"/>
+              <a:t>Controller</a:t>
+            </a:r>
+          </a:p>
+        </p:txBody>
+      </p:sp>
+      <p:sp>
+        <p:nvSpPr>
+          <p:cNvPr id="3" name="Content Placeholder 2"/>
+          <p:cNvSpPr>
+            <a:spLocks noGrp="1"/>
+          </p:cNvSpPr>
+          <p:nvPr>
+            <p:ph idx="1"/>
+          </p:nvPr>
+        </p:nvSpPr>
+        <p:spPr/>
+        <p:txBody>
+          <a:bodyPr>
+            <a:normAutofit/>
+          </a:bodyPr>
+          <a:lstStyle/>
+          <a:p>
+            <a:r>
+              <a:rPr lang="en-US" sz="2800" dirty="0"/>
+              <a:t>The request initially goes to the controller</a:t>
+            </a:r>
+          </a:p>
+          <a:p>
+            <a:r>
+              <a:rPr lang="en-US" sz="2800" dirty="0"/>
+              <a:t>Based upon the route a method is run.</a:t>
+            </a:r>
+          </a:p>
+          <a:p>
+            <a:r>
+              <a:rPr lang="en-US" sz="2800" dirty="0"/>
+              <a:t>The JSON body of the request can be bound to a model.</a:t>
+            </a:r>
+          </a:p>
+          <a:p>
+            <a:r>
+              <a:rPr lang="en-US" sz="2800" dirty="0"/>
+              <a:t>Whatever is returned from the method is returned in JSON.</a:t>
+            </a:r>
+          </a:p>
+        </p:txBody>
+      </p:sp>
+    </p:spTree>
+    <p:extLst>
+      <p:ext uri="{BB962C8B-B14F-4D97-AF65-F5344CB8AC3E}">
+        <p14:creationId xmlns:p14="http://schemas.microsoft.com/office/powerpoint/2010/main" val="3118741532"/>
+      </p:ext>
+    </p:extLst>
+  </p:cSld>
+  <p:clrMapOvr>
+    <a:masterClrMapping/>
+  </p:clrMapOvr>
+</p:sld>
+</file>
+
+<file path=ppt/slides/slide7.xml><?xml version="1.0" encoding="utf-8"?>
+<p:sld xmlns:a="http://schemas.openxmlformats.org/drawingml/2006/main" xmlns:r="http://schemas.openxmlformats.org/officeDocument/2006/relationships" xmlns:p="http://schemas.openxmlformats.org/presentationml/2006/main">
+  <p:cSld>
+    <p:spTree>
+      <p:nvGrpSpPr>
+        <p:cNvPr id="1" name=""/>
+        <p:cNvGrpSpPr/>
+        <p:nvPr/>
+      </p:nvGrpSpPr>
+      <p:grpSpPr>
+        <a:xfrm>
+          <a:off x="0" y="0"/>
+          <a:ext cx="0" cy="0"/>
+          <a:chOff x="0" y="0"/>
+          <a:chExt cx="0" cy="0"/>
+        </a:xfrm>
+      </p:grpSpPr>
+      <p:sp>
+        <p:nvSpPr>
+          <p:cNvPr id="2" name="Title 1"/>
+          <p:cNvSpPr>
+            <a:spLocks noGrp="1"/>
+          </p:cNvSpPr>
+          <p:nvPr>
+            <p:ph type="title"/>
+          </p:nvPr>
+        </p:nvSpPr>
+        <p:spPr/>
+        <p:txBody>
+          <a:bodyPr/>
+          <a:lstStyle/>
+          <a:p>
+            <a:r>
+              <a:rPr lang="en-US" dirty="0"/>
+              <a:t>Attributes</a:t>
+            </a:r>
+          </a:p>
+        </p:txBody>
+      </p:sp>
+      <p:sp>
+        <p:nvSpPr>
+          <p:cNvPr id="3" name="Content Placeholder 2"/>
+          <p:cNvSpPr>
+            <a:spLocks noGrp="1"/>
+          </p:cNvSpPr>
+          <p:nvPr>
+            <p:ph idx="1"/>
+          </p:nvPr>
+        </p:nvSpPr>
+        <p:spPr/>
+        <p:txBody>
+          <a:bodyPr>
+            <a:normAutofit fontScale="85000" lnSpcReduction="10000"/>
+          </a:bodyPr>
+          <a:lstStyle/>
+          <a:p>
+            <a:r>
+              <a:rPr lang="en-US" sz="2800" dirty="0"/>
+              <a:t>Allow for declarations on classes, methods, or properties.</a:t>
+            </a:r>
+          </a:p>
+          <a:p>
+            <a:r>
+              <a:rPr lang="en-US" sz="2800" dirty="0"/>
+              <a:t>Give special behavior or properties.</a:t>
+            </a:r>
+          </a:p>
+          <a:p>
+            <a:r>
+              <a:rPr lang="en-US" sz="2800" dirty="0"/>
+              <a:t>[</a:t>
+            </a:r>
+            <a:r>
+              <a:rPr lang="en-US" sz="2800" dirty="0" err="1"/>
+              <a:t>HttpGet</a:t>
+            </a:r>
+            <a:r>
+              <a:rPr lang="en-US" sz="2800" dirty="0"/>
+              <a:t>], [</a:t>
+            </a:r>
+            <a:r>
+              <a:rPr lang="en-US" sz="2800" dirty="0" err="1"/>
+              <a:t>HttpPost</a:t>
+            </a:r>
+            <a:r>
+              <a:rPr lang="en-US" sz="2800" dirty="0"/>
+              <a:t>], [</a:t>
+            </a:r>
+            <a:r>
+              <a:rPr lang="en-US" sz="2800" dirty="0" err="1"/>
+              <a:t>HttpPut</a:t>
+            </a:r>
+            <a:r>
+              <a:rPr lang="en-US" sz="2800" dirty="0"/>
+              <a:t>], [</a:t>
+            </a:r>
+            <a:r>
+              <a:rPr lang="en-US" sz="2800" dirty="0" err="1"/>
+              <a:t>HttpDelete</a:t>
+            </a:r>
+            <a:r>
+              <a:rPr lang="en-US" sz="2800" dirty="0"/>
+              <a:t>]</a:t>
+            </a:r>
+          </a:p>
+          <a:p>
+            <a:r>
+              <a:rPr lang="en-US" sz="2800" dirty="0"/>
+              <a:t>Example:</a:t>
+            </a:r>
+          </a:p>
+          <a:p>
+            <a:pPr marL="0" indent="0">
+              <a:buNone/>
+            </a:pPr>
+            <a:r>
+              <a:rPr lang="en-US" sz="2800" dirty="0"/>
+              <a:t>[</a:t>
+            </a:r>
+            <a:r>
+              <a:rPr lang="en-US" sz="2800" dirty="0" err="1"/>
+              <a:t>HttpPost</a:t>
+            </a:r>
+            <a:r>
+              <a:rPr lang="en-US" sz="2800" dirty="0"/>
+              <a:t>]</a:t>
+            </a:r>
+          </a:p>
+          <a:p>
+            <a:pPr marL="0" indent="0">
+              <a:buNone/>
+            </a:pPr>
+            <a:r>
+              <a:rPr lang="en-US" sz="2800" dirty="0"/>
+              <a:t>public void Post([</a:t>
+            </a:r>
+            <a:r>
+              <a:rPr lang="en-US" sz="2800" dirty="0" err="1"/>
+              <a:t>FromBody</a:t>
+            </a:r>
+            <a:r>
+              <a:rPr lang="en-US" sz="2800" dirty="0"/>
+              <a:t>]Answer answer)</a:t>
+            </a:r>
+          </a:p>
+          <a:p>
+            <a:pPr marL="0" indent="0">
+              <a:buNone/>
+            </a:pPr>
+            <a:r>
+              <a:rPr lang="en-US" sz="2800" dirty="0"/>
+              <a:t>{</a:t>
+            </a:r>
+          </a:p>
+          <a:p>
+            <a:pPr marL="0" indent="0">
+              <a:buNone/>
+            </a:pPr>
+            <a:r>
+              <a:rPr lang="en-US" sz="2800" dirty="0"/>
+              <a:t>   _</a:t>
+            </a:r>
+            <a:r>
+              <a:rPr lang="en-US" sz="2800" dirty="0" err="1"/>
+              <a:t>service.Insert</a:t>
+            </a:r>
+            <a:r>
+              <a:rPr lang="en-US" sz="2800" dirty="0"/>
+              <a:t>(answer);</a:t>
+            </a:r>
+          </a:p>
+          <a:p>
+            <a:pPr marL="0" indent="0">
+              <a:buNone/>
+            </a:pPr>
+            <a:r>
+              <a:rPr lang="en-US" sz="2800" dirty="0"/>
+              <a:t>}</a:t>
+            </a:r>
+          </a:p>
+          <a:p>
+            <a:pPr marL="0" indent="0">
+              <a:buNone/>
+            </a:pPr>
+            <a:endParaRPr lang="en-US" sz="2800" dirty="0"/>
+          </a:p>
+        </p:txBody>
+      </p:sp>
+    </p:spTree>
+    <p:extLst>
+      <p:ext uri="{BB962C8B-B14F-4D97-AF65-F5344CB8AC3E}">
+        <p14:creationId xmlns:p14="http://schemas.microsoft.com/office/powerpoint/2010/main" val="964958286"/>
+      </p:ext>
+    </p:extLst>
+  </p:cSld>
+  <p:clrMapOvr>
+    <a:masterClrMapping/>
+  </p:clrMapOvr>
+</p:sld>
+</file>
+
+<file path=ppt/slides/slide8.xml><?xml version="1.0" encoding="utf-8"?>
+<p:sld xmlns:a="http://schemas.openxmlformats.org/drawingml/2006/main" xmlns:r="http://schemas.openxmlformats.org/officeDocument/2006/relationships" xmlns:p="http://schemas.openxmlformats.org/presentationml/2006/main">
+  <p:cSld>
+    <p:spTree>
+      <p:nvGrpSpPr>
+        <p:cNvPr id="1" name=""/>
+        <p:cNvGrpSpPr/>
+        <p:nvPr/>
+      </p:nvGrpSpPr>
+      <p:grpSpPr>
+        <a:xfrm>
+          <a:off x="0" y="0"/>
+          <a:ext cx="0" cy="0"/>
+          <a:chOff x="0" y="0"/>
+          <a:chExt cx="0" cy="0"/>
+        </a:xfrm>
+      </p:grpSpPr>
+      <p:sp>
+        <p:nvSpPr>
+          <p:cNvPr id="2" name="Title 1"/>
+          <p:cNvSpPr>
+            <a:spLocks noGrp="1"/>
+          </p:cNvSpPr>
+          <p:nvPr>
+            <p:ph type="title"/>
+          </p:nvPr>
+        </p:nvSpPr>
+        <p:spPr/>
+        <p:txBody>
+          <a:bodyPr/>
+          <a:lstStyle/>
+          <a:p>
+            <a:r>
+              <a:rPr lang="en-US" dirty="0"/>
               <a:t>Routing</a:t>
             </a:r>
           </a:p>
@@ -10523,7 +13843,7 @@
           <p:nvPr>
             <p:extLst>
               <p:ext uri="{D42A27DB-BD31-4B8C-83A1-F6EECF244321}">
-                <p14:modId xmlns:p14="http://schemas.microsoft.com/office/powerpoint/2010/main" val="4141113117"/>
+                <p14:modId xmlns:p14="http://schemas.microsoft.com/office/powerpoint/2010/main" val="3790854691"/>
               </p:ext>
             </p:extLst>
           </p:nvPr>
@@ -10539,14 +13859,14 @@
                 <a:tableStyleId>{5C22544A-7EE6-4342-B048-85BDC9FD1C3A}</a:tableStyleId>
               </a:tblPr>
               <a:tblGrid>
-                <a:gridCol w="4401502">
+                <a:gridCol w="4914901">
                   <a:extLst>
                     <a:ext uri="{9D8B030D-6E8A-4147-A177-3AD203B41FA5}">
                       <a16:colId xmlns:a16="http://schemas.microsoft.com/office/drawing/2014/main" val="1007381765"/>
                     </a:ext>
                   </a:extLst>
                 </a:gridCol>
-                <a:gridCol w="1570953">
+                <a:gridCol w="1057554">
                   <a:extLst>
                     <a:ext uri="{9D8B030D-6E8A-4147-A177-3AD203B41FA5}">
                       <a16:colId xmlns:a16="http://schemas.microsoft.com/office/drawing/2014/main" val="2046366564"/>
@@ -10749,7 +14069,7 @@
                       </a:pPr>
                       <a:r>
                         <a:rPr lang="en-US" dirty="0"/>
-                        <a:t>http://www.google.com/Employee/1</a:t>
+                        <a:t>http://www.google.com/Employee?id=1</a:t>
                       </a:r>
                     </a:p>
                   </a:txBody>
@@ -10998,10 +14318,9 @@
                         <a:defRPr/>
                       </a:pPr>
                       <a:r>
-                        <a:rPr lang="en-US"/>
-                        <a:t>http://www.google.com/Employee/1</a:t>
+                        <a:rPr lang="en-US" dirty="0"/>
+                        <a:t>http://www.google.com/Employee?id=1</a:t>
                       </a:r>
-                      <a:endParaRPr lang="en-US" dirty="0"/>
                     </a:p>
                   </a:txBody>
                   <a:tcPr/>
@@ -11081,303 +14400,6 @@
 </p:sld>
 </file>
 
-<file path=ppt/slides/slide7.xml><?xml version="1.0" encoding="utf-8"?>
-<p:sld xmlns:a="http://schemas.openxmlformats.org/drawingml/2006/main" xmlns:r="http://schemas.openxmlformats.org/officeDocument/2006/relationships" xmlns:p="http://schemas.openxmlformats.org/presentationml/2006/main">
-  <p:cSld>
-    <p:spTree>
-      <p:nvGrpSpPr>
-        <p:cNvPr id="1" name=""/>
-        <p:cNvGrpSpPr/>
-        <p:nvPr/>
-      </p:nvGrpSpPr>
-      <p:grpSpPr>
-        <a:xfrm>
-          <a:off x="0" y="0"/>
-          <a:ext cx="0" cy="0"/>
-          <a:chOff x="0" y="0"/>
-          <a:chExt cx="0" cy="0"/>
-        </a:xfrm>
-      </p:grpSpPr>
-      <p:sp>
-        <p:nvSpPr>
-          <p:cNvPr id="2" name="Title 1"/>
-          <p:cNvSpPr>
-            <a:spLocks noGrp="1"/>
-          </p:cNvSpPr>
-          <p:nvPr>
-            <p:ph type="title"/>
-          </p:nvPr>
-        </p:nvSpPr>
-        <p:spPr/>
-        <p:txBody>
-          <a:bodyPr/>
-          <a:lstStyle/>
-          <a:p>
-            <a:r>
-              <a:rPr lang="en-US" sz="4400" dirty="0"/>
-              <a:t>Class Attribute Route</a:t>
-            </a:r>
-            <a:endParaRPr lang="en-US" dirty="0"/>
-          </a:p>
-        </p:txBody>
-      </p:sp>
-      <p:sp>
-        <p:nvSpPr>
-          <p:cNvPr id="3" name="Content Placeholder 2"/>
-          <p:cNvSpPr>
-            <a:spLocks noGrp="1"/>
-          </p:cNvSpPr>
-          <p:nvPr>
-            <p:ph idx="1"/>
-          </p:nvPr>
-        </p:nvSpPr>
-        <p:spPr>
-          <a:xfrm>
-            <a:off x="1104293" y="2052918"/>
-            <a:ext cx="8946541" cy="4195481"/>
-          </a:xfrm>
-        </p:spPr>
-        <p:txBody>
-          <a:bodyPr>
-            <a:normAutofit/>
-          </a:bodyPr>
-          <a:lstStyle/>
-          <a:p>
-            <a:r>
-              <a:rPr lang="en-US" sz="2800" dirty="0"/>
-              <a:t>Controller Names End With “Controller”</a:t>
-            </a:r>
-          </a:p>
-          <a:p>
-            <a:pPr lvl="1"/>
-            <a:r>
-              <a:rPr lang="en-US" sz="2600" dirty="0"/>
-              <a:t>This is left off of URL for routing</a:t>
-            </a:r>
-          </a:p>
-          <a:p>
-            <a:r>
-              <a:rPr lang="en-US" sz="2800" dirty="0"/>
-              <a:t>Class Attribute Route Ex:</a:t>
-            </a:r>
-          </a:p>
-          <a:p>
-            <a:pPr marL="400050" lvl="1" indent="0">
-              <a:buNone/>
-            </a:pPr>
-            <a:r>
-              <a:rPr lang="en-US" sz="2200" dirty="0"/>
-              <a:t>[Route("</a:t>
-            </a:r>
-            <a:r>
-              <a:rPr lang="en-US" sz="2200" dirty="0" err="1"/>
-              <a:t>api</a:t>
-            </a:r>
-            <a:r>
-              <a:rPr lang="en-US" sz="2200" dirty="0"/>
-              <a:t>/[controller]")]</a:t>
-            </a:r>
-          </a:p>
-          <a:p>
-            <a:pPr marL="400050" lvl="1" indent="0">
-              <a:buNone/>
-            </a:pPr>
-            <a:r>
-              <a:rPr lang="en-US" sz="2200" dirty="0"/>
-              <a:t>public class </a:t>
-            </a:r>
-            <a:r>
-              <a:rPr lang="en-US" sz="2200" dirty="0" err="1"/>
-              <a:t>TimeTravelerController</a:t>
-            </a:r>
-            <a:r>
-              <a:rPr lang="en-US" sz="2200" dirty="0"/>
-              <a:t> : Controller</a:t>
-            </a:r>
-          </a:p>
-          <a:p>
-            <a:pPr marL="0" indent="0">
-              <a:buNone/>
-            </a:pPr>
-            <a:endParaRPr lang="en-US" sz="2800" dirty="0"/>
-          </a:p>
-        </p:txBody>
-      </p:sp>
-    </p:spTree>
-    <p:extLst>
-      <p:ext uri="{BB962C8B-B14F-4D97-AF65-F5344CB8AC3E}">
-        <p14:creationId xmlns:p14="http://schemas.microsoft.com/office/powerpoint/2010/main" val="2275396099"/>
-      </p:ext>
-    </p:extLst>
-  </p:cSld>
-  <p:clrMapOvr>
-    <a:masterClrMapping/>
-  </p:clrMapOvr>
-</p:sld>
-</file>
-
-<file path=ppt/slides/slide8.xml><?xml version="1.0" encoding="utf-8"?>
-<p:sld xmlns:a="http://schemas.openxmlformats.org/drawingml/2006/main" xmlns:r="http://schemas.openxmlformats.org/officeDocument/2006/relationships" xmlns:p="http://schemas.openxmlformats.org/presentationml/2006/main">
-  <p:cSld>
-    <p:spTree>
-      <p:nvGrpSpPr>
-        <p:cNvPr id="1" name=""/>
-        <p:cNvGrpSpPr/>
-        <p:nvPr/>
-      </p:nvGrpSpPr>
-      <p:grpSpPr>
-        <a:xfrm>
-          <a:off x="0" y="0"/>
-          <a:ext cx="0" cy="0"/>
-          <a:chOff x="0" y="0"/>
-          <a:chExt cx="0" cy="0"/>
-        </a:xfrm>
-      </p:grpSpPr>
-      <p:sp>
-        <p:nvSpPr>
-          <p:cNvPr id="2" name="Title 1"/>
-          <p:cNvSpPr>
-            <a:spLocks noGrp="1"/>
-          </p:cNvSpPr>
-          <p:nvPr>
-            <p:ph type="title"/>
-          </p:nvPr>
-        </p:nvSpPr>
-        <p:spPr/>
-        <p:txBody>
-          <a:bodyPr/>
-          <a:lstStyle/>
-          <a:p>
-            <a:r>
-              <a:rPr lang="en-US" dirty="0"/>
-              <a:t>JSON</a:t>
-            </a:r>
-          </a:p>
-        </p:txBody>
-      </p:sp>
-      <p:sp>
-        <p:nvSpPr>
-          <p:cNvPr id="3" name="Content Placeholder 2"/>
-          <p:cNvSpPr>
-            <a:spLocks noGrp="1"/>
-          </p:cNvSpPr>
-          <p:nvPr>
-            <p:ph idx="1"/>
-          </p:nvPr>
-        </p:nvSpPr>
-        <p:spPr/>
-        <p:txBody>
-          <a:bodyPr>
-            <a:normAutofit/>
-          </a:bodyPr>
-          <a:lstStyle/>
-          <a:p>
-            <a:pPr marL="388620"/>
-            <a:r>
-              <a:rPr lang="en-US" sz="2600" dirty="0"/>
-              <a:t>JavaScript Object Notation</a:t>
-            </a:r>
-          </a:p>
-          <a:p>
-            <a:pPr marL="388620"/>
-            <a:r>
-              <a:rPr lang="en-US" sz="2600" dirty="0"/>
-              <a:t>How an Object is represented in JavaScript.</a:t>
-            </a:r>
-          </a:p>
-          <a:p>
-            <a:pPr marL="45720" indent="0">
-              <a:buNone/>
-            </a:pPr>
-            <a:r>
-              <a:rPr lang="en-US" sz="2600" dirty="0"/>
-              <a:t>Example:</a:t>
-            </a:r>
-          </a:p>
-          <a:p>
-            <a:pPr marL="45720" indent="0">
-              <a:buNone/>
-            </a:pPr>
-            <a:r>
-              <a:rPr lang="en-US" sz="2600" dirty="0"/>
-              <a:t>{	</a:t>
-            </a:r>
-          </a:p>
-          <a:p>
-            <a:pPr marL="45720" indent="0">
-              <a:buNone/>
-            </a:pPr>
-            <a:r>
-              <a:rPr lang="en-US" sz="2600" dirty="0"/>
-              <a:t>   ‘</a:t>
-            </a:r>
-            <a:r>
-              <a:rPr lang="en-US" sz="2600" dirty="0" err="1"/>
-              <a:t>studentID</a:t>
-            </a:r>
-            <a:r>
-              <a:rPr lang="en-US" sz="2600" dirty="0"/>
-              <a:t>’: 0	</a:t>
-            </a:r>
-          </a:p>
-          <a:p>
-            <a:pPr marL="45720" indent="0">
-              <a:buNone/>
-            </a:pPr>
-            <a:r>
-              <a:rPr lang="en-US" sz="2600" dirty="0"/>
-              <a:t>   ‘</a:t>
-            </a:r>
-            <a:r>
-              <a:rPr lang="en-US" sz="2600" dirty="0" err="1"/>
-              <a:t>firstName</a:t>
-            </a:r>
-            <a:r>
-              <a:rPr lang="en-US" sz="2600" dirty="0"/>
-              <a:t>’: ‘Kathy’,	</a:t>
-            </a:r>
-          </a:p>
-          <a:p>
-            <a:pPr marL="45720" indent="0">
-              <a:buNone/>
-            </a:pPr>
-            <a:r>
-              <a:rPr lang="en-US" sz="2600" dirty="0"/>
-              <a:t>   ‘</a:t>
-            </a:r>
-            <a:r>
-              <a:rPr lang="en-US" sz="2600" dirty="0" err="1"/>
-              <a:t>lastName</a:t>
-            </a:r>
-            <a:r>
-              <a:rPr lang="en-US" sz="2600" dirty="0"/>
-              <a:t>’: ‘Smith’</a:t>
-            </a:r>
-          </a:p>
-          <a:p>
-            <a:pPr marL="45720" indent="0">
-              <a:buNone/>
-            </a:pPr>
-            <a:r>
-              <a:rPr lang="en-US" sz="2600" dirty="0"/>
-              <a:t>}</a:t>
-            </a:r>
-          </a:p>
-        </p:txBody>
-      </p:sp>
-    </p:spTree>
-    <p:extLst>
-      <p:ext uri="{BB962C8B-B14F-4D97-AF65-F5344CB8AC3E}">
-        <p14:creationId xmlns:p14="http://schemas.microsoft.com/office/powerpoint/2010/main" val="3304398745"/>
-      </p:ext>
-    </p:extLst>
-  </p:cSld>
-  <p:clrMapOvr>
-    <a:masterClrMapping/>
-  </p:clrMapOvr>
-</p:sld>
-</file>
-
 <file path=ppt/slides/slide9.xml><?xml version="1.0" encoding="utf-8"?>
 <p:sld xmlns:a="http://schemas.openxmlformats.org/drawingml/2006/main" xmlns:r="http://schemas.openxmlformats.org/officeDocument/2006/relationships" xmlns:p="http://schemas.openxmlformats.org/presentationml/2006/main">
   <p:cSld>
@@ -11411,9 +14433,10 @@
           <a:lstStyle/>
           <a:p>
             <a:r>
-              <a:rPr lang="en-US" dirty="0"/>
-              <a:t>Response Binding</a:t>
-            </a:r>
+              <a:rPr lang="en-US" sz="4400" dirty="0"/>
+              <a:t>Class Attribute Route</a:t>
+            </a:r>
+            <a:endParaRPr lang="en-US" dirty="0"/>
           </a:p>
         </p:txBody>
       </p:sp>
@@ -11427,105 +14450,72 @@
             <p:ph idx="1"/>
           </p:nvPr>
         </p:nvSpPr>
-        <p:spPr/>
+        <p:spPr>
+          <a:xfrm>
+            <a:off x="1104293" y="2052918"/>
+            <a:ext cx="8946541" cy="4195481"/>
+          </a:xfrm>
+        </p:spPr>
         <p:txBody>
           <a:bodyPr>
             <a:normAutofit/>
           </a:bodyPr>
           <a:lstStyle/>
           <a:p>
-            <a:pPr marL="388620"/>
             <a:r>
               <a:rPr lang="en-US" sz="2800" dirty="0"/>
-              <a:t>Return value to JSON Data</a:t>
-            </a:r>
-          </a:p>
-          <a:p>
-            <a:pPr marL="388620"/>
+              <a:t>Controller Names End With “Controller”</a:t>
+            </a:r>
+          </a:p>
+          <a:p>
+            <a:pPr lvl="1"/>
+            <a:r>
+              <a:rPr lang="en-US" sz="2600" dirty="0"/>
+              <a:t>This is left off of URL for routing</a:t>
+            </a:r>
+          </a:p>
+          <a:p>
             <a:r>
               <a:rPr lang="en-US" sz="2800" dirty="0"/>
-              <a:t>Example:</a:t>
+              <a:t>Class Attribute Route Ex:</a:t>
+            </a:r>
+          </a:p>
+          <a:p>
+            <a:pPr marL="400050" lvl="1" indent="0">
+              <a:buNone/>
+            </a:pPr>
+            <a:r>
+              <a:rPr lang="en-US" sz="2200" dirty="0"/>
+              <a:t>[Route("</a:t>
+            </a:r>
+            <a:r>
+              <a:rPr lang="en-US" sz="2200" dirty="0" err="1"/>
+              <a:t>api</a:t>
+            </a:r>
+            <a:r>
+              <a:rPr lang="en-US" sz="2200" dirty="0"/>
+              <a:t>/[controller]")]</a:t>
+            </a:r>
+          </a:p>
+          <a:p>
+            <a:pPr marL="400050" lvl="1" indent="0">
+              <a:buNone/>
+            </a:pPr>
+            <a:r>
+              <a:rPr lang="en-US" sz="2200" dirty="0"/>
+              <a:t>public class </a:t>
+            </a:r>
+            <a:r>
+              <a:rPr lang="en-US" sz="2200" dirty="0" err="1"/>
+              <a:t>TimeTravelerController</a:t>
+            </a:r>
+            <a:r>
+              <a:rPr lang="en-US" sz="2200" dirty="0"/>
+              <a:t> : Controller</a:t>
             </a:r>
           </a:p>
           <a:p>
             <a:pPr marL="0" indent="0">
-              <a:buNone/>
-            </a:pPr>
-            <a:r>
-              <a:rPr lang="en-US" sz="2800" dirty="0"/>
-              <a:t>[</a:t>
-            </a:r>
-            <a:r>
-              <a:rPr lang="en-US" sz="2800" dirty="0" err="1"/>
-              <a:t>HttpGet</a:t>
-            </a:r>
-            <a:r>
-              <a:rPr lang="en-US" sz="2800" dirty="0"/>
-              <a:t>]</a:t>
-            </a:r>
-          </a:p>
-          <a:p>
-            <a:pPr marL="0" indent="0">
-              <a:buNone/>
-            </a:pPr>
-            <a:r>
-              <a:rPr lang="en-US" sz="2800" dirty="0"/>
-              <a:t>public </a:t>
-            </a:r>
-            <a:r>
-              <a:rPr lang="en-US" sz="2800" dirty="0" err="1"/>
-              <a:t>IEnumerable</a:t>
-            </a:r>
-            <a:r>
-              <a:rPr lang="en-US" sz="2800" dirty="0"/>
-              <a:t>&lt;</a:t>
-            </a:r>
-            <a:r>
-              <a:rPr lang="en-US" sz="2800" dirty="0" err="1"/>
-              <a:t>TimeTraveler</a:t>
-            </a:r>
-            <a:r>
-              <a:rPr lang="en-US" sz="2800" dirty="0"/>
-              <a:t>&gt; Get()</a:t>
-            </a:r>
-          </a:p>
-          <a:p>
-            <a:pPr marL="0" indent="0">
-              <a:buNone/>
-            </a:pPr>
-            <a:r>
-              <a:rPr lang="en-US" sz="2800" dirty="0"/>
-              <a:t>{</a:t>
-            </a:r>
-          </a:p>
-          <a:p>
-            <a:pPr marL="0" indent="0">
-              <a:buNone/>
-            </a:pPr>
-            <a:r>
-              <a:rPr lang="en-US" sz="2800" dirty="0"/>
-              <a:t>	return </a:t>
-            </a:r>
-            <a:r>
-              <a:rPr lang="en-US" sz="2800" dirty="0" err="1"/>
-              <a:t>timeTravelerRepository.GetAll</a:t>
-            </a:r>
-            <a:r>
-              <a:rPr lang="en-US" sz="2800" dirty="0"/>
-              <a:t>();</a:t>
-            </a:r>
-          </a:p>
-          <a:p>
-            <a:pPr marL="0" indent="0">
-              <a:buNone/>
-            </a:pPr>
-            <a:r>
-              <a:rPr lang="en-US" sz="2800" dirty="0"/>
-              <a:t>}</a:t>
-            </a:r>
-          </a:p>
-          <a:p>
-            <a:pPr marL="45720" indent="0">
               <a:buNone/>
             </a:pPr>
             <a:endParaRPr lang="en-US" sz="2800" dirty="0"/>
@@ -11535,7 +14525,7 @@
     </p:spTree>
     <p:extLst>
       <p:ext uri="{BB962C8B-B14F-4D97-AF65-F5344CB8AC3E}">
-        <p14:creationId xmlns:p14="http://schemas.microsoft.com/office/powerpoint/2010/main" val="784515827"/>
+        <p14:creationId xmlns:p14="http://schemas.microsoft.com/office/powerpoint/2010/main" val="2275396099"/>
       </p:ext>
     </p:extLst>
   </p:cSld>

--- a/Slides/05_WebAPI_TrainingPlan.pptx
+++ b/Slides/05_WebAPI_TrainingPlan.pptx
@@ -216,7 +216,7 @@
           <a:p>
             <a:fld id="{4BF743CC-1DEF-4052-93D3-94FD6541D9A8}" type="datetimeFigureOut">
               <a:rPr lang="en-US" smtClean="0"/>
-              <a:t>6/13/2018</a:t>
+              <a:t>6/16/2018</a:t>
             </a:fld>
             <a:endParaRPr lang="en-US"/>
           </a:p>
@@ -3140,7 +3140,7 @@
           <a:p>
             <a:fld id="{96FB5D56-0812-4ED5-8B52-3D0DCBF578CB}" type="datetimeFigureOut">
               <a:rPr lang="en-US" smtClean="0"/>
-              <a:t>6/13/2018</a:t>
+              <a:t>6/16/2018</a:t>
             </a:fld>
             <a:endParaRPr lang="en-US"/>
           </a:p>
@@ -3415,7 +3415,7 @@
           <a:p>
             <a:fld id="{96FB5D56-0812-4ED5-8B52-3D0DCBF578CB}" type="datetimeFigureOut">
               <a:rPr lang="en-US" smtClean="0"/>
-              <a:t>6/13/2018</a:t>
+              <a:t>6/16/2018</a:t>
             </a:fld>
             <a:endParaRPr lang="en-US"/>
           </a:p>
@@ -3609,7 +3609,7 @@
           <a:p>
             <a:fld id="{96FB5D56-0812-4ED5-8B52-3D0DCBF578CB}" type="datetimeFigureOut">
               <a:rPr lang="en-US" smtClean="0"/>
-              <a:t>6/13/2018</a:t>
+              <a:t>6/16/2018</a:t>
             </a:fld>
             <a:endParaRPr lang="en-US"/>
           </a:p>
@@ -3882,7 +3882,7 @@
           <a:p>
             <a:fld id="{96FB5D56-0812-4ED5-8B52-3D0DCBF578CB}" type="datetimeFigureOut">
               <a:rPr lang="en-US" smtClean="0"/>
-              <a:t>6/13/2018</a:t>
+              <a:t>6/16/2018</a:t>
             </a:fld>
             <a:endParaRPr lang="en-US"/>
           </a:p>
@@ -4223,7 +4223,7 @@
           <a:p>
             <a:fld id="{96FB5D56-0812-4ED5-8B52-3D0DCBF578CB}" type="datetimeFigureOut">
               <a:rPr lang="en-US" smtClean="0"/>
-              <a:t>6/13/2018</a:t>
+              <a:t>6/16/2018</a:t>
             </a:fld>
             <a:endParaRPr lang="en-US"/>
           </a:p>
@@ -4846,7 +4846,7 @@
           <a:p>
             <a:fld id="{96FB5D56-0812-4ED5-8B52-3D0DCBF578CB}" type="datetimeFigureOut">
               <a:rPr lang="en-US" smtClean="0"/>
-              <a:t>6/13/2018</a:t>
+              <a:t>6/16/2018</a:t>
             </a:fld>
             <a:endParaRPr lang="en-US"/>
           </a:p>
@@ -5706,7 +5706,7 @@
           <a:p>
             <a:fld id="{96FB5D56-0812-4ED5-8B52-3D0DCBF578CB}" type="datetimeFigureOut">
               <a:rPr lang="en-US" smtClean="0"/>
-              <a:t>6/13/2018</a:t>
+              <a:t>6/16/2018</a:t>
             </a:fld>
             <a:endParaRPr lang="en-US"/>
           </a:p>
@@ -5876,7 +5876,7 @@
           <a:p>
             <a:fld id="{96FB5D56-0812-4ED5-8B52-3D0DCBF578CB}" type="datetimeFigureOut">
               <a:rPr lang="en-US" smtClean="0"/>
-              <a:t>6/13/2018</a:t>
+              <a:t>6/16/2018</a:t>
             </a:fld>
             <a:endParaRPr lang="en-US"/>
           </a:p>
@@ -6056,7 +6056,7 @@
           <a:p>
             <a:fld id="{96FB5D56-0812-4ED5-8B52-3D0DCBF578CB}" type="datetimeFigureOut">
               <a:rPr lang="en-US" smtClean="0"/>
-              <a:t>6/13/2018</a:t>
+              <a:t>6/16/2018</a:t>
             </a:fld>
             <a:endParaRPr lang="en-US"/>
           </a:p>
@@ -6226,7 +6226,7 @@
           <a:p>
             <a:fld id="{96FB5D56-0812-4ED5-8B52-3D0DCBF578CB}" type="datetimeFigureOut">
               <a:rPr lang="en-US" smtClean="0"/>
-              <a:t>6/13/2018</a:t>
+              <a:t>6/16/2018</a:t>
             </a:fld>
             <a:endParaRPr lang="en-US"/>
           </a:p>
@@ -6473,7 +6473,7 @@
           <a:p>
             <a:fld id="{96FB5D56-0812-4ED5-8B52-3D0DCBF578CB}" type="datetimeFigureOut">
               <a:rPr lang="en-US" smtClean="0"/>
-              <a:t>6/13/2018</a:t>
+              <a:t>6/16/2018</a:t>
             </a:fld>
             <a:endParaRPr lang="en-US"/>
           </a:p>
@@ -6765,7 +6765,7 @@
           <a:p>
             <a:fld id="{96FB5D56-0812-4ED5-8B52-3D0DCBF578CB}" type="datetimeFigureOut">
               <a:rPr lang="en-US" smtClean="0"/>
-              <a:t>6/13/2018</a:t>
+              <a:t>6/16/2018</a:t>
             </a:fld>
             <a:endParaRPr lang="en-US"/>
           </a:p>
@@ -7209,7 +7209,7 @@
           <a:p>
             <a:fld id="{96FB5D56-0812-4ED5-8B52-3D0DCBF578CB}" type="datetimeFigureOut">
               <a:rPr lang="en-US" smtClean="0"/>
-              <a:t>6/13/2018</a:t>
+              <a:t>6/16/2018</a:t>
             </a:fld>
             <a:endParaRPr lang="en-US"/>
           </a:p>
@@ -7327,7 +7327,7 @@
           <a:p>
             <a:fld id="{96FB5D56-0812-4ED5-8B52-3D0DCBF578CB}" type="datetimeFigureOut">
               <a:rPr lang="en-US" smtClean="0"/>
-              <a:t>6/13/2018</a:t>
+              <a:t>6/16/2018</a:t>
             </a:fld>
             <a:endParaRPr lang="en-US"/>
           </a:p>
@@ -7422,7 +7422,7 @@
           <a:p>
             <a:fld id="{96FB5D56-0812-4ED5-8B52-3D0DCBF578CB}" type="datetimeFigureOut">
               <a:rPr lang="en-US" smtClean="0"/>
-              <a:t>6/13/2018</a:t>
+              <a:t>6/16/2018</a:t>
             </a:fld>
             <a:endParaRPr lang="en-US"/>
           </a:p>
@@ -7701,7 +7701,7 @@
           <a:p>
             <a:fld id="{96FB5D56-0812-4ED5-8B52-3D0DCBF578CB}" type="datetimeFigureOut">
               <a:rPr lang="en-US" smtClean="0"/>
-              <a:t>6/13/2018</a:t>
+              <a:t>6/16/2018</a:t>
             </a:fld>
             <a:endParaRPr lang="en-US"/>
           </a:p>
@@ -7976,7 +7976,7 @@
           <a:p>
             <a:fld id="{96FB5D56-0812-4ED5-8B52-3D0DCBF578CB}" type="datetimeFigureOut">
               <a:rPr lang="en-US" smtClean="0"/>
-              <a:t>6/13/2018</a:t>
+              <a:t>6/16/2018</a:t>
             </a:fld>
             <a:endParaRPr lang="en-US"/>
           </a:p>
@@ -8405,7 +8405,7 @@
           <a:p>
             <a:fld id="{96FB5D56-0812-4ED5-8B52-3D0DCBF578CB}" type="datetimeFigureOut">
               <a:rPr lang="en-US" smtClean="0"/>
-              <a:t>6/13/2018</a:t>
+              <a:t>6/16/2018</a:t>
             </a:fld>
             <a:endParaRPr lang="en-US"/>
           </a:p>
@@ -9100,9 +9100,10 @@
               <a:t>studentID</a:t>
             </a:r>
             <a:r>
-              <a:rPr lang="en-US" sz="2600" dirty="0"/>
-              <a:t>’: 0	</a:t>
-            </a:r>
+              <a:rPr lang="en-US" sz="2600"/>
+              <a:t>’: 0,</a:t>
+            </a:r>
+            <a:endParaRPr lang="en-US" sz="2600" dirty="0"/>
           </a:p>
           <a:p>
             <a:pPr marL="45720" indent="0">
